--- a/big-data/lecture08.pptx
+++ b/big-data/lecture08.pptx
@@ -10,6 +10,10 @@
     <p:sldId id="259" r:id="rId4"/>
     <p:sldId id="260" r:id="rId5"/>
     <p:sldId id="261" r:id="rId6"/>
+    <p:sldId id="262" r:id="rId7"/>
+    <p:sldId id="263" r:id="rId8"/>
+    <p:sldId id="264" r:id="rId9"/>
+    <p:sldId id="265" r:id="rId10"/>
   </p:sldIdLst>
   <p:sldSz cx="9144000" cy="6858000" type="screen4x3"/>
   <p:notesSz cx="6858000" cy="9144000"/>
@@ -5217,10 +5221,14 @@
                       <m:jc m:val="centerGroup"/>
                     </m:oMathParaPr>
                     <m:oMath xmlns:m="http://schemas.openxmlformats.org/officeDocument/2006/math">
+                      <m:r>
+                        <a:rPr lang="en-US" b="0" i="1" smtClean="0">
+                          <a:latin typeface="Cambria Math"/>
+                        </a:rPr>
+                        <m:t>𝑓</m:t>
+                      </m:r>
                       <m:d>
                         <m:dPr>
-                          <m:begChr m:val="|"/>
-                          <m:endChr m:val="|"/>
                           <m:ctrlPr>
                             <a:rPr lang="en-US" b="0" i="1" smtClean="0">
                               <a:latin typeface="Cambria Math"/>
@@ -5232,37 +5240,66 @@
                             <a:rPr lang="en-US" b="0" i="1" smtClean="0">
                               <a:latin typeface="Cambria Math"/>
                             </a:rPr>
-                            <m:t>𝑓</m:t>
+                            <m:t>𝑥</m:t>
                           </m:r>
-                          <m:d>
-                            <m:dPr>
-                              <m:ctrlPr>
-                                <a:rPr lang="en-US" b="0" i="1" smtClean="0">
-                                  <a:latin typeface="Cambria Math"/>
-                                </a:rPr>
-                              </m:ctrlPr>
-                            </m:dPr>
-                            <m:e>
-                              <m:r>
-                                <a:rPr lang="en-US" b="0" i="1" smtClean="0">
-                                  <a:latin typeface="Cambria Math"/>
-                                </a:rPr>
-                                <m:t>𝑥</m:t>
-                              </m:r>
-                            </m:e>
-                          </m:d>
+                        </m:e>
+                      </m:d>
+                      <m:r>
+                        <a:rPr lang="en-US" b="0" i="1" smtClean="0">
+                          <a:latin typeface="Cambria Math"/>
+                        </a:rPr>
+                        <m:t>≤</m:t>
+                      </m:r>
+                      <m:r>
+                        <a:rPr lang="en-US" b="0" i="1" smtClean="0">
+                          <a:latin typeface="Cambria Math"/>
+                        </a:rPr>
+                        <m:t>𝑓</m:t>
+                      </m:r>
+                      <m:d>
+                        <m:dPr>
+                          <m:ctrlPr>
+                            <a:rPr lang="en-US" b="0" i="1" smtClean="0">
+                              <a:latin typeface="Cambria Math"/>
+                            </a:rPr>
+                          </m:ctrlPr>
+                        </m:dPr>
+                        <m:e>
                           <m:r>
                             <a:rPr lang="en-US" b="0" i="1" smtClean="0">
                               <a:latin typeface="Cambria Math"/>
                             </a:rPr>
-                            <m:t>−</m:t>
+                            <m:t>𝑦</m:t>
                           </m:r>
-                          <m:r>
-                            <a:rPr lang="en-US" b="0" i="1" smtClean="0">
-                              <a:latin typeface="Cambria Math"/>
-                            </a:rPr>
-                            <m:t>𝑓</m:t>
-                          </m:r>
+                        </m:e>
+                      </m:d>
+                      <m:r>
+                        <a:rPr lang="en-US" b="0" i="0" smtClean="0">
+                          <a:latin typeface="Cambria Math"/>
+                        </a:rPr>
+                        <m:t>+</m:t>
+                      </m:r>
+                      <m:r>
+                        <a:rPr lang="en-US" b="0" i="0" smtClean="0">
+                          <a:latin typeface="Cambria Math"/>
+                        </a:rPr>
+                        <m:t>𝛻</m:t>
+                      </m:r>
+                      <m:r>
+                        <a:rPr lang="en-US" b="0" i="1" smtClean="0">
+                          <a:latin typeface="Cambria Math"/>
+                        </a:rPr>
+                        <m:t>𝑓</m:t>
+                      </m:r>
+                      <m:sSup>
+                        <m:sSupPr>
+                          <m:ctrlPr>
+                            <a:rPr lang="en-US" b="0" i="1" smtClean="0">
+                              <a:latin typeface="Cambria Math"/>
+                            </a:rPr>
+                          </m:ctrlPr>
+                        </m:sSupPr>
+                        <m:e>
                           <m:d>
                             <m:dPr>
                               <m:ctrlPr>
@@ -5280,96 +5317,50 @@
                               </m:r>
                             </m:e>
                           </m:d>
+                        </m:e>
+                        <m:sup>
                           <m:r>
                             <a:rPr lang="en-US" b="0" i="1" smtClean="0">
                               <a:latin typeface="Cambria Math"/>
                             </a:rPr>
-                            <m:t> −</m:t>
+                            <m:t>𝑇</m:t>
+                          </m:r>
+                        </m:sup>
+                      </m:sSup>
+                      <m:d>
+                        <m:dPr>
+                          <m:ctrlPr>
+                            <a:rPr lang="en-US" b="0" i="1" smtClean="0">
+                              <a:latin typeface="Cambria Math"/>
+                            </a:rPr>
+                          </m:ctrlPr>
+                        </m:dPr>
+                        <m:e>
+                          <m:r>
+                            <a:rPr lang="en-US" b="0" i="1" smtClean="0">
+                              <a:latin typeface="Cambria Math"/>
+                            </a:rPr>
+                            <m:t>𝑥</m:t>
                           </m:r>
                           <m:r>
-                            <a:rPr lang="en-US" b="0" i="0" smtClean="0">
-                              <a:latin typeface="Cambria Math"/>
-                            </a:rPr>
-                            <m:t>∇</m:t>
+                            <a:rPr lang="en-US" b="0" i="1" smtClean="0">
+                              <a:latin typeface="Cambria Math"/>
+                            </a:rPr>
+                            <m:t>−</m:t>
                           </m:r>
                           <m:r>
                             <a:rPr lang="en-US" b="0" i="1" smtClean="0">
                               <a:latin typeface="Cambria Math"/>
                             </a:rPr>
-                            <m:t>𝑓</m:t>
+                            <m:t>𝑦</m:t>
                           </m:r>
-                          <m:sSup>
-                            <m:sSupPr>
-                              <m:ctrlPr>
-                                <a:rPr lang="en-US" b="0" i="1" smtClean="0">
-                                  <a:latin typeface="Cambria Math"/>
-                                </a:rPr>
-                              </m:ctrlPr>
-                            </m:sSupPr>
-                            <m:e>
-                              <m:d>
-                                <m:dPr>
-                                  <m:ctrlPr>
-                                    <a:rPr lang="en-US" b="0" i="1" smtClean="0">
-                                      <a:latin typeface="Cambria Math"/>
-                                    </a:rPr>
-                                  </m:ctrlPr>
-                                </m:dPr>
-                                <m:e>
-                                  <m:r>
-                                    <a:rPr lang="en-US" b="0" i="1" smtClean="0">
-                                      <a:latin typeface="Cambria Math"/>
-                                    </a:rPr>
-                                    <m:t>𝑦</m:t>
-                                  </m:r>
-                                </m:e>
-                              </m:d>
-                            </m:e>
-                            <m:sup>
-                              <m:r>
-                                <a:rPr lang="en-US" b="0" i="1" smtClean="0">
-                                  <a:latin typeface="Cambria Math"/>
-                                </a:rPr>
-                                <m:t>𝑇</m:t>
-                              </m:r>
-                            </m:sup>
-                          </m:sSup>
-                          <m:d>
-                            <m:dPr>
-                              <m:ctrlPr>
-                                <a:rPr lang="en-US" b="0" i="1" smtClean="0">
-                                  <a:latin typeface="Cambria Math"/>
-                                </a:rPr>
-                              </m:ctrlPr>
-                            </m:dPr>
-                            <m:e>
-                              <m:r>
-                                <a:rPr lang="en-US" b="0" i="1" smtClean="0">
-                                  <a:latin typeface="Cambria Math"/>
-                                </a:rPr>
-                                <m:t>𝑥</m:t>
-                              </m:r>
-                              <m:r>
-                                <a:rPr lang="en-US" b="0" i="1" smtClean="0">
-                                  <a:latin typeface="Cambria Math"/>
-                                </a:rPr>
-                                <m:t>−</m:t>
-                              </m:r>
-                              <m:r>
-                                <a:rPr lang="en-US" b="0" i="1" smtClean="0">
-                                  <a:latin typeface="Cambria Math"/>
-                                </a:rPr>
-                                <m:t>𝑦</m:t>
-                              </m:r>
-                            </m:e>
-                          </m:d>
                         </m:e>
                       </m:d>
                       <m:r>
                         <a:rPr lang="en-US" b="0" i="1" smtClean="0">
                           <a:latin typeface="Cambria Math"/>
                         </a:rPr>
-                        <m:t>≤</m:t>
+                        <m:t>+</m:t>
                       </m:r>
                       <m:f>
                         <m:fPr>
@@ -5467,10 +5458,14 @@
               <a:p>
                 <a14:m>
                   <m:oMath xmlns:m="http://schemas.openxmlformats.org/officeDocument/2006/math">
+                    <m:r>
+                      <a:rPr lang="en-US" b="0" i="1" smtClean="0">
+                        <a:latin typeface="Cambria Math"/>
+                      </a:rPr>
+                      <m:t>𝑓</m:t>
+                    </m:r>
                     <m:d>
                       <m:dPr>
-                        <m:begChr m:val="|"/>
-                        <m:endChr m:val="|"/>
                         <m:ctrlPr>
                           <a:rPr lang="en-US" b="0" i="1" smtClean="0">
                             <a:latin typeface="Cambria Math"/>
@@ -5482,37 +5477,66 @@
                           <a:rPr lang="en-US" b="0" i="1" smtClean="0">
                             <a:latin typeface="Cambria Math"/>
                           </a:rPr>
-                          <m:t>𝑓</m:t>
-                        </m:r>
-                        <m:d>
-                          <m:dPr>
-                            <m:ctrlPr>
-                              <a:rPr lang="en-US" b="0" i="1" smtClean="0">
-                                <a:latin typeface="Cambria Math"/>
-                              </a:rPr>
-                            </m:ctrlPr>
-                          </m:dPr>
-                          <m:e>
-                            <m:r>
-                              <a:rPr lang="en-US" b="0" i="1" smtClean="0">
-                                <a:latin typeface="Cambria Math"/>
-                              </a:rPr>
-                              <m:t>𝑥</m:t>
-                            </m:r>
-                          </m:e>
-                        </m:d>
-                        <m:r>
-                          <a:rPr lang="en-US" b="0" i="1" smtClean="0">
-                            <a:latin typeface="Cambria Math"/>
-                          </a:rPr>
-                          <m:t>−</m:t>
-                        </m:r>
-                        <m:r>
-                          <a:rPr lang="en-US" b="0" i="1" smtClean="0">
-                            <a:latin typeface="Cambria Math"/>
-                          </a:rPr>
-                          <m:t>𝑓</m:t>
-                        </m:r>
+                          <m:t>𝑥</m:t>
+                        </m:r>
+                      </m:e>
+                    </m:d>
+                    <m:r>
+                      <a:rPr lang="en-US" b="0" i="1" smtClean="0">
+                        <a:latin typeface="Cambria Math"/>
+                      </a:rPr>
+                      <m:t>−</m:t>
+                    </m:r>
+                    <m:r>
+                      <a:rPr lang="en-US" b="0" i="1" smtClean="0">
+                        <a:latin typeface="Cambria Math"/>
+                      </a:rPr>
+                      <m:t>𝑓</m:t>
+                    </m:r>
+                    <m:d>
+                      <m:dPr>
+                        <m:ctrlPr>
+                          <a:rPr lang="en-US" b="0" i="1" smtClean="0">
+                            <a:latin typeface="Cambria Math"/>
+                          </a:rPr>
+                        </m:ctrlPr>
+                      </m:dPr>
+                      <m:e>
+                        <m:r>
+                          <a:rPr lang="en-US" b="0" i="1" smtClean="0">
+                            <a:latin typeface="Cambria Math"/>
+                          </a:rPr>
+                          <m:t>𝑦</m:t>
+                        </m:r>
+                      </m:e>
+                    </m:d>
+                    <m:r>
+                      <a:rPr lang="en-US" b="0" i="1" smtClean="0">
+                        <a:latin typeface="Cambria Math"/>
+                      </a:rPr>
+                      <m:t> −</m:t>
+                    </m:r>
+                    <m:r>
+                      <a:rPr lang="en-US" b="0" i="0" smtClean="0">
+                        <a:latin typeface="Cambria Math"/>
+                      </a:rPr>
+                      <m:t>𝛻</m:t>
+                    </m:r>
+                    <m:r>
+                      <a:rPr lang="en-US" b="0" i="1" smtClean="0">
+                        <a:latin typeface="Cambria Math"/>
+                      </a:rPr>
+                      <m:t>𝑓</m:t>
+                    </m:r>
+                    <m:sSup>
+                      <m:sSupPr>
+                        <m:ctrlPr>
+                          <a:rPr lang="en-US" b="0" i="1" smtClean="0">
+                            <a:latin typeface="Cambria Math"/>
+                          </a:rPr>
+                        </m:ctrlPr>
+                      </m:sSupPr>
+                      <m:e>
                         <m:d>
                           <m:dPr>
                             <m:ctrlPr>
@@ -5530,12 +5554,76 @@
                             </m:r>
                           </m:e>
                         </m:d>
-                        <m:r>
-                          <a:rPr lang="en-US" b="0" i="1" smtClean="0">
-                            <a:latin typeface="Cambria Math"/>
-                          </a:rPr>
-                          <m:t> −</m:t>
-                        </m:r>
+                      </m:e>
+                      <m:sup>
+                        <m:r>
+                          <a:rPr lang="en-US" b="0" i="1" smtClean="0">
+                            <a:latin typeface="Cambria Math"/>
+                          </a:rPr>
+                          <m:t>𝑇</m:t>
+                        </m:r>
+                      </m:sup>
+                    </m:sSup>
+                    <m:d>
+                      <m:dPr>
+                        <m:ctrlPr>
+                          <a:rPr lang="en-US" b="0" i="1" smtClean="0">
+                            <a:latin typeface="Cambria Math"/>
+                          </a:rPr>
+                        </m:ctrlPr>
+                      </m:dPr>
+                      <m:e>
+                        <m:r>
+                          <a:rPr lang="en-US" b="0" i="1" smtClean="0">
+                            <a:latin typeface="Cambria Math"/>
+                          </a:rPr>
+                          <m:t>𝑥</m:t>
+                        </m:r>
+                        <m:r>
+                          <a:rPr lang="en-US" b="0" i="1" smtClean="0">
+                            <a:latin typeface="Cambria Math"/>
+                          </a:rPr>
+                          <m:t>−</m:t>
+                        </m:r>
+                        <m:r>
+                          <a:rPr lang="en-US" b="0" i="1" smtClean="0">
+                            <a:latin typeface="Cambria Math"/>
+                          </a:rPr>
+                          <m:t>𝑦</m:t>
+                        </m:r>
+                      </m:e>
+                    </m:d>
+                    <m:r>
+                      <a:rPr lang="en-US" b="0" i="1" smtClean="0">
+                        <a:latin typeface="Cambria Math"/>
+                      </a:rPr>
+                      <m:t>=</m:t>
+                    </m:r>
+                    <m:nary>
+                      <m:naryPr>
+                        <m:ctrlPr>
+                          <a:rPr lang="en-US" b="0" i="1" smtClean="0">
+                            <a:latin typeface="Cambria Math"/>
+                          </a:rPr>
+                        </m:ctrlPr>
+                      </m:naryPr>
+                      <m:sub>
+                        <m:r>
+                          <a:rPr lang="en-US" b="0" i="1" smtClean="0">
+                            <a:latin typeface="Cambria Math"/>
+                          </a:rPr>
+                          <m:t>0</m:t>
+                        </m:r>
+                      </m:sub>
+                      <m:sup>
+                        <m:r>
+                          <a:rPr lang="en-US" b="0" i="1" smtClean="0">
+                            <a:latin typeface="Cambria Math"/>
+                          </a:rPr>
+                          <m:t>1</m:t>
+                        </m:r>
+                      </m:sup>
+                      <m:e>
                         <m:r>
                           <a:rPr lang="en-US" b="0" i="0" smtClean="0">
                             <a:latin typeface="Cambria Math"/>
@@ -5572,6 +5660,47 @@
                                   </a:rPr>
                                   <m:t>𝑦</m:t>
                                 </m:r>
+                                <m:r>
+                                  <a:rPr lang="en-US" b="0" i="1" smtClean="0">
+                                    <a:latin typeface="Cambria Math"/>
+                                  </a:rPr>
+                                  <m:t>+</m:t>
+                                </m:r>
+                                <m:r>
+                                  <a:rPr lang="en-US" b="0" i="1" smtClean="0">
+                                    <a:latin typeface="Cambria Math"/>
+                                  </a:rPr>
+                                  <m:t>𝑡</m:t>
+                                </m:r>
+                                <m:d>
+                                  <m:dPr>
+                                    <m:ctrlPr>
+                                      <a:rPr lang="en-US" b="0" i="1" smtClean="0">
+                                        <a:latin typeface="Cambria Math"/>
+                                      </a:rPr>
+                                    </m:ctrlPr>
+                                  </m:dPr>
+                                  <m:e>
+                                    <m:r>
+                                      <a:rPr lang="en-US" b="0" i="1" smtClean="0">
+                                        <a:latin typeface="Cambria Math"/>
+                                      </a:rPr>
+                                      <m:t>𝑥</m:t>
+                                    </m:r>
+                                    <m:r>
+                                      <a:rPr lang="en-US" b="0" i="1" smtClean="0">
+                                        <a:latin typeface="Cambria Math"/>
+                                      </a:rPr>
+                                      <m:t>−</m:t>
+                                    </m:r>
+                                    <m:r>
+                                      <a:rPr lang="en-US" b="0" i="1" smtClean="0">
+                                        <a:latin typeface="Cambria Math"/>
+                                      </a:rPr>
+                                      <m:t>𝑦</m:t>
+                                    </m:r>
+                                  </m:e>
+                                </m:d>
                               </m:e>
                             </m:d>
                           </m:e>
@@ -5613,278 +5742,99 @@
                             </m:r>
                           </m:e>
                         </m:d>
+                        <m:r>
+                          <a:rPr lang="en-US" b="0" i="1" smtClean="0">
+                            <a:latin typeface="Cambria Math"/>
+                          </a:rPr>
+                          <m:t>𝑑𝑡</m:t>
+                        </m:r>
                       </m:e>
-                    </m:d>
+                    </m:nary>
+                    <m:r>
+                      <a:rPr lang="en-US" b="0" i="1" smtClean="0">
+                        <a:latin typeface="Cambria Math"/>
+                      </a:rPr>
+                      <m:t> −</m:t>
+                    </m:r>
+                    <m:r>
+                      <a:rPr lang="en-US" b="0" i="0" smtClean="0">
+                        <a:latin typeface="Cambria Math"/>
+                      </a:rPr>
+                      <m:t>𝛻</m:t>
+                    </m:r>
+                    <m:r>
+                      <a:rPr lang="en-US" b="0" i="1" smtClean="0">
+                        <a:latin typeface="Cambria Math"/>
+                      </a:rPr>
+                      <m:t>𝑓</m:t>
+                    </m:r>
+                    <m:sSup>
+                      <m:sSupPr>
+                        <m:ctrlPr>
+                          <a:rPr lang="en-US" b="0" i="1" smtClean="0">
+                            <a:latin typeface="Cambria Math"/>
+                          </a:rPr>
+                        </m:ctrlPr>
+                      </m:sSupPr>
+                      <m:e>
+                        <m:d>
+                          <m:dPr>
+                            <m:ctrlPr>
+                              <a:rPr lang="en-US" b="0" i="1" smtClean="0">
+                                <a:latin typeface="Cambria Math"/>
+                              </a:rPr>
+                            </m:ctrlPr>
+                          </m:dPr>
+                          <m:e>
+                            <m:r>
+                              <a:rPr lang="en-US" b="0" i="1" smtClean="0">
+                                <a:latin typeface="Cambria Math"/>
+                              </a:rPr>
+                              <m:t>𝑦</m:t>
+                            </m:r>
+                          </m:e>
+                        </m:d>
+                      </m:e>
+                      <m:sup>
+                        <m:r>
+                          <a:rPr lang="en-US" b="0" i="1" smtClean="0">
+                            <a:latin typeface="Cambria Math"/>
+                          </a:rPr>
+                          <m:t>𝑇</m:t>
+                        </m:r>
+                      </m:sup>
+                    </m:sSup>
+                    <m:r>
+                      <a:rPr lang="en-US" b="0" i="1" smtClean="0">
+                        <a:latin typeface="Cambria Math"/>
+                      </a:rPr>
+                      <m:t>(</m:t>
+                    </m:r>
+                    <m:r>
+                      <a:rPr lang="en-US" b="0" i="1" smtClean="0">
+                        <a:latin typeface="Cambria Math"/>
+                      </a:rPr>
+                      <m:t>𝑥</m:t>
+                    </m:r>
+                    <m:r>
+                      <a:rPr lang="en-US" b="0" i="1" smtClean="0">
+                        <a:latin typeface="Cambria Math"/>
+                      </a:rPr>
+                      <m:t>−</m:t>
+                    </m:r>
+                    <m:r>
+                      <a:rPr lang="en-US" b="0" i="1" smtClean="0">
+                        <a:latin typeface="Cambria Math"/>
+                      </a:rPr>
+                      <m:t>𝑦</m:t>
+                    </m:r>
+                    <m:r>
+                      <a:rPr lang="en-US" b="0" i="1" smtClean="0">
+                        <a:latin typeface="Cambria Math"/>
+                      </a:rPr>
+                      <m:t>)</m:t>
+                    </m:r>
                   </m:oMath>
-                </a14:m>
-                <a:endParaRPr lang="en-US" b="1" dirty="0" smtClean="0"/>
-              </a:p>
-              <a:p>
-                <a:pPr marL="0" indent="0">
-                  <a:buNone/>
-                </a:pPr>
-                <a14:m>
-                  <m:oMathPara xmlns:m="http://schemas.openxmlformats.org/officeDocument/2006/math">
-                    <m:oMathParaPr>
-                      <m:jc m:val="centerGroup"/>
-                    </m:oMathParaPr>
-                    <m:oMath xmlns:m="http://schemas.openxmlformats.org/officeDocument/2006/math">
-                      <m:r>
-                        <a:rPr lang="en-US" b="0" i="1" smtClean="0">
-                          <a:latin typeface="Cambria Math"/>
-                        </a:rPr>
-                        <m:t>=</m:t>
-                      </m:r>
-                      <m:d>
-                        <m:dPr>
-                          <m:begChr m:val="|"/>
-                          <m:endChr m:val="|"/>
-                          <m:ctrlPr>
-                            <a:rPr lang="en-US" b="0" i="1" smtClean="0">
-                              <a:latin typeface="Cambria Math"/>
-                            </a:rPr>
-                          </m:ctrlPr>
-                        </m:dPr>
-                        <m:e>
-                          <m:nary>
-                            <m:naryPr>
-                              <m:ctrlPr>
-                                <a:rPr lang="en-US" b="0" i="1" smtClean="0">
-                                  <a:latin typeface="Cambria Math"/>
-                                </a:rPr>
-                              </m:ctrlPr>
-                            </m:naryPr>
-                            <m:sub>
-                              <m:r>
-                                <a:rPr lang="en-US" b="0" i="1" smtClean="0">
-                                  <a:latin typeface="Cambria Math"/>
-                                </a:rPr>
-                                <m:t>0</m:t>
-                              </m:r>
-                            </m:sub>
-                            <m:sup>
-                              <m:r>
-                                <a:rPr lang="en-US" b="0" i="1" smtClean="0">
-                                  <a:latin typeface="Cambria Math"/>
-                                </a:rPr>
-                                <m:t>1</m:t>
-                              </m:r>
-                            </m:sup>
-                            <m:e>
-                              <m:r>
-                                <a:rPr lang="en-US" b="0" i="0" smtClean="0">
-                                  <a:latin typeface="Cambria Math"/>
-                                </a:rPr>
-                                <m:t>∇</m:t>
-                              </m:r>
-                              <m:r>
-                                <a:rPr lang="en-US" b="0" i="1" smtClean="0">
-                                  <a:latin typeface="Cambria Math"/>
-                                </a:rPr>
-                                <m:t>𝑓</m:t>
-                              </m:r>
-                              <m:sSup>
-                                <m:sSupPr>
-                                  <m:ctrlPr>
-                                    <a:rPr lang="en-US" b="0" i="1" smtClean="0">
-                                      <a:latin typeface="Cambria Math"/>
-                                    </a:rPr>
-                                  </m:ctrlPr>
-                                </m:sSupPr>
-                                <m:e>
-                                  <m:d>
-                                    <m:dPr>
-                                      <m:ctrlPr>
-                                        <a:rPr lang="en-US" b="0" i="1" smtClean="0">
-                                          <a:latin typeface="Cambria Math"/>
-                                        </a:rPr>
-                                      </m:ctrlPr>
-                                    </m:dPr>
-                                    <m:e>
-                                      <m:r>
-                                        <a:rPr lang="en-US" b="0" i="1" smtClean="0">
-                                          <a:latin typeface="Cambria Math"/>
-                                        </a:rPr>
-                                        <m:t>𝑦</m:t>
-                                      </m:r>
-                                      <m:r>
-                                        <a:rPr lang="en-US" b="0" i="1" smtClean="0">
-                                          <a:latin typeface="Cambria Math"/>
-                                        </a:rPr>
-                                        <m:t>+</m:t>
-                                      </m:r>
-                                      <m:r>
-                                        <a:rPr lang="en-US" b="0" i="1" smtClean="0">
-                                          <a:latin typeface="Cambria Math"/>
-                                        </a:rPr>
-                                        <m:t>𝑡</m:t>
-                                      </m:r>
-                                      <m:d>
-                                        <m:dPr>
-                                          <m:ctrlPr>
-                                            <a:rPr lang="en-US" b="0" i="1" smtClean="0">
-                                              <a:latin typeface="Cambria Math"/>
-                                            </a:rPr>
-                                          </m:ctrlPr>
-                                        </m:dPr>
-                                        <m:e>
-                                          <m:r>
-                                            <a:rPr lang="en-US" b="0" i="1" smtClean="0">
-                                              <a:latin typeface="Cambria Math"/>
-                                            </a:rPr>
-                                            <m:t>𝑥</m:t>
-                                          </m:r>
-                                          <m:r>
-                                            <a:rPr lang="en-US" b="0" i="1" smtClean="0">
-                                              <a:latin typeface="Cambria Math"/>
-                                            </a:rPr>
-                                            <m:t>−</m:t>
-                                          </m:r>
-                                          <m:r>
-                                            <a:rPr lang="en-US" b="0" i="1" smtClean="0">
-                                              <a:latin typeface="Cambria Math"/>
-                                            </a:rPr>
-                                            <m:t>𝑦</m:t>
-                                          </m:r>
-                                        </m:e>
-                                      </m:d>
-                                    </m:e>
-                                  </m:d>
-                                </m:e>
-                                <m:sup>
-                                  <m:r>
-                                    <a:rPr lang="en-US" b="0" i="1" smtClean="0">
-                                      <a:latin typeface="Cambria Math"/>
-                                    </a:rPr>
-                                    <m:t>𝑇</m:t>
-                                  </m:r>
-                                </m:sup>
-                              </m:sSup>
-                              <m:d>
-                                <m:dPr>
-                                  <m:ctrlPr>
-                                    <a:rPr lang="en-US" b="0" i="1" smtClean="0">
-                                      <a:latin typeface="Cambria Math"/>
-                                    </a:rPr>
-                                  </m:ctrlPr>
-                                </m:dPr>
-                                <m:e>
-                                  <m:r>
-                                    <a:rPr lang="en-US" b="0" i="1" smtClean="0">
-                                      <a:latin typeface="Cambria Math"/>
-                                    </a:rPr>
-                                    <m:t>𝑥</m:t>
-                                  </m:r>
-                                  <m:r>
-                                    <a:rPr lang="en-US" b="0" i="1" smtClean="0">
-                                      <a:latin typeface="Cambria Math"/>
-                                    </a:rPr>
-                                    <m:t>−</m:t>
-                                  </m:r>
-                                  <m:r>
-                                    <a:rPr lang="en-US" b="0" i="1" smtClean="0">
-                                      <a:latin typeface="Cambria Math"/>
-                                    </a:rPr>
-                                    <m:t>𝑦</m:t>
-                                  </m:r>
-                                </m:e>
-                              </m:d>
-                              <m:r>
-                                <a:rPr lang="en-US" b="0" i="1" smtClean="0">
-                                  <a:latin typeface="Cambria Math"/>
-                                </a:rPr>
-                                <m:t>𝑑𝑡</m:t>
-                              </m:r>
-                            </m:e>
-                          </m:nary>
-                          <m:r>
-                            <a:rPr lang="en-US" b="0" i="1" smtClean="0">
-                              <a:latin typeface="Cambria Math"/>
-                            </a:rPr>
-                            <m:t> −</m:t>
-                          </m:r>
-                          <m:r>
-                            <a:rPr lang="en-US" b="0" i="0" smtClean="0">
-                              <a:latin typeface="Cambria Math"/>
-                            </a:rPr>
-                            <m:t>∇</m:t>
-                          </m:r>
-                          <m:r>
-                            <a:rPr lang="en-US" b="0" i="1" smtClean="0">
-                              <a:latin typeface="Cambria Math"/>
-                            </a:rPr>
-                            <m:t>𝑓</m:t>
-                          </m:r>
-                          <m:sSup>
-                            <m:sSupPr>
-                              <m:ctrlPr>
-                                <a:rPr lang="en-US" b="0" i="1" smtClean="0">
-                                  <a:latin typeface="Cambria Math"/>
-                                </a:rPr>
-                              </m:ctrlPr>
-                            </m:sSupPr>
-                            <m:e>
-                              <m:d>
-                                <m:dPr>
-                                  <m:ctrlPr>
-                                    <a:rPr lang="en-US" b="0" i="1" smtClean="0">
-                                      <a:latin typeface="Cambria Math"/>
-                                    </a:rPr>
-                                  </m:ctrlPr>
-                                </m:dPr>
-                                <m:e>
-                                  <m:r>
-                                    <a:rPr lang="en-US" b="0" i="1" smtClean="0">
-                                      <a:latin typeface="Cambria Math"/>
-                                    </a:rPr>
-                                    <m:t>𝑦</m:t>
-                                  </m:r>
-                                </m:e>
-                              </m:d>
-                            </m:e>
-                            <m:sup>
-                              <m:r>
-                                <a:rPr lang="en-US" b="0" i="1" smtClean="0">
-                                  <a:latin typeface="Cambria Math"/>
-                                </a:rPr>
-                                <m:t>𝑇</m:t>
-                              </m:r>
-                            </m:sup>
-                          </m:sSup>
-                          <m:r>
-                            <a:rPr lang="en-US" b="0" i="1" smtClean="0">
-                              <a:latin typeface="Cambria Math"/>
-                            </a:rPr>
-                            <m:t>(</m:t>
-                          </m:r>
-                          <m:r>
-                            <a:rPr lang="en-US" b="0" i="1" smtClean="0">
-                              <a:latin typeface="Cambria Math"/>
-                            </a:rPr>
-                            <m:t>𝑥</m:t>
-                          </m:r>
-                          <m:r>
-                            <a:rPr lang="en-US" b="0" i="1" smtClean="0">
-                              <a:latin typeface="Cambria Math"/>
-                            </a:rPr>
-                            <m:t>−</m:t>
-                          </m:r>
-                          <m:r>
-                            <a:rPr lang="en-US" b="0" i="1" smtClean="0">
-                              <a:latin typeface="Cambria Math"/>
-                            </a:rPr>
-                            <m:t>𝑦</m:t>
-                          </m:r>
-                          <m:r>
-                            <a:rPr lang="en-US" b="0" i="1" smtClean="0">
-                              <a:latin typeface="Cambria Math"/>
-                            </a:rPr>
-                            <m:t>)</m:t>
-                          </m:r>
-                        </m:e>
-                      </m:d>
-                    </m:oMath>
-                  </m:oMathPara>
                 </a14:m>
                 <a:endParaRPr lang="en-US" b="0" dirty="0" smtClean="0"/>
               </a:p>
@@ -6148,18 +6098,6 @@
                     </m:oMathParaPr>
                     <m:oMath xmlns:m="http://schemas.openxmlformats.org/officeDocument/2006/math">
                       <m:r>
-                        <a:rPr lang="en-US" i="1">
-                          <a:latin typeface="Cambria Math"/>
-                        </a:rPr>
-                        <m:t>0</m:t>
-                      </m:r>
-                      <m:r>
-                        <a:rPr lang="en-US" b="0" i="1" smtClean="0">
-                          <a:latin typeface="Cambria Math"/>
-                        </a:rPr>
-                        <m:t>≤</m:t>
-                      </m:r>
-                      <m:r>
                         <a:rPr lang="en-US" b="0" i="1" smtClean="0">
                           <a:latin typeface="Cambria Math"/>
                         </a:rPr>
@@ -6178,44 +6116,15 @@
                             <a:rPr lang="en-US" b="0" i="1" smtClean="0">
                               <a:latin typeface="Cambria Math"/>
                             </a:rPr>
-                            <m:t>𝑥</m:t>
-                          </m:r>
-                        </m:e>
-                      </m:d>
-                      <m:r>
-                        <a:rPr lang="en-US" b="0" i="1" smtClean="0">
-                          <a:latin typeface="Cambria Math"/>
-                        </a:rPr>
-                        <m:t>−</m:t>
-                      </m:r>
-                      <m:r>
-                        <a:rPr lang="en-US" b="0" i="1" smtClean="0">
-                          <a:latin typeface="Cambria Math"/>
-                        </a:rPr>
-                        <m:t>𝑓</m:t>
-                      </m:r>
-                      <m:d>
-                        <m:dPr>
-                          <m:ctrlPr>
-                            <a:rPr lang="en-US" b="0" i="1" smtClean="0">
-                              <a:latin typeface="Cambria Math"/>
-                            </a:rPr>
-                          </m:ctrlPr>
-                        </m:dPr>
-                        <m:e>
-                          <m:r>
-                            <a:rPr lang="en-US" b="0" i="1" smtClean="0">
-                              <a:latin typeface="Cambria Math"/>
-                            </a:rPr>
                             <m:t>𝑦</m:t>
                           </m:r>
                         </m:e>
                       </m:d>
                       <m:r>
-                        <a:rPr lang="en-US" b="0" i="1" smtClean="0">
+                        <a:rPr lang="en-US" b="0" i="0" smtClean="0">
                           <a:latin typeface="Cambria Math"/>
                         </a:rPr>
-                        <m:t> −</m:t>
+                        <m:t>+</m:t>
                       </m:r>
                       <m:r>
                         <a:rPr lang="en-US" b="0" i="0" smtClean="0">
@@ -6298,7 +6207,154 @@
                         <a:rPr lang="en-US" b="0" i="1" smtClean="0">
                           <a:latin typeface="Cambria Math"/>
                         </a:rPr>
+                        <m:t> </m:t>
+                      </m:r>
+                      <m:r>
+                        <a:rPr lang="en-US" b="0" i="1" smtClean="0">
+                          <a:latin typeface="Cambria Math"/>
+                        </a:rPr>
                         <m:t>≤</m:t>
+                      </m:r>
+                      <m:r>
+                        <a:rPr lang="en-US" b="0" i="1" smtClean="0">
+                          <a:latin typeface="Cambria Math"/>
+                        </a:rPr>
+                        <m:t>𝑓</m:t>
+                      </m:r>
+                      <m:d>
+                        <m:dPr>
+                          <m:ctrlPr>
+                            <a:rPr lang="en-US" b="0" i="1" smtClean="0">
+                              <a:latin typeface="Cambria Math"/>
+                            </a:rPr>
+                          </m:ctrlPr>
+                        </m:dPr>
+                        <m:e>
+                          <m:r>
+                            <a:rPr lang="en-US" b="0" i="1" smtClean="0">
+                              <a:latin typeface="Cambria Math"/>
+                            </a:rPr>
+                            <m:t>𝑥</m:t>
+                          </m:r>
+                        </m:e>
+                      </m:d>
+                      <m:r>
+                        <a:rPr lang="en-US" b="0" i="1" smtClean="0">
+                          <a:latin typeface="Cambria Math"/>
+                        </a:rPr>
+                        <m:t>≤</m:t>
+                      </m:r>
+                      <m:r>
+                        <a:rPr lang="en-US" b="0" i="1" smtClean="0">
+                          <a:latin typeface="Cambria Math"/>
+                        </a:rPr>
+                        <m:t>𝑓</m:t>
+                      </m:r>
+                      <m:d>
+                        <m:dPr>
+                          <m:ctrlPr>
+                            <a:rPr lang="en-US" b="0" i="1" smtClean="0">
+                              <a:latin typeface="Cambria Math"/>
+                            </a:rPr>
+                          </m:ctrlPr>
+                        </m:dPr>
+                        <m:e>
+                          <m:r>
+                            <a:rPr lang="en-US" b="0" i="1" smtClean="0">
+                              <a:latin typeface="Cambria Math"/>
+                            </a:rPr>
+                            <m:t>𝑦</m:t>
+                          </m:r>
+                        </m:e>
+                      </m:d>
+                      <m:r>
+                        <a:rPr lang="en-US" b="0" i="0" smtClean="0">
+                          <a:latin typeface="Cambria Math"/>
+                        </a:rPr>
+                        <m:t>+</m:t>
+                      </m:r>
+                      <m:r>
+                        <a:rPr lang="en-US" b="0" i="0" smtClean="0">
+                          <a:latin typeface="Cambria Math"/>
+                        </a:rPr>
+                        <m:t>𝛻</m:t>
+                      </m:r>
+                      <m:r>
+                        <a:rPr lang="en-US" b="0" i="1" smtClean="0">
+                          <a:latin typeface="Cambria Math"/>
+                        </a:rPr>
+                        <m:t>𝑓</m:t>
+                      </m:r>
+                      <m:sSup>
+                        <m:sSupPr>
+                          <m:ctrlPr>
+                            <a:rPr lang="en-US" b="0" i="1" smtClean="0">
+                              <a:latin typeface="Cambria Math"/>
+                            </a:rPr>
+                          </m:ctrlPr>
+                        </m:sSupPr>
+                        <m:e>
+                          <m:d>
+                            <m:dPr>
+                              <m:ctrlPr>
+                                <a:rPr lang="en-US" b="0" i="1" smtClean="0">
+                                  <a:latin typeface="Cambria Math"/>
+                                </a:rPr>
+                              </m:ctrlPr>
+                            </m:dPr>
+                            <m:e>
+                              <m:r>
+                                <a:rPr lang="en-US" b="0" i="1" smtClean="0">
+                                  <a:latin typeface="Cambria Math"/>
+                                </a:rPr>
+                                <m:t>𝑦</m:t>
+                              </m:r>
+                            </m:e>
+                          </m:d>
+                        </m:e>
+                        <m:sup>
+                          <m:r>
+                            <a:rPr lang="en-US" b="0" i="1" smtClean="0">
+                              <a:latin typeface="Cambria Math"/>
+                            </a:rPr>
+                            <m:t>𝑇</m:t>
+                          </m:r>
+                        </m:sup>
+                      </m:sSup>
+                      <m:d>
+                        <m:dPr>
+                          <m:ctrlPr>
+                            <a:rPr lang="en-US" b="0" i="1" smtClean="0">
+                              <a:latin typeface="Cambria Math"/>
+                            </a:rPr>
+                          </m:ctrlPr>
+                        </m:dPr>
+                        <m:e>
+                          <m:r>
+                            <a:rPr lang="en-US" b="0" i="1" smtClean="0">
+                              <a:latin typeface="Cambria Math"/>
+                            </a:rPr>
+                            <m:t>𝑥</m:t>
+                          </m:r>
+                          <m:r>
+                            <a:rPr lang="en-US" b="0" i="1" smtClean="0">
+                              <a:latin typeface="Cambria Math"/>
+                            </a:rPr>
+                            <m:t>−</m:t>
+                          </m:r>
+                          <m:r>
+                            <a:rPr lang="en-US" b="0" i="1" smtClean="0">
+                              <a:latin typeface="Cambria Math"/>
+                            </a:rPr>
+                            <m:t>𝑦</m:t>
+                          </m:r>
+                        </m:e>
+                      </m:d>
+                      <m:r>
+                        <a:rPr lang="en-US" b="0" i="1" smtClean="0">
+                          <a:latin typeface="Cambria Math"/>
+                        </a:rPr>
+                        <m:t>+</m:t>
                       </m:r>
                       <m:f>
                         <m:fPr>
@@ -6680,7 +6736,7 @@
                             <a:rPr lang="en-US" sz="2400" b="0" i="1" smtClean="0">
                               <a:latin typeface="Cambria Math"/>
                             </a:rPr>
-                            <m:t>𝑥</m:t>
+                            <m:t>𝑦</m:t>
                           </m:r>
                         </m:e>
                       </m:d>
@@ -6688,7 +6744,7 @@
                         <a:rPr lang="en-US" sz="2400" b="0" i="1" smtClean="0">
                           <a:latin typeface="Cambria Math"/>
                         </a:rPr>
-                        <m:t>−</m:t>
+                        <m:t>≥</m:t>
                       </m:r>
                       <m:r>
                         <a:rPr lang="en-US" sz="2400" b="0" i="1" smtClean="0">
@@ -6709,21 +6765,21 @@
                             <a:rPr lang="en-US" sz="2400" b="0" i="1" smtClean="0">
                               <a:latin typeface="Cambria Math"/>
                             </a:rPr>
-                            <m:t>𝑦</m:t>
+                            <m:t>𝑥</m:t>
                           </m:r>
                         </m:e>
                       </m:d>
                       <m:r>
-                        <a:rPr lang="en-US" sz="2400" b="0" i="1" smtClean="0">
+                        <a:rPr lang="en-US" sz="2400" b="0" i="0" smtClean="0">
                           <a:latin typeface="Cambria Math"/>
                         </a:rPr>
-                        <m:t>≤</m:t>
+                        <m:t>+</m:t>
                       </m:r>
                       <m:r>
                         <a:rPr lang="en-US" sz="2400" b="0" i="0" smtClean="0">
                           <a:latin typeface="Cambria Math"/>
                         </a:rPr>
-                        <m:t>∇</m:t>
+                        <m:t>𝛻</m:t>
                       </m:r>
                       <m:r>
                         <m:rPr>
@@ -6783,7 +6839,7 @@
                             <a:rPr lang="en-US" sz="2400" b="0" i="1" smtClean="0">
                               <a:latin typeface="Cambria Math"/>
                             </a:rPr>
-                            <m:t>𝑥</m:t>
+                            <m:t>𝑦</m:t>
                           </m:r>
                           <m:r>
                             <a:rPr lang="en-US" sz="2400" b="0" i="1" smtClean="0">
@@ -6795,7 +6851,7 @@
                             <a:rPr lang="en-US" sz="2400" b="0" i="1" smtClean="0">
                               <a:latin typeface="Cambria Math"/>
                             </a:rPr>
-                            <m:t>𝑦</m:t>
+                            <m:t>𝑥</m:t>
                           </m:r>
                         </m:e>
                       </m:d>
@@ -6803,7 +6859,7 @@
                         <a:rPr lang="en-US" sz="2400" b="0" i="1" smtClean="0">
                           <a:latin typeface="Cambria Math"/>
                         </a:rPr>
-                        <m:t>−</m:t>
+                        <m:t>+</m:t>
                       </m:r>
                       <m:f>
                         <m:fPr>
@@ -6871,7 +6927,7 @@
                                     <a:rPr lang="en-US" sz="2400" b="0" i="0" smtClean="0">
                                       <a:latin typeface="Cambria Math"/>
                                     </a:rPr>
-                                    <m:t>∇</m:t>
+                                    <m:t>𝛻</m:t>
                                   </m:r>
                                   <m:r>
                                     <a:rPr lang="en-US" sz="2400" b="0" i="1" smtClean="0">
@@ -6906,7 +6962,7 @@
                                     <a:rPr lang="en-US" sz="2400" b="0" i="0" smtClean="0">
                                       <a:latin typeface="Cambria Math"/>
                                     </a:rPr>
-                                    <m:t>∇</m:t>
+                                    <m:t>𝛻</m:t>
                                   </m:r>
                                   <m:r>
                                     <a:rPr lang="en-US" sz="2400" b="0" i="1" smtClean="0">
@@ -7237,18 +7293,33 @@
                 <a:endParaRPr lang="en-US" sz="2400" dirty="0" smtClean="0"/>
               </a:p>
               <a:p>
-                <a:r>
-                  <a:rPr lang="en-US" b="1" dirty="0" smtClean="0"/>
-                  <a:t>Proof: </a:t>
-                </a:r>
                 <a14:m>
                   <m:oMath xmlns:m="http://schemas.openxmlformats.org/officeDocument/2006/math">
-                    <m:r>
-                      <a:rPr lang="en-US" b="0" i="1" smtClean="0">
-                        <a:latin typeface="Cambria Math"/>
-                      </a:rPr>
-                      <m:t>𝜙</m:t>
-                    </m:r>
+                    <m:sSup>
+                      <m:sSupPr>
+                        <m:ctrlPr>
+                          <a:rPr lang="en-US" b="0" i="1" smtClean="0">
+                            <a:latin typeface="Cambria Math"/>
+                          </a:rPr>
+                        </m:ctrlPr>
+                      </m:sSupPr>
+                      <m:e>
+                        <m:r>
+                          <a:rPr lang="en-US" b="0" i="1" smtClean="0">
+                            <a:latin typeface="Cambria Math"/>
+                          </a:rPr>
+                          <m:t>𝜙</m:t>
+                        </m:r>
+                      </m:e>
+                      <m:sup>
+                        <m:r>
+                          <a:rPr lang="en-US" b="0" i="1" smtClean="0">
+                            <a:latin typeface="Cambria Math"/>
+                          </a:rPr>
+                          <m:t>𝑥</m:t>
+                        </m:r>
+                      </m:sup>
+                    </m:sSup>
                     <m:d>
                       <m:dPr>
                         <m:ctrlPr>
@@ -7372,12 +7443,31 @@
                       </a:rPr>
                       <m:t>∇</m:t>
                     </m:r>
-                    <m:r>
-                      <a:rPr lang="en-US" b="0" i="1" smtClean="0">
-                        <a:latin typeface="Cambria Math"/>
-                      </a:rPr>
-                      <m:t>𝜙</m:t>
-                    </m:r>
+                    <m:sSup>
+                      <m:sSupPr>
+                        <m:ctrlPr>
+                          <a:rPr lang="en-US" b="0" i="1" smtClean="0">
+                            <a:latin typeface="Cambria Math"/>
+                          </a:rPr>
+                        </m:ctrlPr>
+                      </m:sSupPr>
+                      <m:e>
+                        <m:r>
+                          <a:rPr lang="en-US" b="0" i="1" smtClean="0">
+                            <a:latin typeface="Cambria Math"/>
+                          </a:rPr>
+                          <m:t>𝜙</m:t>
+                        </m:r>
+                      </m:e>
+                      <m:sup>
+                        <m:r>
+                          <a:rPr lang="en-US" b="0" i="1" smtClean="0">
+                            <a:latin typeface="Cambria Math"/>
+                          </a:rPr>
+                          <m:t>𝑥</m:t>
+                        </m:r>
+                      </m:sup>
+                    </m:sSup>
                     <m:d>
                       <m:dPr>
                         <m:ctrlPr>
@@ -7479,17 +7569,36 @@
                 </a:pPr>
                 <a14:m>
                   <m:oMath xmlns:m="http://schemas.openxmlformats.org/officeDocument/2006/math">
-                    <m:r>
-                      <a:rPr lang="en-US" b="0" i="1" smtClean="0">
-                        <a:latin typeface="Cambria Math"/>
-                      </a:rPr>
-                      <m:t>𝜙</m:t>
-                    </m:r>
+                    <m:sSup>
+                      <m:sSupPr>
+                        <m:ctrlPr>
+                          <a:rPr lang="en-US" b="0" i="1" smtClean="0">
+                            <a:latin typeface="Cambria Math"/>
+                          </a:rPr>
+                        </m:ctrlPr>
+                      </m:sSupPr>
+                      <m:e>
+                        <m:r>
+                          <a:rPr lang="en-US" b="0" i="1" smtClean="0">
+                            <a:latin typeface="Cambria Math"/>
+                          </a:rPr>
+                          <m:t>𝜙</m:t>
+                        </m:r>
+                      </m:e>
+                      <m:sup>
+                        <m:r>
+                          <a:rPr lang="en-US" b="0" i="1" smtClean="0">
+                            <a:latin typeface="Cambria Math"/>
+                          </a:rPr>
+                          <m:t>𝑥</m:t>
+                        </m:r>
+                      </m:sup>
+                    </m:sSup>
                   </m:oMath>
                 </a14:m>
                 <a:r>
                   <a:rPr lang="en-US" dirty="0" smtClean="0"/>
-                  <a:t> is convex: </a:t>
+                  <a:t> is convex,  </a:t>
                 </a:r>
                 <a14:m>
                   <m:oMath xmlns:m="http://schemas.openxmlformats.org/officeDocument/2006/math">
@@ -7497,233 +7606,776 @@
                       <a:rPr lang="en-US" b="0" i="1" smtClean="0">
                         <a:latin typeface="Cambria Math"/>
                       </a:rPr>
-                      <m:t>𝜙</m:t>
-                    </m:r>
-                    <m:d>
-                      <m:dPr>
-                        <m:ctrlPr>
-                          <a:rPr lang="en-US" b="0" i="1" smtClean="0">
-                            <a:latin typeface="Cambria Math"/>
-                          </a:rPr>
-                        </m:ctrlPr>
-                      </m:dPr>
-                      <m:e>
-                        <m:r>
-                          <a:rPr lang="en-US" b="0" i="1" smtClean="0">
-                            <a:latin typeface="Cambria Math"/>
-                          </a:rPr>
-                          <m:t>𝑥</m:t>
-                        </m:r>
-                      </m:e>
-                    </m:d>
+                      <m:t>𝛽</m:t>
+                    </m:r>
+                  </m:oMath>
+                </a14:m>
+                <a:r>
+                  <a:rPr lang="en-US" dirty="0" smtClean="0"/>
+                  <a:t>-smooth and minimized at </a:t>
+                </a:r>
+                <a14:m>
+                  <m:oMath xmlns:m="http://schemas.openxmlformats.org/officeDocument/2006/math">
                     <m:r>
                       <a:rPr lang="en-US" b="0" i="1" smtClean="0">
                         <a:latin typeface="Cambria Math"/>
                       </a:rPr>
-                      <m:t>−</m:t>
-                    </m:r>
-                    <m:r>
-                      <a:rPr lang="en-US" b="0" i="1" smtClean="0">
-                        <a:latin typeface="Cambria Math"/>
-                      </a:rPr>
-                      <m:t>𝜙</m:t>
-                    </m:r>
-                    <m:d>
-                      <m:dPr>
-                        <m:ctrlPr>
-                          <a:rPr lang="en-US" b="0" i="1" smtClean="0">
-                            <a:latin typeface="Cambria Math"/>
-                          </a:rPr>
-                        </m:ctrlPr>
-                      </m:dPr>
-                      <m:e>
-                        <m:r>
-                          <a:rPr lang="en-US" b="0" i="1" smtClean="0">
-                            <a:latin typeface="Cambria Math"/>
-                          </a:rPr>
-                          <m:t>𝑦</m:t>
-                        </m:r>
-                      </m:e>
-                    </m:d>
-                    <m:r>
-                      <a:rPr lang="en-US" b="0" i="1" smtClean="0">
-                        <a:latin typeface="Cambria Math"/>
-                      </a:rPr>
-                      <m:t>=</m:t>
-                    </m:r>
-                    <m:r>
-                      <a:rPr lang="en-US" b="0" i="1" smtClean="0">
-                        <a:latin typeface="Cambria Math"/>
-                      </a:rPr>
-                      <m:t>𝑓</m:t>
-                    </m:r>
-                    <m:d>
-                      <m:dPr>
-                        <m:ctrlPr>
-                          <a:rPr lang="en-US" b="0" i="1" smtClean="0">
-                            <a:latin typeface="Cambria Math"/>
-                          </a:rPr>
-                        </m:ctrlPr>
-                      </m:dPr>
-                      <m:e>
-                        <m:r>
-                          <a:rPr lang="en-US" b="0" i="1" smtClean="0">
-                            <a:latin typeface="Cambria Math"/>
-                          </a:rPr>
-                          <m:t>𝑥</m:t>
-                        </m:r>
-                      </m:e>
-                    </m:d>
-                    <m:r>
-                      <a:rPr lang="en-US" b="0" i="1" smtClean="0">
-                        <a:latin typeface="Cambria Math"/>
-                      </a:rPr>
-                      <m:t>−</m:t>
-                    </m:r>
-                    <m:r>
-                      <a:rPr lang="en-US" b="0" i="0" smtClean="0">
-                        <a:latin typeface="Cambria Math"/>
-                      </a:rPr>
-                      <m:t>𝛻</m:t>
-                    </m:r>
-                    <m:r>
-                      <a:rPr lang="en-US" b="0" i="1" smtClean="0">
-                        <a:latin typeface="Cambria Math"/>
-                      </a:rPr>
-                      <m:t>𝑓</m:t>
-                    </m:r>
-                    <m:sSup>
-                      <m:sSupPr>
-                        <m:ctrlPr>
-                          <a:rPr lang="en-US" b="0" i="1" smtClean="0">
-                            <a:latin typeface="Cambria Math"/>
-                          </a:rPr>
-                        </m:ctrlPr>
-                      </m:sSupPr>
-                      <m:e>
-                        <m:d>
-                          <m:dPr>
-                            <m:ctrlPr>
-                              <a:rPr lang="en-US" b="0" i="1" smtClean="0">
-                                <a:latin typeface="Cambria Math"/>
-                              </a:rPr>
-                            </m:ctrlPr>
-                          </m:dPr>
-                          <m:e>
-                            <m:r>
-                              <a:rPr lang="en-US" b="0" i="1" smtClean="0">
-                                <a:latin typeface="Cambria Math"/>
-                              </a:rPr>
-                              <m:t>𝑥</m:t>
-                            </m:r>
-                          </m:e>
-                        </m:d>
-                      </m:e>
-                      <m:sup>
-                        <m:r>
-                          <a:rPr lang="en-US" b="0" i="1" smtClean="0">
-                            <a:latin typeface="Cambria Math"/>
-                          </a:rPr>
-                          <m:t>𝑇</m:t>
-                        </m:r>
-                      </m:sup>
-                    </m:sSup>
-                    <m:r>
-                      <a:rPr lang="en-US" b="0" i="1" smtClean="0">
-                        <a:latin typeface="Cambria Math"/>
-                      </a:rPr>
-                      <m:t>𝑦</m:t>
-                    </m:r>
-                    <m:r>
-                      <a:rPr lang="en-US" b="0" i="1" smtClean="0">
-                        <a:latin typeface="Cambria Math"/>
-                      </a:rPr>
-                      <m:t>≥</m:t>
-                    </m:r>
-                    <m:d>
-                      <m:dPr>
-                        <m:ctrlPr>
-                          <a:rPr lang="en-US" b="0" i="1" smtClean="0">
-                            <a:latin typeface="Cambria Math"/>
-                          </a:rPr>
-                        </m:ctrlPr>
-                      </m:dPr>
-                      <m:e>
-                        <m:r>
-                          <a:rPr lang="en-US" b="0" i="1" smtClean="0">
-                            <a:latin typeface="Cambria Math"/>
-                          </a:rPr>
-                          <m:t>𝑥</m:t>
-                        </m:r>
-                        <m:r>
-                          <a:rPr lang="en-US" b="0" i="1" smtClean="0">
-                            <a:latin typeface="Cambria Math"/>
-                          </a:rPr>
-                          <m:t> −</m:t>
-                        </m:r>
-                        <m:r>
-                          <a:rPr lang="en-US" b="0" i="1" smtClean="0">
-                            <a:latin typeface="Cambria Math"/>
-                          </a:rPr>
-                          <m:t>𝑦</m:t>
-                        </m:r>
-                      </m:e>
-                    </m:d>
-                    <m:r>
-                      <a:rPr lang="en-US" b="0" i="0" smtClean="0">
-                        <a:latin typeface="Cambria Math"/>
-                      </a:rPr>
-                      <m:t>𝛻</m:t>
-                    </m:r>
-                    <m:r>
-                      <a:rPr lang="en-US" b="0" i="1" smtClean="0">
-                        <a:latin typeface="Cambria Math"/>
-                      </a:rPr>
-                      <m:t>𝜙</m:t>
-                    </m:r>
-                    <m:r>
-                      <a:rPr lang="en-US" b="0" i="0" smtClean="0">
-                        <a:latin typeface="Cambria Math"/>
-                      </a:rPr>
-                      <m:t>(</m:t>
-                    </m:r>
-                    <m:r>
-                      <m:rPr>
-                        <m:sty m:val="p"/>
-                      </m:rPr>
-                      <a:rPr lang="en-US" b="0" i="0" smtClean="0">
-                        <a:latin typeface="Cambria Math"/>
-                      </a:rPr>
-                      <m:t>y</m:t>
-                    </m:r>
-                    <m:r>
-                      <a:rPr lang="en-US" b="0" i="0" smtClean="0">
-                        <a:latin typeface="Cambria Math"/>
-                      </a:rPr>
-                      <m:t>)</m:t>
+                      <m:t>𝑥</m:t>
                     </m:r>
                   </m:oMath>
+                </a14:m>
+                <a:r>
+                  <a:rPr lang="en-US" dirty="0" smtClean="0"/>
+                  <a:t>: </a:t>
+                </a:r>
+              </a:p>
+              <a:p>
+                <a:pPr marL="0" lvl="1" indent="0">
+                  <a:buNone/>
+                </a:pPr>
+                <a14:m>
+                  <m:oMathPara xmlns:m="http://schemas.openxmlformats.org/officeDocument/2006/math">
+                    <m:oMathParaPr>
+                      <m:jc m:val="centerGroup"/>
+                    </m:oMathParaPr>
+                    <m:oMath xmlns:m="http://schemas.openxmlformats.org/officeDocument/2006/math">
+                      <m:sSup>
+                        <m:sSupPr>
+                          <m:ctrlPr>
+                            <a:rPr lang="en-US" b="0" i="1" smtClean="0">
+                              <a:latin typeface="Cambria Math"/>
+                            </a:rPr>
+                          </m:ctrlPr>
+                        </m:sSupPr>
+                        <m:e>
+                          <m:r>
+                            <a:rPr lang="en-US" b="0" i="1" smtClean="0">
+                              <a:latin typeface="Cambria Math"/>
+                            </a:rPr>
+                            <m:t>𝜙</m:t>
+                          </m:r>
+                        </m:e>
+                        <m:sup>
+                          <m:r>
+                            <a:rPr lang="en-US" b="0" i="1" smtClean="0">
+                              <a:latin typeface="Cambria Math"/>
+                            </a:rPr>
+                            <m:t>𝑥</m:t>
+                          </m:r>
+                        </m:sup>
+                      </m:sSup>
+                      <m:d>
+                        <m:dPr>
+                          <m:ctrlPr>
+                            <a:rPr lang="en-US" b="0" i="1" smtClean="0">
+                              <a:latin typeface="Cambria Math"/>
+                            </a:rPr>
+                          </m:ctrlPr>
+                        </m:dPr>
+                        <m:e>
+                          <m:r>
+                            <a:rPr lang="en-US" b="0" i="1" smtClean="0">
+                              <a:latin typeface="Cambria Math"/>
+                            </a:rPr>
+                            <m:t>𝑥</m:t>
+                          </m:r>
+                        </m:e>
+                      </m:d>
+                      <m:r>
+                        <a:rPr lang="en-US" b="0" i="1" smtClean="0">
+                          <a:latin typeface="Cambria Math"/>
+                        </a:rPr>
+                        <m:t>−</m:t>
+                      </m:r>
+                      <m:r>
+                        <a:rPr lang="en-US" b="0" i="1" smtClean="0">
+                          <a:latin typeface="Cambria Math"/>
+                        </a:rPr>
+                        <m:t>𝜙</m:t>
+                      </m:r>
+                      <m:d>
+                        <m:dPr>
+                          <m:ctrlPr>
+                            <a:rPr lang="en-US" b="0" i="1" smtClean="0">
+                              <a:latin typeface="Cambria Math"/>
+                            </a:rPr>
+                          </m:ctrlPr>
+                        </m:dPr>
+                        <m:e>
+                          <m:r>
+                            <a:rPr lang="en-US" b="0" i="1" smtClean="0">
+                              <a:latin typeface="Cambria Math"/>
+                            </a:rPr>
+                            <m:t>𝑦</m:t>
+                          </m:r>
+                        </m:e>
+                      </m:d>
+                      <m:r>
+                        <a:rPr lang="en-US" b="0" i="1" smtClean="0">
+                          <a:latin typeface="Cambria Math"/>
+                        </a:rPr>
+                        <m:t>=</m:t>
+                      </m:r>
+                      <m:r>
+                        <a:rPr lang="en-US" b="0" i="1" smtClean="0">
+                          <a:latin typeface="Cambria Math"/>
+                        </a:rPr>
+                        <m:t>𝑓</m:t>
+                      </m:r>
+                      <m:d>
+                        <m:dPr>
+                          <m:ctrlPr>
+                            <a:rPr lang="en-US" b="0" i="1" smtClean="0">
+                              <a:latin typeface="Cambria Math"/>
+                            </a:rPr>
+                          </m:ctrlPr>
+                        </m:dPr>
+                        <m:e>
+                          <m:r>
+                            <a:rPr lang="en-US" b="0" i="1" smtClean="0">
+                              <a:latin typeface="Cambria Math"/>
+                            </a:rPr>
+                            <m:t>𝑥</m:t>
+                          </m:r>
+                        </m:e>
+                      </m:d>
+                      <m:r>
+                        <a:rPr lang="en-US" b="0" i="1" smtClean="0">
+                          <a:latin typeface="Cambria Math"/>
+                        </a:rPr>
+                        <m:t>−</m:t>
+                      </m:r>
+                      <m:r>
+                        <a:rPr lang="en-US" b="0" i="0" smtClean="0">
+                          <a:latin typeface="Cambria Math"/>
+                        </a:rPr>
+                        <m:t>𝛻</m:t>
+                      </m:r>
+                      <m:r>
+                        <a:rPr lang="en-US" b="0" i="1" smtClean="0">
+                          <a:latin typeface="Cambria Math"/>
+                        </a:rPr>
+                        <m:t>𝑓</m:t>
+                      </m:r>
+                      <m:sSup>
+                        <m:sSupPr>
+                          <m:ctrlPr>
+                            <a:rPr lang="en-US" b="0" i="1" smtClean="0">
+                              <a:latin typeface="Cambria Math"/>
+                            </a:rPr>
+                          </m:ctrlPr>
+                        </m:sSupPr>
+                        <m:e>
+                          <m:d>
+                            <m:dPr>
+                              <m:ctrlPr>
+                                <a:rPr lang="en-US" b="0" i="1" smtClean="0">
+                                  <a:latin typeface="Cambria Math"/>
+                                </a:rPr>
+                              </m:ctrlPr>
+                            </m:dPr>
+                            <m:e>
+                              <m:r>
+                                <a:rPr lang="en-US" b="0" i="1" smtClean="0">
+                                  <a:latin typeface="Cambria Math"/>
+                                </a:rPr>
+                                <m:t>𝑥</m:t>
+                              </m:r>
+                            </m:e>
+                          </m:d>
+                        </m:e>
+                        <m:sup>
+                          <m:r>
+                            <a:rPr lang="en-US" b="0" i="1" smtClean="0">
+                              <a:latin typeface="Cambria Math"/>
+                            </a:rPr>
+                            <m:t>𝑇</m:t>
+                          </m:r>
+                        </m:sup>
+                      </m:sSup>
+                      <m:r>
+                        <a:rPr lang="en-US" b="0" i="1" smtClean="0">
+                          <a:latin typeface="Cambria Math"/>
+                        </a:rPr>
+                        <m:t>𝑥</m:t>
+                      </m:r>
+                      <m:r>
+                        <a:rPr lang="en-US" b="0" i="1" smtClean="0">
+                          <a:latin typeface="Cambria Math"/>
+                        </a:rPr>
+                        <m:t> −</m:t>
+                      </m:r>
+                      <m:r>
+                        <a:rPr lang="en-US" b="0" i="1" smtClean="0">
+                          <a:latin typeface="Cambria Math"/>
+                        </a:rPr>
+                        <m:t>𝑓</m:t>
+                      </m:r>
+                      <m:d>
+                        <m:dPr>
+                          <m:ctrlPr>
+                            <a:rPr lang="en-US" b="0" i="1" smtClean="0">
+                              <a:latin typeface="Cambria Math"/>
+                            </a:rPr>
+                          </m:ctrlPr>
+                        </m:dPr>
+                        <m:e>
+                          <m:r>
+                            <a:rPr lang="en-US" b="0" i="1" smtClean="0">
+                              <a:latin typeface="Cambria Math"/>
+                            </a:rPr>
+                            <m:t>𝑦</m:t>
+                          </m:r>
+                        </m:e>
+                      </m:d>
+                      <m:r>
+                        <a:rPr lang="en-US" b="0" i="1" smtClean="0">
+                          <a:latin typeface="Cambria Math"/>
+                        </a:rPr>
+                        <m:t> +</m:t>
+                      </m:r>
+                      <m:r>
+                        <a:rPr lang="en-US" b="0" i="0" smtClean="0">
+                          <a:latin typeface="Cambria Math"/>
+                        </a:rPr>
+                        <m:t>𝛻</m:t>
+                      </m:r>
+                      <m:r>
+                        <a:rPr lang="en-US" b="0" i="1" smtClean="0">
+                          <a:latin typeface="Cambria Math"/>
+                        </a:rPr>
+                        <m:t>𝑓</m:t>
+                      </m:r>
+                      <m:sSup>
+                        <m:sSupPr>
+                          <m:ctrlPr>
+                            <a:rPr lang="en-US" b="0" i="1" smtClean="0">
+                              <a:latin typeface="Cambria Math"/>
+                            </a:rPr>
+                          </m:ctrlPr>
+                        </m:sSupPr>
+                        <m:e>
+                          <m:d>
+                            <m:dPr>
+                              <m:ctrlPr>
+                                <a:rPr lang="en-US" b="0" i="1" smtClean="0">
+                                  <a:latin typeface="Cambria Math"/>
+                                </a:rPr>
+                              </m:ctrlPr>
+                            </m:dPr>
+                            <m:e>
+                              <m:r>
+                                <a:rPr lang="en-US" b="0" i="1" smtClean="0">
+                                  <a:latin typeface="Cambria Math"/>
+                                </a:rPr>
+                                <m:t>𝑥</m:t>
+                              </m:r>
+                            </m:e>
+                          </m:d>
+                        </m:e>
+                        <m:sup>
+                          <m:r>
+                            <a:rPr lang="en-US" b="0" i="1" smtClean="0">
+                              <a:latin typeface="Cambria Math"/>
+                            </a:rPr>
+                            <m:t>𝑇</m:t>
+                          </m:r>
+                        </m:sup>
+                      </m:sSup>
+                      <m:r>
+                        <a:rPr lang="en-US" b="0" i="1" smtClean="0">
+                          <a:latin typeface="Cambria Math"/>
+                        </a:rPr>
+                        <m:t>𝑦</m:t>
+                      </m:r>
+                      <m:r>
+                        <a:rPr lang="en-US" b="0" i="1" smtClean="0">
+                          <a:latin typeface="Cambria Math"/>
+                        </a:rPr>
+                        <m:t>≥</m:t>
+                      </m:r>
+                      <m:d>
+                        <m:dPr>
+                          <m:ctrlPr>
+                            <a:rPr lang="en-US" b="0" i="1" smtClean="0">
+                              <a:latin typeface="Cambria Math"/>
+                            </a:rPr>
+                          </m:ctrlPr>
+                        </m:dPr>
+                        <m:e>
+                          <m:r>
+                            <a:rPr lang="en-US" b="0" i="1" smtClean="0">
+                              <a:latin typeface="Cambria Math"/>
+                            </a:rPr>
+                            <m:t>𝑥</m:t>
+                          </m:r>
+                          <m:r>
+                            <a:rPr lang="en-US" b="0" i="1" smtClean="0">
+                              <a:latin typeface="Cambria Math"/>
+                            </a:rPr>
+                            <m:t> −</m:t>
+                          </m:r>
+                          <m:r>
+                            <a:rPr lang="en-US" b="0" i="1" smtClean="0">
+                              <a:latin typeface="Cambria Math"/>
+                            </a:rPr>
+                            <m:t>𝑦</m:t>
+                          </m:r>
+                        </m:e>
+                      </m:d>
+                      <m:r>
+                        <a:rPr lang="en-US" b="0" i="0" smtClean="0">
+                          <a:latin typeface="Cambria Math"/>
+                        </a:rPr>
+                        <m:t>𝛻</m:t>
+                      </m:r>
+                      <m:sSup>
+                        <m:sSupPr>
+                          <m:ctrlPr>
+                            <a:rPr lang="en-US" b="0" i="1" smtClean="0">
+                              <a:latin typeface="Cambria Math"/>
+                            </a:rPr>
+                          </m:ctrlPr>
+                        </m:sSupPr>
+                        <m:e>
+                          <m:r>
+                            <a:rPr lang="en-US" b="0" i="1" smtClean="0">
+                              <a:latin typeface="Cambria Math"/>
+                            </a:rPr>
+                            <m:t>𝜙</m:t>
+                          </m:r>
+                        </m:e>
+                        <m:sup>
+                          <m:r>
+                            <a:rPr lang="en-US" b="0" i="1" smtClean="0">
+                              <a:latin typeface="Cambria Math"/>
+                            </a:rPr>
+                            <m:t>𝑥</m:t>
+                          </m:r>
+                        </m:sup>
+                      </m:sSup>
+                      <m:r>
+                        <a:rPr lang="en-US" b="0" i="0" smtClean="0">
+                          <a:latin typeface="Cambria Math"/>
+                        </a:rPr>
+                        <m:t>(</m:t>
+                      </m:r>
+                      <m:r>
+                        <m:rPr>
+                          <m:sty m:val="p"/>
+                        </m:rPr>
+                        <a:rPr lang="en-US" b="0" i="0" smtClean="0">
+                          <a:latin typeface="Cambria Math"/>
+                        </a:rPr>
+                        <m:t>y</m:t>
+                      </m:r>
+                      <m:r>
+                        <a:rPr lang="en-US" b="0" i="0" smtClean="0">
+                          <a:latin typeface="Cambria Math"/>
+                        </a:rPr>
+                        <m:t>)</m:t>
+                      </m:r>
+                    </m:oMath>
+                  </m:oMathPara>
                 </a14:m>
                 <a:endParaRPr lang="en-US" b="0" dirty="0" smtClean="0"/>
               </a:p>
               <a:p>
-                <a:endParaRPr lang="en-US" dirty="0" smtClean="0"/>
-              </a:p>
-              <a:p>
-                <a:endParaRPr lang="en-US" dirty="0" smtClean="0"/>
-              </a:p>
-              <a:p>
-                <a:pPr marL="0" indent="0">
+                <a:pPr marL="0" lvl="1" indent="0">
                   <a:buNone/>
                 </a:pPr>
-                <a:r>
-                  <a:rPr lang="en-US" b="0" dirty="0" smtClean="0"/>
-                  <a:t/>
-                </a:r>
-                <a:br>
-                  <a:rPr lang="en-US" b="0" dirty="0" smtClean="0"/>
-                </a:br>
-                <a:endParaRPr lang="en-US" dirty="0"/>
+                <a14:m>
+                  <m:oMathPara xmlns:m="http://schemas.openxmlformats.org/officeDocument/2006/math">
+                    <m:oMathParaPr>
+                      <m:jc m:val="centerGroup"/>
+                    </m:oMathParaPr>
+                    <m:oMath xmlns:m="http://schemas.openxmlformats.org/officeDocument/2006/math">
+                      <m:d>
+                        <m:dPr>
+                          <m:begChr m:val="|"/>
+                          <m:endChr m:val="|"/>
+                          <m:ctrlPr>
+                            <a:rPr lang="en-US" b="0" i="0" smtClean="0">
+                              <a:latin typeface="Cambria Math"/>
+                            </a:rPr>
+                          </m:ctrlPr>
+                        </m:dPr>
+                        <m:e>
+                          <m:d>
+                            <m:dPr>
+                              <m:begChr m:val="|"/>
+                              <m:endChr m:val="|"/>
+                              <m:ctrlPr>
+                                <a:rPr lang="en-US" b="0" i="0" smtClean="0">
+                                  <a:latin typeface="Cambria Math"/>
+                                </a:rPr>
+                              </m:ctrlPr>
+                            </m:dPr>
+                            <m:e>
+                              <m:r>
+                                <a:rPr lang="en-US" b="0" i="0" smtClean="0">
+                                  <a:latin typeface="Cambria Math"/>
+                                </a:rPr>
+                                <m:t>𝛻</m:t>
+                              </m:r>
+                              <m:sSup>
+                                <m:sSupPr>
+                                  <m:ctrlPr>
+                                    <a:rPr lang="en-US" b="0" i="1" smtClean="0">
+                                      <a:latin typeface="Cambria Math"/>
+                                    </a:rPr>
+                                  </m:ctrlPr>
+                                </m:sSupPr>
+                                <m:e>
+                                  <m:r>
+                                    <a:rPr lang="en-US" b="0" i="1" smtClean="0">
+                                      <a:latin typeface="Cambria Math"/>
+                                    </a:rPr>
+                                    <m:t>𝜙</m:t>
+                                  </m:r>
+                                </m:e>
+                                <m:sup>
+                                  <m:r>
+                                    <a:rPr lang="en-US" b="0" i="1" smtClean="0">
+                                      <a:latin typeface="Cambria Math"/>
+                                    </a:rPr>
+                                    <m:t>𝑥</m:t>
+                                  </m:r>
+                                </m:sup>
+                              </m:sSup>
+                              <m:d>
+                                <m:dPr>
+                                  <m:ctrlPr>
+                                    <a:rPr lang="en-US" b="0" i="1" smtClean="0">
+                                      <a:latin typeface="Cambria Math"/>
+                                    </a:rPr>
+                                  </m:ctrlPr>
+                                </m:dPr>
+                                <m:e>
+                                  <m:sSub>
+                                    <m:sSubPr>
+                                      <m:ctrlPr>
+                                        <a:rPr lang="en-US" b="0" i="1" smtClean="0">
+                                          <a:latin typeface="Cambria Math"/>
+                                        </a:rPr>
+                                      </m:ctrlPr>
+                                    </m:sSubPr>
+                                    <m:e>
+                                      <m:r>
+                                        <a:rPr lang="en-US" b="0" i="1" smtClean="0">
+                                          <a:latin typeface="Cambria Math"/>
+                                        </a:rPr>
+                                        <m:t>𝑦</m:t>
+                                      </m:r>
+                                    </m:e>
+                                    <m:sub>
+                                      <m:r>
+                                        <a:rPr lang="en-US" b="0" i="1" smtClean="0">
+                                          <a:latin typeface="Cambria Math"/>
+                                        </a:rPr>
+                                        <m:t>1</m:t>
+                                      </m:r>
+                                    </m:sub>
+                                  </m:sSub>
+                                </m:e>
+                              </m:d>
+                              <m:r>
+                                <a:rPr lang="en-US" b="0" i="1" smtClean="0">
+                                  <a:latin typeface="Cambria Math"/>
+                                </a:rPr>
+                                <m:t>−</m:t>
+                              </m:r>
+                              <m:r>
+                                <a:rPr lang="en-US" b="0" i="0" smtClean="0">
+                                  <a:latin typeface="Cambria Math"/>
+                                </a:rPr>
+                                <m:t>𝛻</m:t>
+                              </m:r>
+                              <m:sSup>
+                                <m:sSupPr>
+                                  <m:ctrlPr>
+                                    <a:rPr lang="en-US" b="0" i="1" smtClean="0">
+                                      <a:latin typeface="Cambria Math"/>
+                                    </a:rPr>
+                                  </m:ctrlPr>
+                                </m:sSupPr>
+                                <m:e>
+                                  <m:r>
+                                    <a:rPr lang="en-US" b="0" i="1" smtClean="0">
+                                      <a:latin typeface="Cambria Math"/>
+                                    </a:rPr>
+                                    <m:t>𝜙</m:t>
+                                  </m:r>
+                                </m:e>
+                                <m:sup>
+                                  <m:r>
+                                    <a:rPr lang="en-US" b="0" i="1" smtClean="0">
+                                      <a:latin typeface="Cambria Math"/>
+                                    </a:rPr>
+                                    <m:t>𝑥</m:t>
+                                  </m:r>
+                                </m:sup>
+                              </m:sSup>
+                              <m:d>
+                                <m:dPr>
+                                  <m:ctrlPr>
+                                    <a:rPr lang="en-US" b="0" i="1" smtClean="0">
+                                      <a:latin typeface="Cambria Math"/>
+                                    </a:rPr>
+                                  </m:ctrlPr>
+                                </m:dPr>
+                                <m:e>
+                                  <m:sSub>
+                                    <m:sSubPr>
+                                      <m:ctrlPr>
+                                        <a:rPr lang="en-US" b="0" i="1" smtClean="0">
+                                          <a:latin typeface="Cambria Math"/>
+                                        </a:rPr>
+                                      </m:ctrlPr>
+                                    </m:sSubPr>
+                                    <m:e>
+                                      <m:r>
+                                        <a:rPr lang="en-US" b="0" i="1" smtClean="0">
+                                          <a:latin typeface="Cambria Math"/>
+                                        </a:rPr>
+                                        <m:t>𝑦</m:t>
+                                      </m:r>
+                                    </m:e>
+                                    <m:sub>
+                                      <m:r>
+                                        <a:rPr lang="en-US" b="0" i="1" smtClean="0">
+                                          <a:latin typeface="Cambria Math"/>
+                                        </a:rPr>
+                                        <m:t>2</m:t>
+                                      </m:r>
+                                    </m:sub>
+                                  </m:sSub>
+                                </m:e>
+                              </m:d>
+                            </m:e>
+                          </m:d>
+                        </m:e>
+                      </m:d>
+                      <m:r>
+                        <a:rPr lang="en-US" b="0" i="1" smtClean="0">
+                          <a:latin typeface="Cambria Math"/>
+                        </a:rPr>
+                        <m:t>=</m:t>
+                      </m:r>
+                      <m:d>
+                        <m:dPr>
+                          <m:begChr m:val="|"/>
+                          <m:endChr m:val="|"/>
+                          <m:ctrlPr>
+                            <a:rPr lang="en-US" b="0" i="1" smtClean="0">
+                              <a:latin typeface="Cambria Math"/>
+                            </a:rPr>
+                          </m:ctrlPr>
+                        </m:dPr>
+                        <m:e>
+                          <m:d>
+                            <m:dPr>
+                              <m:begChr m:val="|"/>
+                              <m:endChr m:val="|"/>
+                              <m:ctrlPr>
+                                <a:rPr lang="en-US" b="0" i="1" smtClean="0">
+                                  <a:latin typeface="Cambria Math"/>
+                                </a:rPr>
+                              </m:ctrlPr>
+                            </m:dPr>
+                            <m:e>
+                              <m:r>
+                                <a:rPr lang="en-US" b="0" i="0" smtClean="0">
+                                  <a:latin typeface="Cambria Math"/>
+                                </a:rPr>
+                                <m:t>𝛻</m:t>
+                              </m:r>
+                              <m:r>
+                                <a:rPr lang="en-US" b="0" i="1" smtClean="0">
+                                  <a:latin typeface="Cambria Math"/>
+                                </a:rPr>
+                                <m:t>𝑓</m:t>
+                              </m:r>
+                              <m:d>
+                                <m:dPr>
+                                  <m:ctrlPr>
+                                    <a:rPr lang="en-US" b="0" i="1" smtClean="0">
+                                      <a:latin typeface="Cambria Math"/>
+                                    </a:rPr>
+                                  </m:ctrlPr>
+                                </m:dPr>
+                                <m:e>
+                                  <m:sSub>
+                                    <m:sSubPr>
+                                      <m:ctrlPr>
+                                        <a:rPr lang="en-US" b="0" i="1" smtClean="0">
+                                          <a:latin typeface="Cambria Math"/>
+                                        </a:rPr>
+                                      </m:ctrlPr>
+                                    </m:sSubPr>
+                                    <m:e>
+                                      <m:r>
+                                        <a:rPr lang="en-US" b="0" i="1" smtClean="0">
+                                          <a:latin typeface="Cambria Math"/>
+                                        </a:rPr>
+                                        <m:t>𝑦</m:t>
+                                      </m:r>
+                                    </m:e>
+                                    <m:sub>
+                                      <m:r>
+                                        <a:rPr lang="en-US" b="0" i="1" smtClean="0">
+                                          <a:latin typeface="Cambria Math"/>
+                                        </a:rPr>
+                                        <m:t>1</m:t>
+                                      </m:r>
+                                    </m:sub>
+                                  </m:sSub>
+                                </m:e>
+                              </m:d>
+                              <m:r>
+                                <a:rPr lang="en-US" b="0" i="1" smtClean="0">
+                                  <a:latin typeface="Cambria Math"/>
+                                </a:rPr>
+                                <m:t>−</m:t>
+                              </m:r>
+                              <m:r>
+                                <a:rPr lang="en-US" b="0" i="0" smtClean="0">
+                                  <a:latin typeface="Cambria Math"/>
+                                </a:rPr>
+                                <m:t>𝛻</m:t>
+                              </m:r>
+                              <m:r>
+                                <a:rPr lang="en-US" b="0" i="1" smtClean="0">
+                                  <a:latin typeface="Cambria Math"/>
+                                </a:rPr>
+                                <m:t>𝑓</m:t>
+                              </m:r>
+                              <m:d>
+                                <m:dPr>
+                                  <m:ctrlPr>
+                                    <a:rPr lang="en-US" b="0" i="1" smtClean="0">
+                                      <a:latin typeface="Cambria Math"/>
+                                    </a:rPr>
+                                  </m:ctrlPr>
+                                </m:dPr>
+                                <m:e>
+                                  <m:sSub>
+                                    <m:sSubPr>
+                                      <m:ctrlPr>
+                                        <a:rPr lang="en-US" b="0" i="1" smtClean="0">
+                                          <a:latin typeface="Cambria Math"/>
+                                        </a:rPr>
+                                      </m:ctrlPr>
+                                    </m:sSubPr>
+                                    <m:e>
+                                      <m:r>
+                                        <a:rPr lang="en-US" b="0" i="1" smtClean="0">
+                                          <a:latin typeface="Cambria Math"/>
+                                        </a:rPr>
+                                        <m:t>𝑦</m:t>
+                                      </m:r>
+                                    </m:e>
+                                    <m:sub>
+                                      <m:r>
+                                        <a:rPr lang="en-US" b="0" i="1" smtClean="0">
+                                          <a:latin typeface="Cambria Math"/>
+                                        </a:rPr>
+                                        <m:t>2</m:t>
+                                      </m:r>
+                                    </m:sub>
+                                  </m:sSub>
+                                </m:e>
+                              </m:d>
+                            </m:e>
+                          </m:d>
+                        </m:e>
+                      </m:d>
+                      <m:r>
+                        <a:rPr lang="en-US" b="0" i="1" smtClean="0">
+                          <a:latin typeface="Cambria Math"/>
+                        </a:rPr>
+                        <m:t>≤</m:t>
+                      </m:r>
+                      <m:r>
+                        <a:rPr lang="en-US" b="0" i="1" smtClean="0">
+                          <a:latin typeface="Cambria Math"/>
+                        </a:rPr>
+                        <m:t>𝛽</m:t>
+                      </m:r>
+                      <m:r>
+                        <a:rPr lang="en-US" b="0" i="1" smtClean="0">
+                          <a:latin typeface="Cambria Math"/>
+                        </a:rPr>
+                        <m:t>||</m:t>
+                      </m:r>
+                      <m:sSub>
+                        <m:sSubPr>
+                          <m:ctrlPr>
+                            <a:rPr lang="en-US" b="0" i="1" smtClean="0">
+                              <a:latin typeface="Cambria Math"/>
+                            </a:rPr>
+                          </m:ctrlPr>
+                        </m:sSubPr>
+                        <m:e>
+                          <m:r>
+                            <a:rPr lang="en-US" b="0" i="1" smtClean="0">
+                              <a:latin typeface="Cambria Math"/>
+                            </a:rPr>
+                            <m:t>𝑦</m:t>
+                          </m:r>
+                        </m:e>
+                        <m:sub>
+                          <m:r>
+                            <a:rPr lang="en-US" b="0" i="1" smtClean="0">
+                              <a:latin typeface="Cambria Math"/>
+                            </a:rPr>
+                            <m:t>1</m:t>
+                          </m:r>
+                        </m:sub>
+                      </m:sSub>
+                      <m:r>
+                        <a:rPr lang="en-US" b="0" i="1" smtClean="0">
+                          <a:latin typeface="Cambria Math"/>
+                        </a:rPr>
+                        <m:t>−</m:t>
+                      </m:r>
+                      <m:sSub>
+                        <m:sSubPr>
+                          <m:ctrlPr>
+                            <a:rPr lang="en-US" b="0" i="1" smtClean="0">
+                              <a:latin typeface="Cambria Math"/>
+                            </a:rPr>
+                          </m:ctrlPr>
+                        </m:sSubPr>
+                        <m:e>
+                          <m:r>
+                            <a:rPr lang="en-US" b="0" i="1" smtClean="0">
+                              <a:latin typeface="Cambria Math"/>
+                            </a:rPr>
+                            <m:t>𝑦</m:t>
+                          </m:r>
+                        </m:e>
+                        <m:sub>
+                          <m:r>
+                            <a:rPr lang="en-US" b="0" i="1" smtClean="0">
+                              <a:latin typeface="Cambria Math"/>
+                            </a:rPr>
+                            <m:t>2</m:t>
+                          </m:r>
+                        </m:sub>
+                      </m:sSub>
+                      <m:r>
+                        <a:rPr lang="en-US" b="0" i="1" smtClean="0">
+                          <a:latin typeface="Cambria Math"/>
+                        </a:rPr>
+                        <m:t>||</m:t>
+                      </m:r>
+                    </m:oMath>
+                  </m:oMathPara>
+                </a14:m>
+                <a:endParaRPr lang="en-US" b="0" i="1" dirty="0" smtClean="0">
+                  <a:latin typeface="Cambria Math"/>
+                </a:endParaRPr>
               </a:p>
             </p:txBody>
           </p:sp>
@@ -7770,6 +8422,7492 @@
     <p:extLst>
       <p:ext uri="{BB962C8B-B14F-4D97-AF65-F5344CB8AC3E}">
         <p14:creationId xmlns:p14="http://schemas.microsoft.com/office/powerpoint/2010/main" val="3950843631"/>
+      </p:ext>
+    </p:extLst>
+  </p:cSld>
+  <p:clrMapOvr>
+    <a:masterClrMapping/>
+  </p:clrMapOvr>
+  <p:timing>
+    <p:tnLst>
+      <p:par>
+        <p:cTn id="1" dur="indefinite" restart="never" nodeType="tmRoot"/>
+      </p:par>
+    </p:tnLst>
+  </p:timing>
+</p:sld>
+</file>
+
+<file path=ppt/slides/slide6.xml><?xml version="1.0" encoding="utf-8"?>
+<p:sld xmlns:a="http://schemas.openxmlformats.org/drawingml/2006/main" xmlns:r="http://schemas.openxmlformats.org/officeDocument/2006/relationships" xmlns:p="http://schemas.openxmlformats.org/presentationml/2006/main">
+  <p:cSld>
+    <p:spTree>
+      <p:nvGrpSpPr>
+        <p:cNvPr id="1" name=""/>
+        <p:cNvGrpSpPr/>
+        <p:nvPr/>
+      </p:nvGrpSpPr>
+      <p:grpSpPr>
+        <a:xfrm>
+          <a:off x="0" y="0"/>
+          <a:ext cx="0" cy="0"/>
+          <a:chOff x="0" y="0"/>
+          <a:chExt cx="0" cy="0"/>
+        </a:xfrm>
+      </p:grpSpPr>
+      <p:sp>
+        <p:nvSpPr>
+          <p:cNvPr id="2" name="Title 1"/>
+          <p:cNvSpPr>
+            <a:spLocks noGrp="1"/>
+          </p:cNvSpPr>
+          <p:nvPr>
+            <p:ph type="title"/>
+          </p:nvPr>
+        </p:nvSpPr>
+        <p:spPr/>
+        <p:txBody>
+          <a:bodyPr/>
+          <a:lstStyle/>
+          <a:p>
+            <a:r>
+              <a:rPr lang="en-US" dirty="0" smtClean="0">
+                <a:solidFill>
+                  <a:srgbClr val="0070C0"/>
+                </a:solidFill>
+              </a:rPr>
+              <a:t>Gradient Descent: Analysis</a:t>
+            </a:r>
+            <a:endParaRPr lang="en-US" dirty="0"/>
+          </a:p>
+        </p:txBody>
+      </p:sp>
+      <mc:AlternateContent xmlns:mc="http://schemas.openxmlformats.org/markup-compatibility/2006">
+        <mc:Choice xmlns:a14="http://schemas.microsoft.com/office/drawing/2010/main" Requires="a14">
+          <p:sp>
+            <p:nvSpPr>
+              <p:cNvPr id="3" name="Content Placeholder 2"/>
+              <p:cNvSpPr>
+                <a:spLocks noGrp="1"/>
+              </p:cNvSpPr>
+              <p:nvPr>
+                <p:ph idx="1"/>
+              </p:nvPr>
+            </p:nvSpPr>
+            <p:spPr>
+              <a:xfrm>
+                <a:off x="457200" y="1600200"/>
+                <a:ext cx="8229600" cy="5029200"/>
+              </a:xfrm>
+            </p:spPr>
+            <p:txBody>
+              <a:bodyPr>
+                <a:normAutofit fontScale="70000" lnSpcReduction="20000"/>
+              </a:bodyPr>
+              <a:lstStyle/>
+              <a:p>
+                <a:r>
+                  <a:rPr lang="en-US" b="1" dirty="0" smtClean="0"/>
+                  <a:t>Lemma 2: </a:t>
+                </a:r>
+                <a:r>
+                  <a:rPr lang="en-US" dirty="0" smtClean="0"/>
+                  <a:t>If </a:t>
+                </a:r>
+                <a14:m>
+                  <m:oMath xmlns:m="http://schemas.openxmlformats.org/officeDocument/2006/math">
+                    <m:r>
+                      <a:rPr lang="en-US" b="0" i="1" smtClean="0">
+                        <a:latin typeface="Cambria Math"/>
+                      </a:rPr>
+                      <m:t>𝑓</m:t>
+                    </m:r>
+                  </m:oMath>
+                </a14:m>
+                <a:r>
+                  <a:rPr lang="en-US" b="1" dirty="0" smtClean="0"/>
+                  <a:t> </a:t>
+                </a:r>
+                <a:r>
+                  <a:rPr lang="en-US" dirty="0" smtClean="0"/>
+                  <a:t>convex</a:t>
+                </a:r>
+                <a:r>
+                  <a:rPr lang="en-US" b="1" dirty="0" smtClean="0"/>
+                  <a:t> </a:t>
+                </a:r>
+                <a:r>
+                  <a:rPr lang="en-US" dirty="0" smtClean="0"/>
+                  <a:t>and </a:t>
+                </a:r>
+                <a14:m>
+                  <m:oMath xmlns:m="http://schemas.openxmlformats.org/officeDocument/2006/math">
+                    <m:r>
+                      <a:rPr lang="en-US" b="0" i="1" smtClean="0">
+                        <a:latin typeface="Cambria Math"/>
+                      </a:rPr>
+                      <m:t>𝛽</m:t>
+                    </m:r>
+                  </m:oMath>
+                </a14:m>
+                <a:r>
+                  <a:rPr lang="en-US" dirty="0" smtClean="0"/>
+                  <a:t>-smooth then </a:t>
+                </a:r>
+                <a14:m>
+                  <m:oMath xmlns:m="http://schemas.openxmlformats.org/officeDocument/2006/math">
+                    <m:r>
+                      <a:rPr lang="en-US" b="0" i="1" smtClean="0">
+                        <a:latin typeface="Cambria Math"/>
+                      </a:rPr>
+                      <m:t>∀</m:t>
+                    </m:r>
+                    <m:r>
+                      <a:rPr lang="en-US" b="0" i="1" smtClean="0">
+                        <a:latin typeface="Cambria Math"/>
+                      </a:rPr>
+                      <m:t>𝑥</m:t>
+                    </m:r>
+                    <m:r>
+                      <a:rPr lang="en-US" b="0" i="1" smtClean="0">
+                        <a:latin typeface="Cambria Math"/>
+                      </a:rPr>
+                      <m:t>,</m:t>
+                    </m:r>
+                    <m:r>
+                      <a:rPr lang="en-US" b="0" i="1" smtClean="0">
+                        <a:latin typeface="Cambria Math"/>
+                      </a:rPr>
+                      <m:t>𝑦</m:t>
+                    </m:r>
+                    <m:r>
+                      <a:rPr lang="en-US" b="0" i="1" smtClean="0">
+                        <a:latin typeface="Cambria Math"/>
+                      </a:rPr>
+                      <m:t>:∈</m:t>
+                    </m:r>
+                    <m:sSup>
+                      <m:sSupPr>
+                        <m:ctrlPr>
+                          <a:rPr lang="en-US" b="0" i="1" smtClean="0">
+                            <a:latin typeface="Cambria Math"/>
+                            <a:ea typeface="Cambria Math"/>
+                          </a:rPr>
+                        </m:ctrlPr>
+                      </m:sSupPr>
+                      <m:e>
+                        <m:r>
+                          <a:rPr lang="en-US" b="0" i="1" smtClean="0">
+                            <a:latin typeface="Cambria Math"/>
+                            <a:ea typeface="Cambria Math"/>
+                          </a:rPr>
+                          <m:t>ℝ</m:t>
+                        </m:r>
+                      </m:e>
+                      <m:sup>
+                        <m:r>
+                          <a:rPr lang="en-US" b="0" i="1" smtClean="0">
+                            <a:latin typeface="Cambria Math"/>
+                            <a:ea typeface="Cambria Math"/>
+                          </a:rPr>
+                          <m:t>𝑛</m:t>
+                        </m:r>
+                      </m:sup>
+                    </m:sSup>
+                    <m:r>
+                      <a:rPr lang="en-US" b="0" i="1" smtClean="0">
+                        <a:latin typeface="Cambria Math"/>
+                        <a:ea typeface="Cambria Math"/>
+                      </a:rPr>
+                      <m:t>:</m:t>
+                    </m:r>
+                  </m:oMath>
+                </a14:m>
+                <a:endParaRPr lang="en-US" dirty="0" smtClean="0"/>
+              </a:p>
+              <a:p>
+                <a:pPr marL="0" indent="0">
+                  <a:buNone/>
+                </a:pPr>
+                <a14:m>
+                  <m:oMathPara xmlns:m="http://schemas.openxmlformats.org/officeDocument/2006/math">
+                    <m:oMathParaPr>
+                      <m:jc m:val="centerGroup"/>
+                    </m:oMathParaPr>
+                    <m:oMath xmlns:m="http://schemas.openxmlformats.org/officeDocument/2006/math">
+                      <m:r>
+                        <a:rPr lang="en-US" sz="3400" b="0" i="1" smtClean="0">
+                          <a:latin typeface="Cambria Math"/>
+                        </a:rPr>
+                        <m:t>𝑓</m:t>
+                      </m:r>
+                      <m:d>
+                        <m:dPr>
+                          <m:ctrlPr>
+                            <a:rPr lang="en-US" sz="3400" b="0" i="1" smtClean="0">
+                              <a:latin typeface="Cambria Math"/>
+                            </a:rPr>
+                          </m:ctrlPr>
+                        </m:dPr>
+                        <m:e>
+                          <m:r>
+                            <a:rPr lang="en-US" sz="3400" b="0" i="1" smtClean="0">
+                              <a:latin typeface="Cambria Math"/>
+                            </a:rPr>
+                            <m:t>𝑦</m:t>
+                          </m:r>
+                        </m:e>
+                      </m:d>
+                      <m:r>
+                        <a:rPr lang="en-US" sz="3400" b="0" i="1" smtClean="0">
+                          <a:latin typeface="Cambria Math"/>
+                        </a:rPr>
+                        <m:t>≥</m:t>
+                      </m:r>
+                      <m:r>
+                        <a:rPr lang="en-US" sz="3400" b="0" i="1" smtClean="0">
+                          <a:latin typeface="Cambria Math"/>
+                        </a:rPr>
+                        <m:t>𝑓</m:t>
+                      </m:r>
+                      <m:d>
+                        <m:dPr>
+                          <m:ctrlPr>
+                            <a:rPr lang="en-US" sz="3400" b="0" i="1" smtClean="0">
+                              <a:latin typeface="Cambria Math"/>
+                            </a:rPr>
+                          </m:ctrlPr>
+                        </m:dPr>
+                        <m:e>
+                          <m:r>
+                            <a:rPr lang="en-US" sz="3400" b="0" i="1" smtClean="0">
+                              <a:latin typeface="Cambria Math"/>
+                            </a:rPr>
+                            <m:t>𝑥</m:t>
+                          </m:r>
+                        </m:e>
+                      </m:d>
+                      <m:r>
+                        <a:rPr lang="en-US" sz="3400" b="0" i="0" smtClean="0">
+                          <a:latin typeface="Cambria Math"/>
+                        </a:rPr>
+                        <m:t>+</m:t>
+                      </m:r>
+                      <m:r>
+                        <a:rPr lang="en-US" sz="3400" b="0" i="0" smtClean="0">
+                          <a:latin typeface="Cambria Math"/>
+                        </a:rPr>
+                        <m:t>𝛻</m:t>
+                      </m:r>
+                      <m:r>
+                        <m:rPr>
+                          <m:sty m:val="p"/>
+                        </m:rPr>
+                        <a:rPr lang="en-US" sz="3400" b="0" i="1" smtClean="0">
+                          <a:latin typeface="Cambria Math"/>
+                        </a:rPr>
+                        <m:t>f</m:t>
+                      </m:r>
+                      <m:sSup>
+                        <m:sSupPr>
+                          <m:ctrlPr>
+                            <a:rPr lang="en-US" sz="3400" b="0" i="1" smtClean="0">
+                              <a:latin typeface="Cambria Math"/>
+                            </a:rPr>
+                          </m:ctrlPr>
+                        </m:sSupPr>
+                        <m:e>
+                          <m:d>
+                            <m:dPr>
+                              <m:ctrlPr>
+                                <a:rPr lang="en-US" sz="3400" b="0" i="1" smtClean="0">
+                                  <a:latin typeface="Cambria Math"/>
+                                </a:rPr>
+                              </m:ctrlPr>
+                            </m:dPr>
+                            <m:e>
+                              <m:r>
+                                <a:rPr lang="en-US" sz="3400" b="0" i="1" smtClean="0">
+                                  <a:latin typeface="Cambria Math"/>
+                                </a:rPr>
+                                <m:t>𝑥</m:t>
+                              </m:r>
+                            </m:e>
+                          </m:d>
+                        </m:e>
+                        <m:sup>
+                          <m:r>
+                            <a:rPr lang="en-US" sz="3400" b="0" i="1" smtClean="0">
+                              <a:latin typeface="Cambria Math"/>
+                            </a:rPr>
+                            <m:t>𝑇</m:t>
+                          </m:r>
+                        </m:sup>
+                      </m:sSup>
+                      <m:d>
+                        <m:dPr>
+                          <m:ctrlPr>
+                            <a:rPr lang="en-US" sz="3400" b="0" i="1" smtClean="0">
+                              <a:latin typeface="Cambria Math"/>
+                            </a:rPr>
+                          </m:ctrlPr>
+                        </m:dPr>
+                        <m:e>
+                          <m:r>
+                            <a:rPr lang="en-US" sz="3400" b="0" i="1" smtClean="0">
+                              <a:latin typeface="Cambria Math"/>
+                            </a:rPr>
+                            <m:t>𝑦</m:t>
+                          </m:r>
+                          <m:r>
+                            <a:rPr lang="en-US" sz="3400" b="0" i="1" smtClean="0">
+                              <a:latin typeface="Cambria Math"/>
+                            </a:rPr>
+                            <m:t>−</m:t>
+                          </m:r>
+                          <m:r>
+                            <a:rPr lang="en-US" sz="3400" b="0" i="1" smtClean="0">
+                              <a:latin typeface="Cambria Math"/>
+                            </a:rPr>
+                            <m:t>𝑥</m:t>
+                          </m:r>
+                        </m:e>
+                      </m:d>
+                      <m:r>
+                        <a:rPr lang="en-US" sz="3400" b="0" i="1" smtClean="0">
+                          <a:latin typeface="Cambria Math"/>
+                        </a:rPr>
+                        <m:t>+</m:t>
+                      </m:r>
+                      <m:f>
+                        <m:fPr>
+                          <m:ctrlPr>
+                            <a:rPr lang="en-US" sz="3400" b="0" i="1" smtClean="0">
+                              <a:latin typeface="Cambria Math"/>
+                            </a:rPr>
+                          </m:ctrlPr>
+                        </m:fPr>
+                        <m:num>
+                          <m:r>
+                            <a:rPr lang="en-US" sz="3400" b="0" i="1" smtClean="0">
+                              <a:latin typeface="Cambria Math"/>
+                            </a:rPr>
+                            <m:t>1</m:t>
+                          </m:r>
+                        </m:num>
+                        <m:den>
+                          <m:r>
+                            <a:rPr lang="en-US" sz="3400" b="0" i="1" smtClean="0">
+                              <a:latin typeface="Cambria Math"/>
+                            </a:rPr>
+                            <m:t>2</m:t>
+                          </m:r>
+                          <m:r>
+                            <a:rPr lang="en-US" sz="3400" b="0" i="1" smtClean="0">
+                              <a:latin typeface="Cambria Math"/>
+                            </a:rPr>
+                            <m:t>𝛽</m:t>
+                          </m:r>
+                        </m:den>
+                      </m:f>
+                      <m:sSubSup>
+                        <m:sSubSupPr>
+                          <m:ctrlPr>
+                            <a:rPr lang="en-US" sz="3400" b="0" i="1" smtClean="0">
+                              <a:latin typeface="Cambria Math"/>
+                            </a:rPr>
+                          </m:ctrlPr>
+                        </m:sSubSupPr>
+                        <m:e>
+                          <m:d>
+                            <m:dPr>
+                              <m:begChr m:val="|"/>
+                              <m:endChr m:val="|"/>
+                              <m:ctrlPr>
+                                <a:rPr lang="en-US" sz="3400" b="0" i="1" smtClean="0">
+                                  <a:latin typeface="Cambria Math"/>
+                                </a:rPr>
+                              </m:ctrlPr>
+                            </m:dPr>
+                            <m:e>
+                              <m:d>
+                                <m:dPr>
+                                  <m:begChr m:val="|"/>
+                                  <m:endChr m:val="|"/>
+                                  <m:ctrlPr>
+                                    <a:rPr lang="en-US" sz="3400" b="0" i="1" smtClean="0">
+                                      <a:latin typeface="Cambria Math"/>
+                                    </a:rPr>
+                                  </m:ctrlPr>
+                                </m:dPr>
+                                <m:e>
+                                  <m:r>
+                                    <a:rPr lang="en-US" sz="3400" b="0" i="0" smtClean="0">
+                                      <a:latin typeface="Cambria Math"/>
+                                    </a:rPr>
+                                    <m:t>𝛻</m:t>
+                                  </m:r>
+                                  <m:r>
+                                    <a:rPr lang="en-US" sz="3400" b="0" i="1" smtClean="0">
+                                      <a:latin typeface="Cambria Math"/>
+                                    </a:rPr>
+                                    <m:t>𝑓</m:t>
+                                  </m:r>
+                                  <m:d>
+                                    <m:dPr>
+                                      <m:ctrlPr>
+                                        <a:rPr lang="en-US" sz="3400" b="0" i="1" smtClean="0">
+                                          <a:latin typeface="Cambria Math"/>
+                                        </a:rPr>
+                                      </m:ctrlPr>
+                                    </m:dPr>
+                                    <m:e>
+                                      <m:r>
+                                        <a:rPr lang="en-US" sz="3400" b="0" i="1" smtClean="0">
+                                          <a:latin typeface="Cambria Math"/>
+                                        </a:rPr>
+                                        <m:t>𝑥</m:t>
+                                      </m:r>
+                                    </m:e>
+                                  </m:d>
+                                  <m:r>
+                                    <a:rPr lang="en-US" sz="3400" b="0" i="1" smtClean="0">
+                                      <a:latin typeface="Cambria Math"/>
+                                    </a:rPr>
+                                    <m:t>−</m:t>
+                                  </m:r>
+                                  <m:r>
+                                    <a:rPr lang="en-US" sz="3400" b="0" i="0" smtClean="0">
+                                      <a:latin typeface="Cambria Math"/>
+                                    </a:rPr>
+                                    <m:t>𝛻</m:t>
+                                  </m:r>
+                                  <m:r>
+                                    <a:rPr lang="en-US" sz="3400" b="0" i="1" smtClean="0">
+                                      <a:latin typeface="Cambria Math"/>
+                                    </a:rPr>
+                                    <m:t>𝑓</m:t>
+                                  </m:r>
+                                  <m:d>
+                                    <m:dPr>
+                                      <m:ctrlPr>
+                                        <a:rPr lang="en-US" sz="3400" b="0" i="1" smtClean="0">
+                                          <a:latin typeface="Cambria Math"/>
+                                        </a:rPr>
+                                      </m:ctrlPr>
+                                    </m:dPr>
+                                    <m:e>
+                                      <m:r>
+                                        <a:rPr lang="en-US" sz="3400" b="0" i="1" smtClean="0">
+                                          <a:latin typeface="Cambria Math"/>
+                                        </a:rPr>
+                                        <m:t>𝑦</m:t>
+                                      </m:r>
+                                    </m:e>
+                                  </m:d>
+                                </m:e>
+                              </m:d>
+                            </m:e>
+                          </m:d>
+                        </m:e>
+                        <m:sub>
+                          <m:r>
+                            <a:rPr lang="en-US" sz="3400" b="0" i="1" smtClean="0">
+                              <a:latin typeface="Cambria Math"/>
+                            </a:rPr>
+                            <m:t>2</m:t>
+                          </m:r>
+                        </m:sub>
+                        <m:sup>
+                          <m:r>
+                            <a:rPr lang="en-US" sz="3400" b="0" i="1" smtClean="0">
+                              <a:latin typeface="Cambria Math"/>
+                            </a:rPr>
+                            <m:t>2</m:t>
+                          </m:r>
+                        </m:sup>
+                      </m:sSubSup>
+                    </m:oMath>
+                  </m:oMathPara>
+                </a14:m>
+                <a:endParaRPr lang="en-US" sz="3400" dirty="0" smtClean="0"/>
+              </a:p>
+              <a:p>
+                <a14:m>
+                  <m:oMath xmlns:m="http://schemas.openxmlformats.org/officeDocument/2006/math">
+                    <m:sSup>
+                      <m:sSupPr>
+                        <m:ctrlPr>
+                          <a:rPr lang="en-US" b="0" i="1" smtClean="0">
+                            <a:latin typeface="Cambria Math"/>
+                          </a:rPr>
+                        </m:ctrlPr>
+                      </m:sSupPr>
+                      <m:e>
+                        <m:r>
+                          <a:rPr lang="en-US" b="0" i="1" smtClean="0">
+                            <a:latin typeface="Cambria Math"/>
+                          </a:rPr>
+                          <m:t>𝜙</m:t>
+                        </m:r>
+                      </m:e>
+                      <m:sup>
+                        <m:r>
+                          <a:rPr lang="en-US" b="0" i="1" smtClean="0">
+                            <a:latin typeface="Cambria Math"/>
+                          </a:rPr>
+                          <m:t>𝑥</m:t>
+                        </m:r>
+                      </m:sup>
+                    </m:sSup>
+                    <m:d>
+                      <m:dPr>
+                        <m:ctrlPr>
+                          <a:rPr lang="en-US" b="0" i="1" smtClean="0">
+                            <a:latin typeface="Cambria Math"/>
+                          </a:rPr>
+                        </m:ctrlPr>
+                      </m:dPr>
+                      <m:e>
+                        <m:r>
+                          <a:rPr lang="en-US" b="0" i="1" smtClean="0">
+                            <a:latin typeface="Cambria Math"/>
+                          </a:rPr>
+                          <m:t>𝑦</m:t>
+                        </m:r>
+                      </m:e>
+                    </m:d>
+                    <m:r>
+                      <a:rPr lang="en-US" b="0" i="1" smtClean="0">
+                        <a:latin typeface="Cambria Math"/>
+                      </a:rPr>
+                      <m:t>=</m:t>
+                    </m:r>
+                    <m:r>
+                      <a:rPr lang="en-US" b="0" i="1" smtClean="0">
+                        <a:latin typeface="Cambria Math"/>
+                      </a:rPr>
+                      <m:t>𝑓</m:t>
+                    </m:r>
+                    <m:d>
+                      <m:dPr>
+                        <m:ctrlPr>
+                          <a:rPr lang="en-US" b="0" i="1" smtClean="0">
+                            <a:latin typeface="Cambria Math"/>
+                          </a:rPr>
+                        </m:ctrlPr>
+                      </m:dPr>
+                      <m:e>
+                        <m:r>
+                          <a:rPr lang="en-US" b="0" i="1" smtClean="0">
+                            <a:latin typeface="Cambria Math"/>
+                          </a:rPr>
+                          <m:t>𝑦</m:t>
+                        </m:r>
+                      </m:e>
+                    </m:d>
+                    <m:r>
+                      <a:rPr lang="en-US" b="0" i="1" smtClean="0">
+                        <a:latin typeface="Cambria Math"/>
+                      </a:rPr>
+                      <m:t>−</m:t>
+                    </m:r>
+                    <m:r>
+                      <a:rPr lang="en-US" b="0" i="0" smtClean="0">
+                        <a:latin typeface="Cambria Math"/>
+                      </a:rPr>
+                      <m:t>𝛻</m:t>
+                    </m:r>
+                    <m:r>
+                      <a:rPr lang="en-US" b="0" i="1" smtClean="0">
+                        <a:latin typeface="Cambria Math"/>
+                      </a:rPr>
+                      <m:t>𝑓</m:t>
+                    </m:r>
+                    <m:sSup>
+                      <m:sSupPr>
+                        <m:ctrlPr>
+                          <a:rPr lang="en-US" b="0" i="1" smtClean="0">
+                            <a:latin typeface="Cambria Math"/>
+                          </a:rPr>
+                        </m:ctrlPr>
+                      </m:sSupPr>
+                      <m:e>
+                        <m:d>
+                          <m:dPr>
+                            <m:ctrlPr>
+                              <a:rPr lang="en-US" b="0" i="1" smtClean="0">
+                                <a:latin typeface="Cambria Math"/>
+                              </a:rPr>
+                            </m:ctrlPr>
+                          </m:dPr>
+                          <m:e>
+                            <m:r>
+                              <a:rPr lang="en-US" b="0" i="1" smtClean="0">
+                                <a:latin typeface="Cambria Math"/>
+                              </a:rPr>
+                              <m:t>𝑥</m:t>
+                            </m:r>
+                          </m:e>
+                        </m:d>
+                      </m:e>
+                      <m:sup>
+                        <m:r>
+                          <a:rPr lang="en-US" b="0" i="1" smtClean="0">
+                            <a:latin typeface="Cambria Math"/>
+                          </a:rPr>
+                          <m:t>𝑇</m:t>
+                        </m:r>
+                      </m:sup>
+                    </m:sSup>
+                    <m:r>
+                      <a:rPr lang="en-US" b="0" i="1" smtClean="0">
+                        <a:latin typeface="Cambria Math"/>
+                      </a:rPr>
+                      <m:t>𝑦</m:t>
+                    </m:r>
+                  </m:oMath>
+                </a14:m>
+                <a:endParaRPr lang="en-US" b="0" i="1" dirty="0" smtClean="0">
+                  <a:latin typeface="Cambria Math"/>
+                </a:endParaRPr>
+              </a:p>
+              <a:p>
+                <a14:m>
+                  <m:oMath xmlns:m="http://schemas.openxmlformats.org/officeDocument/2006/math">
+                    <m:r>
+                      <a:rPr lang="en-US" b="0" i="0" smtClean="0">
+                        <a:latin typeface="Cambria Math"/>
+                      </a:rPr>
+                      <m:t>𝛻</m:t>
+                    </m:r>
+                    <m:sSup>
+                      <m:sSupPr>
+                        <m:ctrlPr>
+                          <a:rPr lang="en-US" b="0" i="1" smtClean="0">
+                            <a:latin typeface="Cambria Math"/>
+                          </a:rPr>
+                        </m:ctrlPr>
+                      </m:sSupPr>
+                      <m:e>
+                        <m:r>
+                          <a:rPr lang="en-US" b="0" i="1" smtClean="0">
+                            <a:latin typeface="Cambria Math"/>
+                          </a:rPr>
+                          <m:t>𝜙</m:t>
+                        </m:r>
+                      </m:e>
+                      <m:sup>
+                        <m:r>
+                          <a:rPr lang="en-US" b="0" i="1" smtClean="0">
+                            <a:latin typeface="Cambria Math"/>
+                          </a:rPr>
+                          <m:t>𝑥</m:t>
+                        </m:r>
+                      </m:sup>
+                    </m:sSup>
+                    <m:d>
+                      <m:dPr>
+                        <m:ctrlPr>
+                          <a:rPr lang="en-US" b="0" i="1" smtClean="0">
+                            <a:latin typeface="Cambria Math"/>
+                          </a:rPr>
+                        </m:ctrlPr>
+                      </m:dPr>
+                      <m:e>
+                        <m:r>
+                          <a:rPr lang="en-US" b="0" i="1" smtClean="0">
+                            <a:latin typeface="Cambria Math"/>
+                          </a:rPr>
+                          <m:t>𝑦</m:t>
+                        </m:r>
+                      </m:e>
+                    </m:d>
+                    <m:r>
+                      <a:rPr lang="en-US" b="0" i="1" smtClean="0">
+                        <a:latin typeface="Cambria Math"/>
+                      </a:rPr>
+                      <m:t>=</m:t>
+                    </m:r>
+                    <m:r>
+                      <a:rPr lang="en-US" b="0" i="0" smtClean="0">
+                        <a:latin typeface="Cambria Math"/>
+                      </a:rPr>
+                      <m:t>𝛻</m:t>
+                    </m:r>
+                    <m:r>
+                      <a:rPr lang="en-US" b="0" i="1" smtClean="0">
+                        <a:latin typeface="Cambria Math"/>
+                      </a:rPr>
+                      <m:t>𝑓</m:t>
+                    </m:r>
+                    <m:d>
+                      <m:dPr>
+                        <m:ctrlPr>
+                          <a:rPr lang="en-US" b="0" i="1" smtClean="0">
+                            <a:latin typeface="Cambria Math"/>
+                          </a:rPr>
+                        </m:ctrlPr>
+                      </m:dPr>
+                      <m:e>
+                        <m:r>
+                          <a:rPr lang="en-US" b="0" i="1" smtClean="0">
+                            <a:latin typeface="Cambria Math"/>
+                          </a:rPr>
+                          <m:t>𝑦</m:t>
+                        </m:r>
+                      </m:e>
+                    </m:d>
+                    <m:r>
+                      <a:rPr lang="en-US" b="0" i="1" smtClean="0">
+                        <a:latin typeface="Cambria Math"/>
+                      </a:rPr>
+                      <m:t>−</m:t>
+                    </m:r>
+                    <m:r>
+                      <a:rPr lang="en-US" b="0" i="0" smtClean="0">
+                        <a:latin typeface="Cambria Math"/>
+                      </a:rPr>
+                      <m:t>𝛻</m:t>
+                    </m:r>
+                    <m:r>
+                      <a:rPr lang="en-US" b="0" i="1" smtClean="0">
+                        <a:latin typeface="Cambria Math"/>
+                      </a:rPr>
+                      <m:t>𝑓</m:t>
+                    </m:r>
+                    <m:r>
+                      <a:rPr lang="en-US" b="0" i="1" smtClean="0">
+                        <a:latin typeface="Cambria Math"/>
+                      </a:rPr>
+                      <m:t>(</m:t>
+                    </m:r>
+                    <m:r>
+                      <a:rPr lang="en-US" b="0" i="1" smtClean="0">
+                        <a:latin typeface="Cambria Math"/>
+                      </a:rPr>
+                      <m:t>𝑥</m:t>
+                    </m:r>
+                    <m:r>
+                      <a:rPr lang="en-US" b="0" i="1" smtClean="0">
+                        <a:latin typeface="Cambria Math"/>
+                      </a:rPr>
+                      <m:t>)</m:t>
+                    </m:r>
+                  </m:oMath>
+                </a14:m>
+                <a:endParaRPr lang="en-US" b="0" i="1" dirty="0" smtClean="0">
+                  <a:latin typeface="Cambria Math"/>
+                </a:endParaRPr>
+              </a:p>
+              <a:p>
+                <a14:m>
+                  <m:oMath xmlns:m="http://schemas.openxmlformats.org/officeDocument/2006/math">
+                    <m:r>
+                      <a:rPr lang="en-US" b="0" i="1" smtClean="0">
+                        <a:latin typeface="Cambria Math"/>
+                      </a:rPr>
+                      <m:t>𝑓</m:t>
+                    </m:r>
+                    <m:d>
+                      <m:dPr>
+                        <m:ctrlPr>
+                          <a:rPr lang="en-US" b="0" i="1" smtClean="0">
+                            <a:latin typeface="Cambria Math"/>
+                          </a:rPr>
+                        </m:ctrlPr>
+                      </m:dPr>
+                      <m:e>
+                        <m:r>
+                          <a:rPr lang="en-US" b="0" i="1" smtClean="0">
+                            <a:latin typeface="Cambria Math"/>
+                          </a:rPr>
+                          <m:t>𝑥</m:t>
+                        </m:r>
+                      </m:e>
+                    </m:d>
+                    <m:r>
+                      <a:rPr lang="en-US" b="0" i="1" smtClean="0">
+                        <a:latin typeface="Cambria Math"/>
+                      </a:rPr>
+                      <m:t>−</m:t>
+                    </m:r>
+                    <m:r>
+                      <a:rPr lang="en-US" b="0" i="1" smtClean="0">
+                        <a:latin typeface="Cambria Math"/>
+                      </a:rPr>
+                      <m:t>𝑓</m:t>
+                    </m:r>
+                    <m:d>
+                      <m:dPr>
+                        <m:ctrlPr>
+                          <a:rPr lang="en-US" b="0" i="1" smtClean="0">
+                            <a:latin typeface="Cambria Math"/>
+                          </a:rPr>
+                        </m:ctrlPr>
+                      </m:dPr>
+                      <m:e>
+                        <m:r>
+                          <a:rPr lang="en-US" b="0" i="1" smtClean="0">
+                            <a:latin typeface="Cambria Math"/>
+                          </a:rPr>
+                          <m:t>𝑦</m:t>
+                        </m:r>
+                      </m:e>
+                    </m:d>
+                    <m:r>
+                      <a:rPr lang="en-US" b="0" i="1" smtClean="0">
+                        <a:latin typeface="Cambria Math"/>
+                      </a:rPr>
+                      <m:t>−</m:t>
+                    </m:r>
+                    <m:r>
+                      <a:rPr lang="en-US" b="0" i="0" smtClean="0">
+                        <a:latin typeface="Cambria Math"/>
+                      </a:rPr>
+                      <m:t>𝛻</m:t>
+                    </m:r>
+                    <m:r>
+                      <m:rPr>
+                        <m:sty m:val="p"/>
+                      </m:rPr>
+                      <a:rPr lang="en-US" b="0" i="1" smtClean="0">
+                        <a:latin typeface="Cambria Math"/>
+                      </a:rPr>
+                      <m:t>f</m:t>
+                    </m:r>
+                    <m:sSup>
+                      <m:sSupPr>
+                        <m:ctrlPr>
+                          <a:rPr lang="en-US" b="0" i="1" smtClean="0">
+                            <a:latin typeface="Cambria Math"/>
+                          </a:rPr>
+                        </m:ctrlPr>
+                      </m:sSupPr>
+                      <m:e>
+                        <m:d>
+                          <m:dPr>
+                            <m:ctrlPr>
+                              <a:rPr lang="en-US" b="0" i="1" smtClean="0">
+                                <a:latin typeface="Cambria Math"/>
+                              </a:rPr>
+                            </m:ctrlPr>
+                          </m:dPr>
+                          <m:e>
+                            <m:r>
+                              <a:rPr lang="en-US" b="0" i="1" smtClean="0">
+                                <a:latin typeface="Cambria Math"/>
+                              </a:rPr>
+                              <m:t>𝑥</m:t>
+                            </m:r>
+                          </m:e>
+                        </m:d>
+                      </m:e>
+                      <m:sup>
+                        <m:r>
+                          <a:rPr lang="en-US" b="0" i="1" smtClean="0">
+                            <a:latin typeface="Cambria Math"/>
+                          </a:rPr>
+                          <m:t>𝑇</m:t>
+                        </m:r>
+                      </m:sup>
+                    </m:sSup>
+                    <m:d>
+                      <m:dPr>
+                        <m:ctrlPr>
+                          <a:rPr lang="en-US" b="0" i="1" smtClean="0">
+                            <a:latin typeface="Cambria Math"/>
+                          </a:rPr>
+                        </m:ctrlPr>
+                      </m:dPr>
+                      <m:e>
+                        <m:r>
+                          <a:rPr lang="en-US" b="0" i="1" smtClean="0">
+                            <a:latin typeface="Cambria Math"/>
+                          </a:rPr>
+                          <m:t>𝑦</m:t>
+                        </m:r>
+                        <m:r>
+                          <a:rPr lang="en-US" b="0" i="1" smtClean="0">
+                            <a:latin typeface="Cambria Math"/>
+                          </a:rPr>
+                          <m:t>−</m:t>
+                        </m:r>
+                        <m:r>
+                          <a:rPr lang="en-US" b="0" i="1" smtClean="0">
+                            <a:latin typeface="Cambria Math"/>
+                          </a:rPr>
+                          <m:t>𝑥</m:t>
+                        </m:r>
+                      </m:e>
+                    </m:d>
+                  </m:oMath>
+                </a14:m>
+                <a:r>
+                  <a:rPr lang="en-US" dirty="0" smtClean="0"/>
+                  <a:t> </a:t>
+                </a:r>
+                <a14:m>
+                  <m:oMath xmlns:m="http://schemas.openxmlformats.org/officeDocument/2006/math">
+                    <m:r>
+                      <a:rPr lang="en-US" b="0" i="1" smtClean="0">
+                        <a:latin typeface="Cambria Math"/>
+                      </a:rPr>
+                      <m:t>=</m:t>
+                    </m:r>
+                    <m:sSup>
+                      <m:sSupPr>
+                        <m:ctrlPr>
+                          <a:rPr lang="en-US" b="0" i="1" smtClean="0">
+                            <a:latin typeface="Cambria Math"/>
+                          </a:rPr>
+                        </m:ctrlPr>
+                      </m:sSupPr>
+                      <m:e>
+                        <m:r>
+                          <a:rPr lang="en-US" b="0" i="1" smtClean="0">
+                            <a:latin typeface="Cambria Math"/>
+                          </a:rPr>
+                          <m:t>𝜙</m:t>
+                        </m:r>
+                      </m:e>
+                      <m:sup>
+                        <m:r>
+                          <a:rPr lang="en-US" b="0" i="1" smtClean="0">
+                            <a:latin typeface="Cambria Math"/>
+                          </a:rPr>
+                          <m:t>𝑥</m:t>
+                        </m:r>
+                      </m:sup>
+                    </m:sSup>
+                    <m:d>
+                      <m:dPr>
+                        <m:ctrlPr>
+                          <a:rPr lang="en-US" b="0" i="1" smtClean="0">
+                            <a:latin typeface="Cambria Math"/>
+                          </a:rPr>
+                        </m:ctrlPr>
+                      </m:dPr>
+                      <m:e>
+                        <m:r>
+                          <a:rPr lang="en-US" b="0" i="1" smtClean="0">
+                            <a:latin typeface="Cambria Math"/>
+                          </a:rPr>
+                          <m:t>𝑥</m:t>
+                        </m:r>
+                      </m:e>
+                    </m:d>
+                    <m:r>
+                      <a:rPr lang="en-US" b="0" i="1" smtClean="0">
+                        <a:latin typeface="Cambria Math"/>
+                      </a:rPr>
+                      <m:t>−</m:t>
+                    </m:r>
+                    <m:sSup>
+                      <m:sSupPr>
+                        <m:ctrlPr>
+                          <a:rPr lang="en-US" b="0" i="1" smtClean="0">
+                            <a:latin typeface="Cambria Math"/>
+                          </a:rPr>
+                        </m:ctrlPr>
+                      </m:sSupPr>
+                      <m:e>
+                        <m:r>
+                          <a:rPr lang="en-US" b="0" i="1" smtClean="0">
+                            <a:latin typeface="Cambria Math"/>
+                          </a:rPr>
+                          <m:t>𝜙</m:t>
+                        </m:r>
+                      </m:e>
+                      <m:sup>
+                        <m:r>
+                          <a:rPr lang="en-US" b="0" i="1" smtClean="0">
+                            <a:latin typeface="Cambria Math"/>
+                          </a:rPr>
+                          <m:t>𝑥</m:t>
+                        </m:r>
+                      </m:sup>
+                    </m:sSup>
+                    <m:d>
+                      <m:dPr>
+                        <m:ctrlPr>
+                          <a:rPr lang="en-US" b="0" i="1" smtClean="0">
+                            <a:latin typeface="Cambria Math"/>
+                          </a:rPr>
+                        </m:ctrlPr>
+                      </m:dPr>
+                      <m:e>
+                        <m:r>
+                          <a:rPr lang="en-US" b="0" i="1" smtClean="0">
+                            <a:latin typeface="Cambria Math"/>
+                          </a:rPr>
+                          <m:t>𝑦</m:t>
+                        </m:r>
+                      </m:e>
+                    </m:d>
+                  </m:oMath>
+                </a14:m>
+                <a:endParaRPr lang="en-US" b="0" dirty="0" smtClean="0"/>
+              </a:p>
+              <a:p>
+                <a:pPr marL="0" indent="0">
+                  <a:buNone/>
+                </a:pPr>
+                <a14:m>
+                  <m:oMathPara xmlns:m="http://schemas.openxmlformats.org/officeDocument/2006/math">
+                    <m:oMathParaPr>
+                      <m:jc m:val="centerGroup"/>
+                    </m:oMathParaPr>
+                    <m:oMath xmlns:m="http://schemas.openxmlformats.org/officeDocument/2006/math">
+                      <m:r>
+                        <a:rPr lang="en-US" b="0" i="1" smtClean="0">
+                          <a:latin typeface="Cambria Math"/>
+                        </a:rPr>
+                        <m:t>≤</m:t>
+                      </m:r>
+                      <m:sSup>
+                        <m:sSupPr>
+                          <m:ctrlPr>
+                            <a:rPr lang="en-US" b="0" i="1" smtClean="0">
+                              <a:latin typeface="Cambria Math"/>
+                            </a:rPr>
+                          </m:ctrlPr>
+                        </m:sSupPr>
+                        <m:e>
+                          <m:r>
+                            <a:rPr lang="en-US" b="0" i="1" smtClean="0">
+                              <a:latin typeface="Cambria Math"/>
+                            </a:rPr>
+                            <m:t>𝜙</m:t>
+                          </m:r>
+                        </m:e>
+                        <m:sup>
+                          <m:r>
+                            <a:rPr lang="en-US" b="0" i="1" smtClean="0">
+                              <a:latin typeface="Cambria Math"/>
+                            </a:rPr>
+                            <m:t>𝑥</m:t>
+                          </m:r>
+                        </m:sup>
+                      </m:sSup>
+                      <m:d>
+                        <m:dPr>
+                          <m:ctrlPr>
+                            <a:rPr lang="en-US" b="0" i="1" smtClean="0">
+                              <a:latin typeface="Cambria Math"/>
+                            </a:rPr>
+                          </m:ctrlPr>
+                        </m:dPr>
+                        <m:e>
+                          <m:r>
+                            <a:rPr lang="en-US" b="0" i="1" smtClean="0">
+                              <a:latin typeface="Cambria Math"/>
+                            </a:rPr>
+                            <m:t>𝑦</m:t>
+                          </m:r>
+                          <m:r>
+                            <a:rPr lang="en-US" b="0" i="1" smtClean="0">
+                              <a:latin typeface="Cambria Math"/>
+                            </a:rPr>
+                            <m:t> −</m:t>
+                          </m:r>
+                          <m:f>
+                            <m:fPr>
+                              <m:ctrlPr>
+                                <a:rPr lang="en-US" b="0" i="1" smtClean="0">
+                                  <a:latin typeface="Cambria Math"/>
+                                </a:rPr>
+                              </m:ctrlPr>
+                            </m:fPr>
+                            <m:num>
+                              <m:r>
+                                <a:rPr lang="en-US" b="0" i="1" smtClean="0">
+                                  <a:latin typeface="Cambria Math"/>
+                                </a:rPr>
+                                <m:t>1</m:t>
+                              </m:r>
+                            </m:num>
+                            <m:den>
+                              <m:r>
+                                <a:rPr lang="en-US" b="0" i="1" smtClean="0">
+                                  <a:latin typeface="Cambria Math"/>
+                                </a:rPr>
+                                <m:t>𝛽</m:t>
+                              </m:r>
+                            </m:den>
+                          </m:f>
+                          <m:r>
+                            <a:rPr lang="en-US" b="0" i="0" smtClean="0">
+                              <a:latin typeface="Cambria Math"/>
+                            </a:rPr>
+                            <m:t>∇</m:t>
+                          </m:r>
+                          <m:sSup>
+                            <m:sSupPr>
+                              <m:ctrlPr>
+                                <a:rPr lang="en-US" b="0" i="1" smtClean="0">
+                                  <a:latin typeface="Cambria Math"/>
+                                </a:rPr>
+                              </m:ctrlPr>
+                            </m:sSupPr>
+                            <m:e>
+                              <m:r>
+                                <a:rPr lang="en-US" b="0" i="1" smtClean="0">
+                                  <a:latin typeface="Cambria Math"/>
+                                </a:rPr>
+                                <m:t>𝜙</m:t>
+                              </m:r>
+                            </m:e>
+                            <m:sup>
+                              <m:r>
+                                <a:rPr lang="en-US" b="0" i="1" smtClean="0">
+                                  <a:latin typeface="Cambria Math"/>
+                                </a:rPr>
+                                <m:t>𝑥</m:t>
+                              </m:r>
+                            </m:sup>
+                          </m:sSup>
+                          <m:d>
+                            <m:dPr>
+                              <m:ctrlPr>
+                                <a:rPr lang="en-US" b="0" i="1" smtClean="0">
+                                  <a:latin typeface="Cambria Math"/>
+                                </a:rPr>
+                              </m:ctrlPr>
+                            </m:dPr>
+                            <m:e>
+                              <m:r>
+                                <a:rPr lang="en-US" b="0" i="1" smtClean="0">
+                                  <a:latin typeface="Cambria Math"/>
+                                </a:rPr>
+                                <m:t>𝑦</m:t>
+                              </m:r>
+                            </m:e>
+                          </m:d>
+                        </m:e>
+                      </m:d>
+                      <m:r>
+                        <a:rPr lang="en-US" b="0" i="1" smtClean="0">
+                          <a:latin typeface="Cambria Math"/>
+                        </a:rPr>
+                        <m:t>−</m:t>
+                      </m:r>
+                      <m:sSup>
+                        <m:sSupPr>
+                          <m:ctrlPr>
+                            <a:rPr lang="en-US" b="0" i="1" smtClean="0">
+                              <a:latin typeface="Cambria Math"/>
+                            </a:rPr>
+                          </m:ctrlPr>
+                        </m:sSupPr>
+                        <m:e>
+                          <m:r>
+                            <a:rPr lang="en-US" b="0" i="1" smtClean="0">
+                              <a:latin typeface="Cambria Math"/>
+                            </a:rPr>
+                            <m:t>𝜙</m:t>
+                          </m:r>
+                        </m:e>
+                        <m:sup>
+                          <m:r>
+                            <a:rPr lang="en-US" b="0" i="1" smtClean="0">
+                              <a:latin typeface="Cambria Math"/>
+                            </a:rPr>
+                            <m:t>𝑥</m:t>
+                          </m:r>
+                        </m:sup>
+                      </m:sSup>
+                      <m:d>
+                        <m:dPr>
+                          <m:ctrlPr>
+                            <a:rPr lang="en-US" b="0" i="1" smtClean="0">
+                              <a:latin typeface="Cambria Math"/>
+                            </a:rPr>
+                          </m:ctrlPr>
+                        </m:dPr>
+                        <m:e>
+                          <m:r>
+                            <a:rPr lang="en-US" b="0" i="1" smtClean="0">
+                              <a:latin typeface="Cambria Math"/>
+                            </a:rPr>
+                            <m:t>𝑦</m:t>
+                          </m:r>
+                        </m:e>
+                      </m:d>
+                    </m:oMath>
+                  </m:oMathPara>
+                </a14:m>
+                <a:endParaRPr lang="en-US" b="0" dirty="0" smtClean="0"/>
+              </a:p>
+              <a:p>
+                <a:pPr marL="0" indent="0">
+                  <a:buNone/>
+                </a:pPr>
+                <a14:m>
+                  <m:oMathPara xmlns:m="http://schemas.openxmlformats.org/officeDocument/2006/math">
+                    <m:oMathParaPr>
+                      <m:jc m:val="centerGroup"/>
+                    </m:oMathParaPr>
+                    <m:oMath xmlns:m="http://schemas.openxmlformats.org/officeDocument/2006/math">
+                      <m:r>
+                        <a:rPr lang="en-US" b="0" i="1" smtClean="0">
+                          <a:latin typeface="Cambria Math"/>
+                        </a:rPr>
+                        <m:t>≤</m:t>
+                      </m:r>
+                      <m:r>
+                        <a:rPr lang="en-US" b="0" i="0" smtClean="0">
+                          <a:latin typeface="Cambria Math"/>
+                        </a:rPr>
+                        <m:t>∇</m:t>
+                      </m:r>
+                      <m:sSup>
+                        <m:sSupPr>
+                          <m:ctrlPr>
+                            <a:rPr lang="en-US" b="0" i="1" smtClean="0">
+                              <a:latin typeface="Cambria Math"/>
+                            </a:rPr>
+                          </m:ctrlPr>
+                        </m:sSupPr>
+                        <m:e>
+                          <m:r>
+                            <a:rPr lang="en-US" b="0" i="1" smtClean="0">
+                              <a:latin typeface="Cambria Math"/>
+                            </a:rPr>
+                            <m:t>𝜙</m:t>
+                          </m:r>
+                        </m:e>
+                        <m:sup>
+                          <m:r>
+                            <a:rPr lang="en-US" b="0" i="1" smtClean="0">
+                              <a:latin typeface="Cambria Math"/>
+                            </a:rPr>
+                            <m:t>𝑥</m:t>
+                          </m:r>
+                        </m:sup>
+                      </m:sSup>
+                      <m:sSup>
+                        <m:sSupPr>
+                          <m:ctrlPr>
+                            <a:rPr lang="en-US" b="0" i="1" smtClean="0">
+                              <a:latin typeface="Cambria Math"/>
+                            </a:rPr>
+                          </m:ctrlPr>
+                        </m:sSupPr>
+                        <m:e>
+                          <m:d>
+                            <m:dPr>
+                              <m:ctrlPr>
+                                <a:rPr lang="en-US" b="0" i="1" smtClean="0">
+                                  <a:latin typeface="Cambria Math"/>
+                                </a:rPr>
+                              </m:ctrlPr>
+                            </m:dPr>
+                            <m:e>
+                              <m:r>
+                                <a:rPr lang="en-US" b="0" i="1" smtClean="0">
+                                  <a:latin typeface="Cambria Math"/>
+                                </a:rPr>
+                                <m:t>𝑦</m:t>
+                              </m:r>
+                            </m:e>
+                          </m:d>
+                        </m:e>
+                        <m:sup>
+                          <m:r>
+                            <a:rPr lang="en-US" b="0" i="1" smtClean="0">
+                              <a:latin typeface="Cambria Math"/>
+                            </a:rPr>
+                            <m:t>𝑇</m:t>
+                          </m:r>
+                        </m:sup>
+                      </m:sSup>
+                      <m:d>
+                        <m:dPr>
+                          <m:ctrlPr>
+                            <a:rPr lang="en-US" b="0" i="1" smtClean="0">
+                              <a:latin typeface="Cambria Math"/>
+                            </a:rPr>
+                          </m:ctrlPr>
+                        </m:dPr>
+                        <m:e>
+                          <m:r>
+                            <a:rPr lang="en-US" b="0" i="1" smtClean="0">
+                              <a:latin typeface="Cambria Math"/>
+                            </a:rPr>
+                            <m:t>−</m:t>
+                          </m:r>
+                          <m:f>
+                            <m:fPr>
+                              <m:ctrlPr>
+                                <a:rPr lang="en-US" b="0" i="1" smtClean="0">
+                                  <a:latin typeface="Cambria Math"/>
+                                </a:rPr>
+                              </m:ctrlPr>
+                            </m:fPr>
+                            <m:num>
+                              <m:r>
+                                <a:rPr lang="en-US" b="0" i="1" smtClean="0">
+                                  <a:latin typeface="Cambria Math"/>
+                                </a:rPr>
+                                <m:t>1</m:t>
+                              </m:r>
+                            </m:num>
+                            <m:den>
+                              <m:r>
+                                <a:rPr lang="en-US" b="0" i="1" smtClean="0">
+                                  <a:latin typeface="Cambria Math"/>
+                                </a:rPr>
+                                <m:t>𝛽</m:t>
+                              </m:r>
+                            </m:den>
+                          </m:f>
+                          <m:r>
+                            <a:rPr lang="en-US" b="0" i="0" smtClean="0">
+                              <a:latin typeface="Cambria Math"/>
+                            </a:rPr>
+                            <m:t>𝛻</m:t>
+                          </m:r>
+                          <m:sSup>
+                            <m:sSupPr>
+                              <m:ctrlPr>
+                                <a:rPr lang="en-US" b="0" i="1" smtClean="0">
+                                  <a:latin typeface="Cambria Math"/>
+                                </a:rPr>
+                              </m:ctrlPr>
+                            </m:sSupPr>
+                            <m:e>
+                              <m:r>
+                                <a:rPr lang="en-US" b="0" i="1" smtClean="0">
+                                  <a:latin typeface="Cambria Math"/>
+                                </a:rPr>
+                                <m:t>𝜙</m:t>
+                              </m:r>
+                            </m:e>
+                            <m:sup>
+                              <m:r>
+                                <a:rPr lang="en-US" b="0" i="1" smtClean="0">
+                                  <a:latin typeface="Cambria Math"/>
+                                </a:rPr>
+                                <m:t>𝑥</m:t>
+                              </m:r>
+                            </m:sup>
+                          </m:sSup>
+                          <m:d>
+                            <m:dPr>
+                              <m:ctrlPr>
+                                <a:rPr lang="en-US" b="0" i="1" smtClean="0">
+                                  <a:latin typeface="Cambria Math"/>
+                                </a:rPr>
+                              </m:ctrlPr>
+                            </m:dPr>
+                            <m:e>
+                              <m:r>
+                                <a:rPr lang="en-US" b="0" i="1" smtClean="0">
+                                  <a:latin typeface="Cambria Math"/>
+                                </a:rPr>
+                                <m:t>𝑦</m:t>
+                              </m:r>
+                            </m:e>
+                          </m:d>
+                        </m:e>
+                      </m:d>
+                      <m:r>
+                        <a:rPr lang="en-US" b="0" i="1" smtClean="0">
+                          <a:latin typeface="Cambria Math"/>
+                        </a:rPr>
+                        <m:t>+</m:t>
+                      </m:r>
+                      <m:f>
+                        <m:fPr>
+                          <m:ctrlPr>
+                            <a:rPr lang="en-US" b="0" i="1" smtClean="0">
+                              <a:latin typeface="Cambria Math"/>
+                            </a:rPr>
+                          </m:ctrlPr>
+                        </m:fPr>
+                        <m:num>
+                          <m:r>
+                            <a:rPr lang="en-US" b="0" i="1" smtClean="0">
+                              <a:latin typeface="Cambria Math"/>
+                            </a:rPr>
+                            <m:t>𝛽</m:t>
+                          </m:r>
+                        </m:num>
+                        <m:den>
+                          <m:r>
+                            <a:rPr lang="en-US" b="0" i="1" smtClean="0">
+                              <a:latin typeface="Cambria Math"/>
+                            </a:rPr>
+                            <m:t>2</m:t>
+                          </m:r>
+                        </m:den>
+                      </m:f>
+                      <m:sSup>
+                        <m:sSupPr>
+                          <m:ctrlPr>
+                            <a:rPr lang="en-US" b="0" i="1" smtClean="0">
+                              <a:latin typeface="Cambria Math"/>
+                            </a:rPr>
+                          </m:ctrlPr>
+                        </m:sSupPr>
+                        <m:e>
+                          <m:d>
+                            <m:dPr>
+                              <m:begChr m:val="|"/>
+                              <m:endChr m:val="|"/>
+                              <m:ctrlPr>
+                                <a:rPr lang="en-US" b="0" i="1" smtClean="0">
+                                  <a:latin typeface="Cambria Math"/>
+                                </a:rPr>
+                              </m:ctrlPr>
+                            </m:dPr>
+                            <m:e>
+                              <m:d>
+                                <m:dPr>
+                                  <m:begChr m:val="|"/>
+                                  <m:endChr m:val="|"/>
+                                  <m:ctrlPr>
+                                    <a:rPr lang="en-US" b="0" i="1" smtClean="0">
+                                      <a:latin typeface="Cambria Math"/>
+                                    </a:rPr>
+                                  </m:ctrlPr>
+                                </m:dPr>
+                                <m:e>
+                                  <m:f>
+                                    <m:fPr>
+                                      <m:ctrlPr>
+                                        <a:rPr lang="en-US" b="0" i="1" smtClean="0">
+                                          <a:latin typeface="Cambria Math"/>
+                                        </a:rPr>
+                                      </m:ctrlPr>
+                                    </m:fPr>
+                                    <m:num>
+                                      <m:r>
+                                        <a:rPr lang="en-US" b="0" i="1" smtClean="0">
+                                          <a:latin typeface="Cambria Math"/>
+                                        </a:rPr>
+                                        <m:t>1</m:t>
+                                      </m:r>
+                                    </m:num>
+                                    <m:den>
+                                      <m:r>
+                                        <a:rPr lang="en-US" b="0" i="1" smtClean="0">
+                                          <a:latin typeface="Cambria Math"/>
+                                        </a:rPr>
+                                        <m:t>𝛽</m:t>
+                                      </m:r>
+                                    </m:den>
+                                  </m:f>
+                                  <m:r>
+                                    <a:rPr lang="en-US" b="0" i="0" smtClean="0">
+                                      <a:latin typeface="Cambria Math"/>
+                                    </a:rPr>
+                                    <m:t>𝛻</m:t>
+                                  </m:r>
+                                  <m:sSup>
+                                    <m:sSupPr>
+                                      <m:ctrlPr>
+                                        <a:rPr lang="en-US" b="0" i="1" smtClean="0">
+                                          <a:latin typeface="Cambria Math"/>
+                                        </a:rPr>
+                                      </m:ctrlPr>
+                                    </m:sSupPr>
+                                    <m:e>
+                                      <m:r>
+                                        <a:rPr lang="en-US" b="0" i="1" smtClean="0">
+                                          <a:latin typeface="Cambria Math"/>
+                                        </a:rPr>
+                                        <m:t>𝜙</m:t>
+                                      </m:r>
+                                    </m:e>
+                                    <m:sup>
+                                      <m:r>
+                                        <a:rPr lang="en-US" b="0" i="1" smtClean="0">
+                                          <a:latin typeface="Cambria Math"/>
+                                        </a:rPr>
+                                        <m:t>𝑥</m:t>
+                                      </m:r>
+                                    </m:sup>
+                                  </m:sSup>
+                                  <m:d>
+                                    <m:dPr>
+                                      <m:ctrlPr>
+                                        <a:rPr lang="en-US" b="0" i="1" smtClean="0">
+                                          <a:latin typeface="Cambria Math"/>
+                                        </a:rPr>
+                                      </m:ctrlPr>
+                                    </m:dPr>
+                                    <m:e>
+                                      <m:r>
+                                        <a:rPr lang="en-US" b="0" i="1" smtClean="0">
+                                          <a:latin typeface="Cambria Math"/>
+                                        </a:rPr>
+                                        <m:t>𝑦</m:t>
+                                      </m:r>
+                                    </m:e>
+                                  </m:d>
+                                </m:e>
+                              </m:d>
+                            </m:e>
+                          </m:d>
+                        </m:e>
+                        <m:sup>
+                          <m:r>
+                            <a:rPr lang="en-US" b="0" i="1" smtClean="0">
+                              <a:latin typeface="Cambria Math"/>
+                            </a:rPr>
+                            <m:t>2</m:t>
+                          </m:r>
+                        </m:sup>
+                      </m:sSup>
+                      <m:d>
+                        <m:dPr>
+                          <m:ctrlPr>
+                            <a:rPr lang="en-US" b="0" i="1" smtClean="0">
+                              <a:latin typeface="Cambria Math"/>
+                            </a:rPr>
+                          </m:ctrlPr>
+                        </m:dPr>
+                        <m:e>
+                          <m:r>
+                            <a:rPr lang="en-US" b="0" i="1" smtClean="0">
+                              <a:latin typeface="Cambria Math"/>
+                            </a:rPr>
+                            <m:t>𝑏𝑦</m:t>
+                          </m:r>
+                          <m:r>
+                            <a:rPr lang="en-US" b="0" i="1" smtClean="0">
+                              <a:latin typeface="Cambria Math"/>
+                            </a:rPr>
+                            <m:t> </m:t>
+                          </m:r>
+                          <m:r>
+                            <a:rPr lang="en-US" b="0" i="1" smtClean="0">
+                              <a:latin typeface="Cambria Math"/>
+                            </a:rPr>
+                            <m:t>𝐿𝑒𝑚𝑚𝑎</m:t>
+                          </m:r>
+                          <m:r>
+                            <a:rPr lang="en-US" b="0" i="1" smtClean="0">
+                              <a:latin typeface="Cambria Math"/>
+                            </a:rPr>
+                            <m:t> 1</m:t>
+                          </m:r>
+                        </m:e>
+                      </m:d>
+                    </m:oMath>
+                  </m:oMathPara>
+                </a14:m>
+                <a:endParaRPr lang="en-US" b="0" dirty="0" smtClean="0"/>
+              </a:p>
+              <a:p>
+                <a:pPr marL="0" indent="0">
+                  <a:buNone/>
+                </a:pPr>
+                <a14:m>
+                  <m:oMathPara xmlns:m="http://schemas.openxmlformats.org/officeDocument/2006/math">
+                    <m:oMathParaPr>
+                      <m:jc m:val="centerGroup"/>
+                    </m:oMathParaPr>
+                    <m:oMath xmlns:m="http://schemas.openxmlformats.org/officeDocument/2006/math">
+                      <m:r>
+                        <a:rPr lang="en-US" b="0" i="1" smtClean="0">
+                          <a:latin typeface="Cambria Math"/>
+                        </a:rPr>
+                        <m:t>=  −</m:t>
+                      </m:r>
+                      <m:f>
+                        <m:fPr>
+                          <m:ctrlPr>
+                            <a:rPr lang="en-US" b="0" i="1" smtClean="0">
+                              <a:latin typeface="Cambria Math"/>
+                            </a:rPr>
+                          </m:ctrlPr>
+                        </m:fPr>
+                        <m:num>
+                          <m:r>
+                            <a:rPr lang="en-US" b="0" i="1" smtClean="0">
+                              <a:latin typeface="Cambria Math"/>
+                            </a:rPr>
+                            <m:t>1</m:t>
+                          </m:r>
+                        </m:num>
+                        <m:den>
+                          <m:r>
+                            <a:rPr lang="en-US" b="0" i="1" smtClean="0">
+                              <a:latin typeface="Cambria Math"/>
+                            </a:rPr>
+                            <m:t>2</m:t>
+                          </m:r>
+                          <m:r>
+                            <a:rPr lang="en-US" b="0" i="1" smtClean="0">
+                              <a:latin typeface="Cambria Math"/>
+                            </a:rPr>
+                            <m:t>𝛽</m:t>
+                          </m:r>
+                        </m:den>
+                      </m:f>
+                      <m:sSup>
+                        <m:sSupPr>
+                          <m:ctrlPr>
+                            <a:rPr lang="en-US" b="0" i="1" smtClean="0">
+                              <a:latin typeface="Cambria Math"/>
+                            </a:rPr>
+                          </m:ctrlPr>
+                        </m:sSupPr>
+                        <m:e>
+                          <m:d>
+                            <m:dPr>
+                              <m:begChr m:val="|"/>
+                              <m:endChr m:val="|"/>
+                              <m:ctrlPr>
+                                <a:rPr lang="en-US" b="0" i="1" smtClean="0">
+                                  <a:latin typeface="Cambria Math"/>
+                                </a:rPr>
+                              </m:ctrlPr>
+                            </m:dPr>
+                            <m:e>
+                              <m:d>
+                                <m:dPr>
+                                  <m:begChr m:val="|"/>
+                                  <m:endChr m:val="|"/>
+                                  <m:ctrlPr>
+                                    <a:rPr lang="en-US" b="0" i="1" smtClean="0">
+                                      <a:latin typeface="Cambria Math"/>
+                                    </a:rPr>
+                                  </m:ctrlPr>
+                                </m:dPr>
+                                <m:e>
+                                  <m:r>
+                                    <a:rPr lang="en-US" b="0" i="0" smtClean="0">
+                                      <a:latin typeface="Cambria Math"/>
+                                    </a:rPr>
+                                    <m:t>𝛻</m:t>
+                                  </m:r>
+                                  <m:sSup>
+                                    <m:sSupPr>
+                                      <m:ctrlPr>
+                                        <a:rPr lang="en-US" b="0" i="1" smtClean="0">
+                                          <a:latin typeface="Cambria Math"/>
+                                        </a:rPr>
+                                      </m:ctrlPr>
+                                    </m:sSupPr>
+                                    <m:e>
+                                      <m:r>
+                                        <a:rPr lang="en-US" b="0" i="1" smtClean="0">
+                                          <a:latin typeface="Cambria Math"/>
+                                        </a:rPr>
+                                        <m:t>𝜙</m:t>
+                                      </m:r>
+                                    </m:e>
+                                    <m:sup>
+                                      <m:r>
+                                        <a:rPr lang="en-US" b="0" i="1" smtClean="0">
+                                          <a:latin typeface="Cambria Math"/>
+                                        </a:rPr>
+                                        <m:t>𝑥</m:t>
+                                      </m:r>
+                                    </m:sup>
+                                  </m:sSup>
+                                  <m:d>
+                                    <m:dPr>
+                                      <m:ctrlPr>
+                                        <a:rPr lang="en-US" b="0" i="1" smtClean="0">
+                                          <a:latin typeface="Cambria Math"/>
+                                        </a:rPr>
+                                      </m:ctrlPr>
+                                    </m:dPr>
+                                    <m:e>
+                                      <m:r>
+                                        <a:rPr lang="en-US" b="0" i="1" smtClean="0">
+                                          <a:latin typeface="Cambria Math"/>
+                                        </a:rPr>
+                                        <m:t>𝑦</m:t>
+                                      </m:r>
+                                    </m:e>
+                                  </m:d>
+                                </m:e>
+                              </m:d>
+                            </m:e>
+                          </m:d>
+                        </m:e>
+                        <m:sup>
+                          <m:r>
+                            <a:rPr lang="en-US" b="0" i="1" smtClean="0">
+                              <a:latin typeface="Cambria Math"/>
+                            </a:rPr>
+                            <m:t>2</m:t>
+                          </m:r>
+                        </m:sup>
+                      </m:sSup>
+                      <m:r>
+                        <a:rPr lang="en-US" b="0" i="1" smtClean="0">
+                          <a:latin typeface="Cambria Math"/>
+                        </a:rPr>
+                        <m:t>=−</m:t>
+                      </m:r>
+                      <m:f>
+                        <m:fPr>
+                          <m:ctrlPr>
+                            <a:rPr lang="en-US" b="0" i="1" smtClean="0">
+                              <a:latin typeface="Cambria Math"/>
+                            </a:rPr>
+                          </m:ctrlPr>
+                        </m:fPr>
+                        <m:num>
+                          <m:r>
+                            <a:rPr lang="en-US" b="0" i="1" smtClean="0">
+                              <a:latin typeface="Cambria Math"/>
+                            </a:rPr>
+                            <m:t>1</m:t>
+                          </m:r>
+                        </m:num>
+                        <m:den>
+                          <m:r>
+                            <a:rPr lang="en-US" b="0" i="1" smtClean="0">
+                              <a:latin typeface="Cambria Math"/>
+                            </a:rPr>
+                            <m:t>2</m:t>
+                          </m:r>
+                          <m:r>
+                            <a:rPr lang="en-US" b="0" i="1" smtClean="0">
+                              <a:latin typeface="Cambria Math"/>
+                            </a:rPr>
+                            <m:t>𝛽</m:t>
+                          </m:r>
+                        </m:den>
+                      </m:f>
+                      <m:sSubSup>
+                        <m:sSubSupPr>
+                          <m:ctrlPr>
+                            <a:rPr lang="en-US" b="0" i="1" smtClean="0">
+                              <a:latin typeface="Cambria Math"/>
+                            </a:rPr>
+                          </m:ctrlPr>
+                        </m:sSubSupPr>
+                        <m:e>
+                          <m:d>
+                            <m:dPr>
+                              <m:begChr m:val="|"/>
+                              <m:endChr m:val="|"/>
+                              <m:ctrlPr>
+                                <a:rPr lang="en-US" b="0" i="1" smtClean="0">
+                                  <a:latin typeface="Cambria Math"/>
+                                </a:rPr>
+                              </m:ctrlPr>
+                            </m:dPr>
+                            <m:e>
+                              <m:d>
+                                <m:dPr>
+                                  <m:begChr m:val="|"/>
+                                  <m:endChr m:val="|"/>
+                                  <m:ctrlPr>
+                                    <a:rPr lang="en-US" b="0" i="1" smtClean="0">
+                                      <a:latin typeface="Cambria Math"/>
+                                    </a:rPr>
+                                  </m:ctrlPr>
+                                </m:dPr>
+                                <m:e>
+                                  <m:r>
+                                    <a:rPr lang="en-US" b="0" i="0" smtClean="0">
+                                      <a:latin typeface="Cambria Math"/>
+                                    </a:rPr>
+                                    <m:t>𝛻</m:t>
+                                  </m:r>
+                                  <m:r>
+                                    <a:rPr lang="en-US" b="0" i="1" smtClean="0">
+                                      <a:latin typeface="Cambria Math"/>
+                                    </a:rPr>
+                                    <m:t>𝑓</m:t>
+                                  </m:r>
+                                  <m:d>
+                                    <m:dPr>
+                                      <m:ctrlPr>
+                                        <a:rPr lang="en-US" b="0" i="1" smtClean="0">
+                                          <a:latin typeface="Cambria Math"/>
+                                        </a:rPr>
+                                      </m:ctrlPr>
+                                    </m:dPr>
+                                    <m:e>
+                                      <m:r>
+                                        <a:rPr lang="en-US" b="0" i="1" smtClean="0">
+                                          <a:latin typeface="Cambria Math"/>
+                                        </a:rPr>
+                                        <m:t>𝑥</m:t>
+                                      </m:r>
+                                    </m:e>
+                                  </m:d>
+                                  <m:r>
+                                    <a:rPr lang="en-US" b="0" i="1" smtClean="0">
+                                      <a:latin typeface="Cambria Math"/>
+                                    </a:rPr>
+                                    <m:t>−</m:t>
+                                  </m:r>
+                                  <m:r>
+                                    <a:rPr lang="en-US" b="0" i="0" smtClean="0">
+                                      <a:latin typeface="Cambria Math"/>
+                                    </a:rPr>
+                                    <m:t>𝛻</m:t>
+                                  </m:r>
+                                  <m:r>
+                                    <a:rPr lang="en-US" b="0" i="1" smtClean="0">
+                                      <a:latin typeface="Cambria Math"/>
+                                    </a:rPr>
+                                    <m:t>𝑓</m:t>
+                                  </m:r>
+                                  <m:d>
+                                    <m:dPr>
+                                      <m:ctrlPr>
+                                        <a:rPr lang="en-US" b="0" i="1" smtClean="0">
+                                          <a:latin typeface="Cambria Math"/>
+                                        </a:rPr>
+                                      </m:ctrlPr>
+                                    </m:dPr>
+                                    <m:e>
+                                      <m:r>
+                                        <a:rPr lang="en-US" b="0" i="1" smtClean="0">
+                                          <a:latin typeface="Cambria Math"/>
+                                        </a:rPr>
+                                        <m:t>𝑦</m:t>
+                                      </m:r>
+                                    </m:e>
+                                  </m:d>
+                                </m:e>
+                              </m:d>
+                            </m:e>
+                          </m:d>
+                        </m:e>
+                        <m:sub/>
+                        <m:sup>
+                          <m:r>
+                            <a:rPr lang="en-US" b="0" i="1" smtClean="0">
+                              <a:latin typeface="Cambria Math"/>
+                            </a:rPr>
+                            <m:t>2</m:t>
+                          </m:r>
+                        </m:sup>
+                      </m:sSubSup>
+                    </m:oMath>
+                  </m:oMathPara>
+                </a14:m>
+                <a:endParaRPr lang="en-US" dirty="0"/>
+              </a:p>
+            </p:txBody>
+          </p:sp>
+        </mc:Choice>
+        <mc:Fallback>
+          <p:sp>
+            <p:nvSpPr>
+              <p:cNvPr id="3" name="Content Placeholder 2"/>
+              <p:cNvSpPr>
+                <a:spLocks noGrp="1" noRot="1" noChangeAspect="1" noMove="1" noResize="1" noEditPoints="1" noAdjustHandles="1" noChangeArrowheads="1" noChangeShapeType="1" noTextEdit="1"/>
+              </p:cNvSpPr>
+              <p:nvPr>
+                <p:ph idx="1"/>
+              </p:nvPr>
+            </p:nvSpPr>
+            <p:spPr>
+              <a:xfrm>
+                <a:off x="457200" y="1600200"/>
+                <a:ext cx="8229600" cy="5029200"/>
+              </a:xfrm>
+              <a:blipFill rotWithShape="1">
+                <a:blip r:embed="rId2"/>
+                <a:stretch>
+                  <a:fillRect l="-815" t="-1939"/>
+                </a:stretch>
+              </a:blipFill>
+            </p:spPr>
+            <p:txBody>
+              <a:bodyPr/>
+              <a:lstStyle/>
+              <a:p>
+                <a:r>
+                  <a:rPr lang="en-US">
+                    <a:noFill/>
+                  </a:rPr>
+                  <a:t> </a:t>
+                </a:r>
+              </a:p>
+            </p:txBody>
+          </p:sp>
+        </mc:Fallback>
+      </mc:AlternateContent>
+    </p:spTree>
+    <p:extLst>
+      <p:ext uri="{BB962C8B-B14F-4D97-AF65-F5344CB8AC3E}">
+        <p14:creationId xmlns:p14="http://schemas.microsoft.com/office/powerpoint/2010/main" val="1971005781"/>
+      </p:ext>
+    </p:extLst>
+  </p:cSld>
+  <p:clrMapOvr>
+    <a:masterClrMapping/>
+  </p:clrMapOvr>
+  <p:timing>
+    <p:tnLst>
+      <p:par>
+        <p:cTn id="1" dur="indefinite" restart="never" nodeType="tmRoot"/>
+      </p:par>
+    </p:tnLst>
+  </p:timing>
+</p:sld>
+</file>
+
+<file path=ppt/slides/slide7.xml><?xml version="1.0" encoding="utf-8"?>
+<p:sld xmlns:a="http://schemas.openxmlformats.org/drawingml/2006/main" xmlns:r="http://schemas.openxmlformats.org/officeDocument/2006/relationships" xmlns:p="http://schemas.openxmlformats.org/presentationml/2006/main">
+  <p:cSld>
+    <p:spTree>
+      <p:nvGrpSpPr>
+        <p:cNvPr id="1" name=""/>
+        <p:cNvGrpSpPr/>
+        <p:nvPr/>
+      </p:nvGrpSpPr>
+      <p:grpSpPr>
+        <a:xfrm>
+          <a:off x="0" y="0"/>
+          <a:ext cx="0" cy="0"/>
+          <a:chOff x="0" y="0"/>
+          <a:chExt cx="0" cy="0"/>
+        </a:xfrm>
+      </p:grpSpPr>
+      <p:sp>
+        <p:nvSpPr>
+          <p:cNvPr id="2" name="Title 1"/>
+          <p:cNvSpPr>
+            <a:spLocks noGrp="1"/>
+          </p:cNvSpPr>
+          <p:nvPr>
+            <p:ph type="title"/>
+          </p:nvPr>
+        </p:nvSpPr>
+        <p:spPr/>
+        <p:txBody>
+          <a:bodyPr/>
+          <a:lstStyle/>
+          <a:p>
+            <a:r>
+              <a:rPr lang="en-US" dirty="0" smtClean="0">
+                <a:solidFill>
+                  <a:srgbClr val="0070C0"/>
+                </a:solidFill>
+              </a:rPr>
+              <a:t>Gradient Descent: Analysis</a:t>
+            </a:r>
+            <a:endParaRPr lang="en-US" dirty="0"/>
+          </a:p>
+        </p:txBody>
+      </p:sp>
+      <mc:AlternateContent xmlns:mc="http://schemas.openxmlformats.org/markup-compatibility/2006">
+        <mc:Choice xmlns:a14="http://schemas.microsoft.com/office/drawing/2010/main" Requires="a14">
+          <p:sp>
+            <p:nvSpPr>
+              <p:cNvPr id="3" name="Content Placeholder 2"/>
+              <p:cNvSpPr>
+                <a:spLocks noGrp="1"/>
+              </p:cNvSpPr>
+              <p:nvPr>
+                <p:ph idx="1"/>
+              </p:nvPr>
+            </p:nvSpPr>
+            <p:spPr>
+              <a:xfrm>
+                <a:off x="457200" y="1600200"/>
+                <a:ext cx="8229600" cy="4800600"/>
+              </a:xfrm>
+            </p:spPr>
+            <p:txBody>
+              <a:bodyPr>
+                <a:normAutofit fontScale="70000" lnSpcReduction="20000"/>
+              </a:bodyPr>
+              <a:lstStyle/>
+              <a:p>
+                <a:r>
+                  <a:rPr lang="en-US" dirty="0" smtClean="0"/>
+                  <a:t>Gradient descent: </a:t>
+                </a:r>
+                <a14:m>
+                  <m:oMath xmlns:m="http://schemas.openxmlformats.org/officeDocument/2006/math">
+                    <m:sSub>
+                      <m:sSubPr>
+                        <m:ctrlPr>
+                          <a:rPr lang="en-US" b="0" i="1" smtClean="0">
+                            <a:latin typeface="Cambria Math"/>
+                          </a:rPr>
+                        </m:ctrlPr>
+                      </m:sSubPr>
+                      <m:e>
+                        <m:r>
+                          <a:rPr lang="en-US" b="0" i="1" smtClean="0">
+                            <a:latin typeface="Cambria Math"/>
+                          </a:rPr>
+                          <m:t>𝑥</m:t>
+                        </m:r>
+                      </m:e>
+                      <m:sub>
+                        <m:r>
+                          <a:rPr lang="en-US" b="0" i="1" smtClean="0">
+                            <a:latin typeface="Cambria Math"/>
+                          </a:rPr>
+                          <m:t>𝑠</m:t>
+                        </m:r>
+                        <m:r>
+                          <a:rPr lang="en-US" b="0" i="1" smtClean="0">
+                            <a:latin typeface="Cambria Math"/>
+                          </a:rPr>
+                          <m:t>+</m:t>
+                        </m:r>
+                        <m:r>
+                          <a:rPr lang="en-US" b="0" i="1" smtClean="0">
+                            <a:latin typeface="Cambria Math"/>
+                          </a:rPr>
+                          <m:t>1</m:t>
+                        </m:r>
+                      </m:sub>
+                    </m:sSub>
+                    <m:r>
+                      <a:rPr lang="en-US" b="0" i="1" smtClean="0">
+                        <a:latin typeface="Cambria Math"/>
+                      </a:rPr>
+                      <m:t>=</m:t>
+                    </m:r>
+                    <m:sSub>
+                      <m:sSubPr>
+                        <m:ctrlPr>
+                          <a:rPr lang="en-US" b="0" i="1" smtClean="0">
+                            <a:latin typeface="Cambria Math"/>
+                          </a:rPr>
+                        </m:ctrlPr>
+                      </m:sSubPr>
+                      <m:e>
+                        <m:r>
+                          <a:rPr lang="en-US" b="0" i="1" smtClean="0">
+                            <a:latin typeface="Cambria Math"/>
+                          </a:rPr>
+                          <m:t>𝑥</m:t>
+                        </m:r>
+                      </m:e>
+                      <m:sub>
+                        <m:r>
+                          <a:rPr lang="en-US" b="0" i="1" smtClean="0">
+                            <a:latin typeface="Cambria Math"/>
+                          </a:rPr>
+                          <m:t>𝑠</m:t>
+                        </m:r>
+                      </m:sub>
+                    </m:sSub>
+                    <m:r>
+                      <a:rPr lang="en-US" b="0" i="1" smtClean="0">
+                        <a:latin typeface="Cambria Math"/>
+                      </a:rPr>
+                      <m:t>−</m:t>
+                    </m:r>
+                    <m:r>
+                      <a:rPr lang="en-US" b="0" i="1" smtClean="0">
+                        <a:latin typeface="Cambria Math"/>
+                      </a:rPr>
+                      <m:t>1</m:t>
+                    </m:r>
+                    <m:r>
+                      <a:rPr lang="en-US" b="0" i="1" smtClean="0">
+                        <a:latin typeface="Cambria Math"/>
+                      </a:rPr>
+                      <m:t>/</m:t>
+                    </m:r>
+                    <m:r>
+                      <a:rPr lang="en-US" b="0" i="1" smtClean="0">
+                        <a:latin typeface="Cambria Math"/>
+                      </a:rPr>
+                      <m:t>𝛽</m:t>
+                    </m:r>
+                    <m:r>
+                      <a:rPr lang="en-US" b="0" i="1" smtClean="0">
+                        <a:latin typeface="Cambria Math"/>
+                      </a:rPr>
+                      <m:t>⋅</m:t>
+                    </m:r>
+                    <m:r>
+                      <a:rPr lang="en-US" b="0" i="0" smtClean="0">
+                        <a:latin typeface="Cambria Math"/>
+                      </a:rPr>
+                      <m:t>𝛻</m:t>
+                    </m:r>
+                    <m:r>
+                      <a:rPr lang="en-US" b="0" i="1" smtClean="0">
+                        <a:latin typeface="Cambria Math"/>
+                      </a:rPr>
+                      <m:t>𝑓</m:t>
+                    </m:r>
+                    <m:d>
+                      <m:dPr>
+                        <m:ctrlPr>
+                          <a:rPr lang="en-US" b="0" i="1" smtClean="0">
+                            <a:latin typeface="Cambria Math"/>
+                          </a:rPr>
+                        </m:ctrlPr>
+                      </m:dPr>
+                      <m:e>
+                        <m:sSub>
+                          <m:sSubPr>
+                            <m:ctrlPr>
+                              <a:rPr lang="en-US" b="0" i="1" smtClean="0">
+                                <a:latin typeface="Cambria Math"/>
+                              </a:rPr>
+                            </m:ctrlPr>
+                          </m:sSubPr>
+                          <m:e>
+                            <m:r>
+                              <a:rPr lang="en-US" b="0" i="1" smtClean="0">
+                                <a:latin typeface="Cambria Math"/>
+                              </a:rPr>
+                              <m:t>𝑥</m:t>
+                            </m:r>
+                          </m:e>
+                          <m:sub>
+                            <m:r>
+                              <a:rPr lang="en-US" b="0" i="1" smtClean="0">
+                                <a:latin typeface="Cambria Math"/>
+                              </a:rPr>
+                              <m:t>𝑠</m:t>
+                            </m:r>
+                          </m:sub>
+                        </m:sSub>
+                      </m:e>
+                    </m:d>
+                  </m:oMath>
+                </a14:m>
+                <a:endParaRPr lang="en-US" b="0" dirty="0" smtClean="0"/>
+              </a:p>
+              <a:p>
+                <a:r>
+                  <a:rPr lang="en-US" b="1" dirty="0" err="1" smtClean="0"/>
+                  <a:t>Thm</a:t>
+                </a:r>
+                <a:r>
+                  <a:rPr lang="en-US" b="1" dirty="0" smtClean="0"/>
+                  <a:t>:</a:t>
+                </a:r>
+                <a:r>
+                  <a:rPr lang="en-US" dirty="0" smtClean="0"/>
+                  <a:t> </a:t>
+                </a:r>
+                <a14:m>
+                  <m:oMath xmlns:m="http://schemas.openxmlformats.org/officeDocument/2006/math">
+                    <m:r>
+                      <a:rPr lang="en-US" b="0" i="1" smtClean="0">
+                        <a:latin typeface="Cambria Math"/>
+                      </a:rPr>
+                      <m:t>𝑓</m:t>
+                    </m:r>
+                    <m:d>
+                      <m:dPr>
+                        <m:ctrlPr>
+                          <a:rPr lang="en-US" b="0" i="1" smtClean="0">
+                            <a:latin typeface="Cambria Math"/>
+                          </a:rPr>
+                        </m:ctrlPr>
+                      </m:dPr>
+                      <m:e>
+                        <m:sSub>
+                          <m:sSubPr>
+                            <m:ctrlPr>
+                              <a:rPr lang="en-US" b="0" i="1" smtClean="0">
+                                <a:latin typeface="Cambria Math"/>
+                              </a:rPr>
+                            </m:ctrlPr>
+                          </m:sSubPr>
+                          <m:e>
+                            <m:r>
+                              <a:rPr lang="en-US" b="0" i="1" smtClean="0">
+                                <a:latin typeface="Cambria Math"/>
+                              </a:rPr>
+                              <m:t>𝑥</m:t>
+                            </m:r>
+                          </m:e>
+                          <m:sub>
+                            <m:r>
+                              <a:rPr lang="en-US" b="0" i="1" smtClean="0">
+                                <a:latin typeface="Cambria Math"/>
+                              </a:rPr>
+                              <m:t>𝑡</m:t>
+                            </m:r>
+                          </m:sub>
+                        </m:sSub>
+                      </m:e>
+                    </m:d>
+                    <m:r>
+                      <a:rPr lang="en-US" b="0" i="1" smtClean="0">
+                        <a:latin typeface="Cambria Math"/>
+                      </a:rPr>
+                      <m:t>−</m:t>
+                    </m:r>
+                    <m:r>
+                      <a:rPr lang="en-US" b="0" i="1" smtClean="0">
+                        <a:latin typeface="Cambria Math"/>
+                      </a:rPr>
+                      <m:t>𝑓</m:t>
+                    </m:r>
+                    <m:d>
+                      <m:dPr>
+                        <m:ctrlPr>
+                          <a:rPr lang="en-US" b="0" i="1" smtClean="0">
+                            <a:latin typeface="Cambria Math"/>
+                          </a:rPr>
+                        </m:ctrlPr>
+                      </m:dPr>
+                      <m:e>
+                        <m:sSup>
+                          <m:sSupPr>
+                            <m:ctrlPr>
+                              <a:rPr lang="en-US" b="0" i="1" smtClean="0">
+                                <a:latin typeface="Cambria Math"/>
+                              </a:rPr>
+                            </m:ctrlPr>
+                          </m:sSupPr>
+                          <m:e>
+                            <m:r>
+                              <a:rPr lang="en-US" b="0" i="1" smtClean="0">
+                                <a:latin typeface="Cambria Math"/>
+                              </a:rPr>
+                              <m:t>𝑥</m:t>
+                            </m:r>
+                          </m:e>
+                          <m:sup>
+                            <m:r>
+                              <a:rPr lang="en-US" b="0" i="1" smtClean="0">
+                                <a:latin typeface="Cambria Math"/>
+                              </a:rPr>
+                              <m:t>∗</m:t>
+                            </m:r>
+                          </m:sup>
+                        </m:sSup>
+                      </m:e>
+                    </m:d>
+                    <m:r>
+                      <a:rPr lang="en-US" b="0" i="1" smtClean="0">
+                        <a:latin typeface="Cambria Math"/>
+                      </a:rPr>
+                      <m:t>≤</m:t>
+                    </m:r>
+                    <m:f>
+                      <m:fPr>
+                        <m:ctrlPr>
+                          <a:rPr lang="en-US" b="0" i="1" smtClean="0">
+                            <a:latin typeface="Cambria Math"/>
+                          </a:rPr>
+                        </m:ctrlPr>
+                      </m:fPr>
+                      <m:num>
+                        <m:r>
+                          <a:rPr lang="en-US" b="0" i="1" smtClean="0">
+                            <a:latin typeface="Cambria Math"/>
+                          </a:rPr>
+                          <m:t>2</m:t>
+                        </m:r>
+                        <m:r>
+                          <a:rPr lang="en-US" b="0" i="1" smtClean="0">
+                            <a:latin typeface="Cambria Math"/>
+                          </a:rPr>
+                          <m:t>𝛽</m:t>
+                        </m:r>
+                        <m:sSubSup>
+                          <m:sSubSupPr>
+                            <m:ctrlPr>
+                              <a:rPr lang="en-US" b="0" i="1" smtClean="0">
+                                <a:latin typeface="Cambria Math"/>
+                              </a:rPr>
+                            </m:ctrlPr>
+                          </m:sSubSupPr>
+                          <m:e>
+                            <m:d>
+                              <m:dPr>
+                                <m:begChr m:val="|"/>
+                                <m:endChr m:val="|"/>
+                                <m:ctrlPr>
+                                  <a:rPr lang="en-US" b="0" i="1" smtClean="0">
+                                    <a:latin typeface="Cambria Math"/>
+                                  </a:rPr>
+                                </m:ctrlPr>
+                              </m:dPr>
+                              <m:e>
+                                <m:d>
+                                  <m:dPr>
+                                    <m:begChr m:val="|"/>
+                                    <m:endChr m:val="|"/>
+                                    <m:ctrlPr>
+                                      <a:rPr lang="en-US" b="0" i="1" smtClean="0">
+                                        <a:latin typeface="Cambria Math"/>
+                                      </a:rPr>
+                                    </m:ctrlPr>
+                                  </m:dPr>
+                                  <m:e>
+                                    <m:sSub>
+                                      <m:sSubPr>
+                                        <m:ctrlPr>
+                                          <a:rPr lang="en-US" b="0" i="1" smtClean="0">
+                                            <a:latin typeface="Cambria Math"/>
+                                          </a:rPr>
+                                        </m:ctrlPr>
+                                      </m:sSubPr>
+                                      <m:e>
+                                        <m:r>
+                                          <a:rPr lang="en-US" b="0" i="1" smtClean="0">
+                                            <a:latin typeface="Cambria Math"/>
+                                          </a:rPr>
+                                          <m:t>𝑥</m:t>
+                                        </m:r>
+                                      </m:e>
+                                      <m:sub>
+                                        <m:r>
+                                          <a:rPr lang="en-US" b="0" i="1" smtClean="0">
+                                            <a:latin typeface="Cambria Math"/>
+                                          </a:rPr>
+                                          <m:t>1</m:t>
+                                        </m:r>
+                                      </m:sub>
+                                    </m:sSub>
+                                    <m:r>
+                                      <a:rPr lang="en-US" b="0" i="1" smtClean="0">
+                                        <a:latin typeface="Cambria Math"/>
+                                      </a:rPr>
+                                      <m:t>−</m:t>
+                                    </m:r>
+                                    <m:sSup>
+                                      <m:sSupPr>
+                                        <m:ctrlPr>
+                                          <a:rPr lang="en-US" b="0" i="1" smtClean="0">
+                                            <a:latin typeface="Cambria Math"/>
+                                          </a:rPr>
+                                        </m:ctrlPr>
+                                      </m:sSupPr>
+                                      <m:e>
+                                        <m:r>
+                                          <a:rPr lang="en-US" b="0" i="1" smtClean="0">
+                                            <a:latin typeface="Cambria Math"/>
+                                          </a:rPr>
+                                          <m:t>𝑥</m:t>
+                                        </m:r>
+                                      </m:e>
+                                      <m:sup>
+                                        <m:r>
+                                          <a:rPr lang="en-US" b="0" i="1" smtClean="0">
+                                            <a:latin typeface="Cambria Math"/>
+                                          </a:rPr>
+                                          <m:t>∗</m:t>
+                                        </m:r>
+                                      </m:sup>
+                                    </m:sSup>
+                                  </m:e>
+                                </m:d>
+                              </m:e>
+                            </m:d>
+                          </m:e>
+                          <m:sub>
+                            <m:r>
+                              <a:rPr lang="en-US" b="0" i="1" smtClean="0">
+                                <a:latin typeface="Cambria Math"/>
+                              </a:rPr>
+                              <m:t>2</m:t>
+                            </m:r>
+                          </m:sub>
+                          <m:sup>
+                            <m:r>
+                              <a:rPr lang="en-US" b="0" i="1" smtClean="0">
+                                <a:latin typeface="Cambria Math"/>
+                              </a:rPr>
+                              <m:t>2</m:t>
+                            </m:r>
+                          </m:sup>
+                        </m:sSubSup>
+                      </m:num>
+                      <m:den>
+                        <m:r>
+                          <a:rPr lang="en-US" b="0" i="1" smtClean="0">
+                            <a:latin typeface="Cambria Math"/>
+                          </a:rPr>
+                          <m:t>𝑡</m:t>
+                        </m:r>
+                        <m:r>
+                          <a:rPr lang="en-US" b="0" i="1" smtClean="0">
+                            <a:latin typeface="Cambria Math"/>
+                          </a:rPr>
+                          <m:t>+</m:t>
+                        </m:r>
+                        <m:r>
+                          <a:rPr lang="en-US" b="0" i="1" smtClean="0">
+                            <a:latin typeface="Cambria Math"/>
+                          </a:rPr>
+                          <m:t>3</m:t>
+                        </m:r>
+                      </m:den>
+                    </m:f>
+                  </m:oMath>
+                </a14:m>
+                <a:endParaRPr lang="en-US" dirty="0" smtClean="0"/>
+              </a:p>
+              <a:p>
+                <a:pPr marL="0" indent="0">
+                  <a:buNone/>
+                </a:pPr>
+                <a14:m>
+                  <m:oMathPara xmlns:m="http://schemas.openxmlformats.org/officeDocument/2006/math">
+                    <m:oMathParaPr>
+                      <m:jc m:val="centerGroup"/>
+                    </m:oMathParaPr>
+                    <m:oMath xmlns:m="http://schemas.openxmlformats.org/officeDocument/2006/math">
+                      <m:r>
+                        <a:rPr lang="en-US" b="0" i="1" smtClean="0">
+                          <a:latin typeface="Cambria Math"/>
+                        </a:rPr>
+                        <m:t>𝑓</m:t>
+                      </m:r>
+                      <m:d>
+                        <m:dPr>
+                          <m:ctrlPr>
+                            <a:rPr lang="en-US" b="0" i="1" smtClean="0">
+                              <a:latin typeface="Cambria Math"/>
+                            </a:rPr>
+                          </m:ctrlPr>
+                        </m:dPr>
+                        <m:e>
+                          <m:sSub>
+                            <m:sSubPr>
+                              <m:ctrlPr>
+                                <a:rPr lang="en-US" b="0" i="1" smtClean="0">
+                                  <a:latin typeface="Cambria Math"/>
+                                </a:rPr>
+                              </m:ctrlPr>
+                            </m:sSubPr>
+                            <m:e>
+                              <m:r>
+                                <a:rPr lang="en-US" b="0" i="1" smtClean="0">
+                                  <a:latin typeface="Cambria Math"/>
+                                </a:rPr>
+                                <m:t>𝑥</m:t>
+                              </m:r>
+                            </m:e>
+                            <m:sub>
+                              <m:r>
+                                <a:rPr lang="en-US" b="0" i="1" smtClean="0">
+                                  <a:latin typeface="Cambria Math"/>
+                                </a:rPr>
+                                <m:t>𝑠</m:t>
+                              </m:r>
+                              <m:r>
+                                <a:rPr lang="en-US" b="0" i="1" smtClean="0">
+                                  <a:latin typeface="Cambria Math"/>
+                                </a:rPr>
+                                <m:t>+</m:t>
+                              </m:r>
+                              <m:r>
+                                <a:rPr lang="en-US" b="0" i="1" smtClean="0">
+                                  <a:latin typeface="Cambria Math"/>
+                                </a:rPr>
+                                <m:t>1</m:t>
+                              </m:r>
+                            </m:sub>
+                          </m:sSub>
+                        </m:e>
+                      </m:d>
+                      <m:r>
+                        <a:rPr lang="en-US" b="0" i="1" smtClean="0">
+                          <a:latin typeface="Cambria Math"/>
+                        </a:rPr>
+                        <m:t>−</m:t>
+                      </m:r>
+                      <m:r>
+                        <a:rPr lang="en-US" b="0" i="1" smtClean="0">
+                          <a:latin typeface="Cambria Math"/>
+                        </a:rPr>
+                        <m:t>𝑓</m:t>
+                      </m:r>
+                      <m:d>
+                        <m:dPr>
+                          <m:ctrlPr>
+                            <a:rPr lang="en-US" b="0" i="1" smtClean="0">
+                              <a:latin typeface="Cambria Math"/>
+                            </a:rPr>
+                          </m:ctrlPr>
+                        </m:dPr>
+                        <m:e>
+                          <m:sSub>
+                            <m:sSubPr>
+                              <m:ctrlPr>
+                                <a:rPr lang="en-US" b="0" i="1" smtClean="0">
+                                  <a:latin typeface="Cambria Math"/>
+                                </a:rPr>
+                              </m:ctrlPr>
+                            </m:sSubPr>
+                            <m:e>
+                              <m:r>
+                                <a:rPr lang="en-US" b="0" i="1" smtClean="0">
+                                  <a:latin typeface="Cambria Math"/>
+                                </a:rPr>
+                                <m:t>𝑥</m:t>
+                              </m:r>
+                            </m:e>
+                            <m:sub>
+                              <m:r>
+                                <a:rPr lang="en-US" b="0" i="1" smtClean="0">
+                                  <a:latin typeface="Cambria Math"/>
+                                </a:rPr>
+                                <m:t>𝑠</m:t>
+                              </m:r>
+                            </m:sub>
+                          </m:sSub>
+                        </m:e>
+                      </m:d>
+                      <m:r>
+                        <a:rPr lang="en-US" b="0" i="1" smtClean="0">
+                          <a:latin typeface="Cambria Math"/>
+                        </a:rPr>
+                        <m:t>≤</m:t>
+                      </m:r>
+                      <m:r>
+                        <a:rPr lang="en-US" b="0" i="0" smtClean="0">
+                          <a:latin typeface="Cambria Math"/>
+                        </a:rPr>
+                        <m:t>∇</m:t>
+                      </m:r>
+                      <m:r>
+                        <a:rPr lang="en-US" b="0" i="1" smtClean="0">
+                          <a:latin typeface="Cambria Math"/>
+                        </a:rPr>
+                        <m:t>𝑓</m:t>
+                      </m:r>
+                      <m:sSup>
+                        <m:sSupPr>
+                          <m:ctrlPr>
+                            <a:rPr lang="en-US" b="0" i="1" smtClean="0">
+                              <a:latin typeface="Cambria Math"/>
+                            </a:rPr>
+                          </m:ctrlPr>
+                        </m:sSupPr>
+                        <m:e>
+                          <m:d>
+                            <m:dPr>
+                              <m:ctrlPr>
+                                <a:rPr lang="en-US" b="0" i="1" smtClean="0">
+                                  <a:latin typeface="Cambria Math"/>
+                                </a:rPr>
+                              </m:ctrlPr>
+                            </m:dPr>
+                            <m:e>
+                              <m:sSub>
+                                <m:sSubPr>
+                                  <m:ctrlPr>
+                                    <a:rPr lang="en-US" b="0" i="1" smtClean="0">
+                                      <a:latin typeface="Cambria Math"/>
+                                    </a:rPr>
+                                  </m:ctrlPr>
+                                </m:sSubPr>
+                                <m:e>
+                                  <m:r>
+                                    <a:rPr lang="en-US" b="0" i="1" smtClean="0">
+                                      <a:latin typeface="Cambria Math"/>
+                                    </a:rPr>
+                                    <m:t>𝑥</m:t>
+                                  </m:r>
+                                </m:e>
+                                <m:sub>
+                                  <m:r>
+                                    <a:rPr lang="en-US" b="0" i="1" smtClean="0">
+                                      <a:latin typeface="Cambria Math"/>
+                                    </a:rPr>
+                                    <m:t>𝑠</m:t>
+                                  </m:r>
+                                </m:sub>
+                              </m:sSub>
+                            </m:e>
+                          </m:d>
+                        </m:e>
+                        <m:sup>
+                          <m:r>
+                            <a:rPr lang="en-US" b="0" i="1" smtClean="0">
+                              <a:latin typeface="Cambria Math"/>
+                            </a:rPr>
+                            <m:t>𝑇</m:t>
+                          </m:r>
+                        </m:sup>
+                      </m:sSup>
+                      <m:d>
+                        <m:dPr>
+                          <m:ctrlPr>
+                            <a:rPr lang="en-US" b="0" i="1" smtClean="0">
+                              <a:latin typeface="Cambria Math"/>
+                            </a:rPr>
+                          </m:ctrlPr>
+                        </m:dPr>
+                        <m:e>
+                          <m:sSub>
+                            <m:sSubPr>
+                              <m:ctrlPr>
+                                <a:rPr lang="en-US" b="0" i="1" smtClean="0">
+                                  <a:latin typeface="Cambria Math"/>
+                                </a:rPr>
+                              </m:ctrlPr>
+                            </m:sSubPr>
+                            <m:e>
+                              <m:r>
+                                <a:rPr lang="en-US" b="0" i="1" smtClean="0">
+                                  <a:latin typeface="Cambria Math"/>
+                                </a:rPr>
+                                <m:t>𝑥</m:t>
+                              </m:r>
+                            </m:e>
+                            <m:sub>
+                              <m:r>
+                                <a:rPr lang="en-US" b="0" i="1" smtClean="0">
+                                  <a:latin typeface="Cambria Math"/>
+                                </a:rPr>
+                                <m:t>𝑠</m:t>
+                              </m:r>
+                              <m:r>
+                                <a:rPr lang="en-US" b="0" i="1" smtClean="0">
+                                  <a:latin typeface="Cambria Math"/>
+                                </a:rPr>
+                                <m:t>+</m:t>
+                              </m:r>
+                              <m:r>
+                                <a:rPr lang="en-US" b="0" i="1" smtClean="0">
+                                  <a:latin typeface="Cambria Math"/>
+                                </a:rPr>
+                                <m:t>1</m:t>
+                              </m:r>
+                              <m:r>
+                                <a:rPr lang="en-US" b="0" i="1" smtClean="0">
+                                  <a:latin typeface="Cambria Math"/>
+                                </a:rPr>
+                                <m:t> </m:t>
+                              </m:r>
+                            </m:sub>
+                          </m:sSub>
+                          <m:r>
+                            <a:rPr lang="en-US" b="0" i="1" smtClean="0">
+                              <a:latin typeface="Cambria Math"/>
+                            </a:rPr>
+                            <m:t>−</m:t>
+                          </m:r>
+                          <m:sSub>
+                            <m:sSubPr>
+                              <m:ctrlPr>
+                                <a:rPr lang="en-US" b="0" i="1" smtClean="0">
+                                  <a:latin typeface="Cambria Math"/>
+                                </a:rPr>
+                              </m:ctrlPr>
+                            </m:sSubPr>
+                            <m:e>
+                              <m:r>
+                                <a:rPr lang="en-US" b="0" i="1" smtClean="0">
+                                  <a:latin typeface="Cambria Math"/>
+                                </a:rPr>
+                                <m:t>𝑥</m:t>
+                              </m:r>
+                            </m:e>
+                            <m:sub>
+                              <m:r>
+                                <a:rPr lang="en-US" b="0" i="1" smtClean="0">
+                                  <a:latin typeface="Cambria Math"/>
+                                </a:rPr>
+                                <m:t>𝑠</m:t>
+                              </m:r>
+                            </m:sub>
+                          </m:sSub>
+                        </m:e>
+                      </m:d>
+                      <m:r>
+                        <a:rPr lang="en-US" b="0" i="1" smtClean="0">
+                          <a:latin typeface="Cambria Math"/>
+                        </a:rPr>
+                        <m:t>+</m:t>
+                      </m:r>
+                      <m:f>
+                        <m:fPr>
+                          <m:ctrlPr>
+                            <a:rPr lang="en-US" b="0" i="1" smtClean="0">
+                              <a:latin typeface="Cambria Math"/>
+                            </a:rPr>
+                          </m:ctrlPr>
+                        </m:fPr>
+                        <m:num>
+                          <m:r>
+                            <a:rPr lang="en-US" b="0" i="1" smtClean="0">
+                              <a:latin typeface="Cambria Math"/>
+                            </a:rPr>
+                            <m:t>𝛽</m:t>
+                          </m:r>
+                        </m:num>
+                        <m:den>
+                          <m:r>
+                            <a:rPr lang="en-US" b="0" i="1" smtClean="0">
+                              <a:latin typeface="Cambria Math"/>
+                            </a:rPr>
+                            <m:t>2</m:t>
+                          </m:r>
+                        </m:den>
+                      </m:f>
+                      <m:sSup>
+                        <m:sSupPr>
+                          <m:ctrlPr>
+                            <a:rPr lang="en-US" b="0" i="1" smtClean="0">
+                              <a:latin typeface="Cambria Math"/>
+                            </a:rPr>
+                          </m:ctrlPr>
+                        </m:sSupPr>
+                        <m:e>
+                          <m:d>
+                            <m:dPr>
+                              <m:begChr m:val="|"/>
+                              <m:endChr m:val="|"/>
+                              <m:ctrlPr>
+                                <a:rPr lang="en-US" b="0" i="1" smtClean="0">
+                                  <a:latin typeface="Cambria Math"/>
+                                </a:rPr>
+                              </m:ctrlPr>
+                            </m:dPr>
+                            <m:e>
+                              <m:d>
+                                <m:dPr>
+                                  <m:begChr m:val="|"/>
+                                  <m:endChr m:val="|"/>
+                                  <m:ctrlPr>
+                                    <a:rPr lang="en-US" b="0" i="1" smtClean="0">
+                                      <a:latin typeface="Cambria Math"/>
+                                    </a:rPr>
+                                  </m:ctrlPr>
+                                </m:dPr>
+                                <m:e>
+                                  <m:sSub>
+                                    <m:sSubPr>
+                                      <m:ctrlPr>
+                                        <a:rPr lang="en-US" b="0" i="1" smtClean="0">
+                                          <a:latin typeface="Cambria Math"/>
+                                        </a:rPr>
+                                      </m:ctrlPr>
+                                    </m:sSubPr>
+                                    <m:e>
+                                      <m:r>
+                                        <a:rPr lang="en-US" b="0" i="1" smtClean="0">
+                                          <a:latin typeface="Cambria Math"/>
+                                        </a:rPr>
+                                        <m:t>𝑥</m:t>
+                                      </m:r>
+                                    </m:e>
+                                    <m:sub>
+                                      <m:r>
+                                        <a:rPr lang="en-US" b="0" i="1" smtClean="0">
+                                          <a:latin typeface="Cambria Math"/>
+                                        </a:rPr>
+                                        <m:t>𝑠</m:t>
+                                      </m:r>
+                                      <m:r>
+                                        <a:rPr lang="en-US" b="0" i="1" smtClean="0">
+                                          <a:latin typeface="Cambria Math"/>
+                                        </a:rPr>
+                                        <m:t>+</m:t>
+                                      </m:r>
+                                      <m:r>
+                                        <a:rPr lang="en-US" b="0" i="1" smtClean="0">
+                                          <a:latin typeface="Cambria Math"/>
+                                        </a:rPr>
+                                        <m:t>1</m:t>
+                                      </m:r>
+                                    </m:sub>
+                                  </m:sSub>
+                                  <m:r>
+                                    <a:rPr lang="en-US" b="0" i="1" smtClean="0">
+                                      <a:latin typeface="Cambria Math"/>
+                                    </a:rPr>
+                                    <m:t>−</m:t>
+                                  </m:r>
+                                  <m:sSub>
+                                    <m:sSubPr>
+                                      <m:ctrlPr>
+                                        <a:rPr lang="en-US" b="0" i="1" smtClean="0">
+                                          <a:latin typeface="Cambria Math"/>
+                                        </a:rPr>
+                                      </m:ctrlPr>
+                                    </m:sSubPr>
+                                    <m:e>
+                                      <m:r>
+                                        <a:rPr lang="en-US" b="0" i="1" smtClean="0">
+                                          <a:latin typeface="Cambria Math"/>
+                                        </a:rPr>
+                                        <m:t>𝑥</m:t>
+                                      </m:r>
+                                    </m:e>
+                                    <m:sub>
+                                      <m:r>
+                                        <a:rPr lang="en-US" b="0" i="1" smtClean="0">
+                                          <a:latin typeface="Cambria Math"/>
+                                        </a:rPr>
+                                        <m:t>𝑠</m:t>
+                                      </m:r>
+                                    </m:sub>
+                                  </m:sSub>
+                                </m:e>
+                              </m:d>
+                            </m:e>
+                          </m:d>
+                        </m:e>
+                        <m:sup>
+                          <m:r>
+                            <a:rPr lang="en-US" b="0" i="1" smtClean="0">
+                              <a:latin typeface="Cambria Math"/>
+                            </a:rPr>
+                            <m:t>2</m:t>
+                          </m:r>
+                        </m:sup>
+                      </m:sSup>
+                    </m:oMath>
+                  </m:oMathPara>
+                </a14:m>
+                <a:endParaRPr lang="en-US" b="0" dirty="0" smtClean="0"/>
+              </a:p>
+              <a:p>
+                <a:pPr marL="0" indent="0">
+                  <a:buNone/>
+                </a:pPr>
+                <a14:m>
+                  <m:oMathPara xmlns:m="http://schemas.openxmlformats.org/officeDocument/2006/math">
+                    <m:oMathParaPr>
+                      <m:jc m:val="centerGroup"/>
+                    </m:oMathParaPr>
+                    <m:oMath xmlns:m="http://schemas.openxmlformats.org/officeDocument/2006/math">
+                      <m:r>
+                        <a:rPr lang="en-US" b="0" i="1" smtClean="0">
+                          <a:latin typeface="Cambria Math"/>
+                        </a:rPr>
+                        <m:t>=−</m:t>
+                      </m:r>
+                      <m:f>
+                        <m:fPr>
+                          <m:ctrlPr>
+                            <a:rPr lang="en-US" b="0" i="1" smtClean="0">
+                              <a:latin typeface="Cambria Math"/>
+                            </a:rPr>
+                          </m:ctrlPr>
+                        </m:fPr>
+                        <m:num>
+                          <m:r>
+                            <a:rPr lang="en-US" b="0" i="1" smtClean="0">
+                              <a:latin typeface="Cambria Math"/>
+                            </a:rPr>
+                            <m:t>1</m:t>
+                          </m:r>
+                        </m:num>
+                        <m:den>
+                          <m:r>
+                            <a:rPr lang="en-US" b="0" i="1" smtClean="0">
+                              <a:latin typeface="Cambria Math"/>
+                            </a:rPr>
+                            <m:t>2</m:t>
+                          </m:r>
+                          <m:r>
+                            <a:rPr lang="en-US" b="0" i="1" smtClean="0">
+                              <a:latin typeface="Cambria Math"/>
+                            </a:rPr>
+                            <m:t>𝛽</m:t>
+                          </m:r>
+                        </m:den>
+                      </m:f>
+                      <m:sSup>
+                        <m:sSupPr>
+                          <m:ctrlPr>
+                            <a:rPr lang="en-US" b="0" i="1" smtClean="0">
+                              <a:latin typeface="Cambria Math"/>
+                            </a:rPr>
+                          </m:ctrlPr>
+                        </m:sSupPr>
+                        <m:e>
+                          <m:d>
+                            <m:dPr>
+                              <m:begChr m:val="|"/>
+                              <m:endChr m:val="|"/>
+                              <m:ctrlPr>
+                                <a:rPr lang="en-US" b="0" i="1" smtClean="0">
+                                  <a:latin typeface="Cambria Math"/>
+                                </a:rPr>
+                              </m:ctrlPr>
+                            </m:dPr>
+                            <m:e>
+                              <m:d>
+                                <m:dPr>
+                                  <m:begChr m:val="|"/>
+                                  <m:endChr m:val="|"/>
+                                  <m:ctrlPr>
+                                    <a:rPr lang="en-US" b="0" i="1" smtClean="0">
+                                      <a:latin typeface="Cambria Math"/>
+                                    </a:rPr>
+                                  </m:ctrlPr>
+                                </m:dPr>
+                                <m:e>
+                                  <m:r>
+                                    <a:rPr lang="en-US" b="0" i="0" smtClean="0">
+                                      <a:latin typeface="Cambria Math"/>
+                                    </a:rPr>
+                                    <m:t>∇</m:t>
+                                  </m:r>
+                                  <m:r>
+                                    <a:rPr lang="en-US" b="0" i="1" smtClean="0">
+                                      <a:latin typeface="Cambria Math"/>
+                                    </a:rPr>
+                                    <m:t>𝑓</m:t>
+                                  </m:r>
+                                  <m:d>
+                                    <m:dPr>
+                                      <m:ctrlPr>
+                                        <a:rPr lang="en-US" b="0" i="1" smtClean="0">
+                                          <a:latin typeface="Cambria Math"/>
+                                        </a:rPr>
+                                      </m:ctrlPr>
+                                    </m:dPr>
+                                    <m:e>
+                                      <m:sSub>
+                                        <m:sSubPr>
+                                          <m:ctrlPr>
+                                            <a:rPr lang="en-US" b="0" i="1" smtClean="0">
+                                              <a:latin typeface="Cambria Math"/>
+                                            </a:rPr>
+                                          </m:ctrlPr>
+                                        </m:sSubPr>
+                                        <m:e>
+                                          <m:r>
+                                            <a:rPr lang="en-US" b="0" i="1" smtClean="0">
+                                              <a:latin typeface="Cambria Math"/>
+                                            </a:rPr>
+                                            <m:t>𝑥</m:t>
+                                          </m:r>
+                                        </m:e>
+                                        <m:sub>
+                                          <m:r>
+                                            <a:rPr lang="en-US" b="0" i="1" smtClean="0">
+                                              <a:latin typeface="Cambria Math"/>
+                                            </a:rPr>
+                                            <m:t>𝑠</m:t>
+                                          </m:r>
+                                        </m:sub>
+                                      </m:sSub>
+                                    </m:e>
+                                  </m:d>
+                                </m:e>
+                              </m:d>
+                            </m:e>
+                          </m:d>
+                        </m:e>
+                        <m:sup>
+                          <m:r>
+                            <a:rPr lang="en-US" b="0" i="1" smtClean="0">
+                              <a:latin typeface="Cambria Math"/>
+                            </a:rPr>
+                            <m:t>2</m:t>
+                          </m:r>
+                        </m:sup>
+                      </m:sSup>
+                    </m:oMath>
+                  </m:oMathPara>
+                </a14:m>
+                <a:endParaRPr lang="en-US" dirty="0" smtClean="0"/>
+              </a:p>
+              <a:p>
+                <a:r>
+                  <a:rPr lang="en-US" dirty="0" smtClean="0"/>
+                  <a:t>Let </a:t>
+                </a:r>
+                <a14:m>
+                  <m:oMath xmlns:m="http://schemas.openxmlformats.org/officeDocument/2006/math">
+                    <m:sSub>
+                      <m:sSubPr>
+                        <m:ctrlPr>
+                          <a:rPr lang="en-US" b="0" i="1" smtClean="0">
+                            <a:latin typeface="Cambria Math"/>
+                          </a:rPr>
+                        </m:ctrlPr>
+                      </m:sSubPr>
+                      <m:e>
+                        <m:r>
+                          <a:rPr lang="en-US" b="0" i="1" smtClean="0">
+                            <a:latin typeface="Cambria Math"/>
+                          </a:rPr>
+                          <m:t>𝛿</m:t>
+                        </m:r>
+                      </m:e>
+                      <m:sub>
+                        <m:r>
+                          <a:rPr lang="en-US" b="0" i="1" smtClean="0">
+                            <a:latin typeface="Cambria Math"/>
+                          </a:rPr>
+                          <m:t>𝑠</m:t>
+                        </m:r>
+                      </m:sub>
+                    </m:sSub>
+                    <m:r>
+                      <a:rPr lang="en-US" b="0" i="1" smtClean="0">
+                        <a:latin typeface="Cambria Math"/>
+                      </a:rPr>
+                      <m:t>=</m:t>
+                    </m:r>
+                    <m:r>
+                      <a:rPr lang="en-US" b="0" i="1" smtClean="0">
+                        <a:latin typeface="Cambria Math"/>
+                      </a:rPr>
+                      <m:t>𝑓</m:t>
+                    </m:r>
+                    <m:d>
+                      <m:dPr>
+                        <m:ctrlPr>
+                          <a:rPr lang="en-US" b="0" i="1" smtClean="0">
+                            <a:latin typeface="Cambria Math"/>
+                          </a:rPr>
+                        </m:ctrlPr>
+                      </m:dPr>
+                      <m:e>
+                        <m:sSub>
+                          <m:sSubPr>
+                            <m:ctrlPr>
+                              <a:rPr lang="en-US" b="0" i="1" smtClean="0">
+                                <a:latin typeface="Cambria Math"/>
+                              </a:rPr>
+                            </m:ctrlPr>
+                          </m:sSubPr>
+                          <m:e>
+                            <m:r>
+                              <a:rPr lang="en-US" b="0" i="1" smtClean="0">
+                                <a:latin typeface="Cambria Math"/>
+                              </a:rPr>
+                              <m:t>𝑥</m:t>
+                            </m:r>
+                          </m:e>
+                          <m:sub>
+                            <m:r>
+                              <a:rPr lang="en-US" b="0" i="1" smtClean="0">
+                                <a:latin typeface="Cambria Math"/>
+                              </a:rPr>
+                              <m:t>𝑠</m:t>
+                            </m:r>
+                          </m:sub>
+                        </m:sSub>
+                      </m:e>
+                    </m:d>
+                    <m:r>
+                      <a:rPr lang="en-US" b="0" i="1" smtClean="0">
+                        <a:latin typeface="Cambria Math"/>
+                      </a:rPr>
+                      <m:t>−</m:t>
+                    </m:r>
+                    <m:sSup>
+                      <m:sSupPr>
+                        <m:ctrlPr>
+                          <a:rPr lang="en-US" b="0" i="1" smtClean="0">
+                            <a:latin typeface="Cambria Math"/>
+                          </a:rPr>
+                        </m:ctrlPr>
+                      </m:sSupPr>
+                      <m:e>
+                        <m:r>
+                          <a:rPr lang="en-US" b="0" i="1" smtClean="0">
+                            <a:latin typeface="Cambria Math"/>
+                          </a:rPr>
+                          <m:t>𝑓</m:t>
+                        </m:r>
+                      </m:e>
+                      <m:sup>
+                        <m:r>
+                          <a:rPr lang="en-US" b="0" i="1" smtClean="0">
+                            <a:latin typeface="Cambria Math"/>
+                          </a:rPr>
+                          <m:t>∗</m:t>
+                        </m:r>
+                      </m:sup>
+                    </m:sSup>
+                  </m:oMath>
+                </a14:m>
+                <a:r>
+                  <a:rPr lang="en-US" dirty="0" smtClean="0"/>
+                  <a:t>. Then </a:t>
+                </a:r>
+                <a14:m>
+                  <m:oMath xmlns:m="http://schemas.openxmlformats.org/officeDocument/2006/math">
+                    <m:sSub>
+                      <m:sSubPr>
+                        <m:ctrlPr>
+                          <a:rPr lang="en-US" b="0" i="1" smtClean="0">
+                            <a:latin typeface="Cambria Math"/>
+                          </a:rPr>
+                        </m:ctrlPr>
+                      </m:sSubPr>
+                      <m:e>
+                        <m:r>
+                          <a:rPr lang="en-US" b="0" i="1" smtClean="0">
+                            <a:latin typeface="Cambria Math"/>
+                          </a:rPr>
+                          <m:t>𝛿</m:t>
+                        </m:r>
+                      </m:e>
+                      <m:sub>
+                        <m:r>
+                          <a:rPr lang="en-US" b="0" i="1" smtClean="0">
+                            <a:latin typeface="Cambria Math"/>
+                          </a:rPr>
+                          <m:t>𝑠</m:t>
+                        </m:r>
+                        <m:r>
+                          <a:rPr lang="en-US" b="0" i="1" smtClean="0">
+                            <a:latin typeface="Cambria Math"/>
+                          </a:rPr>
+                          <m:t>+</m:t>
+                        </m:r>
+                        <m:r>
+                          <a:rPr lang="en-US" b="0" i="1" smtClean="0">
+                            <a:latin typeface="Cambria Math"/>
+                          </a:rPr>
+                          <m:t>1</m:t>
+                        </m:r>
+                      </m:sub>
+                    </m:sSub>
+                    <m:r>
+                      <a:rPr lang="en-US" b="0" i="1" smtClean="0">
+                        <a:latin typeface="Cambria Math"/>
+                      </a:rPr>
+                      <m:t>≤</m:t>
+                    </m:r>
+                    <m:sSub>
+                      <m:sSubPr>
+                        <m:ctrlPr>
+                          <a:rPr lang="en-US" b="0" i="1" smtClean="0">
+                            <a:latin typeface="Cambria Math"/>
+                          </a:rPr>
+                        </m:ctrlPr>
+                      </m:sSubPr>
+                      <m:e>
+                        <m:r>
+                          <a:rPr lang="en-US" b="0" i="1" smtClean="0">
+                            <a:latin typeface="Cambria Math"/>
+                          </a:rPr>
+                          <m:t>𝛿</m:t>
+                        </m:r>
+                      </m:e>
+                      <m:sub>
+                        <m:r>
+                          <a:rPr lang="en-US" b="0" i="1" smtClean="0">
+                            <a:latin typeface="Cambria Math"/>
+                          </a:rPr>
+                          <m:t>𝑠</m:t>
+                        </m:r>
+                      </m:sub>
+                    </m:sSub>
+                    <m:r>
+                      <a:rPr lang="en-US" b="0" i="1" smtClean="0">
+                        <a:latin typeface="Cambria Math"/>
+                      </a:rPr>
+                      <m:t>−</m:t>
+                    </m:r>
+                    <m:f>
+                      <m:fPr>
+                        <m:ctrlPr>
+                          <a:rPr lang="en-US" b="0" i="1" smtClean="0">
+                            <a:latin typeface="Cambria Math"/>
+                          </a:rPr>
+                        </m:ctrlPr>
+                      </m:fPr>
+                      <m:num>
+                        <m:r>
+                          <a:rPr lang="en-US" b="0" i="1" smtClean="0">
+                            <a:latin typeface="Cambria Math"/>
+                          </a:rPr>
+                          <m:t>1</m:t>
+                        </m:r>
+                      </m:num>
+                      <m:den>
+                        <m:r>
+                          <a:rPr lang="en-US" b="0" i="1" smtClean="0">
+                            <a:latin typeface="Cambria Math"/>
+                          </a:rPr>
+                          <m:t>2</m:t>
+                        </m:r>
+                        <m:r>
+                          <a:rPr lang="en-US" b="0" i="1" smtClean="0">
+                            <a:latin typeface="Cambria Math"/>
+                          </a:rPr>
+                          <m:t>𝛽</m:t>
+                        </m:r>
+                      </m:den>
+                    </m:f>
+                    <m:sSup>
+                      <m:sSupPr>
+                        <m:ctrlPr>
+                          <a:rPr lang="en-US" b="0" i="1" smtClean="0">
+                            <a:latin typeface="Cambria Math"/>
+                          </a:rPr>
+                        </m:ctrlPr>
+                      </m:sSupPr>
+                      <m:e>
+                        <m:d>
+                          <m:dPr>
+                            <m:begChr m:val="|"/>
+                            <m:endChr m:val="|"/>
+                            <m:ctrlPr>
+                              <a:rPr lang="en-US" b="0" i="1" smtClean="0">
+                                <a:latin typeface="Cambria Math"/>
+                              </a:rPr>
+                            </m:ctrlPr>
+                          </m:dPr>
+                          <m:e>
+                            <m:d>
+                              <m:dPr>
+                                <m:begChr m:val="|"/>
+                                <m:endChr m:val="|"/>
+                                <m:ctrlPr>
+                                  <a:rPr lang="en-US" b="0" i="1" smtClean="0">
+                                    <a:latin typeface="Cambria Math"/>
+                                  </a:rPr>
+                                </m:ctrlPr>
+                              </m:dPr>
+                              <m:e>
+                                <m:r>
+                                  <a:rPr lang="en-US" b="0" i="0" smtClean="0">
+                                    <a:latin typeface="Cambria Math"/>
+                                  </a:rPr>
+                                  <m:t>𝛻</m:t>
+                                </m:r>
+                                <m:r>
+                                  <a:rPr lang="en-US" b="0" i="1" smtClean="0">
+                                    <a:latin typeface="Cambria Math"/>
+                                  </a:rPr>
+                                  <m:t>𝑓</m:t>
+                                </m:r>
+                                <m:d>
+                                  <m:dPr>
+                                    <m:ctrlPr>
+                                      <a:rPr lang="en-US" b="0" i="1" smtClean="0">
+                                        <a:latin typeface="Cambria Math"/>
+                                      </a:rPr>
+                                    </m:ctrlPr>
+                                  </m:dPr>
+                                  <m:e>
+                                    <m:sSub>
+                                      <m:sSubPr>
+                                        <m:ctrlPr>
+                                          <a:rPr lang="en-US" b="0" i="1" smtClean="0">
+                                            <a:latin typeface="Cambria Math"/>
+                                          </a:rPr>
+                                        </m:ctrlPr>
+                                      </m:sSubPr>
+                                      <m:e>
+                                        <m:r>
+                                          <a:rPr lang="en-US" b="0" i="1" smtClean="0">
+                                            <a:latin typeface="Cambria Math"/>
+                                          </a:rPr>
+                                          <m:t>𝑥</m:t>
+                                        </m:r>
+                                      </m:e>
+                                      <m:sub>
+                                        <m:r>
+                                          <a:rPr lang="en-US" b="0" i="1" smtClean="0">
+                                            <a:latin typeface="Cambria Math"/>
+                                          </a:rPr>
+                                          <m:t>𝑠</m:t>
+                                        </m:r>
+                                      </m:sub>
+                                    </m:sSub>
+                                  </m:e>
+                                </m:d>
+                              </m:e>
+                            </m:d>
+                          </m:e>
+                        </m:d>
+                      </m:e>
+                      <m:sup>
+                        <m:r>
+                          <a:rPr lang="en-US" b="0" i="1" smtClean="0">
+                            <a:latin typeface="Cambria Math"/>
+                          </a:rPr>
+                          <m:t>2</m:t>
+                        </m:r>
+                      </m:sup>
+                    </m:sSup>
+                  </m:oMath>
+                </a14:m>
+                <a:r>
+                  <a:rPr lang="en-US" dirty="0" smtClean="0"/>
+                  <a:t>.</a:t>
+                </a:r>
+              </a:p>
+              <a:p>
+                <a14:m>
+                  <m:oMath xmlns:m="http://schemas.openxmlformats.org/officeDocument/2006/math">
+                    <m:sSub>
+                      <m:sSubPr>
+                        <m:ctrlPr>
+                          <a:rPr lang="en-US" b="0" i="1" smtClean="0">
+                            <a:latin typeface="Cambria Math"/>
+                          </a:rPr>
+                        </m:ctrlPr>
+                      </m:sSubPr>
+                      <m:e>
+                        <m:r>
+                          <a:rPr lang="en-US" b="0" i="1" smtClean="0">
+                            <a:latin typeface="Cambria Math"/>
+                          </a:rPr>
+                          <m:t>𝛿</m:t>
+                        </m:r>
+                      </m:e>
+                      <m:sub>
+                        <m:r>
+                          <a:rPr lang="en-US" b="0" i="1" smtClean="0">
+                            <a:latin typeface="Cambria Math"/>
+                          </a:rPr>
+                          <m:t>𝑠</m:t>
+                        </m:r>
+                      </m:sub>
+                    </m:sSub>
+                    <m:r>
+                      <a:rPr lang="en-US" b="0" i="1" smtClean="0">
+                        <a:latin typeface="Cambria Math"/>
+                      </a:rPr>
+                      <m:t>≤</m:t>
+                    </m:r>
+                    <m:r>
+                      <a:rPr lang="en-US" b="0" i="0" smtClean="0">
+                        <a:latin typeface="Cambria Math"/>
+                      </a:rPr>
+                      <m:t>𝛻</m:t>
+                    </m:r>
+                    <m:r>
+                      <a:rPr lang="en-US" b="0" i="1" smtClean="0">
+                        <a:latin typeface="Cambria Math"/>
+                      </a:rPr>
+                      <m:t>𝑓</m:t>
+                    </m:r>
+                    <m:sSup>
+                      <m:sSupPr>
+                        <m:ctrlPr>
+                          <a:rPr lang="en-US" b="0" i="1" smtClean="0">
+                            <a:latin typeface="Cambria Math"/>
+                          </a:rPr>
+                        </m:ctrlPr>
+                      </m:sSupPr>
+                      <m:e>
+                        <m:d>
+                          <m:dPr>
+                            <m:ctrlPr>
+                              <a:rPr lang="en-US" b="0" i="1" smtClean="0">
+                                <a:latin typeface="Cambria Math"/>
+                              </a:rPr>
+                            </m:ctrlPr>
+                          </m:dPr>
+                          <m:e>
+                            <m:sSub>
+                              <m:sSubPr>
+                                <m:ctrlPr>
+                                  <a:rPr lang="en-US" b="0" i="1" smtClean="0">
+                                    <a:latin typeface="Cambria Math"/>
+                                  </a:rPr>
+                                </m:ctrlPr>
+                              </m:sSubPr>
+                              <m:e>
+                                <m:r>
+                                  <a:rPr lang="en-US" b="0" i="1" smtClean="0">
+                                    <a:latin typeface="Cambria Math"/>
+                                  </a:rPr>
+                                  <m:t>𝑥</m:t>
+                                </m:r>
+                              </m:e>
+                              <m:sub>
+                                <m:r>
+                                  <a:rPr lang="en-US" b="0" i="1" smtClean="0">
+                                    <a:latin typeface="Cambria Math"/>
+                                  </a:rPr>
+                                  <m:t>𝑠</m:t>
+                                </m:r>
+                              </m:sub>
+                            </m:sSub>
+                          </m:e>
+                        </m:d>
+                      </m:e>
+                      <m:sup>
+                        <m:r>
+                          <a:rPr lang="en-US" b="0" i="1" smtClean="0">
+                            <a:latin typeface="Cambria Math"/>
+                          </a:rPr>
+                          <m:t>𝑇</m:t>
+                        </m:r>
+                      </m:sup>
+                    </m:sSup>
+                    <m:d>
+                      <m:dPr>
+                        <m:ctrlPr>
+                          <a:rPr lang="en-US" b="0" i="1" smtClean="0">
+                            <a:latin typeface="Cambria Math"/>
+                          </a:rPr>
+                        </m:ctrlPr>
+                      </m:dPr>
+                      <m:e>
+                        <m:sSub>
+                          <m:sSubPr>
+                            <m:ctrlPr>
+                              <a:rPr lang="en-US" b="0" i="1" smtClean="0">
+                                <a:latin typeface="Cambria Math"/>
+                              </a:rPr>
+                            </m:ctrlPr>
+                          </m:sSubPr>
+                          <m:e>
+                            <m:r>
+                              <a:rPr lang="en-US" b="0" i="1" smtClean="0">
+                                <a:latin typeface="Cambria Math"/>
+                              </a:rPr>
+                              <m:t>𝑥</m:t>
+                            </m:r>
+                          </m:e>
+                          <m:sub>
+                            <m:r>
+                              <a:rPr lang="en-US" b="0" i="1" smtClean="0">
+                                <a:latin typeface="Cambria Math"/>
+                              </a:rPr>
+                              <m:t>𝑠</m:t>
+                            </m:r>
+                          </m:sub>
+                        </m:sSub>
+                        <m:r>
+                          <a:rPr lang="en-US" b="0" i="1" smtClean="0">
+                            <a:latin typeface="Cambria Math"/>
+                          </a:rPr>
+                          <m:t>−</m:t>
+                        </m:r>
+                        <m:sSup>
+                          <m:sSupPr>
+                            <m:ctrlPr>
+                              <a:rPr lang="en-US" b="0" i="1" smtClean="0">
+                                <a:latin typeface="Cambria Math"/>
+                              </a:rPr>
+                            </m:ctrlPr>
+                          </m:sSupPr>
+                          <m:e>
+                            <m:r>
+                              <a:rPr lang="en-US" b="0" i="1" smtClean="0">
+                                <a:latin typeface="Cambria Math"/>
+                              </a:rPr>
+                              <m:t>𝑥</m:t>
+                            </m:r>
+                          </m:e>
+                          <m:sup>
+                            <m:r>
+                              <a:rPr lang="en-US" b="0" i="1" smtClean="0">
+                                <a:latin typeface="Cambria Math"/>
+                              </a:rPr>
+                              <m:t>∗</m:t>
+                            </m:r>
+                          </m:sup>
+                        </m:sSup>
+                      </m:e>
+                    </m:d>
+                    <m:r>
+                      <a:rPr lang="en-US" b="0" i="1" smtClean="0">
+                        <a:latin typeface="Cambria Math"/>
+                      </a:rPr>
+                      <m:t>≤|</m:t>
+                    </m:r>
+                    <m:d>
+                      <m:dPr>
+                        <m:begChr m:val="|"/>
+                        <m:endChr m:val="|"/>
+                        <m:ctrlPr>
+                          <a:rPr lang="en-US" b="0" i="1" smtClean="0">
+                            <a:latin typeface="Cambria Math"/>
+                          </a:rPr>
+                        </m:ctrlPr>
+                      </m:dPr>
+                      <m:e>
+                        <m:sSub>
+                          <m:sSubPr>
+                            <m:ctrlPr>
+                              <a:rPr lang="en-US" b="0" i="1" smtClean="0">
+                                <a:latin typeface="Cambria Math"/>
+                              </a:rPr>
+                            </m:ctrlPr>
+                          </m:sSubPr>
+                          <m:e>
+                            <m:r>
+                              <a:rPr lang="en-US" b="0" i="1" smtClean="0">
+                                <a:latin typeface="Cambria Math"/>
+                              </a:rPr>
+                              <m:t>𝑥</m:t>
+                            </m:r>
+                          </m:e>
+                          <m:sub>
+                            <m:r>
+                              <a:rPr lang="en-US" b="0" i="1" smtClean="0">
+                                <a:latin typeface="Cambria Math"/>
+                              </a:rPr>
+                              <m:t>𝑠</m:t>
+                            </m:r>
+                          </m:sub>
+                        </m:sSub>
+                        <m:r>
+                          <a:rPr lang="en-US" b="0" i="1" smtClean="0">
+                            <a:latin typeface="Cambria Math"/>
+                          </a:rPr>
+                          <m:t>−</m:t>
+                        </m:r>
+                        <m:sSup>
+                          <m:sSupPr>
+                            <m:ctrlPr>
+                              <a:rPr lang="en-US" b="0" i="1" smtClean="0">
+                                <a:latin typeface="Cambria Math"/>
+                              </a:rPr>
+                            </m:ctrlPr>
+                          </m:sSupPr>
+                          <m:e>
+                            <m:r>
+                              <a:rPr lang="en-US" b="0" i="1" smtClean="0">
+                                <a:latin typeface="Cambria Math"/>
+                              </a:rPr>
+                              <m:t>𝑥</m:t>
+                            </m:r>
+                          </m:e>
+                          <m:sup>
+                            <m:r>
+                              <a:rPr lang="en-US" b="0" i="1" smtClean="0">
+                                <a:latin typeface="Cambria Math"/>
+                              </a:rPr>
+                              <m:t>∗</m:t>
+                            </m:r>
+                          </m:sup>
+                        </m:sSup>
+                      </m:e>
+                    </m:d>
+                    <m:r>
+                      <a:rPr lang="en-US" b="0" i="1" smtClean="0">
+                        <a:latin typeface="Cambria Math"/>
+                      </a:rPr>
+                      <m:t>|</m:t>
+                    </m:r>
+                    <m:d>
+                      <m:dPr>
+                        <m:begChr m:val="|"/>
+                        <m:endChr m:val="|"/>
+                        <m:ctrlPr>
+                          <a:rPr lang="en-US" b="0" i="1" smtClean="0">
+                            <a:latin typeface="Cambria Math"/>
+                          </a:rPr>
+                        </m:ctrlPr>
+                      </m:dPr>
+                      <m:e>
+                        <m:d>
+                          <m:dPr>
+                            <m:begChr m:val="|"/>
+                            <m:endChr m:val="|"/>
+                            <m:ctrlPr>
+                              <a:rPr lang="en-US" b="0" i="1" smtClean="0">
+                                <a:latin typeface="Cambria Math"/>
+                              </a:rPr>
+                            </m:ctrlPr>
+                          </m:dPr>
+                          <m:e>
+                            <m:r>
+                              <a:rPr lang="en-US" b="0" i="0" smtClean="0">
+                                <a:latin typeface="Cambria Math"/>
+                              </a:rPr>
+                              <m:t>𝛻</m:t>
+                            </m:r>
+                            <m:r>
+                              <a:rPr lang="en-US" b="0" i="1" smtClean="0">
+                                <a:latin typeface="Cambria Math"/>
+                              </a:rPr>
+                              <m:t>𝑓</m:t>
+                            </m:r>
+                            <m:d>
+                              <m:dPr>
+                                <m:ctrlPr>
+                                  <a:rPr lang="en-US" b="0" i="1" smtClean="0">
+                                    <a:latin typeface="Cambria Math"/>
+                                  </a:rPr>
+                                </m:ctrlPr>
+                              </m:dPr>
+                              <m:e>
+                                <m:sSub>
+                                  <m:sSubPr>
+                                    <m:ctrlPr>
+                                      <a:rPr lang="en-US" b="0" i="1" smtClean="0">
+                                        <a:latin typeface="Cambria Math"/>
+                                      </a:rPr>
+                                    </m:ctrlPr>
+                                  </m:sSubPr>
+                                  <m:e>
+                                    <m:r>
+                                      <a:rPr lang="en-US" b="0" i="1" smtClean="0">
+                                        <a:latin typeface="Cambria Math"/>
+                                      </a:rPr>
+                                      <m:t>𝑥</m:t>
+                                    </m:r>
+                                  </m:e>
+                                  <m:sub>
+                                    <m:r>
+                                      <a:rPr lang="en-US" b="0" i="1" smtClean="0">
+                                        <a:latin typeface="Cambria Math"/>
+                                      </a:rPr>
+                                      <m:t>𝑠</m:t>
+                                    </m:r>
+                                  </m:sub>
+                                </m:sSub>
+                              </m:e>
+                            </m:d>
+                          </m:e>
+                        </m:d>
+                      </m:e>
+                    </m:d>
+                  </m:oMath>
+                </a14:m>
+                <a:endParaRPr lang="en-US" dirty="0" smtClean="0"/>
+              </a:p>
+              <a:p>
+                <a:r>
+                  <a:rPr lang="en-US" b="1" dirty="0" err="1" smtClean="0"/>
+                  <a:t>Lem</a:t>
+                </a:r>
+                <a:r>
+                  <a:rPr lang="en-US" b="1" dirty="0" smtClean="0"/>
+                  <a:t>: </a:t>
+                </a:r>
+                <a14:m>
+                  <m:oMath xmlns:m="http://schemas.openxmlformats.org/officeDocument/2006/math">
+                    <m:r>
+                      <a:rPr lang="en-US" b="0" i="1" smtClean="0">
+                        <a:latin typeface="Cambria Math"/>
+                      </a:rPr>
+                      <m:t>|</m:t>
+                    </m:r>
+                    <m:d>
+                      <m:dPr>
+                        <m:begChr m:val="|"/>
+                        <m:endChr m:val="|"/>
+                        <m:ctrlPr>
+                          <a:rPr lang="en-US" b="0" i="1" smtClean="0">
+                            <a:latin typeface="Cambria Math"/>
+                          </a:rPr>
+                        </m:ctrlPr>
+                      </m:dPr>
+                      <m:e>
+                        <m:sSub>
+                          <m:sSubPr>
+                            <m:ctrlPr>
+                              <a:rPr lang="en-US" b="0" i="1" smtClean="0">
+                                <a:latin typeface="Cambria Math"/>
+                              </a:rPr>
+                            </m:ctrlPr>
+                          </m:sSubPr>
+                          <m:e>
+                            <m:r>
+                              <a:rPr lang="en-US" b="0" i="1" smtClean="0">
+                                <a:latin typeface="Cambria Math"/>
+                              </a:rPr>
+                              <m:t>𝑥</m:t>
+                            </m:r>
+                          </m:e>
+                          <m:sub>
+                            <m:r>
+                              <a:rPr lang="en-US" b="0" i="1" smtClean="0">
+                                <a:latin typeface="Cambria Math"/>
+                              </a:rPr>
+                              <m:t>𝑠</m:t>
+                            </m:r>
+                          </m:sub>
+                        </m:sSub>
+                        <m:r>
+                          <a:rPr lang="en-US" b="0" i="1" smtClean="0">
+                            <a:latin typeface="Cambria Math"/>
+                          </a:rPr>
+                          <m:t>−</m:t>
+                        </m:r>
+                        <m:sSup>
+                          <m:sSupPr>
+                            <m:ctrlPr>
+                              <a:rPr lang="en-US" b="0" i="1" smtClean="0">
+                                <a:latin typeface="Cambria Math"/>
+                              </a:rPr>
+                            </m:ctrlPr>
+                          </m:sSupPr>
+                          <m:e>
+                            <m:r>
+                              <a:rPr lang="en-US" b="0" i="1" smtClean="0">
+                                <a:latin typeface="Cambria Math"/>
+                              </a:rPr>
+                              <m:t>𝑥</m:t>
+                            </m:r>
+                          </m:e>
+                          <m:sup>
+                            <m:r>
+                              <a:rPr lang="en-US" b="0" i="1" smtClean="0">
+                                <a:latin typeface="Cambria Math"/>
+                              </a:rPr>
+                              <m:t>∗</m:t>
+                            </m:r>
+                          </m:sup>
+                        </m:sSup>
+                      </m:e>
+                    </m:d>
+                    <m:r>
+                      <a:rPr lang="en-US" b="0" i="1" smtClean="0">
+                        <a:latin typeface="Cambria Math"/>
+                      </a:rPr>
+                      <m:t>|</m:t>
+                    </m:r>
+                  </m:oMath>
+                </a14:m>
+                <a:r>
+                  <a:rPr lang="en-US" b="1" dirty="0" smtClean="0"/>
+                  <a:t> </a:t>
+                </a:r>
+                <a:r>
+                  <a:rPr lang="en-US" dirty="0" smtClean="0"/>
+                  <a:t>is decreasing with </a:t>
+                </a:r>
+                <a14:m>
+                  <m:oMath xmlns:m="http://schemas.openxmlformats.org/officeDocument/2006/math">
+                    <m:r>
+                      <a:rPr lang="en-US" i="1" dirty="0" smtClean="0">
+                        <a:latin typeface="Cambria Math"/>
+                      </a:rPr>
+                      <m:t>𝑠</m:t>
+                    </m:r>
+                  </m:oMath>
+                </a14:m>
+                <a:r>
+                  <a:rPr lang="en-US" dirty="0" smtClean="0"/>
+                  <a:t>.</a:t>
+                </a:r>
+              </a:p>
+              <a:p>
+                <a14:m>
+                  <m:oMath xmlns:m="http://schemas.openxmlformats.org/officeDocument/2006/math">
+                    <m:sSub>
+                      <m:sSubPr>
+                        <m:ctrlPr>
+                          <a:rPr lang="en-US" b="0" i="1" smtClean="0">
+                            <a:latin typeface="Cambria Math"/>
+                          </a:rPr>
+                        </m:ctrlPr>
+                      </m:sSubPr>
+                      <m:e>
+                        <m:r>
+                          <a:rPr lang="en-US" b="0" i="1" smtClean="0">
+                            <a:latin typeface="Cambria Math"/>
+                          </a:rPr>
+                          <m:t>𝛿</m:t>
+                        </m:r>
+                      </m:e>
+                      <m:sub>
+                        <m:r>
+                          <a:rPr lang="en-US" b="0" i="1" smtClean="0">
+                            <a:latin typeface="Cambria Math"/>
+                          </a:rPr>
+                          <m:t>𝑠</m:t>
+                        </m:r>
+                        <m:r>
+                          <a:rPr lang="en-US" b="0" i="1" smtClean="0">
+                            <a:latin typeface="Cambria Math"/>
+                          </a:rPr>
+                          <m:t>+</m:t>
+                        </m:r>
+                        <m:r>
+                          <a:rPr lang="en-US" b="0" i="1" smtClean="0">
+                            <a:latin typeface="Cambria Math"/>
+                          </a:rPr>
+                          <m:t>1</m:t>
+                        </m:r>
+                      </m:sub>
+                    </m:sSub>
+                    <m:r>
+                      <a:rPr lang="en-US" b="0" i="1" smtClean="0">
+                        <a:latin typeface="Cambria Math"/>
+                      </a:rPr>
+                      <m:t>≤</m:t>
+                    </m:r>
+                    <m:sSub>
+                      <m:sSubPr>
+                        <m:ctrlPr>
+                          <a:rPr lang="en-US" b="0" i="1" smtClean="0">
+                            <a:latin typeface="Cambria Math"/>
+                          </a:rPr>
+                        </m:ctrlPr>
+                      </m:sSubPr>
+                      <m:e>
+                        <m:r>
+                          <a:rPr lang="en-US" b="0" i="1" smtClean="0">
+                            <a:latin typeface="Cambria Math"/>
+                          </a:rPr>
+                          <m:t>𝛿</m:t>
+                        </m:r>
+                      </m:e>
+                      <m:sub>
+                        <m:r>
+                          <a:rPr lang="en-US" b="0" i="1" smtClean="0">
+                            <a:latin typeface="Cambria Math"/>
+                          </a:rPr>
+                          <m:t>𝑠</m:t>
+                        </m:r>
+                      </m:sub>
+                    </m:sSub>
+                    <m:r>
+                      <a:rPr lang="en-US" b="0" i="1" smtClean="0">
+                        <a:latin typeface="Cambria Math"/>
+                      </a:rPr>
+                      <m:t>−</m:t>
+                    </m:r>
+                    <m:f>
+                      <m:fPr>
+                        <m:ctrlPr>
+                          <a:rPr lang="en-US" b="0" i="1" smtClean="0">
+                            <a:latin typeface="Cambria Math"/>
+                          </a:rPr>
+                        </m:ctrlPr>
+                      </m:fPr>
+                      <m:num>
+                        <m:sSubSup>
+                          <m:sSubSupPr>
+                            <m:ctrlPr>
+                              <a:rPr lang="en-US" b="0" i="1" smtClean="0">
+                                <a:latin typeface="Cambria Math"/>
+                              </a:rPr>
+                            </m:ctrlPr>
+                          </m:sSubSupPr>
+                          <m:e>
+                            <m:r>
+                              <a:rPr lang="en-US" b="0" i="1" smtClean="0">
+                                <a:latin typeface="Cambria Math"/>
+                              </a:rPr>
+                              <m:t>𝛿</m:t>
+                            </m:r>
+                          </m:e>
+                          <m:sub>
+                            <m:r>
+                              <a:rPr lang="en-US" b="0" i="1" smtClean="0">
+                                <a:latin typeface="Cambria Math"/>
+                              </a:rPr>
+                              <m:t>𝑠</m:t>
+                            </m:r>
+                          </m:sub>
+                          <m:sup>
+                            <m:r>
+                              <a:rPr lang="en-US" b="0" i="1" smtClean="0">
+                                <a:latin typeface="Cambria Math"/>
+                              </a:rPr>
+                              <m:t>2</m:t>
+                            </m:r>
+                          </m:sup>
+                        </m:sSubSup>
+                      </m:num>
+                      <m:den>
+                        <m:r>
+                          <a:rPr lang="en-US" b="0" i="1" smtClean="0">
+                            <a:latin typeface="Cambria Math"/>
+                          </a:rPr>
+                          <m:t>2</m:t>
+                        </m:r>
+                        <m:r>
+                          <a:rPr lang="en-US" b="0" i="1" smtClean="0">
+                            <a:latin typeface="Cambria Math"/>
+                          </a:rPr>
+                          <m:t>𝛽</m:t>
+                        </m:r>
+                        <m:sSup>
+                          <m:sSupPr>
+                            <m:ctrlPr>
+                              <a:rPr lang="en-US" b="0" i="1" smtClean="0">
+                                <a:latin typeface="Cambria Math"/>
+                              </a:rPr>
+                            </m:ctrlPr>
+                          </m:sSupPr>
+                          <m:e>
+                            <m:d>
+                              <m:dPr>
+                                <m:begChr m:val="|"/>
+                                <m:endChr m:val="|"/>
+                                <m:ctrlPr>
+                                  <a:rPr lang="en-US" b="0" i="1" smtClean="0">
+                                    <a:latin typeface="Cambria Math"/>
+                                  </a:rPr>
+                                </m:ctrlPr>
+                              </m:dPr>
+                              <m:e>
+                                <m:d>
+                                  <m:dPr>
+                                    <m:begChr m:val="|"/>
+                                    <m:endChr m:val="|"/>
+                                    <m:ctrlPr>
+                                      <a:rPr lang="en-US" b="0" i="1" smtClean="0">
+                                        <a:latin typeface="Cambria Math"/>
+                                      </a:rPr>
+                                    </m:ctrlPr>
+                                  </m:dPr>
+                                  <m:e>
+                                    <m:sSub>
+                                      <m:sSubPr>
+                                        <m:ctrlPr>
+                                          <a:rPr lang="en-US" b="0" i="1" smtClean="0">
+                                            <a:latin typeface="Cambria Math"/>
+                                          </a:rPr>
+                                        </m:ctrlPr>
+                                      </m:sSubPr>
+                                      <m:e>
+                                        <m:r>
+                                          <a:rPr lang="en-US" b="0" i="1" smtClean="0">
+                                            <a:latin typeface="Cambria Math"/>
+                                          </a:rPr>
+                                          <m:t>𝑥</m:t>
+                                        </m:r>
+                                      </m:e>
+                                      <m:sub>
+                                        <m:r>
+                                          <a:rPr lang="en-US" b="0" i="1" smtClean="0">
+                                            <a:latin typeface="Cambria Math"/>
+                                          </a:rPr>
+                                          <m:t>1</m:t>
+                                        </m:r>
+                                      </m:sub>
+                                    </m:sSub>
+                                    <m:r>
+                                      <a:rPr lang="en-US" b="0" i="1" smtClean="0">
+                                        <a:latin typeface="Cambria Math"/>
+                                      </a:rPr>
+                                      <m:t>−</m:t>
+                                    </m:r>
+                                    <m:sSup>
+                                      <m:sSupPr>
+                                        <m:ctrlPr>
+                                          <a:rPr lang="en-US" b="0" i="1" smtClean="0">
+                                            <a:latin typeface="Cambria Math"/>
+                                          </a:rPr>
+                                        </m:ctrlPr>
+                                      </m:sSupPr>
+                                      <m:e>
+                                        <m:r>
+                                          <a:rPr lang="en-US" b="0" i="1" smtClean="0">
+                                            <a:latin typeface="Cambria Math"/>
+                                          </a:rPr>
+                                          <m:t>𝑥</m:t>
+                                        </m:r>
+                                      </m:e>
+                                      <m:sup>
+                                        <m:r>
+                                          <a:rPr lang="en-US" b="0" i="1" smtClean="0">
+                                            <a:latin typeface="Cambria Math"/>
+                                          </a:rPr>
+                                          <m:t>∗</m:t>
+                                        </m:r>
+                                      </m:sup>
+                                    </m:sSup>
+                                  </m:e>
+                                </m:d>
+                              </m:e>
+                            </m:d>
+                          </m:e>
+                          <m:sup>
+                            <m:r>
+                              <a:rPr lang="en-US" b="0" i="1" smtClean="0">
+                                <a:latin typeface="Cambria Math"/>
+                              </a:rPr>
+                              <m:t>2</m:t>
+                            </m:r>
+                          </m:sup>
+                        </m:sSup>
+                      </m:den>
+                    </m:f>
+                  </m:oMath>
+                </a14:m>
+                <a:endParaRPr lang="en-US" b="1" dirty="0"/>
+              </a:p>
+            </p:txBody>
+          </p:sp>
+        </mc:Choice>
+        <mc:Fallback>
+          <p:sp>
+            <p:nvSpPr>
+              <p:cNvPr id="3" name="Content Placeholder 2"/>
+              <p:cNvSpPr>
+                <a:spLocks noGrp="1" noRot="1" noChangeAspect="1" noMove="1" noResize="1" noEditPoints="1" noAdjustHandles="1" noChangeArrowheads="1" noChangeShapeType="1" noTextEdit="1"/>
+              </p:cNvSpPr>
+              <p:nvPr>
+                <p:ph idx="1"/>
+              </p:nvPr>
+            </p:nvSpPr>
+            <p:spPr>
+              <a:xfrm>
+                <a:off x="457200" y="1600200"/>
+                <a:ext cx="8229600" cy="4800600"/>
+              </a:xfrm>
+              <a:blipFill rotWithShape="1">
+                <a:blip r:embed="rId2"/>
+                <a:stretch>
+                  <a:fillRect l="-815" t="-2033"/>
+                </a:stretch>
+              </a:blipFill>
+            </p:spPr>
+            <p:txBody>
+              <a:bodyPr/>
+              <a:lstStyle/>
+              <a:p>
+                <a:r>
+                  <a:rPr lang="en-US">
+                    <a:noFill/>
+                  </a:rPr>
+                  <a:t> </a:t>
+                </a:r>
+              </a:p>
+            </p:txBody>
+          </p:sp>
+        </mc:Fallback>
+      </mc:AlternateContent>
+    </p:spTree>
+    <p:extLst>
+      <p:ext uri="{BB962C8B-B14F-4D97-AF65-F5344CB8AC3E}">
+        <p14:creationId xmlns:p14="http://schemas.microsoft.com/office/powerpoint/2010/main" val="3096973610"/>
+      </p:ext>
+    </p:extLst>
+  </p:cSld>
+  <p:clrMapOvr>
+    <a:masterClrMapping/>
+  </p:clrMapOvr>
+  <p:timing>
+    <p:tnLst>
+      <p:par>
+        <p:cTn id="1" dur="indefinite" restart="never" nodeType="tmRoot"/>
+      </p:par>
+    </p:tnLst>
+  </p:timing>
+</p:sld>
+</file>
+
+<file path=ppt/slides/slide8.xml><?xml version="1.0" encoding="utf-8"?>
+<p:sld xmlns:a="http://schemas.openxmlformats.org/drawingml/2006/main" xmlns:r="http://schemas.openxmlformats.org/officeDocument/2006/relationships" xmlns:p="http://schemas.openxmlformats.org/presentationml/2006/main">
+  <p:cSld>
+    <p:spTree>
+      <p:nvGrpSpPr>
+        <p:cNvPr id="1" name=""/>
+        <p:cNvGrpSpPr/>
+        <p:nvPr/>
+      </p:nvGrpSpPr>
+      <p:grpSpPr>
+        <a:xfrm>
+          <a:off x="0" y="0"/>
+          <a:ext cx="0" cy="0"/>
+          <a:chOff x="0" y="0"/>
+          <a:chExt cx="0" cy="0"/>
+        </a:xfrm>
+      </p:grpSpPr>
+      <p:sp>
+        <p:nvSpPr>
+          <p:cNvPr id="2" name="Title 1"/>
+          <p:cNvSpPr>
+            <a:spLocks noGrp="1"/>
+          </p:cNvSpPr>
+          <p:nvPr>
+            <p:ph type="title"/>
+          </p:nvPr>
+        </p:nvSpPr>
+        <p:spPr/>
+        <p:txBody>
+          <a:bodyPr/>
+          <a:lstStyle/>
+          <a:p>
+            <a:r>
+              <a:rPr lang="en-US" dirty="0" smtClean="0">
+                <a:solidFill>
+                  <a:srgbClr val="0070C0"/>
+                </a:solidFill>
+              </a:rPr>
+              <a:t>Gradient Descent: Analysis</a:t>
+            </a:r>
+            <a:endParaRPr lang="en-US" dirty="0"/>
+          </a:p>
+        </p:txBody>
+      </p:sp>
+      <mc:AlternateContent xmlns:mc="http://schemas.openxmlformats.org/markup-compatibility/2006">
+        <mc:Choice xmlns:a14="http://schemas.microsoft.com/office/drawing/2010/main" Requires="a14">
+          <p:sp>
+            <p:nvSpPr>
+              <p:cNvPr id="3" name="Content Placeholder 2"/>
+              <p:cNvSpPr>
+                <a:spLocks noGrp="1"/>
+              </p:cNvSpPr>
+              <p:nvPr>
+                <p:ph idx="1"/>
+              </p:nvPr>
+            </p:nvSpPr>
+            <p:spPr>
+              <a:xfrm>
+                <a:off x="457200" y="1600200"/>
+                <a:ext cx="8229600" cy="4953000"/>
+              </a:xfrm>
+            </p:spPr>
+            <p:txBody>
+              <a:bodyPr>
+                <a:normAutofit fontScale="92500"/>
+              </a:bodyPr>
+              <a:lstStyle/>
+              <a:p>
+                <a14:m>
+                  <m:oMath xmlns:m="http://schemas.openxmlformats.org/officeDocument/2006/math">
+                    <m:sSub>
+                      <m:sSubPr>
+                        <m:ctrlPr>
+                          <a:rPr lang="en-US" b="0" i="1" smtClean="0">
+                            <a:latin typeface="Cambria Math"/>
+                          </a:rPr>
+                        </m:ctrlPr>
+                      </m:sSubPr>
+                      <m:e>
+                        <m:r>
+                          <a:rPr lang="en-US" b="0" i="1" smtClean="0">
+                            <a:latin typeface="Cambria Math"/>
+                          </a:rPr>
+                          <m:t>𝛿</m:t>
+                        </m:r>
+                      </m:e>
+                      <m:sub>
+                        <m:r>
+                          <a:rPr lang="en-US" b="0" i="1" smtClean="0">
+                            <a:latin typeface="Cambria Math"/>
+                          </a:rPr>
+                          <m:t>𝑠</m:t>
+                        </m:r>
+                        <m:r>
+                          <a:rPr lang="en-US" b="0" i="1" smtClean="0">
+                            <a:latin typeface="Cambria Math"/>
+                          </a:rPr>
+                          <m:t>+1</m:t>
+                        </m:r>
+                      </m:sub>
+                    </m:sSub>
+                    <m:r>
+                      <a:rPr lang="en-US" b="0" i="1" smtClean="0">
+                        <a:latin typeface="Cambria Math"/>
+                      </a:rPr>
+                      <m:t>≤</m:t>
+                    </m:r>
+                    <m:sSub>
+                      <m:sSubPr>
+                        <m:ctrlPr>
+                          <a:rPr lang="en-US" b="0" i="1" smtClean="0">
+                            <a:latin typeface="Cambria Math"/>
+                          </a:rPr>
+                        </m:ctrlPr>
+                      </m:sSubPr>
+                      <m:e>
+                        <m:r>
+                          <a:rPr lang="en-US" b="0" i="1" smtClean="0">
+                            <a:latin typeface="Cambria Math"/>
+                          </a:rPr>
+                          <m:t>𝛿</m:t>
+                        </m:r>
+                      </m:e>
+                      <m:sub>
+                        <m:r>
+                          <a:rPr lang="en-US" b="0" i="1" smtClean="0">
+                            <a:latin typeface="Cambria Math"/>
+                          </a:rPr>
+                          <m:t>𝑠</m:t>
+                        </m:r>
+                      </m:sub>
+                    </m:sSub>
+                    <m:r>
+                      <a:rPr lang="en-US" b="0" i="1" smtClean="0">
+                        <a:latin typeface="Cambria Math"/>
+                      </a:rPr>
+                      <m:t>−</m:t>
+                    </m:r>
+                    <m:f>
+                      <m:fPr>
+                        <m:ctrlPr>
+                          <a:rPr lang="en-US" b="0" i="1" smtClean="0">
+                            <a:latin typeface="Cambria Math"/>
+                          </a:rPr>
+                        </m:ctrlPr>
+                      </m:fPr>
+                      <m:num>
+                        <m:sSubSup>
+                          <m:sSubSupPr>
+                            <m:ctrlPr>
+                              <a:rPr lang="en-US" b="0" i="1" smtClean="0">
+                                <a:latin typeface="Cambria Math"/>
+                              </a:rPr>
+                            </m:ctrlPr>
+                          </m:sSubSupPr>
+                          <m:e>
+                            <m:r>
+                              <a:rPr lang="en-US" b="0" i="1" smtClean="0">
+                                <a:latin typeface="Cambria Math"/>
+                              </a:rPr>
+                              <m:t>𝛿</m:t>
+                            </m:r>
+                          </m:e>
+                          <m:sub>
+                            <m:r>
+                              <a:rPr lang="en-US" b="0" i="1" smtClean="0">
+                                <a:latin typeface="Cambria Math"/>
+                              </a:rPr>
+                              <m:t>𝑠</m:t>
+                            </m:r>
+                          </m:sub>
+                          <m:sup>
+                            <m:r>
+                              <a:rPr lang="en-US" b="0" i="1" smtClean="0">
+                                <a:latin typeface="Cambria Math"/>
+                              </a:rPr>
+                              <m:t>2</m:t>
+                            </m:r>
+                          </m:sup>
+                        </m:sSubSup>
+                      </m:num>
+                      <m:den>
+                        <m:r>
+                          <a:rPr lang="en-US" b="0" i="1" smtClean="0">
+                            <a:latin typeface="Cambria Math"/>
+                          </a:rPr>
+                          <m:t>2</m:t>
+                        </m:r>
+                        <m:r>
+                          <a:rPr lang="en-US" b="0" i="1" smtClean="0">
+                            <a:latin typeface="Cambria Math"/>
+                          </a:rPr>
+                          <m:t>𝛽</m:t>
+                        </m:r>
+                        <m:sSup>
+                          <m:sSupPr>
+                            <m:ctrlPr>
+                              <a:rPr lang="en-US" b="0" i="1" smtClean="0">
+                                <a:latin typeface="Cambria Math"/>
+                              </a:rPr>
+                            </m:ctrlPr>
+                          </m:sSupPr>
+                          <m:e>
+                            <m:d>
+                              <m:dPr>
+                                <m:begChr m:val="|"/>
+                                <m:endChr m:val="|"/>
+                                <m:ctrlPr>
+                                  <a:rPr lang="en-US" b="0" i="1" smtClean="0">
+                                    <a:latin typeface="Cambria Math"/>
+                                  </a:rPr>
+                                </m:ctrlPr>
+                              </m:dPr>
+                              <m:e>
+                                <m:d>
+                                  <m:dPr>
+                                    <m:begChr m:val="|"/>
+                                    <m:endChr m:val="|"/>
+                                    <m:ctrlPr>
+                                      <a:rPr lang="en-US" b="0" i="1" smtClean="0">
+                                        <a:latin typeface="Cambria Math"/>
+                                      </a:rPr>
+                                    </m:ctrlPr>
+                                  </m:dPr>
+                                  <m:e>
+                                    <m:sSub>
+                                      <m:sSubPr>
+                                        <m:ctrlPr>
+                                          <a:rPr lang="en-US" b="0" i="1" smtClean="0">
+                                            <a:latin typeface="Cambria Math"/>
+                                          </a:rPr>
+                                        </m:ctrlPr>
+                                      </m:sSubPr>
+                                      <m:e>
+                                        <m:r>
+                                          <a:rPr lang="en-US" b="0" i="1" smtClean="0">
+                                            <a:latin typeface="Cambria Math"/>
+                                          </a:rPr>
+                                          <m:t>𝑥</m:t>
+                                        </m:r>
+                                      </m:e>
+                                      <m:sub>
+                                        <m:r>
+                                          <a:rPr lang="en-US" b="0" i="1" smtClean="0">
+                                            <a:latin typeface="Cambria Math"/>
+                                          </a:rPr>
+                                          <m:t>1</m:t>
+                                        </m:r>
+                                      </m:sub>
+                                    </m:sSub>
+                                    <m:r>
+                                      <a:rPr lang="en-US" b="0" i="1" smtClean="0">
+                                        <a:latin typeface="Cambria Math"/>
+                                      </a:rPr>
+                                      <m:t>−</m:t>
+                                    </m:r>
+                                    <m:sSup>
+                                      <m:sSupPr>
+                                        <m:ctrlPr>
+                                          <a:rPr lang="en-US" b="0" i="1" smtClean="0">
+                                            <a:latin typeface="Cambria Math"/>
+                                          </a:rPr>
+                                        </m:ctrlPr>
+                                      </m:sSupPr>
+                                      <m:e>
+                                        <m:r>
+                                          <a:rPr lang="en-US" b="0" i="1" smtClean="0">
+                                            <a:latin typeface="Cambria Math"/>
+                                          </a:rPr>
+                                          <m:t>𝑥</m:t>
+                                        </m:r>
+                                      </m:e>
+                                      <m:sup>
+                                        <m:r>
+                                          <a:rPr lang="en-US" b="0" i="1" smtClean="0">
+                                            <a:latin typeface="Cambria Math"/>
+                                          </a:rPr>
+                                          <m:t>∗</m:t>
+                                        </m:r>
+                                      </m:sup>
+                                    </m:sSup>
+                                  </m:e>
+                                </m:d>
+                              </m:e>
+                            </m:d>
+                          </m:e>
+                          <m:sup>
+                            <m:r>
+                              <a:rPr lang="en-US" b="0" i="1" smtClean="0">
+                                <a:latin typeface="Cambria Math"/>
+                              </a:rPr>
+                              <m:t>2</m:t>
+                            </m:r>
+                          </m:sup>
+                        </m:sSup>
+                      </m:den>
+                    </m:f>
+                    <m:r>
+                      <a:rPr lang="en-US" b="0" i="0" smtClean="0">
+                        <a:latin typeface="Cambria Math"/>
+                      </a:rPr>
+                      <m:t>; </m:t>
+                    </m:r>
+                    <m:r>
+                      <a:rPr lang="en-US" b="0" i="1" smtClean="0">
+                        <a:latin typeface="Cambria Math"/>
+                      </a:rPr>
+                      <m:t>𝜔</m:t>
+                    </m:r>
+                    <m:r>
+                      <a:rPr lang="en-US" b="0" i="1" smtClean="0">
+                        <a:latin typeface="Cambria Math"/>
+                      </a:rPr>
+                      <m:t>=</m:t>
+                    </m:r>
+                    <m:f>
+                      <m:fPr>
+                        <m:ctrlPr>
+                          <a:rPr lang="en-US" b="0" i="1" smtClean="0">
+                            <a:latin typeface="Cambria Math"/>
+                          </a:rPr>
+                        </m:ctrlPr>
+                      </m:fPr>
+                      <m:num>
+                        <m:r>
+                          <a:rPr lang="en-US" b="0" i="1" smtClean="0">
+                            <a:latin typeface="Cambria Math"/>
+                          </a:rPr>
+                          <m:t>1</m:t>
+                        </m:r>
+                      </m:num>
+                      <m:den>
+                        <m:r>
+                          <a:rPr lang="en-US" b="0" i="1" smtClean="0">
+                            <a:latin typeface="Cambria Math"/>
+                          </a:rPr>
+                          <m:t>2</m:t>
+                        </m:r>
+                        <m:r>
+                          <a:rPr lang="en-US" b="0" i="1" smtClean="0">
+                            <a:latin typeface="Cambria Math"/>
+                          </a:rPr>
+                          <m:t>𝛽</m:t>
+                        </m:r>
+                        <m:sSup>
+                          <m:sSupPr>
+                            <m:ctrlPr>
+                              <a:rPr lang="en-US" b="0" i="1" smtClean="0">
+                                <a:latin typeface="Cambria Math"/>
+                              </a:rPr>
+                            </m:ctrlPr>
+                          </m:sSupPr>
+                          <m:e>
+                            <m:d>
+                              <m:dPr>
+                                <m:begChr m:val="|"/>
+                                <m:endChr m:val="|"/>
+                                <m:ctrlPr>
+                                  <a:rPr lang="en-US" b="0" i="1" smtClean="0">
+                                    <a:latin typeface="Cambria Math"/>
+                                  </a:rPr>
+                                </m:ctrlPr>
+                              </m:dPr>
+                              <m:e>
+                                <m:d>
+                                  <m:dPr>
+                                    <m:begChr m:val="|"/>
+                                    <m:endChr m:val="|"/>
+                                    <m:ctrlPr>
+                                      <a:rPr lang="en-US" b="0" i="1" smtClean="0">
+                                        <a:latin typeface="Cambria Math"/>
+                                      </a:rPr>
+                                    </m:ctrlPr>
+                                  </m:dPr>
+                                  <m:e>
+                                    <m:sSub>
+                                      <m:sSubPr>
+                                        <m:ctrlPr>
+                                          <a:rPr lang="en-US" b="0" i="1" smtClean="0">
+                                            <a:latin typeface="Cambria Math"/>
+                                          </a:rPr>
+                                        </m:ctrlPr>
+                                      </m:sSubPr>
+                                      <m:e>
+                                        <m:r>
+                                          <a:rPr lang="en-US" b="0" i="1" smtClean="0">
+                                            <a:latin typeface="Cambria Math"/>
+                                          </a:rPr>
+                                          <m:t>𝑥</m:t>
+                                        </m:r>
+                                      </m:e>
+                                      <m:sub>
+                                        <m:r>
+                                          <a:rPr lang="en-US" b="0" i="1" smtClean="0">
+                                            <a:latin typeface="Cambria Math"/>
+                                          </a:rPr>
+                                          <m:t>1</m:t>
+                                        </m:r>
+                                      </m:sub>
+                                    </m:sSub>
+                                    <m:r>
+                                      <a:rPr lang="en-US" b="0" i="1" smtClean="0">
+                                        <a:latin typeface="Cambria Math"/>
+                                      </a:rPr>
+                                      <m:t>−</m:t>
+                                    </m:r>
+                                    <m:sSup>
+                                      <m:sSupPr>
+                                        <m:ctrlPr>
+                                          <a:rPr lang="en-US" b="0" i="1" smtClean="0">
+                                            <a:latin typeface="Cambria Math"/>
+                                          </a:rPr>
+                                        </m:ctrlPr>
+                                      </m:sSupPr>
+                                      <m:e>
+                                        <m:r>
+                                          <a:rPr lang="en-US" b="0" i="1" smtClean="0">
+                                            <a:latin typeface="Cambria Math"/>
+                                          </a:rPr>
+                                          <m:t>𝑥</m:t>
+                                        </m:r>
+                                      </m:e>
+                                      <m:sup>
+                                        <m:r>
+                                          <a:rPr lang="en-US" b="0" i="1" smtClean="0">
+                                            <a:latin typeface="Cambria Math"/>
+                                          </a:rPr>
+                                          <m:t>∗</m:t>
+                                        </m:r>
+                                      </m:sup>
+                                    </m:sSup>
+                                  </m:e>
+                                </m:d>
+                              </m:e>
+                            </m:d>
+                          </m:e>
+                          <m:sup>
+                            <m:r>
+                              <a:rPr lang="en-US" b="0" i="1" smtClean="0">
+                                <a:latin typeface="Cambria Math"/>
+                              </a:rPr>
+                              <m:t>2</m:t>
+                            </m:r>
+                          </m:sup>
+                        </m:sSup>
+                      </m:den>
+                    </m:f>
+                  </m:oMath>
+                </a14:m>
+                <a:endParaRPr lang="en-US" b="0" dirty="0" smtClean="0"/>
+              </a:p>
+              <a:p>
+                <a14:m>
+                  <m:oMath xmlns:m="http://schemas.openxmlformats.org/officeDocument/2006/math">
+                    <m:r>
+                      <a:rPr lang="en-US" b="0" i="1" smtClean="0">
+                        <a:latin typeface="Cambria Math"/>
+                      </a:rPr>
+                      <m:t>𝜔</m:t>
+                    </m:r>
+                    <m:sSubSup>
+                      <m:sSubSupPr>
+                        <m:ctrlPr>
+                          <a:rPr lang="en-US" b="0" i="1" smtClean="0">
+                            <a:latin typeface="Cambria Math"/>
+                          </a:rPr>
+                        </m:ctrlPr>
+                      </m:sSubSupPr>
+                      <m:e>
+                        <m:r>
+                          <a:rPr lang="en-US" b="0" i="1" smtClean="0">
+                            <a:latin typeface="Cambria Math"/>
+                          </a:rPr>
+                          <m:t>𝛿</m:t>
+                        </m:r>
+                      </m:e>
+                      <m:sub>
+                        <m:r>
+                          <a:rPr lang="en-US" b="0" i="1" smtClean="0">
+                            <a:latin typeface="Cambria Math"/>
+                          </a:rPr>
+                          <m:t>𝑠</m:t>
+                        </m:r>
+                      </m:sub>
+                      <m:sup>
+                        <m:r>
+                          <a:rPr lang="en-US" b="0" i="1" smtClean="0">
+                            <a:latin typeface="Cambria Math"/>
+                          </a:rPr>
+                          <m:t>2</m:t>
+                        </m:r>
+                      </m:sup>
+                    </m:sSubSup>
+                    <m:r>
+                      <a:rPr lang="en-US" b="0" i="1" smtClean="0">
+                        <a:latin typeface="Cambria Math"/>
+                      </a:rPr>
+                      <m:t>+</m:t>
+                    </m:r>
+                    <m:sSubSup>
+                      <m:sSubSupPr>
+                        <m:ctrlPr>
+                          <a:rPr lang="en-US" b="0" i="1" smtClean="0">
+                            <a:latin typeface="Cambria Math"/>
+                          </a:rPr>
+                        </m:ctrlPr>
+                      </m:sSubSupPr>
+                      <m:e>
+                        <m:r>
+                          <a:rPr lang="en-US" b="0" i="1" smtClean="0">
+                            <a:latin typeface="Cambria Math"/>
+                          </a:rPr>
+                          <m:t>𝛿</m:t>
+                        </m:r>
+                      </m:e>
+                      <m:sub>
+                        <m:r>
+                          <a:rPr lang="en-US" b="0" i="1" smtClean="0">
+                            <a:latin typeface="Cambria Math"/>
+                          </a:rPr>
+                          <m:t>𝑠</m:t>
+                        </m:r>
+                        <m:r>
+                          <a:rPr lang="en-US" b="0" i="1" smtClean="0">
+                            <a:latin typeface="Cambria Math"/>
+                          </a:rPr>
+                          <m:t>+1</m:t>
+                        </m:r>
+                      </m:sub>
+                      <m:sup/>
+                    </m:sSubSup>
+                    <m:r>
+                      <a:rPr lang="en-US" b="0" i="1" smtClean="0">
+                        <a:latin typeface="Cambria Math"/>
+                      </a:rPr>
+                      <m:t>≤</m:t>
+                    </m:r>
+                    <m:sSub>
+                      <m:sSubPr>
+                        <m:ctrlPr>
+                          <a:rPr lang="en-US" b="0" i="1" smtClean="0">
+                            <a:latin typeface="Cambria Math"/>
+                          </a:rPr>
+                        </m:ctrlPr>
+                      </m:sSubPr>
+                      <m:e>
+                        <m:r>
+                          <a:rPr lang="en-US" b="0" i="1" smtClean="0">
+                            <a:latin typeface="Cambria Math"/>
+                          </a:rPr>
+                          <m:t>𝛿</m:t>
+                        </m:r>
+                      </m:e>
+                      <m:sub>
+                        <m:r>
+                          <a:rPr lang="en-US" b="0" i="1" smtClean="0">
+                            <a:latin typeface="Cambria Math"/>
+                          </a:rPr>
+                          <m:t>𝑠</m:t>
+                        </m:r>
+                      </m:sub>
+                    </m:sSub>
+                    <m:r>
+                      <a:rPr lang="en-US" b="0" i="1" smtClean="0">
+                        <a:latin typeface="Cambria Math"/>
+                      </a:rPr>
+                      <m:t>⇔</m:t>
+                    </m:r>
+                    <m:f>
+                      <m:fPr>
+                        <m:ctrlPr>
+                          <a:rPr lang="en-US" b="0" i="1" smtClean="0">
+                            <a:latin typeface="Cambria Math"/>
+                          </a:rPr>
+                        </m:ctrlPr>
+                      </m:fPr>
+                      <m:num>
+                        <m:sSub>
+                          <m:sSubPr>
+                            <m:ctrlPr>
+                              <a:rPr lang="en-US" b="0" i="1" smtClean="0">
+                                <a:latin typeface="Cambria Math"/>
+                              </a:rPr>
+                            </m:ctrlPr>
+                          </m:sSubPr>
+                          <m:e>
+                            <m:r>
+                              <a:rPr lang="en-US" b="0" i="1" smtClean="0">
+                                <a:latin typeface="Cambria Math"/>
+                              </a:rPr>
+                              <m:t>𝜔𝛿</m:t>
+                            </m:r>
+                          </m:e>
+                          <m:sub>
+                            <m:r>
+                              <a:rPr lang="en-US" b="0" i="1" smtClean="0">
+                                <a:latin typeface="Cambria Math"/>
+                              </a:rPr>
+                              <m:t>𝑠</m:t>
+                            </m:r>
+                          </m:sub>
+                        </m:sSub>
+                      </m:num>
+                      <m:den>
+                        <m:sSub>
+                          <m:sSubPr>
+                            <m:ctrlPr>
+                              <a:rPr lang="en-US" b="0" i="1" smtClean="0">
+                                <a:latin typeface="Cambria Math"/>
+                              </a:rPr>
+                            </m:ctrlPr>
+                          </m:sSubPr>
+                          <m:e>
+                            <m:r>
+                              <a:rPr lang="en-US" b="0" i="1" smtClean="0">
+                                <a:latin typeface="Cambria Math"/>
+                              </a:rPr>
+                              <m:t>𝛿</m:t>
+                            </m:r>
+                          </m:e>
+                          <m:sub>
+                            <m:r>
+                              <a:rPr lang="en-US" b="0" i="1" smtClean="0">
+                                <a:latin typeface="Cambria Math"/>
+                              </a:rPr>
+                              <m:t>𝑠</m:t>
+                            </m:r>
+                            <m:r>
+                              <a:rPr lang="en-US" b="0" i="1" smtClean="0">
+                                <a:latin typeface="Cambria Math"/>
+                              </a:rPr>
+                              <m:t>+1</m:t>
+                            </m:r>
+                          </m:sub>
+                        </m:sSub>
+                      </m:den>
+                    </m:f>
+                    <m:r>
+                      <a:rPr lang="en-US" b="0" i="1" smtClean="0">
+                        <a:latin typeface="Cambria Math"/>
+                      </a:rPr>
+                      <m:t>+</m:t>
+                    </m:r>
+                    <m:f>
+                      <m:fPr>
+                        <m:ctrlPr>
+                          <a:rPr lang="en-US" b="0" i="1" smtClean="0">
+                            <a:latin typeface="Cambria Math"/>
+                          </a:rPr>
+                        </m:ctrlPr>
+                      </m:fPr>
+                      <m:num>
+                        <m:r>
+                          <a:rPr lang="en-US" b="0" i="1" smtClean="0">
+                            <a:latin typeface="Cambria Math"/>
+                          </a:rPr>
+                          <m:t>1</m:t>
+                        </m:r>
+                      </m:num>
+                      <m:den>
+                        <m:sSub>
+                          <m:sSubPr>
+                            <m:ctrlPr>
+                              <a:rPr lang="en-US" b="0" i="1" smtClean="0">
+                                <a:latin typeface="Cambria Math"/>
+                              </a:rPr>
+                            </m:ctrlPr>
+                          </m:sSubPr>
+                          <m:e>
+                            <m:r>
+                              <a:rPr lang="en-US" b="0" i="1" smtClean="0">
+                                <a:latin typeface="Cambria Math"/>
+                              </a:rPr>
+                              <m:t>𝛿</m:t>
+                            </m:r>
+                          </m:e>
+                          <m:sub>
+                            <m:r>
+                              <a:rPr lang="en-US" b="0" i="1" smtClean="0">
+                                <a:latin typeface="Cambria Math"/>
+                              </a:rPr>
+                              <m:t>𝑠</m:t>
+                            </m:r>
+                          </m:sub>
+                        </m:sSub>
+                      </m:den>
+                    </m:f>
+                    <m:r>
+                      <a:rPr lang="en-US" b="0" i="1" smtClean="0">
+                        <a:latin typeface="Cambria Math"/>
+                      </a:rPr>
+                      <m:t>≤</m:t>
+                    </m:r>
+                    <m:f>
+                      <m:fPr>
+                        <m:ctrlPr>
+                          <a:rPr lang="en-US" b="0" i="1" smtClean="0">
+                            <a:latin typeface="Cambria Math"/>
+                          </a:rPr>
+                        </m:ctrlPr>
+                      </m:fPr>
+                      <m:num>
+                        <m:r>
+                          <a:rPr lang="en-US" b="0" i="1" smtClean="0">
+                            <a:latin typeface="Cambria Math"/>
+                          </a:rPr>
+                          <m:t>1</m:t>
+                        </m:r>
+                      </m:num>
+                      <m:den>
+                        <m:sSub>
+                          <m:sSubPr>
+                            <m:ctrlPr>
+                              <a:rPr lang="en-US" b="0" i="1" smtClean="0">
+                                <a:latin typeface="Cambria Math"/>
+                              </a:rPr>
+                            </m:ctrlPr>
+                          </m:sSubPr>
+                          <m:e>
+                            <m:r>
+                              <a:rPr lang="en-US" b="0" i="1" smtClean="0">
+                                <a:latin typeface="Cambria Math"/>
+                              </a:rPr>
+                              <m:t>𝛿</m:t>
+                            </m:r>
+                          </m:e>
+                          <m:sub>
+                            <m:r>
+                              <a:rPr lang="en-US" b="0" i="1" smtClean="0">
+                                <a:latin typeface="Cambria Math"/>
+                              </a:rPr>
+                              <m:t>𝑠</m:t>
+                            </m:r>
+                            <m:r>
+                              <a:rPr lang="en-US" b="0" i="1" smtClean="0">
+                                <a:latin typeface="Cambria Math"/>
+                              </a:rPr>
+                              <m:t>+1</m:t>
+                            </m:r>
+                          </m:sub>
+                        </m:sSub>
+                      </m:den>
+                    </m:f>
+                  </m:oMath>
+                </a14:m>
+                <a:endParaRPr lang="en-US" dirty="0" smtClean="0"/>
+              </a:p>
+              <a:p>
+                <a14:m>
+                  <m:oMath xmlns:m="http://schemas.openxmlformats.org/officeDocument/2006/math">
+                    <m:f>
+                      <m:fPr>
+                        <m:ctrlPr>
+                          <a:rPr lang="en-US" b="0" i="1" smtClean="0">
+                            <a:latin typeface="Cambria Math"/>
+                          </a:rPr>
+                        </m:ctrlPr>
+                      </m:fPr>
+                      <m:num>
+                        <m:r>
+                          <a:rPr lang="en-US" b="0" i="1" smtClean="0">
+                            <a:latin typeface="Cambria Math"/>
+                          </a:rPr>
+                          <m:t>1</m:t>
+                        </m:r>
+                      </m:num>
+                      <m:den>
+                        <m:sSub>
+                          <m:sSubPr>
+                            <m:ctrlPr>
+                              <a:rPr lang="en-US" b="0" i="1" smtClean="0">
+                                <a:latin typeface="Cambria Math"/>
+                              </a:rPr>
+                            </m:ctrlPr>
+                          </m:sSubPr>
+                          <m:e>
+                            <m:r>
+                              <a:rPr lang="en-US" b="0" i="1" smtClean="0">
+                                <a:latin typeface="Cambria Math"/>
+                              </a:rPr>
+                              <m:t>𝛿</m:t>
+                            </m:r>
+                          </m:e>
+                          <m:sub>
+                            <m:r>
+                              <a:rPr lang="en-US" b="0" i="1" smtClean="0">
+                                <a:latin typeface="Cambria Math"/>
+                              </a:rPr>
+                              <m:t>𝑠</m:t>
+                            </m:r>
+                            <m:r>
+                              <a:rPr lang="en-US" b="0" i="1" smtClean="0">
+                                <a:latin typeface="Cambria Math"/>
+                              </a:rPr>
+                              <m:t>+1</m:t>
+                            </m:r>
+                          </m:sub>
+                        </m:sSub>
+                      </m:den>
+                    </m:f>
+                    <m:r>
+                      <a:rPr lang="en-US" b="0" i="1" smtClean="0">
+                        <a:latin typeface="Cambria Math"/>
+                      </a:rPr>
+                      <m:t>−</m:t>
+                    </m:r>
+                    <m:f>
+                      <m:fPr>
+                        <m:ctrlPr>
+                          <a:rPr lang="en-US" b="0" i="1" smtClean="0">
+                            <a:latin typeface="Cambria Math"/>
+                          </a:rPr>
+                        </m:ctrlPr>
+                      </m:fPr>
+                      <m:num>
+                        <m:r>
+                          <a:rPr lang="en-US" b="0" i="1" smtClean="0">
+                            <a:latin typeface="Cambria Math"/>
+                          </a:rPr>
+                          <m:t>1</m:t>
+                        </m:r>
+                      </m:num>
+                      <m:den>
+                        <m:sSub>
+                          <m:sSubPr>
+                            <m:ctrlPr>
+                              <a:rPr lang="en-US" b="0" i="1" smtClean="0">
+                                <a:latin typeface="Cambria Math"/>
+                              </a:rPr>
+                            </m:ctrlPr>
+                          </m:sSubPr>
+                          <m:e>
+                            <m:r>
+                              <a:rPr lang="en-US" b="0" i="1" smtClean="0">
+                                <a:latin typeface="Cambria Math"/>
+                              </a:rPr>
+                              <m:t>𝛿</m:t>
+                            </m:r>
+                          </m:e>
+                          <m:sub>
+                            <m:r>
+                              <a:rPr lang="en-US" b="0" i="1" smtClean="0">
+                                <a:latin typeface="Cambria Math"/>
+                              </a:rPr>
+                              <m:t>𝑠</m:t>
+                            </m:r>
+                          </m:sub>
+                        </m:sSub>
+                      </m:den>
+                    </m:f>
+                    <m:r>
+                      <a:rPr lang="en-US" b="0" i="1" smtClean="0">
+                        <a:latin typeface="Cambria Math"/>
+                      </a:rPr>
+                      <m:t>≥</m:t>
+                    </m:r>
+                    <m:r>
+                      <a:rPr lang="en-US" b="0" i="1" smtClean="0">
+                        <a:latin typeface="Cambria Math"/>
+                      </a:rPr>
+                      <m:t>𝜔</m:t>
+                    </m:r>
+                    <m:r>
+                      <a:rPr lang="en-US" b="0" i="1" smtClean="0">
+                        <a:latin typeface="Cambria Math"/>
+                      </a:rPr>
+                      <m:t>⇒</m:t>
+                    </m:r>
+                    <m:f>
+                      <m:fPr>
+                        <m:ctrlPr>
+                          <a:rPr lang="en-US" b="0" i="1" smtClean="0">
+                            <a:latin typeface="Cambria Math"/>
+                          </a:rPr>
+                        </m:ctrlPr>
+                      </m:fPr>
+                      <m:num>
+                        <m:r>
+                          <a:rPr lang="en-US" b="0" i="1" smtClean="0">
+                            <a:latin typeface="Cambria Math"/>
+                          </a:rPr>
+                          <m:t>1</m:t>
+                        </m:r>
+                      </m:num>
+                      <m:den>
+                        <m:sSub>
+                          <m:sSubPr>
+                            <m:ctrlPr>
+                              <a:rPr lang="en-US" b="0" i="1" smtClean="0">
+                                <a:latin typeface="Cambria Math"/>
+                              </a:rPr>
+                            </m:ctrlPr>
+                          </m:sSubPr>
+                          <m:e>
+                            <m:r>
+                              <a:rPr lang="en-US" b="0" i="1" smtClean="0">
+                                <a:latin typeface="Cambria Math"/>
+                              </a:rPr>
+                              <m:t>𝛿</m:t>
+                            </m:r>
+                          </m:e>
+                          <m:sub>
+                            <m:r>
+                              <a:rPr lang="en-US" b="0" i="1" smtClean="0">
+                                <a:latin typeface="Cambria Math"/>
+                              </a:rPr>
+                              <m:t>𝑡</m:t>
+                            </m:r>
+                          </m:sub>
+                        </m:sSub>
+                      </m:den>
+                    </m:f>
+                    <m:r>
+                      <a:rPr lang="en-US" b="0" i="1" smtClean="0">
+                        <a:latin typeface="Cambria Math"/>
+                      </a:rPr>
+                      <m:t>≥</m:t>
+                    </m:r>
+                    <m:r>
+                      <a:rPr lang="en-US" b="0" i="1" smtClean="0">
+                        <a:latin typeface="Cambria Math"/>
+                      </a:rPr>
+                      <m:t>𝜔</m:t>
+                    </m:r>
+                    <m:d>
+                      <m:dPr>
+                        <m:ctrlPr>
+                          <a:rPr lang="en-US" b="0" i="1" smtClean="0">
+                            <a:latin typeface="Cambria Math"/>
+                          </a:rPr>
+                        </m:ctrlPr>
+                      </m:dPr>
+                      <m:e>
+                        <m:r>
+                          <a:rPr lang="en-US" b="0" i="1" smtClean="0">
+                            <a:latin typeface="Cambria Math"/>
+                          </a:rPr>
+                          <m:t>𝑡</m:t>
+                        </m:r>
+                        <m:r>
+                          <a:rPr lang="en-US" b="0" i="1" smtClean="0">
+                            <a:latin typeface="Cambria Math"/>
+                          </a:rPr>
+                          <m:t>−1</m:t>
+                        </m:r>
+                      </m:e>
+                    </m:d>
+                    <m:r>
+                      <a:rPr lang="en-US" b="0" i="1" smtClean="0">
+                        <a:latin typeface="Cambria Math"/>
+                      </a:rPr>
+                      <m:t>+</m:t>
+                    </m:r>
+                    <m:f>
+                      <m:fPr>
+                        <m:ctrlPr>
+                          <a:rPr lang="en-US" b="0" i="1" smtClean="0">
+                            <a:latin typeface="Cambria Math"/>
+                          </a:rPr>
+                        </m:ctrlPr>
+                      </m:fPr>
+                      <m:num>
+                        <m:r>
+                          <a:rPr lang="en-US" b="0" i="1" smtClean="0">
+                            <a:latin typeface="Cambria Math"/>
+                          </a:rPr>
+                          <m:t>1</m:t>
+                        </m:r>
+                      </m:num>
+                      <m:den>
+                        <m:r>
+                          <a:rPr lang="en-US" b="0" i="1" smtClean="0">
+                            <a:latin typeface="Cambria Math"/>
+                          </a:rPr>
+                          <m:t>𝑓</m:t>
+                        </m:r>
+                        <m:d>
+                          <m:dPr>
+                            <m:ctrlPr>
+                              <a:rPr lang="en-US" b="0" i="1" smtClean="0">
+                                <a:latin typeface="Cambria Math"/>
+                              </a:rPr>
+                            </m:ctrlPr>
+                          </m:dPr>
+                          <m:e>
+                            <m:sSub>
+                              <m:sSubPr>
+                                <m:ctrlPr>
+                                  <a:rPr lang="en-US" b="0" i="1" smtClean="0">
+                                    <a:latin typeface="Cambria Math"/>
+                                  </a:rPr>
+                                </m:ctrlPr>
+                              </m:sSubPr>
+                              <m:e>
+                                <m:r>
+                                  <a:rPr lang="en-US" b="0" i="1" smtClean="0">
+                                    <a:latin typeface="Cambria Math"/>
+                                  </a:rPr>
+                                  <m:t>𝑥</m:t>
+                                </m:r>
+                              </m:e>
+                              <m:sub>
+                                <m:r>
+                                  <a:rPr lang="en-US" b="0" i="1" smtClean="0">
+                                    <a:latin typeface="Cambria Math"/>
+                                  </a:rPr>
+                                  <m:t>1</m:t>
+                                </m:r>
+                              </m:sub>
+                            </m:sSub>
+                          </m:e>
+                        </m:d>
+                        <m:r>
+                          <a:rPr lang="en-US" b="0" i="1" smtClean="0">
+                            <a:latin typeface="Cambria Math"/>
+                          </a:rPr>
+                          <m:t>−</m:t>
+                        </m:r>
+                        <m:r>
+                          <a:rPr lang="en-US" b="0" i="1" smtClean="0">
+                            <a:latin typeface="Cambria Math"/>
+                          </a:rPr>
+                          <m:t>𝑓</m:t>
+                        </m:r>
+                        <m:d>
+                          <m:dPr>
+                            <m:ctrlPr>
+                              <a:rPr lang="en-US" b="0" i="1" smtClean="0">
+                                <a:latin typeface="Cambria Math"/>
+                              </a:rPr>
+                            </m:ctrlPr>
+                          </m:dPr>
+                          <m:e>
+                            <m:sSup>
+                              <m:sSupPr>
+                                <m:ctrlPr>
+                                  <a:rPr lang="en-US" b="0" i="1" smtClean="0">
+                                    <a:latin typeface="Cambria Math"/>
+                                  </a:rPr>
+                                </m:ctrlPr>
+                              </m:sSupPr>
+                              <m:e>
+                                <m:r>
+                                  <a:rPr lang="en-US" b="0" i="1" smtClean="0">
+                                    <a:latin typeface="Cambria Math"/>
+                                  </a:rPr>
+                                  <m:t>𝑥</m:t>
+                                </m:r>
+                              </m:e>
+                              <m:sup>
+                                <m:r>
+                                  <a:rPr lang="en-US" b="0" i="1" smtClean="0">
+                                    <a:latin typeface="Cambria Math"/>
+                                  </a:rPr>
+                                  <m:t>∗</m:t>
+                                </m:r>
+                              </m:sup>
+                            </m:sSup>
+                          </m:e>
+                        </m:d>
+                      </m:den>
+                    </m:f>
+                  </m:oMath>
+                </a14:m>
+                <a:endParaRPr lang="en-US" b="0" dirty="0" smtClean="0"/>
+              </a:p>
+              <a:p>
+                <a14:m>
+                  <m:oMath xmlns:m="http://schemas.openxmlformats.org/officeDocument/2006/math">
+                    <m:r>
+                      <a:rPr lang="en-US" b="0" i="1" smtClean="0">
+                        <a:latin typeface="Cambria Math"/>
+                      </a:rPr>
+                      <m:t>𝑓</m:t>
+                    </m:r>
+                    <m:d>
+                      <m:dPr>
+                        <m:ctrlPr>
+                          <a:rPr lang="en-US" b="0" i="1" smtClean="0">
+                            <a:latin typeface="Cambria Math"/>
+                          </a:rPr>
+                        </m:ctrlPr>
+                      </m:dPr>
+                      <m:e>
+                        <m:sSub>
+                          <m:sSubPr>
+                            <m:ctrlPr>
+                              <a:rPr lang="en-US" b="0" i="1" smtClean="0">
+                                <a:latin typeface="Cambria Math"/>
+                              </a:rPr>
+                            </m:ctrlPr>
+                          </m:sSubPr>
+                          <m:e>
+                            <m:r>
+                              <a:rPr lang="en-US" b="0" i="1" smtClean="0">
+                                <a:latin typeface="Cambria Math"/>
+                              </a:rPr>
+                              <m:t>𝑥</m:t>
+                            </m:r>
+                          </m:e>
+                          <m:sub>
+                            <m:r>
+                              <a:rPr lang="en-US" b="0" i="1" smtClean="0">
+                                <a:latin typeface="Cambria Math"/>
+                              </a:rPr>
+                              <m:t>1</m:t>
+                            </m:r>
+                          </m:sub>
+                        </m:sSub>
+                      </m:e>
+                    </m:d>
+                    <m:r>
+                      <a:rPr lang="en-US" b="0" i="1" smtClean="0">
+                        <a:latin typeface="Cambria Math"/>
+                      </a:rPr>
+                      <m:t>−</m:t>
+                    </m:r>
+                    <m:r>
+                      <a:rPr lang="en-US" b="0" i="1" smtClean="0">
+                        <a:latin typeface="Cambria Math"/>
+                      </a:rPr>
+                      <m:t>𝑓</m:t>
+                    </m:r>
+                    <m:d>
+                      <m:dPr>
+                        <m:ctrlPr>
+                          <a:rPr lang="en-US" b="0" i="1" smtClean="0">
+                            <a:latin typeface="Cambria Math"/>
+                          </a:rPr>
+                        </m:ctrlPr>
+                      </m:dPr>
+                      <m:e>
+                        <m:sSup>
+                          <m:sSupPr>
+                            <m:ctrlPr>
+                              <a:rPr lang="en-US" b="0" i="1" smtClean="0">
+                                <a:latin typeface="Cambria Math"/>
+                              </a:rPr>
+                            </m:ctrlPr>
+                          </m:sSupPr>
+                          <m:e>
+                            <m:r>
+                              <a:rPr lang="en-US" b="0" i="1" smtClean="0">
+                                <a:latin typeface="Cambria Math"/>
+                              </a:rPr>
+                              <m:t>𝑥</m:t>
+                            </m:r>
+                          </m:e>
+                          <m:sup>
+                            <m:r>
+                              <a:rPr lang="en-US" b="0" i="1" smtClean="0">
+                                <a:latin typeface="Cambria Math"/>
+                              </a:rPr>
+                              <m:t>∗</m:t>
+                            </m:r>
+                          </m:sup>
+                        </m:sSup>
+                      </m:e>
+                    </m:d>
+                    <m:r>
+                      <a:rPr lang="en-US" b="0" i="1" smtClean="0">
+                        <a:latin typeface="Cambria Math"/>
+                      </a:rPr>
+                      <m:t>≤</m:t>
+                    </m:r>
+                  </m:oMath>
+                </a14:m>
+                <a:endParaRPr lang="en-US" b="0" i="1" dirty="0" smtClean="0">
+                  <a:latin typeface="Cambria Math"/>
+                </a:endParaRPr>
+              </a:p>
+              <a:p>
+                <a:pPr marL="0" indent="0">
+                  <a:buNone/>
+                </a:pPr>
+                <a14:m>
+                  <m:oMathPara xmlns:m="http://schemas.openxmlformats.org/officeDocument/2006/math">
+                    <m:oMathParaPr>
+                      <m:jc m:val="centerGroup"/>
+                    </m:oMathParaPr>
+                    <m:oMath xmlns:m="http://schemas.openxmlformats.org/officeDocument/2006/math">
+                      <m:r>
+                        <a:rPr lang="en-US" b="0" i="0" smtClean="0">
+                          <a:latin typeface="Cambria Math"/>
+                        </a:rPr>
+                        <m:t>∇</m:t>
+                      </m:r>
+                      <m:r>
+                        <a:rPr lang="en-US" b="0" i="1" smtClean="0">
+                          <a:latin typeface="Cambria Math"/>
+                        </a:rPr>
+                        <m:t>𝑓</m:t>
+                      </m:r>
+                      <m:d>
+                        <m:dPr>
+                          <m:ctrlPr>
+                            <a:rPr lang="en-US" b="0" i="1" smtClean="0">
+                              <a:latin typeface="Cambria Math"/>
+                            </a:rPr>
+                          </m:ctrlPr>
+                        </m:dPr>
+                        <m:e>
+                          <m:sSup>
+                            <m:sSupPr>
+                              <m:ctrlPr>
+                                <a:rPr lang="en-US" b="0" i="1" smtClean="0">
+                                  <a:latin typeface="Cambria Math"/>
+                                </a:rPr>
+                              </m:ctrlPr>
+                            </m:sSupPr>
+                            <m:e>
+                              <m:r>
+                                <a:rPr lang="en-US" b="0" i="1" smtClean="0">
+                                  <a:latin typeface="Cambria Math"/>
+                                </a:rPr>
+                                <m:t>𝑥</m:t>
+                              </m:r>
+                            </m:e>
+                            <m:sup>
+                              <m:r>
+                                <a:rPr lang="en-US" b="0" i="1" smtClean="0">
+                                  <a:latin typeface="Cambria Math"/>
+                                </a:rPr>
+                                <m:t>∗</m:t>
+                              </m:r>
+                            </m:sup>
+                          </m:sSup>
+                        </m:e>
+                      </m:d>
+                      <m:d>
+                        <m:dPr>
+                          <m:ctrlPr>
+                            <a:rPr lang="en-US" b="0" i="1" smtClean="0">
+                              <a:latin typeface="Cambria Math"/>
+                            </a:rPr>
+                          </m:ctrlPr>
+                        </m:dPr>
+                        <m:e>
+                          <m:sSub>
+                            <m:sSubPr>
+                              <m:ctrlPr>
+                                <a:rPr lang="en-US" b="0" i="1" smtClean="0">
+                                  <a:latin typeface="Cambria Math"/>
+                                </a:rPr>
+                              </m:ctrlPr>
+                            </m:sSubPr>
+                            <m:e>
+                              <m:r>
+                                <a:rPr lang="en-US" b="0" i="1" smtClean="0">
+                                  <a:latin typeface="Cambria Math"/>
+                                </a:rPr>
+                                <m:t>𝑥</m:t>
+                              </m:r>
+                            </m:e>
+                            <m:sub>
+                              <m:r>
+                                <a:rPr lang="en-US" b="0" i="1" smtClean="0">
+                                  <a:latin typeface="Cambria Math"/>
+                                </a:rPr>
+                                <m:t>1</m:t>
+                              </m:r>
+                            </m:sub>
+                          </m:sSub>
+                          <m:r>
+                            <a:rPr lang="en-US" b="0" i="1" smtClean="0">
+                              <a:latin typeface="Cambria Math"/>
+                            </a:rPr>
+                            <m:t>−</m:t>
+                          </m:r>
+                          <m:sSup>
+                            <m:sSupPr>
+                              <m:ctrlPr>
+                                <a:rPr lang="en-US" b="0" i="1" smtClean="0">
+                                  <a:latin typeface="Cambria Math"/>
+                                </a:rPr>
+                              </m:ctrlPr>
+                            </m:sSupPr>
+                            <m:e>
+                              <m:r>
+                                <a:rPr lang="en-US" b="0" i="1" smtClean="0">
+                                  <a:latin typeface="Cambria Math"/>
+                                </a:rPr>
+                                <m:t>𝑥</m:t>
+                              </m:r>
+                            </m:e>
+                            <m:sup>
+                              <m:r>
+                                <a:rPr lang="en-US" b="0" i="1" smtClean="0">
+                                  <a:latin typeface="Cambria Math"/>
+                                </a:rPr>
+                                <m:t>∗</m:t>
+                              </m:r>
+                            </m:sup>
+                          </m:sSup>
+                        </m:e>
+                      </m:d>
+                      <m:r>
+                        <a:rPr lang="en-US" b="0" i="1" smtClean="0">
+                          <a:latin typeface="Cambria Math"/>
+                        </a:rPr>
+                        <m:t>+</m:t>
+                      </m:r>
+                      <m:f>
+                        <m:fPr>
+                          <m:ctrlPr>
+                            <a:rPr lang="en-US" b="0" i="1" smtClean="0">
+                              <a:latin typeface="Cambria Math"/>
+                            </a:rPr>
+                          </m:ctrlPr>
+                        </m:fPr>
+                        <m:num>
+                          <m:r>
+                            <a:rPr lang="en-US" b="0" i="1" smtClean="0">
+                              <a:latin typeface="Cambria Math"/>
+                            </a:rPr>
+                            <m:t>𝛽</m:t>
+                          </m:r>
+                        </m:num>
+                        <m:den>
+                          <m:r>
+                            <a:rPr lang="en-US" b="0" i="1" smtClean="0">
+                              <a:latin typeface="Cambria Math"/>
+                            </a:rPr>
+                            <m:t>2</m:t>
+                          </m:r>
+                        </m:den>
+                      </m:f>
+                      <m:sSup>
+                        <m:sSupPr>
+                          <m:ctrlPr>
+                            <a:rPr lang="en-US" b="0" i="1" smtClean="0">
+                              <a:latin typeface="Cambria Math"/>
+                            </a:rPr>
+                          </m:ctrlPr>
+                        </m:sSupPr>
+                        <m:e>
+                          <m:d>
+                            <m:dPr>
+                              <m:begChr m:val="|"/>
+                              <m:endChr m:val="|"/>
+                              <m:ctrlPr>
+                                <a:rPr lang="en-US" b="0" i="1" smtClean="0">
+                                  <a:latin typeface="Cambria Math"/>
+                                </a:rPr>
+                              </m:ctrlPr>
+                            </m:dPr>
+                            <m:e>
+                              <m:d>
+                                <m:dPr>
+                                  <m:begChr m:val="|"/>
+                                  <m:endChr m:val="|"/>
+                                  <m:ctrlPr>
+                                    <a:rPr lang="en-US" b="0" i="1" smtClean="0">
+                                      <a:latin typeface="Cambria Math"/>
+                                    </a:rPr>
+                                  </m:ctrlPr>
+                                </m:dPr>
+                                <m:e>
+                                  <m:sSub>
+                                    <m:sSubPr>
+                                      <m:ctrlPr>
+                                        <a:rPr lang="en-US" b="0" i="1" smtClean="0">
+                                          <a:latin typeface="Cambria Math"/>
+                                        </a:rPr>
+                                      </m:ctrlPr>
+                                    </m:sSubPr>
+                                    <m:e>
+                                      <m:r>
+                                        <a:rPr lang="en-US" b="0" i="1" smtClean="0">
+                                          <a:latin typeface="Cambria Math"/>
+                                        </a:rPr>
+                                        <m:t>𝑥</m:t>
+                                      </m:r>
+                                    </m:e>
+                                    <m:sub>
+                                      <m:r>
+                                        <a:rPr lang="en-US" b="0" i="1" smtClean="0">
+                                          <a:latin typeface="Cambria Math"/>
+                                        </a:rPr>
+                                        <m:t>1</m:t>
+                                      </m:r>
+                                    </m:sub>
+                                  </m:sSub>
+                                  <m:r>
+                                    <a:rPr lang="en-US" b="0" i="1" smtClean="0">
+                                      <a:latin typeface="Cambria Math"/>
+                                    </a:rPr>
+                                    <m:t>−</m:t>
+                                  </m:r>
+                                  <m:sSup>
+                                    <m:sSupPr>
+                                      <m:ctrlPr>
+                                        <a:rPr lang="en-US" b="0" i="1" smtClean="0">
+                                          <a:latin typeface="Cambria Math"/>
+                                        </a:rPr>
+                                      </m:ctrlPr>
+                                    </m:sSupPr>
+                                    <m:e>
+                                      <m:r>
+                                        <a:rPr lang="en-US" b="0" i="1" smtClean="0">
+                                          <a:latin typeface="Cambria Math"/>
+                                        </a:rPr>
+                                        <m:t>𝑥</m:t>
+                                      </m:r>
+                                    </m:e>
+                                    <m:sup>
+                                      <m:r>
+                                        <a:rPr lang="en-US" b="0" i="1" smtClean="0">
+                                          <a:latin typeface="Cambria Math"/>
+                                        </a:rPr>
+                                        <m:t>∗</m:t>
+                                      </m:r>
+                                    </m:sup>
+                                  </m:sSup>
+                                </m:e>
+                              </m:d>
+                            </m:e>
+                          </m:d>
+                        </m:e>
+                        <m:sup>
+                          <m:r>
+                            <a:rPr lang="en-US" b="0" i="1" smtClean="0">
+                              <a:latin typeface="Cambria Math"/>
+                            </a:rPr>
+                            <m:t>2</m:t>
+                          </m:r>
+                        </m:sup>
+                      </m:sSup>
+                      <m:r>
+                        <a:rPr lang="en-US" b="0" i="1" smtClean="0">
+                          <a:latin typeface="Cambria Math"/>
+                        </a:rPr>
+                        <m:t>=</m:t>
+                      </m:r>
+                      <m:f>
+                        <m:fPr>
+                          <m:ctrlPr>
+                            <a:rPr lang="en-US" b="0" i="1" smtClean="0">
+                              <a:latin typeface="Cambria Math"/>
+                            </a:rPr>
+                          </m:ctrlPr>
+                        </m:fPr>
+                        <m:num>
+                          <m:r>
+                            <a:rPr lang="en-US" b="0" i="1" smtClean="0">
+                              <a:latin typeface="Cambria Math"/>
+                            </a:rPr>
+                            <m:t>1</m:t>
+                          </m:r>
+                        </m:num>
+                        <m:den>
+                          <m:r>
+                            <a:rPr lang="en-US" b="0" i="1" smtClean="0">
+                              <a:latin typeface="Cambria Math"/>
+                            </a:rPr>
+                            <m:t>4</m:t>
+                          </m:r>
+                          <m:r>
+                            <a:rPr lang="en-US" b="0" i="1" smtClean="0">
+                              <a:latin typeface="Cambria Math"/>
+                            </a:rPr>
+                            <m:t>𝜔</m:t>
+                          </m:r>
+                        </m:den>
+                      </m:f>
+                      <m:r>
+                        <a:rPr lang="en-US" b="0" i="1" smtClean="0">
+                          <a:latin typeface="Cambria Math"/>
+                        </a:rPr>
+                        <m:t> </m:t>
+                      </m:r>
+                    </m:oMath>
+                  </m:oMathPara>
+                </a14:m>
+                <a:endParaRPr lang="en-US" b="0" dirty="0" smtClean="0"/>
+              </a:p>
+              <a:p>
+                <a14:m>
+                  <m:oMath xmlns:m="http://schemas.openxmlformats.org/officeDocument/2006/math">
+                    <m:sSub>
+                      <m:sSubPr>
+                        <m:ctrlPr>
+                          <a:rPr lang="en-US" b="0" i="1" smtClean="0">
+                            <a:latin typeface="Cambria Math"/>
+                          </a:rPr>
+                        </m:ctrlPr>
+                      </m:sSubPr>
+                      <m:e>
+                        <m:r>
+                          <a:rPr lang="en-US" b="0" i="1" smtClean="0">
+                            <a:latin typeface="Cambria Math"/>
+                          </a:rPr>
+                          <m:t>𝛿</m:t>
+                        </m:r>
+                      </m:e>
+                      <m:sub>
+                        <m:r>
+                          <a:rPr lang="en-US" b="0" i="1" smtClean="0">
+                            <a:latin typeface="Cambria Math"/>
+                          </a:rPr>
+                          <m:t>𝑡</m:t>
+                        </m:r>
+                      </m:sub>
+                    </m:sSub>
+                    <m:r>
+                      <a:rPr lang="en-US" b="0" i="1" smtClean="0">
+                        <a:latin typeface="Cambria Math"/>
+                      </a:rPr>
+                      <m:t>≤</m:t>
+                    </m:r>
+                    <m:f>
+                      <m:fPr>
+                        <m:ctrlPr>
+                          <a:rPr lang="en-US" b="0" i="1" smtClean="0">
+                            <a:latin typeface="Cambria Math"/>
+                          </a:rPr>
+                        </m:ctrlPr>
+                      </m:fPr>
+                      <m:num>
+                        <m:r>
+                          <a:rPr lang="en-US" b="0" i="1" smtClean="0">
+                            <a:latin typeface="Cambria Math"/>
+                          </a:rPr>
+                          <m:t>1</m:t>
+                        </m:r>
+                      </m:num>
+                      <m:den>
+                        <m:r>
+                          <a:rPr lang="en-US" b="0" i="1" smtClean="0">
+                            <a:latin typeface="Cambria Math"/>
+                          </a:rPr>
+                          <m:t>𝜔</m:t>
+                        </m:r>
+                        <m:r>
+                          <a:rPr lang="en-US" b="0" i="1" smtClean="0">
+                            <a:latin typeface="Cambria Math"/>
+                          </a:rPr>
+                          <m:t>(</m:t>
+                        </m:r>
+                        <m:r>
+                          <a:rPr lang="en-US" b="0" i="1" smtClean="0">
+                            <a:latin typeface="Cambria Math"/>
+                          </a:rPr>
+                          <m:t>𝑡</m:t>
+                        </m:r>
+                        <m:r>
+                          <a:rPr lang="en-US" b="0" i="1" smtClean="0">
+                            <a:latin typeface="Cambria Math"/>
+                          </a:rPr>
+                          <m:t>+3)</m:t>
+                        </m:r>
+                      </m:den>
+                    </m:f>
+                  </m:oMath>
+                </a14:m>
+                <a:endParaRPr lang="en-US" dirty="0"/>
+              </a:p>
+            </p:txBody>
+          </p:sp>
+        </mc:Choice>
+        <mc:Fallback>
+          <p:sp>
+            <p:nvSpPr>
+              <p:cNvPr id="3" name="Content Placeholder 2"/>
+              <p:cNvSpPr>
+                <a:spLocks noGrp="1" noRot="1" noChangeAspect="1" noMove="1" noResize="1" noEditPoints="1" noAdjustHandles="1" noChangeArrowheads="1" noChangeShapeType="1" noTextEdit="1"/>
+              </p:cNvSpPr>
+              <p:nvPr>
+                <p:ph idx="1"/>
+              </p:nvPr>
+            </p:nvSpPr>
+            <p:spPr>
+              <a:xfrm>
+                <a:off x="457200" y="1600200"/>
+                <a:ext cx="8229600" cy="4953000"/>
+              </a:xfrm>
+              <a:blipFill rotWithShape="1">
+                <a:blip r:embed="rId2"/>
+                <a:stretch>
+                  <a:fillRect/>
+                </a:stretch>
+              </a:blipFill>
+            </p:spPr>
+            <p:txBody>
+              <a:bodyPr/>
+              <a:lstStyle/>
+              <a:p>
+                <a:r>
+                  <a:rPr lang="en-US">
+                    <a:noFill/>
+                  </a:rPr>
+                  <a:t> </a:t>
+                </a:r>
+              </a:p>
+            </p:txBody>
+          </p:sp>
+        </mc:Fallback>
+      </mc:AlternateContent>
+    </p:spTree>
+    <p:extLst>
+      <p:ext uri="{BB962C8B-B14F-4D97-AF65-F5344CB8AC3E}">
+        <p14:creationId xmlns:p14="http://schemas.microsoft.com/office/powerpoint/2010/main" val="2417634948"/>
+      </p:ext>
+    </p:extLst>
+  </p:cSld>
+  <p:clrMapOvr>
+    <a:masterClrMapping/>
+  </p:clrMapOvr>
+  <p:timing>
+    <p:tnLst>
+      <p:par>
+        <p:cTn id="1" dur="indefinite" restart="never" nodeType="tmRoot"/>
+      </p:par>
+    </p:tnLst>
+  </p:timing>
+</p:sld>
+</file>
+
+<file path=ppt/slides/slide9.xml><?xml version="1.0" encoding="utf-8"?>
+<p:sld xmlns:a="http://schemas.openxmlformats.org/drawingml/2006/main" xmlns:r="http://schemas.openxmlformats.org/officeDocument/2006/relationships" xmlns:p="http://schemas.openxmlformats.org/presentationml/2006/main">
+  <p:cSld>
+    <p:spTree>
+      <p:nvGrpSpPr>
+        <p:cNvPr id="1" name=""/>
+        <p:cNvGrpSpPr/>
+        <p:nvPr/>
+      </p:nvGrpSpPr>
+      <p:grpSpPr>
+        <a:xfrm>
+          <a:off x="0" y="0"/>
+          <a:ext cx="0" cy="0"/>
+          <a:chOff x="0" y="0"/>
+          <a:chExt cx="0" cy="0"/>
+        </a:xfrm>
+      </p:grpSpPr>
+      <p:sp>
+        <p:nvSpPr>
+          <p:cNvPr id="2" name="Title 1"/>
+          <p:cNvSpPr>
+            <a:spLocks noGrp="1"/>
+          </p:cNvSpPr>
+          <p:nvPr>
+            <p:ph type="title"/>
+          </p:nvPr>
+        </p:nvSpPr>
+        <p:spPr/>
+        <p:txBody>
+          <a:bodyPr/>
+          <a:lstStyle/>
+          <a:p>
+            <a:r>
+              <a:rPr lang="en-US" dirty="0" smtClean="0">
+                <a:solidFill>
+                  <a:srgbClr val="0070C0"/>
+                </a:solidFill>
+              </a:rPr>
+              <a:t>Gradient Descent: Analysis</a:t>
+            </a:r>
+            <a:endParaRPr lang="en-US" dirty="0"/>
+          </a:p>
+        </p:txBody>
+      </p:sp>
+      <mc:AlternateContent xmlns:mc="http://schemas.openxmlformats.org/markup-compatibility/2006">
+        <mc:Choice xmlns:a14="http://schemas.microsoft.com/office/drawing/2010/main" Requires="a14">
+          <p:sp>
+            <p:nvSpPr>
+              <p:cNvPr id="3" name="Content Placeholder 2"/>
+              <p:cNvSpPr>
+                <a:spLocks noGrp="1"/>
+              </p:cNvSpPr>
+              <p:nvPr>
+                <p:ph idx="1"/>
+              </p:nvPr>
+            </p:nvSpPr>
+            <p:spPr>
+              <a:xfrm>
+                <a:off x="457200" y="1600200"/>
+                <a:ext cx="8229600" cy="5257800"/>
+              </a:xfrm>
+            </p:spPr>
+            <p:txBody>
+              <a:bodyPr>
+                <a:normAutofit fontScale="77500" lnSpcReduction="20000"/>
+              </a:bodyPr>
+              <a:lstStyle/>
+              <a:p>
+                <a:r>
+                  <a:rPr lang="en-US" b="1" dirty="0" smtClean="0"/>
+                  <a:t>Lem</a:t>
+                </a:r>
+                <a:r>
+                  <a:rPr lang="en-US" b="1" dirty="0" smtClean="0"/>
+                  <a:t>: </a:t>
+                </a:r>
+                <a14:m>
+                  <m:oMath xmlns:m="http://schemas.openxmlformats.org/officeDocument/2006/math">
+                    <m:r>
+                      <a:rPr lang="en-US" b="0" i="1" smtClean="0">
+                        <a:latin typeface="Cambria Math"/>
+                      </a:rPr>
+                      <m:t>|</m:t>
+                    </m:r>
+                    <m:d>
+                      <m:dPr>
+                        <m:begChr m:val="|"/>
+                        <m:endChr m:val="|"/>
+                        <m:ctrlPr>
+                          <a:rPr lang="en-US" b="0" i="1" smtClean="0">
+                            <a:latin typeface="Cambria Math"/>
+                          </a:rPr>
+                        </m:ctrlPr>
+                      </m:dPr>
+                      <m:e>
+                        <m:sSub>
+                          <m:sSubPr>
+                            <m:ctrlPr>
+                              <a:rPr lang="en-US" b="0" i="1" smtClean="0">
+                                <a:latin typeface="Cambria Math"/>
+                              </a:rPr>
+                            </m:ctrlPr>
+                          </m:sSubPr>
+                          <m:e>
+                            <m:r>
+                              <a:rPr lang="en-US" b="0" i="1" smtClean="0">
+                                <a:latin typeface="Cambria Math"/>
+                              </a:rPr>
+                              <m:t>𝑥</m:t>
+                            </m:r>
+                          </m:e>
+                          <m:sub>
+                            <m:r>
+                              <a:rPr lang="en-US" b="0" i="1" smtClean="0">
+                                <a:latin typeface="Cambria Math"/>
+                              </a:rPr>
+                              <m:t>𝑠</m:t>
+                            </m:r>
+                          </m:sub>
+                        </m:sSub>
+                        <m:r>
+                          <a:rPr lang="en-US" b="0" i="1" smtClean="0">
+                            <a:latin typeface="Cambria Math"/>
+                          </a:rPr>
+                          <m:t>−</m:t>
+                        </m:r>
+                        <m:sSup>
+                          <m:sSupPr>
+                            <m:ctrlPr>
+                              <a:rPr lang="en-US" b="0" i="1" smtClean="0">
+                                <a:latin typeface="Cambria Math"/>
+                              </a:rPr>
+                            </m:ctrlPr>
+                          </m:sSupPr>
+                          <m:e>
+                            <m:r>
+                              <a:rPr lang="en-US" b="0" i="1" smtClean="0">
+                                <a:latin typeface="Cambria Math"/>
+                              </a:rPr>
+                              <m:t>𝑥</m:t>
+                            </m:r>
+                          </m:e>
+                          <m:sup>
+                            <m:r>
+                              <a:rPr lang="en-US" b="0" i="1" smtClean="0">
+                                <a:latin typeface="Cambria Math"/>
+                              </a:rPr>
+                              <m:t>∗</m:t>
+                            </m:r>
+                          </m:sup>
+                        </m:sSup>
+                      </m:e>
+                    </m:d>
+                    <m:r>
+                      <a:rPr lang="en-US" b="0" i="1" smtClean="0">
+                        <a:latin typeface="Cambria Math"/>
+                      </a:rPr>
+                      <m:t>|</m:t>
+                    </m:r>
+                  </m:oMath>
+                </a14:m>
+                <a:r>
+                  <a:rPr lang="en-US" b="1" dirty="0" smtClean="0"/>
+                  <a:t> </a:t>
+                </a:r>
+                <a:r>
+                  <a:rPr lang="en-US" dirty="0" smtClean="0"/>
+                  <a:t>is decreasing with </a:t>
+                </a:r>
+                <a14:m>
+                  <m:oMath xmlns:m="http://schemas.openxmlformats.org/officeDocument/2006/math">
+                    <m:r>
+                      <a:rPr lang="en-US" i="1" dirty="0" smtClean="0">
+                        <a:latin typeface="Cambria Math"/>
+                      </a:rPr>
+                      <m:t>𝑠</m:t>
+                    </m:r>
+                  </m:oMath>
+                </a14:m>
+                <a:r>
+                  <a:rPr lang="en-US" dirty="0" smtClean="0"/>
+                  <a:t>.</a:t>
+                </a:r>
+              </a:p>
+              <a:p>
+                <a14:m>
+                  <m:oMath xmlns:m="http://schemas.openxmlformats.org/officeDocument/2006/math">
+                    <m:sSup>
+                      <m:sSupPr>
+                        <m:ctrlPr>
+                          <a:rPr lang="en-US" b="0" i="1" smtClean="0">
+                            <a:latin typeface="Cambria Math"/>
+                          </a:rPr>
+                        </m:ctrlPr>
+                      </m:sSupPr>
+                      <m:e>
+                        <m:d>
+                          <m:dPr>
+                            <m:ctrlPr>
+                              <a:rPr lang="en-US" b="1" i="1" smtClean="0">
+                                <a:latin typeface="Cambria Math"/>
+                              </a:rPr>
+                            </m:ctrlPr>
+                          </m:dPr>
+                          <m:e>
+                            <m:r>
+                              <a:rPr lang="en-US" b="0" i="0" smtClean="0">
+                                <a:latin typeface="Cambria Math"/>
+                              </a:rPr>
+                              <m:t>𝛻</m:t>
+                            </m:r>
+                            <m:r>
+                              <m:rPr>
+                                <m:sty m:val="p"/>
+                              </m:rPr>
+                              <a:rPr lang="en-US" b="0" i="0" smtClean="0">
+                                <a:latin typeface="Cambria Math"/>
+                              </a:rPr>
+                              <m:t>f</m:t>
+                            </m:r>
+                            <m:d>
+                              <m:dPr>
+                                <m:ctrlPr>
+                                  <a:rPr lang="en-US" b="0" i="1" smtClean="0">
+                                    <a:latin typeface="Cambria Math"/>
+                                  </a:rPr>
+                                </m:ctrlPr>
+                              </m:dPr>
+                              <m:e>
+                                <m:r>
+                                  <m:rPr>
+                                    <m:sty m:val="p"/>
+                                  </m:rPr>
+                                  <a:rPr lang="en-US" b="0" i="0" smtClean="0">
+                                    <a:latin typeface="Cambria Math"/>
+                                  </a:rPr>
+                                  <m:t>x</m:t>
+                                </m:r>
+                              </m:e>
+                            </m:d>
+                            <m:r>
+                              <a:rPr lang="en-US" b="0" i="0" smtClean="0">
+                                <a:latin typeface="Cambria Math"/>
+                              </a:rPr>
+                              <m:t>−</m:t>
+                            </m:r>
+                            <m:r>
+                              <a:rPr lang="en-US" b="0" i="0" smtClean="0">
+                                <a:latin typeface="Cambria Math"/>
+                              </a:rPr>
+                              <m:t>𝛻</m:t>
+                            </m:r>
+                            <m:r>
+                              <a:rPr lang="en-US" b="0" i="1" smtClean="0">
+                                <a:latin typeface="Cambria Math"/>
+                              </a:rPr>
+                              <m:t>𝑓</m:t>
+                            </m:r>
+                            <m:d>
+                              <m:dPr>
+                                <m:ctrlPr>
+                                  <a:rPr lang="en-US" b="0" i="1" smtClean="0">
+                                    <a:latin typeface="Cambria Math"/>
+                                  </a:rPr>
+                                </m:ctrlPr>
+                              </m:dPr>
+                              <m:e>
+                                <m:r>
+                                  <a:rPr lang="en-US" b="0" i="1" smtClean="0">
+                                    <a:latin typeface="Cambria Math"/>
+                                  </a:rPr>
+                                  <m:t>𝑦</m:t>
+                                </m:r>
+                              </m:e>
+                            </m:d>
+                          </m:e>
+                        </m:d>
+                      </m:e>
+                      <m:sup>
+                        <m:r>
+                          <a:rPr lang="en-US" b="0" i="1" smtClean="0">
+                            <a:latin typeface="Cambria Math"/>
+                          </a:rPr>
+                          <m:t>𝑇</m:t>
+                        </m:r>
+                      </m:sup>
+                    </m:sSup>
+                    <m:d>
+                      <m:dPr>
+                        <m:ctrlPr>
+                          <a:rPr lang="en-US" b="0" i="1" smtClean="0">
+                            <a:latin typeface="Cambria Math"/>
+                          </a:rPr>
+                        </m:ctrlPr>
+                      </m:dPr>
+                      <m:e>
+                        <m:r>
+                          <a:rPr lang="en-US" b="0" i="1" smtClean="0">
+                            <a:latin typeface="Cambria Math"/>
+                          </a:rPr>
+                          <m:t>𝑥</m:t>
+                        </m:r>
+                        <m:r>
+                          <a:rPr lang="en-US" b="0" i="1" smtClean="0">
+                            <a:latin typeface="Cambria Math"/>
+                          </a:rPr>
+                          <m:t>−</m:t>
+                        </m:r>
+                        <m:r>
+                          <a:rPr lang="en-US" b="0" i="1" smtClean="0">
+                            <a:latin typeface="Cambria Math"/>
+                          </a:rPr>
+                          <m:t>𝑦</m:t>
+                        </m:r>
+                      </m:e>
+                    </m:d>
+                    <m:r>
+                      <a:rPr lang="en-US" b="0" i="1" smtClean="0">
+                        <a:latin typeface="Cambria Math"/>
+                      </a:rPr>
+                      <m:t>≥</m:t>
+                    </m:r>
+                    <m:f>
+                      <m:fPr>
+                        <m:ctrlPr>
+                          <a:rPr lang="en-US" b="0" i="1" smtClean="0">
+                            <a:latin typeface="Cambria Math"/>
+                          </a:rPr>
+                        </m:ctrlPr>
+                      </m:fPr>
+                      <m:num>
+                        <m:r>
+                          <a:rPr lang="en-US" b="0" i="1" smtClean="0">
+                            <a:latin typeface="Cambria Math"/>
+                          </a:rPr>
+                          <m:t>1</m:t>
+                        </m:r>
+                      </m:num>
+                      <m:den>
+                        <m:r>
+                          <a:rPr lang="en-US" b="0" i="1" smtClean="0">
+                            <a:latin typeface="Cambria Math"/>
+                          </a:rPr>
+                          <m:t>𝛽</m:t>
+                        </m:r>
+                      </m:den>
+                    </m:f>
+                    <m:sSup>
+                      <m:sSupPr>
+                        <m:ctrlPr>
+                          <a:rPr lang="en-US" b="0" i="1" smtClean="0">
+                            <a:latin typeface="Cambria Math"/>
+                          </a:rPr>
+                        </m:ctrlPr>
+                      </m:sSupPr>
+                      <m:e>
+                        <m:d>
+                          <m:dPr>
+                            <m:begChr m:val="|"/>
+                            <m:endChr m:val="|"/>
+                            <m:ctrlPr>
+                              <a:rPr lang="en-US" b="0" i="1" smtClean="0">
+                                <a:latin typeface="Cambria Math"/>
+                              </a:rPr>
+                            </m:ctrlPr>
+                          </m:dPr>
+                          <m:e>
+                            <m:d>
+                              <m:dPr>
+                                <m:begChr m:val="|"/>
+                                <m:endChr m:val="|"/>
+                                <m:ctrlPr>
+                                  <a:rPr lang="en-US" b="0" i="1" smtClean="0">
+                                    <a:latin typeface="Cambria Math"/>
+                                  </a:rPr>
+                                </m:ctrlPr>
+                              </m:dPr>
+                              <m:e>
+                                <m:r>
+                                  <a:rPr lang="en-US" b="0" i="0" smtClean="0">
+                                    <a:latin typeface="Cambria Math"/>
+                                  </a:rPr>
+                                  <m:t>𝛻</m:t>
+                                </m:r>
+                                <m:r>
+                                  <a:rPr lang="en-US" b="0" i="1" smtClean="0">
+                                    <a:latin typeface="Cambria Math"/>
+                                  </a:rPr>
+                                  <m:t>𝑓</m:t>
+                                </m:r>
+                                <m:d>
+                                  <m:dPr>
+                                    <m:ctrlPr>
+                                      <a:rPr lang="en-US" b="0" i="1" smtClean="0">
+                                        <a:latin typeface="Cambria Math"/>
+                                      </a:rPr>
+                                    </m:ctrlPr>
+                                  </m:dPr>
+                                  <m:e>
+                                    <m:r>
+                                      <a:rPr lang="en-US" b="0" i="1" smtClean="0">
+                                        <a:latin typeface="Cambria Math"/>
+                                      </a:rPr>
+                                      <m:t>𝑥</m:t>
+                                    </m:r>
+                                  </m:e>
+                                </m:d>
+                                <m:r>
+                                  <a:rPr lang="en-US" b="0" i="1" smtClean="0">
+                                    <a:latin typeface="Cambria Math"/>
+                                  </a:rPr>
+                                  <m:t>−</m:t>
+                                </m:r>
+                                <m:r>
+                                  <a:rPr lang="en-US" b="0" i="0" smtClean="0">
+                                    <a:latin typeface="Cambria Math"/>
+                                  </a:rPr>
+                                  <m:t>𝛻</m:t>
+                                </m:r>
+                                <m:r>
+                                  <a:rPr lang="en-US" b="0" i="1" smtClean="0">
+                                    <a:latin typeface="Cambria Math"/>
+                                  </a:rPr>
+                                  <m:t>𝑓</m:t>
+                                </m:r>
+                                <m:d>
+                                  <m:dPr>
+                                    <m:ctrlPr>
+                                      <a:rPr lang="en-US" b="0" i="1" smtClean="0">
+                                        <a:latin typeface="Cambria Math"/>
+                                      </a:rPr>
+                                    </m:ctrlPr>
+                                  </m:dPr>
+                                  <m:e>
+                                    <m:r>
+                                      <a:rPr lang="en-US" b="0" i="1" smtClean="0">
+                                        <a:latin typeface="Cambria Math"/>
+                                      </a:rPr>
+                                      <m:t>𝑦</m:t>
+                                    </m:r>
+                                  </m:e>
+                                </m:d>
+                              </m:e>
+                            </m:d>
+                          </m:e>
+                        </m:d>
+                      </m:e>
+                      <m:sup>
+                        <m:r>
+                          <a:rPr lang="en-US" b="0" i="1" smtClean="0">
+                            <a:latin typeface="Cambria Math"/>
+                          </a:rPr>
+                          <m:t>2</m:t>
+                        </m:r>
+                      </m:sup>
+                    </m:sSup>
+                  </m:oMath>
+                </a14:m>
+                <a:endParaRPr lang="en-US" b="0" dirty="0" smtClean="0"/>
+              </a:p>
+              <a:p>
+                <a:pPr marL="0" indent="0">
+                  <a:buNone/>
+                </a:pPr>
+                <a14:m>
+                  <m:oMathPara xmlns:m="http://schemas.openxmlformats.org/officeDocument/2006/math">
+                    <m:oMathParaPr>
+                      <m:jc m:val="centerGroup"/>
+                    </m:oMathParaPr>
+                    <m:oMath xmlns:m="http://schemas.openxmlformats.org/officeDocument/2006/math">
+                      <m:r>
+                        <a:rPr lang="en-US" b="0" i="1" smtClean="0">
+                          <a:latin typeface="Cambria Math"/>
+                        </a:rPr>
+                        <m:t>⇒</m:t>
+                      </m:r>
+                      <m:r>
+                        <a:rPr lang="en-US" b="0" i="0" smtClean="0">
+                          <a:latin typeface="Cambria Math"/>
+                        </a:rPr>
+                        <m:t>𝛻</m:t>
+                      </m:r>
+                      <m:r>
+                        <a:rPr lang="en-US" b="0" i="1" smtClean="0">
+                          <a:latin typeface="Cambria Math"/>
+                        </a:rPr>
+                        <m:t>𝑓</m:t>
+                      </m:r>
+                      <m:d>
+                        <m:dPr>
+                          <m:ctrlPr>
+                            <a:rPr lang="en-US" b="0" i="1" smtClean="0">
+                              <a:latin typeface="Cambria Math"/>
+                            </a:rPr>
+                          </m:ctrlPr>
+                        </m:dPr>
+                        <m:e>
+                          <m:r>
+                            <a:rPr lang="en-US" b="0" i="1" smtClean="0">
+                              <a:latin typeface="Cambria Math"/>
+                            </a:rPr>
+                            <m:t>𝑦</m:t>
+                          </m:r>
+                        </m:e>
+                      </m:d>
+                      <m:d>
+                        <m:dPr>
+                          <m:ctrlPr>
+                            <a:rPr lang="en-US" b="0" i="1" smtClean="0">
+                              <a:latin typeface="Cambria Math"/>
+                            </a:rPr>
+                          </m:ctrlPr>
+                        </m:dPr>
+                        <m:e>
+                          <m:sSup>
+                            <m:sSupPr>
+                              <m:ctrlPr>
+                                <a:rPr lang="en-US" b="0" i="1" smtClean="0">
+                                  <a:latin typeface="Cambria Math"/>
+                                </a:rPr>
+                              </m:ctrlPr>
+                            </m:sSupPr>
+                            <m:e>
+                              <m:r>
+                                <a:rPr lang="en-US" b="0" i="1" smtClean="0">
+                                  <a:latin typeface="Cambria Math"/>
+                                </a:rPr>
+                                <m:t>𝑦</m:t>
+                              </m:r>
+                              <m:r>
+                                <a:rPr lang="en-US" b="0" i="1" smtClean="0">
+                                  <a:latin typeface="Cambria Math"/>
+                                </a:rPr>
+                                <m:t> −</m:t>
+                              </m:r>
+                              <m:r>
+                                <a:rPr lang="en-US" b="0" i="1" smtClean="0">
+                                  <a:latin typeface="Cambria Math"/>
+                                </a:rPr>
+                                <m:t>𝑥</m:t>
+                              </m:r>
+                            </m:e>
+                            <m:sup>
+                              <m:r>
+                                <a:rPr lang="en-US" b="0" i="1" smtClean="0">
+                                  <a:latin typeface="Cambria Math"/>
+                                </a:rPr>
+                                <m:t>∗</m:t>
+                              </m:r>
+                            </m:sup>
+                          </m:sSup>
+                        </m:e>
+                      </m:d>
+                      <m:r>
+                        <a:rPr lang="en-US" b="0" i="1" smtClean="0">
+                          <a:latin typeface="Cambria Math"/>
+                        </a:rPr>
+                        <m:t>≥</m:t>
+                      </m:r>
+                      <m:f>
+                        <m:fPr>
+                          <m:ctrlPr>
+                            <a:rPr lang="en-US" b="0" i="1" smtClean="0">
+                              <a:latin typeface="Cambria Math"/>
+                            </a:rPr>
+                          </m:ctrlPr>
+                        </m:fPr>
+                        <m:num>
+                          <m:r>
+                            <a:rPr lang="en-US" b="0" i="1" smtClean="0">
+                              <a:latin typeface="Cambria Math"/>
+                            </a:rPr>
+                            <m:t>1</m:t>
+                          </m:r>
+                        </m:num>
+                        <m:den>
+                          <m:r>
+                            <a:rPr lang="en-US" b="0" i="1" smtClean="0">
+                              <a:latin typeface="Cambria Math"/>
+                            </a:rPr>
+                            <m:t>𝛽</m:t>
+                          </m:r>
+                        </m:den>
+                      </m:f>
+                      <m:sSup>
+                        <m:sSupPr>
+                          <m:ctrlPr>
+                            <a:rPr lang="en-US" b="0" i="1" smtClean="0">
+                              <a:latin typeface="Cambria Math"/>
+                            </a:rPr>
+                          </m:ctrlPr>
+                        </m:sSupPr>
+                        <m:e>
+                          <m:d>
+                            <m:dPr>
+                              <m:begChr m:val="|"/>
+                              <m:endChr m:val="|"/>
+                              <m:ctrlPr>
+                                <a:rPr lang="en-US" b="0" i="1" smtClean="0">
+                                  <a:latin typeface="Cambria Math"/>
+                                </a:rPr>
+                              </m:ctrlPr>
+                            </m:dPr>
+                            <m:e>
+                              <m:d>
+                                <m:dPr>
+                                  <m:begChr m:val="|"/>
+                                  <m:endChr m:val="|"/>
+                                  <m:ctrlPr>
+                                    <a:rPr lang="en-US" b="0" i="1" smtClean="0">
+                                      <a:latin typeface="Cambria Math"/>
+                                    </a:rPr>
+                                  </m:ctrlPr>
+                                </m:dPr>
+                                <m:e>
+                                  <m:r>
+                                    <a:rPr lang="en-US" b="0" i="0" smtClean="0">
+                                      <a:latin typeface="Cambria Math"/>
+                                    </a:rPr>
+                                    <m:t>𝛻</m:t>
+                                  </m:r>
+                                  <m:r>
+                                    <a:rPr lang="en-US" b="0" i="1" smtClean="0">
+                                      <a:latin typeface="Cambria Math"/>
+                                    </a:rPr>
+                                    <m:t>𝑓</m:t>
+                                  </m:r>
+                                  <m:d>
+                                    <m:dPr>
+                                      <m:ctrlPr>
+                                        <a:rPr lang="en-US" b="0" i="1" smtClean="0">
+                                          <a:latin typeface="Cambria Math"/>
+                                        </a:rPr>
+                                      </m:ctrlPr>
+                                    </m:dPr>
+                                    <m:e>
+                                      <m:r>
+                                        <a:rPr lang="en-US" b="0" i="1" smtClean="0">
+                                          <a:latin typeface="Cambria Math"/>
+                                        </a:rPr>
+                                        <m:t>𝑦</m:t>
+                                      </m:r>
+                                    </m:e>
+                                  </m:d>
+                                </m:e>
+                              </m:d>
+                            </m:e>
+                          </m:d>
+                        </m:e>
+                        <m:sup>
+                          <m:r>
+                            <a:rPr lang="en-US" b="0" i="1" smtClean="0">
+                              <a:latin typeface="Cambria Math"/>
+                            </a:rPr>
+                            <m:t>2</m:t>
+                          </m:r>
+                        </m:sup>
+                      </m:sSup>
+                    </m:oMath>
+                  </m:oMathPara>
+                </a14:m>
+                <a:endParaRPr lang="en-US" dirty="0" smtClean="0"/>
+              </a:p>
+              <a:p>
+                <a14:m>
+                  <m:oMath xmlns:m="http://schemas.openxmlformats.org/officeDocument/2006/math">
+                    <m:sSup>
+                      <m:sSupPr>
+                        <m:ctrlPr>
+                          <a:rPr lang="en-US" b="0" i="1" smtClean="0">
+                            <a:latin typeface="Cambria Math"/>
+                          </a:rPr>
+                        </m:ctrlPr>
+                      </m:sSupPr>
+                      <m:e>
+                        <m:d>
+                          <m:dPr>
+                            <m:begChr m:val="|"/>
+                            <m:endChr m:val="|"/>
+                            <m:ctrlPr>
+                              <a:rPr lang="en-US" b="0" i="1" smtClean="0">
+                                <a:latin typeface="Cambria Math"/>
+                              </a:rPr>
+                            </m:ctrlPr>
+                          </m:dPr>
+                          <m:e>
+                            <m:d>
+                              <m:dPr>
+                                <m:begChr m:val="|"/>
+                                <m:endChr m:val="|"/>
+                                <m:ctrlPr>
+                                  <a:rPr lang="en-US" b="0" i="1" smtClean="0">
+                                    <a:latin typeface="Cambria Math"/>
+                                  </a:rPr>
+                                </m:ctrlPr>
+                              </m:dPr>
+                              <m:e>
+                                <m:sSub>
+                                  <m:sSubPr>
+                                    <m:ctrlPr>
+                                      <a:rPr lang="en-US" b="0" i="1" smtClean="0">
+                                        <a:latin typeface="Cambria Math"/>
+                                      </a:rPr>
+                                    </m:ctrlPr>
+                                  </m:sSubPr>
+                                  <m:e>
+                                    <m:r>
+                                      <a:rPr lang="en-US" b="0" i="1" smtClean="0">
+                                        <a:latin typeface="Cambria Math"/>
+                                      </a:rPr>
+                                      <m:t>𝑥</m:t>
+                                    </m:r>
+                                  </m:e>
+                                  <m:sub>
+                                    <m:r>
+                                      <a:rPr lang="en-US" b="0" i="1" smtClean="0">
+                                        <a:latin typeface="Cambria Math"/>
+                                      </a:rPr>
+                                      <m:t>𝑠</m:t>
+                                    </m:r>
+                                    <m:r>
+                                      <a:rPr lang="en-US" b="0" i="1" smtClean="0">
+                                        <a:latin typeface="Cambria Math"/>
+                                      </a:rPr>
+                                      <m:t>+1</m:t>
+                                    </m:r>
+                                  </m:sub>
+                                </m:sSub>
+                                <m:r>
+                                  <a:rPr lang="en-US" b="0" i="1" smtClean="0">
+                                    <a:latin typeface="Cambria Math"/>
+                                  </a:rPr>
+                                  <m:t>−</m:t>
+                                </m:r>
+                                <m:sSup>
+                                  <m:sSupPr>
+                                    <m:ctrlPr>
+                                      <a:rPr lang="en-US" b="0" i="1" smtClean="0">
+                                        <a:latin typeface="Cambria Math"/>
+                                      </a:rPr>
+                                    </m:ctrlPr>
+                                  </m:sSupPr>
+                                  <m:e>
+                                    <m:r>
+                                      <a:rPr lang="en-US" b="0" i="1" smtClean="0">
+                                        <a:latin typeface="Cambria Math"/>
+                                      </a:rPr>
+                                      <m:t>𝑥</m:t>
+                                    </m:r>
+                                  </m:e>
+                                  <m:sup>
+                                    <m:r>
+                                      <a:rPr lang="en-US" b="0" i="1" smtClean="0">
+                                        <a:latin typeface="Cambria Math"/>
+                                      </a:rPr>
+                                      <m:t>∗</m:t>
+                                    </m:r>
+                                  </m:sup>
+                                </m:sSup>
+                              </m:e>
+                            </m:d>
+                          </m:e>
+                        </m:d>
+                      </m:e>
+                      <m:sup>
+                        <m:r>
+                          <a:rPr lang="en-US" b="0" i="1" smtClean="0">
+                            <a:latin typeface="Cambria Math"/>
+                          </a:rPr>
+                          <m:t>2</m:t>
+                        </m:r>
+                      </m:sup>
+                    </m:sSup>
+                    <m:r>
+                      <a:rPr lang="en-US" b="0" i="1" smtClean="0">
+                        <a:latin typeface="Cambria Math"/>
+                      </a:rPr>
+                      <m:t>=</m:t>
+                    </m:r>
+                    <m:d>
+                      <m:dPr>
+                        <m:begChr m:val="|"/>
+                        <m:endChr m:val="|"/>
+                        <m:ctrlPr>
+                          <a:rPr lang="en-US" b="0" i="1" smtClean="0">
+                            <a:latin typeface="Cambria Math"/>
+                          </a:rPr>
+                        </m:ctrlPr>
+                      </m:dPr>
+                      <m:e>
+                        <m:d>
+                          <m:dPr>
+                            <m:begChr m:val="|"/>
+                            <m:endChr m:val="|"/>
+                            <m:ctrlPr>
+                              <a:rPr lang="en-US" b="0" i="1" smtClean="0">
+                                <a:latin typeface="Cambria Math"/>
+                              </a:rPr>
+                            </m:ctrlPr>
+                          </m:dPr>
+                          <m:e>
+                            <m:sSub>
+                              <m:sSubPr>
+                                <m:ctrlPr>
+                                  <a:rPr lang="en-US" b="0" i="1" smtClean="0">
+                                    <a:latin typeface="Cambria Math"/>
+                                  </a:rPr>
+                                </m:ctrlPr>
+                              </m:sSubPr>
+                              <m:e>
+                                <m:r>
+                                  <a:rPr lang="en-US" b="0" i="1" smtClean="0">
+                                    <a:latin typeface="Cambria Math"/>
+                                  </a:rPr>
+                                  <m:t>𝑥</m:t>
+                                </m:r>
+                              </m:e>
+                              <m:sub>
+                                <m:r>
+                                  <a:rPr lang="en-US" b="0" i="1" smtClean="0">
+                                    <a:latin typeface="Cambria Math"/>
+                                  </a:rPr>
+                                  <m:t>𝑠</m:t>
+                                </m:r>
+                              </m:sub>
+                            </m:sSub>
+                            <m:r>
+                              <a:rPr lang="en-US" b="0" i="1" smtClean="0">
+                                <a:latin typeface="Cambria Math"/>
+                              </a:rPr>
+                              <m:t>−</m:t>
+                            </m:r>
+                            <m:f>
+                              <m:fPr>
+                                <m:ctrlPr>
+                                  <a:rPr lang="en-US" b="0" i="0" smtClean="0">
+                                    <a:latin typeface="Cambria Math"/>
+                                  </a:rPr>
+                                </m:ctrlPr>
+                              </m:fPr>
+                              <m:num>
+                                <m:r>
+                                  <a:rPr lang="en-US" b="0" i="0" smtClean="0">
+                                    <a:latin typeface="Cambria Math"/>
+                                  </a:rPr>
+                                  <m:t>1</m:t>
+                                </m:r>
+                              </m:num>
+                              <m:den>
+                                <m:r>
+                                  <a:rPr lang="en-US" b="0" i="1" smtClean="0">
+                                    <a:latin typeface="Cambria Math"/>
+                                  </a:rPr>
+                                  <m:t>𝛽</m:t>
+                                </m:r>
+                              </m:den>
+                            </m:f>
+                            <m:r>
+                              <a:rPr lang="en-US" b="0" i="0" smtClean="0">
+                                <a:latin typeface="Cambria Math"/>
+                              </a:rPr>
+                              <m:t>∇</m:t>
+                            </m:r>
+                            <m:r>
+                              <a:rPr lang="en-US" b="0" i="1" smtClean="0">
+                                <a:latin typeface="Cambria Math"/>
+                              </a:rPr>
+                              <m:t>𝑓</m:t>
+                            </m:r>
+                            <m:d>
+                              <m:dPr>
+                                <m:ctrlPr>
+                                  <a:rPr lang="en-US" b="0" i="1" smtClean="0">
+                                    <a:latin typeface="Cambria Math"/>
+                                  </a:rPr>
+                                </m:ctrlPr>
+                              </m:dPr>
+                              <m:e>
+                                <m:sSub>
+                                  <m:sSubPr>
+                                    <m:ctrlPr>
+                                      <a:rPr lang="en-US" b="0" i="1" smtClean="0">
+                                        <a:latin typeface="Cambria Math"/>
+                                      </a:rPr>
+                                    </m:ctrlPr>
+                                  </m:sSubPr>
+                                  <m:e>
+                                    <m:r>
+                                      <a:rPr lang="en-US" b="0" i="1" smtClean="0">
+                                        <a:latin typeface="Cambria Math"/>
+                                      </a:rPr>
+                                      <m:t>𝑥</m:t>
+                                    </m:r>
+                                  </m:e>
+                                  <m:sub>
+                                    <m:r>
+                                      <a:rPr lang="en-US" b="0" i="1" smtClean="0">
+                                        <a:latin typeface="Cambria Math"/>
+                                      </a:rPr>
+                                      <m:t>𝑠</m:t>
+                                    </m:r>
+                                  </m:sub>
+                                </m:sSub>
+                              </m:e>
+                            </m:d>
+                            <m:r>
+                              <a:rPr lang="en-US" b="0" i="1" smtClean="0">
+                                <a:latin typeface="Cambria Math"/>
+                              </a:rPr>
+                              <m:t>−</m:t>
+                            </m:r>
+                            <m:sSup>
+                              <m:sSupPr>
+                                <m:ctrlPr>
+                                  <a:rPr lang="en-US" b="0" i="1" smtClean="0">
+                                    <a:latin typeface="Cambria Math"/>
+                                  </a:rPr>
+                                </m:ctrlPr>
+                              </m:sSupPr>
+                              <m:e>
+                                <m:r>
+                                  <a:rPr lang="en-US" b="0" i="1" smtClean="0">
+                                    <a:latin typeface="Cambria Math"/>
+                                  </a:rPr>
+                                  <m:t>𝑥</m:t>
+                                </m:r>
+                              </m:e>
+                              <m:sup>
+                                <m:r>
+                                  <a:rPr lang="en-US" b="0" i="1" smtClean="0">
+                                    <a:latin typeface="Cambria Math"/>
+                                  </a:rPr>
+                                  <m:t>∗</m:t>
+                                </m:r>
+                              </m:sup>
+                            </m:sSup>
+                          </m:e>
+                        </m:d>
+                      </m:e>
+                    </m:d>
+                  </m:oMath>
+                </a14:m>
+                <a:endParaRPr lang="en-US" b="0" dirty="0" smtClean="0"/>
+              </a:p>
+              <a:p>
+                <a:pPr marL="0" indent="0">
+                  <a:buNone/>
+                </a:pPr>
+                <a14:m>
+                  <m:oMathPara xmlns:m="http://schemas.openxmlformats.org/officeDocument/2006/math">
+                    <m:oMathParaPr>
+                      <m:jc m:val="centerGroup"/>
+                    </m:oMathParaPr>
+                    <m:oMath xmlns:m="http://schemas.openxmlformats.org/officeDocument/2006/math">
+                      <m:r>
+                        <a:rPr lang="en-US" b="0" i="1" smtClean="0">
+                          <a:latin typeface="Cambria Math"/>
+                        </a:rPr>
+                        <m:t>=</m:t>
+                      </m:r>
+                      <m:sSup>
+                        <m:sSupPr>
+                          <m:ctrlPr>
+                            <a:rPr lang="en-US" b="0" i="1" smtClean="0">
+                              <a:latin typeface="Cambria Math"/>
+                            </a:rPr>
+                          </m:ctrlPr>
+                        </m:sSupPr>
+                        <m:e>
+                          <m:d>
+                            <m:dPr>
+                              <m:begChr m:val="|"/>
+                              <m:endChr m:val="|"/>
+                              <m:ctrlPr>
+                                <a:rPr lang="en-US" b="0" i="1" smtClean="0">
+                                  <a:latin typeface="Cambria Math"/>
+                                </a:rPr>
+                              </m:ctrlPr>
+                            </m:dPr>
+                            <m:e>
+                              <m:d>
+                                <m:dPr>
+                                  <m:begChr m:val="|"/>
+                                  <m:endChr m:val="|"/>
+                                  <m:ctrlPr>
+                                    <a:rPr lang="en-US" b="0" i="1" smtClean="0">
+                                      <a:latin typeface="Cambria Math"/>
+                                    </a:rPr>
+                                  </m:ctrlPr>
+                                </m:dPr>
+                                <m:e>
+                                  <m:sSub>
+                                    <m:sSubPr>
+                                      <m:ctrlPr>
+                                        <a:rPr lang="en-US" b="0" i="1" smtClean="0">
+                                          <a:latin typeface="Cambria Math"/>
+                                        </a:rPr>
+                                      </m:ctrlPr>
+                                    </m:sSubPr>
+                                    <m:e>
+                                      <m:r>
+                                        <a:rPr lang="en-US" b="0" i="1" smtClean="0">
+                                          <a:latin typeface="Cambria Math"/>
+                                        </a:rPr>
+                                        <m:t>𝑥</m:t>
+                                      </m:r>
+                                    </m:e>
+                                    <m:sub>
+                                      <m:r>
+                                        <a:rPr lang="en-US" b="0" i="1" smtClean="0">
+                                          <a:latin typeface="Cambria Math"/>
+                                        </a:rPr>
+                                        <m:t>𝑠</m:t>
+                                      </m:r>
+                                    </m:sub>
+                                  </m:sSub>
+                                  <m:r>
+                                    <a:rPr lang="en-US" b="0" i="1" smtClean="0">
+                                      <a:latin typeface="Cambria Math"/>
+                                    </a:rPr>
+                                    <m:t>−</m:t>
+                                  </m:r>
+                                  <m:sSup>
+                                    <m:sSupPr>
+                                      <m:ctrlPr>
+                                        <a:rPr lang="en-US" b="0" i="1" smtClean="0">
+                                          <a:latin typeface="Cambria Math"/>
+                                        </a:rPr>
+                                      </m:ctrlPr>
+                                    </m:sSupPr>
+                                    <m:e>
+                                      <m:r>
+                                        <a:rPr lang="en-US" b="0" i="1" smtClean="0">
+                                          <a:latin typeface="Cambria Math"/>
+                                        </a:rPr>
+                                        <m:t>𝑥</m:t>
+                                      </m:r>
+                                    </m:e>
+                                    <m:sup>
+                                      <m:r>
+                                        <a:rPr lang="en-US" b="0" i="1" smtClean="0">
+                                          <a:latin typeface="Cambria Math"/>
+                                        </a:rPr>
+                                        <m:t>∗</m:t>
+                                      </m:r>
+                                    </m:sup>
+                                  </m:sSup>
+                                </m:e>
+                              </m:d>
+                            </m:e>
+                          </m:d>
+                        </m:e>
+                        <m:sup>
+                          <m:r>
+                            <a:rPr lang="en-US" b="0" i="1" smtClean="0">
+                              <a:latin typeface="Cambria Math"/>
+                            </a:rPr>
+                            <m:t>2</m:t>
+                          </m:r>
+                        </m:sup>
+                      </m:sSup>
+                      <m:r>
+                        <a:rPr lang="en-US" b="0" i="1" smtClean="0">
+                          <a:latin typeface="Cambria Math"/>
+                        </a:rPr>
+                        <m:t>−</m:t>
+                      </m:r>
+                      <m:f>
+                        <m:fPr>
+                          <m:ctrlPr>
+                            <a:rPr lang="en-US" b="0" i="1" smtClean="0">
+                              <a:latin typeface="Cambria Math"/>
+                            </a:rPr>
+                          </m:ctrlPr>
+                        </m:fPr>
+                        <m:num>
+                          <m:r>
+                            <a:rPr lang="en-US" b="0" i="1" smtClean="0">
+                              <a:latin typeface="Cambria Math"/>
+                            </a:rPr>
+                            <m:t>2</m:t>
+                          </m:r>
+                        </m:num>
+                        <m:den>
+                          <m:r>
+                            <a:rPr lang="en-US" b="0" i="1" smtClean="0">
+                              <a:latin typeface="Cambria Math"/>
+                            </a:rPr>
+                            <m:t>𝛽</m:t>
+                          </m:r>
+                        </m:den>
+                      </m:f>
+                      <m:r>
+                        <a:rPr lang="en-US" b="0" i="0" smtClean="0">
+                          <a:latin typeface="Cambria Math"/>
+                        </a:rPr>
+                        <m:t>∇</m:t>
+                      </m:r>
+                      <m:r>
+                        <a:rPr lang="en-US" b="0" i="1" smtClean="0">
+                          <a:latin typeface="Cambria Math"/>
+                        </a:rPr>
+                        <m:t>𝑓</m:t>
+                      </m:r>
+                      <m:sSup>
+                        <m:sSupPr>
+                          <m:ctrlPr>
+                            <a:rPr lang="en-US" b="0" i="1" smtClean="0">
+                              <a:latin typeface="Cambria Math"/>
+                            </a:rPr>
+                          </m:ctrlPr>
+                        </m:sSupPr>
+                        <m:e>
+                          <m:d>
+                            <m:dPr>
+                              <m:ctrlPr>
+                                <a:rPr lang="en-US" b="0" i="1" smtClean="0">
+                                  <a:latin typeface="Cambria Math"/>
+                                </a:rPr>
+                              </m:ctrlPr>
+                            </m:dPr>
+                            <m:e>
+                              <m:sSub>
+                                <m:sSubPr>
+                                  <m:ctrlPr>
+                                    <a:rPr lang="en-US" b="0" i="1" smtClean="0">
+                                      <a:latin typeface="Cambria Math"/>
+                                    </a:rPr>
+                                  </m:ctrlPr>
+                                </m:sSubPr>
+                                <m:e>
+                                  <m:r>
+                                    <a:rPr lang="en-US" b="0" i="1" smtClean="0">
+                                      <a:latin typeface="Cambria Math"/>
+                                    </a:rPr>
+                                    <m:t>𝑥</m:t>
+                                  </m:r>
+                                </m:e>
+                                <m:sub>
+                                  <m:r>
+                                    <a:rPr lang="en-US" b="0" i="1" smtClean="0">
+                                      <a:latin typeface="Cambria Math"/>
+                                    </a:rPr>
+                                    <m:t>𝑠</m:t>
+                                  </m:r>
+                                </m:sub>
+                              </m:sSub>
+                            </m:e>
+                          </m:d>
+                        </m:e>
+                        <m:sup>
+                          <m:r>
+                            <a:rPr lang="en-US" b="0" i="1" smtClean="0">
+                              <a:latin typeface="Cambria Math"/>
+                            </a:rPr>
+                            <m:t>𝑇</m:t>
+                          </m:r>
+                        </m:sup>
+                      </m:sSup>
+                      <m:d>
+                        <m:dPr>
+                          <m:ctrlPr>
+                            <a:rPr lang="en-US" b="0" i="1" smtClean="0">
+                              <a:latin typeface="Cambria Math"/>
+                            </a:rPr>
+                          </m:ctrlPr>
+                        </m:dPr>
+                        <m:e>
+                          <m:sSub>
+                            <m:sSubPr>
+                              <m:ctrlPr>
+                                <a:rPr lang="en-US" b="0" i="1" smtClean="0">
+                                  <a:latin typeface="Cambria Math"/>
+                                </a:rPr>
+                              </m:ctrlPr>
+                            </m:sSubPr>
+                            <m:e>
+                              <m:r>
+                                <a:rPr lang="en-US" b="0" i="1" smtClean="0">
+                                  <a:latin typeface="Cambria Math"/>
+                                </a:rPr>
+                                <m:t>𝑥</m:t>
+                              </m:r>
+                            </m:e>
+                            <m:sub>
+                              <m:r>
+                                <a:rPr lang="en-US" b="0" i="1" smtClean="0">
+                                  <a:latin typeface="Cambria Math"/>
+                                </a:rPr>
+                                <m:t>𝑠</m:t>
+                              </m:r>
+                            </m:sub>
+                          </m:sSub>
+                          <m:r>
+                            <a:rPr lang="en-US" b="0" i="1" smtClean="0">
+                              <a:latin typeface="Cambria Math"/>
+                            </a:rPr>
+                            <m:t>−</m:t>
+                          </m:r>
+                          <m:sSup>
+                            <m:sSupPr>
+                              <m:ctrlPr>
+                                <a:rPr lang="en-US" b="0" i="1" smtClean="0">
+                                  <a:latin typeface="Cambria Math"/>
+                                </a:rPr>
+                              </m:ctrlPr>
+                            </m:sSupPr>
+                            <m:e>
+                              <m:r>
+                                <a:rPr lang="en-US" b="0" i="1" smtClean="0">
+                                  <a:latin typeface="Cambria Math"/>
+                                </a:rPr>
+                                <m:t>𝑥</m:t>
+                              </m:r>
+                            </m:e>
+                            <m:sup>
+                              <m:r>
+                                <a:rPr lang="en-US" b="0" i="1" smtClean="0">
+                                  <a:latin typeface="Cambria Math"/>
+                                </a:rPr>
+                                <m:t>∗</m:t>
+                              </m:r>
+                            </m:sup>
+                          </m:sSup>
+                        </m:e>
+                      </m:d>
+                      <m:r>
+                        <a:rPr lang="en-US" b="0" i="0" smtClean="0">
+                          <a:latin typeface="Cambria Math"/>
+                        </a:rPr>
+                        <m:t>+</m:t>
+                      </m:r>
+                      <m:f>
+                        <m:fPr>
+                          <m:ctrlPr>
+                            <a:rPr lang="en-US" b="0" i="1" smtClean="0">
+                              <a:latin typeface="Cambria Math"/>
+                            </a:rPr>
+                          </m:ctrlPr>
+                        </m:fPr>
+                        <m:num>
+                          <m:r>
+                            <a:rPr lang="en-US" b="0" i="1" smtClean="0">
+                              <a:latin typeface="Cambria Math"/>
+                            </a:rPr>
+                            <m:t>1</m:t>
+                          </m:r>
+                        </m:num>
+                        <m:den>
+                          <m:sSup>
+                            <m:sSupPr>
+                              <m:ctrlPr>
+                                <a:rPr lang="en-US" b="0" i="1" smtClean="0">
+                                  <a:latin typeface="Cambria Math"/>
+                                </a:rPr>
+                              </m:ctrlPr>
+                            </m:sSupPr>
+                            <m:e>
+                              <m:r>
+                                <a:rPr lang="en-US" b="0" i="1" smtClean="0">
+                                  <a:latin typeface="Cambria Math"/>
+                                </a:rPr>
+                                <m:t>𝛽</m:t>
+                              </m:r>
+                            </m:e>
+                            <m:sup>
+                              <m:r>
+                                <a:rPr lang="en-US" b="0" i="1" smtClean="0">
+                                  <a:latin typeface="Cambria Math"/>
+                                </a:rPr>
+                                <m:t>2</m:t>
+                              </m:r>
+                            </m:sup>
+                          </m:sSup>
+                        </m:den>
+                      </m:f>
+                      <m:sSup>
+                        <m:sSupPr>
+                          <m:ctrlPr>
+                            <a:rPr lang="en-US" b="0" i="1" smtClean="0">
+                              <a:latin typeface="Cambria Math"/>
+                            </a:rPr>
+                          </m:ctrlPr>
+                        </m:sSupPr>
+                        <m:e>
+                          <m:d>
+                            <m:dPr>
+                              <m:begChr m:val="|"/>
+                              <m:endChr m:val="|"/>
+                              <m:ctrlPr>
+                                <a:rPr lang="en-US" b="0" i="1" smtClean="0">
+                                  <a:latin typeface="Cambria Math"/>
+                                </a:rPr>
+                              </m:ctrlPr>
+                            </m:dPr>
+                            <m:e>
+                              <m:d>
+                                <m:dPr>
+                                  <m:begChr m:val="|"/>
+                                  <m:endChr m:val="|"/>
+                                  <m:ctrlPr>
+                                    <a:rPr lang="en-US" b="0" i="1" smtClean="0">
+                                      <a:latin typeface="Cambria Math"/>
+                                    </a:rPr>
+                                  </m:ctrlPr>
+                                </m:dPr>
+                                <m:e>
+                                  <m:r>
+                                    <a:rPr lang="en-US" b="0" i="0" smtClean="0">
+                                      <a:latin typeface="Cambria Math"/>
+                                    </a:rPr>
+                                    <m:t>𝛻</m:t>
+                                  </m:r>
+                                  <m:r>
+                                    <a:rPr lang="en-US" b="0" i="1" smtClean="0">
+                                      <a:latin typeface="Cambria Math"/>
+                                    </a:rPr>
+                                    <m:t>𝑓</m:t>
+                                  </m:r>
+                                  <m:d>
+                                    <m:dPr>
+                                      <m:ctrlPr>
+                                        <a:rPr lang="en-US" b="0" i="1" smtClean="0">
+                                          <a:latin typeface="Cambria Math"/>
+                                        </a:rPr>
+                                      </m:ctrlPr>
+                                    </m:dPr>
+                                    <m:e>
+                                      <m:sSub>
+                                        <m:sSubPr>
+                                          <m:ctrlPr>
+                                            <a:rPr lang="en-US" b="0" i="1" smtClean="0">
+                                              <a:latin typeface="Cambria Math"/>
+                                            </a:rPr>
+                                          </m:ctrlPr>
+                                        </m:sSubPr>
+                                        <m:e>
+                                          <m:r>
+                                            <a:rPr lang="en-US" b="0" i="1" smtClean="0">
+                                              <a:latin typeface="Cambria Math"/>
+                                            </a:rPr>
+                                            <m:t>𝑥</m:t>
+                                          </m:r>
+                                        </m:e>
+                                        <m:sub>
+                                          <m:r>
+                                            <a:rPr lang="en-US" b="0" i="1" smtClean="0">
+                                              <a:latin typeface="Cambria Math"/>
+                                            </a:rPr>
+                                            <m:t>𝑠</m:t>
+                                          </m:r>
+                                        </m:sub>
+                                      </m:sSub>
+                                    </m:e>
+                                  </m:d>
+                                </m:e>
+                              </m:d>
+                            </m:e>
+                          </m:d>
+                        </m:e>
+                        <m:sup>
+                          <m:r>
+                            <a:rPr lang="en-US" b="0" i="1" smtClean="0">
+                              <a:latin typeface="Cambria Math"/>
+                            </a:rPr>
+                            <m:t>2</m:t>
+                          </m:r>
+                        </m:sup>
+                      </m:sSup>
+                    </m:oMath>
+                  </m:oMathPara>
+                </a14:m>
+                <a:endParaRPr lang="en-US" b="0" dirty="0" smtClean="0"/>
+              </a:p>
+              <a:p>
+                <a:pPr marL="0" indent="0" algn="ctr">
+                  <a:buNone/>
+                </a:pPr>
+                <a14:m>
+                  <m:oMathPara xmlns:m="http://schemas.openxmlformats.org/officeDocument/2006/math">
+                    <m:oMathParaPr>
+                      <m:jc m:val="centerGroup"/>
+                    </m:oMathParaPr>
+                    <m:oMath xmlns:m="http://schemas.openxmlformats.org/officeDocument/2006/math">
+                      <m:r>
+                        <a:rPr lang="en-US" b="0" i="1" smtClean="0">
+                          <a:latin typeface="Cambria Math"/>
+                        </a:rPr>
+                        <m:t>≤</m:t>
+                      </m:r>
+                      <m:sSup>
+                        <m:sSupPr>
+                          <m:ctrlPr>
+                            <a:rPr lang="en-US" b="0" i="1" smtClean="0">
+                              <a:latin typeface="Cambria Math"/>
+                            </a:rPr>
+                          </m:ctrlPr>
+                        </m:sSupPr>
+                        <m:e>
+                          <m:d>
+                            <m:dPr>
+                              <m:begChr m:val="|"/>
+                              <m:endChr m:val="|"/>
+                              <m:ctrlPr>
+                                <a:rPr lang="en-US" b="0" i="1" smtClean="0">
+                                  <a:latin typeface="Cambria Math"/>
+                                </a:rPr>
+                              </m:ctrlPr>
+                            </m:dPr>
+                            <m:e>
+                              <m:d>
+                                <m:dPr>
+                                  <m:begChr m:val="|"/>
+                                  <m:endChr m:val="|"/>
+                                  <m:ctrlPr>
+                                    <a:rPr lang="en-US" b="0" i="1" smtClean="0">
+                                      <a:latin typeface="Cambria Math"/>
+                                    </a:rPr>
+                                  </m:ctrlPr>
+                                </m:dPr>
+                                <m:e>
+                                  <m:sSub>
+                                    <m:sSubPr>
+                                      <m:ctrlPr>
+                                        <a:rPr lang="en-US" b="0" i="1" smtClean="0">
+                                          <a:latin typeface="Cambria Math"/>
+                                        </a:rPr>
+                                      </m:ctrlPr>
+                                    </m:sSubPr>
+                                    <m:e>
+                                      <m:r>
+                                        <a:rPr lang="en-US" b="0" i="1" smtClean="0">
+                                          <a:latin typeface="Cambria Math"/>
+                                        </a:rPr>
+                                        <m:t>𝑥</m:t>
+                                      </m:r>
+                                    </m:e>
+                                    <m:sub>
+                                      <m:r>
+                                        <a:rPr lang="en-US" b="0" i="1" smtClean="0">
+                                          <a:latin typeface="Cambria Math"/>
+                                        </a:rPr>
+                                        <m:t>𝑠</m:t>
+                                      </m:r>
+                                    </m:sub>
+                                  </m:sSub>
+                                  <m:r>
+                                    <a:rPr lang="en-US" b="0" i="1" smtClean="0">
+                                      <a:latin typeface="Cambria Math"/>
+                                    </a:rPr>
+                                    <m:t>−</m:t>
+                                  </m:r>
+                                  <m:sSup>
+                                    <m:sSupPr>
+                                      <m:ctrlPr>
+                                        <a:rPr lang="en-US" b="0" i="1" smtClean="0">
+                                          <a:latin typeface="Cambria Math"/>
+                                        </a:rPr>
+                                      </m:ctrlPr>
+                                    </m:sSupPr>
+                                    <m:e>
+                                      <m:r>
+                                        <a:rPr lang="en-US" b="0" i="1" smtClean="0">
+                                          <a:latin typeface="Cambria Math"/>
+                                        </a:rPr>
+                                        <m:t>𝑥</m:t>
+                                      </m:r>
+                                    </m:e>
+                                    <m:sup>
+                                      <m:r>
+                                        <a:rPr lang="en-US" b="0" i="1" smtClean="0">
+                                          <a:latin typeface="Cambria Math"/>
+                                        </a:rPr>
+                                        <m:t>∗</m:t>
+                                      </m:r>
+                                    </m:sup>
+                                  </m:sSup>
+                                </m:e>
+                              </m:d>
+                            </m:e>
+                          </m:d>
+                        </m:e>
+                        <m:sup>
+                          <m:r>
+                            <a:rPr lang="en-US" b="0" i="1" smtClean="0">
+                              <a:latin typeface="Cambria Math"/>
+                            </a:rPr>
+                            <m:t>2</m:t>
+                          </m:r>
+                        </m:sup>
+                      </m:sSup>
+                      <m:r>
+                        <a:rPr lang="en-US" b="0" i="1" smtClean="0">
+                          <a:latin typeface="Cambria Math"/>
+                        </a:rPr>
+                        <m:t>−</m:t>
+                      </m:r>
+                      <m:f>
+                        <m:fPr>
+                          <m:ctrlPr>
+                            <a:rPr lang="en-US" b="0" i="1" smtClean="0">
+                              <a:latin typeface="Cambria Math"/>
+                            </a:rPr>
+                          </m:ctrlPr>
+                        </m:fPr>
+                        <m:num>
+                          <m:r>
+                            <a:rPr lang="en-US" b="0" i="1" smtClean="0">
+                              <a:latin typeface="Cambria Math"/>
+                            </a:rPr>
+                            <m:t>1</m:t>
+                          </m:r>
+                        </m:num>
+                        <m:den>
+                          <m:sSup>
+                            <m:sSupPr>
+                              <m:ctrlPr>
+                                <a:rPr lang="en-US" b="0" i="1" smtClean="0">
+                                  <a:latin typeface="Cambria Math"/>
+                                </a:rPr>
+                              </m:ctrlPr>
+                            </m:sSupPr>
+                            <m:e>
+                              <m:r>
+                                <a:rPr lang="en-US" b="0" i="1" smtClean="0">
+                                  <a:latin typeface="Cambria Math"/>
+                                </a:rPr>
+                                <m:t>𝛽</m:t>
+                              </m:r>
+                            </m:e>
+                            <m:sup>
+                              <m:r>
+                                <a:rPr lang="en-US" b="0" i="1" smtClean="0">
+                                  <a:latin typeface="Cambria Math"/>
+                                </a:rPr>
+                                <m:t>2</m:t>
+                              </m:r>
+                            </m:sup>
+                          </m:sSup>
+                        </m:den>
+                      </m:f>
+                      <m:sSup>
+                        <m:sSupPr>
+                          <m:ctrlPr>
+                            <a:rPr lang="en-US" b="0" i="1" smtClean="0">
+                              <a:latin typeface="Cambria Math"/>
+                            </a:rPr>
+                          </m:ctrlPr>
+                        </m:sSupPr>
+                        <m:e>
+                          <m:d>
+                            <m:dPr>
+                              <m:begChr m:val="|"/>
+                              <m:endChr m:val="|"/>
+                              <m:ctrlPr>
+                                <a:rPr lang="en-US" b="0" i="1" smtClean="0">
+                                  <a:latin typeface="Cambria Math"/>
+                                </a:rPr>
+                              </m:ctrlPr>
+                            </m:dPr>
+                            <m:e>
+                              <m:d>
+                                <m:dPr>
+                                  <m:begChr m:val="|"/>
+                                  <m:endChr m:val="|"/>
+                                  <m:ctrlPr>
+                                    <a:rPr lang="en-US" b="0" i="1" smtClean="0">
+                                      <a:latin typeface="Cambria Math"/>
+                                    </a:rPr>
+                                  </m:ctrlPr>
+                                </m:dPr>
+                                <m:e>
+                                  <m:r>
+                                    <a:rPr lang="en-US" b="0" i="0" smtClean="0">
+                                      <a:latin typeface="Cambria Math"/>
+                                    </a:rPr>
+                                    <m:t>𝛻</m:t>
+                                  </m:r>
+                                  <m:r>
+                                    <a:rPr lang="en-US" b="0" i="1" smtClean="0">
+                                      <a:latin typeface="Cambria Math"/>
+                                    </a:rPr>
+                                    <m:t>𝑓</m:t>
+                                  </m:r>
+                                  <m:d>
+                                    <m:dPr>
+                                      <m:ctrlPr>
+                                        <a:rPr lang="en-US" b="0" i="1" smtClean="0">
+                                          <a:latin typeface="Cambria Math"/>
+                                        </a:rPr>
+                                      </m:ctrlPr>
+                                    </m:dPr>
+                                    <m:e>
+                                      <m:sSub>
+                                        <m:sSubPr>
+                                          <m:ctrlPr>
+                                            <a:rPr lang="en-US" b="0" i="1" smtClean="0">
+                                              <a:latin typeface="Cambria Math"/>
+                                            </a:rPr>
+                                          </m:ctrlPr>
+                                        </m:sSubPr>
+                                        <m:e>
+                                          <m:r>
+                                            <a:rPr lang="en-US" b="0" i="1" smtClean="0">
+                                              <a:latin typeface="Cambria Math"/>
+                                            </a:rPr>
+                                            <m:t>𝑥</m:t>
+                                          </m:r>
+                                        </m:e>
+                                        <m:sub>
+                                          <m:r>
+                                            <a:rPr lang="en-US" b="0" i="1" smtClean="0">
+                                              <a:latin typeface="Cambria Math"/>
+                                            </a:rPr>
+                                            <m:t>𝑠</m:t>
+                                          </m:r>
+                                        </m:sub>
+                                      </m:sSub>
+                                    </m:e>
+                                  </m:d>
+                                </m:e>
+                              </m:d>
+                            </m:e>
+                          </m:d>
+                        </m:e>
+                        <m:sup>
+                          <m:r>
+                            <a:rPr lang="en-US" b="0" i="1" smtClean="0">
+                              <a:latin typeface="Cambria Math"/>
+                            </a:rPr>
+                            <m:t>2</m:t>
+                          </m:r>
+                        </m:sup>
+                      </m:sSup>
+                    </m:oMath>
+                  </m:oMathPara>
+                </a14:m>
+                <a:endParaRPr lang="en-US" b="0" dirty="0" smtClean="0"/>
+              </a:p>
+              <a:p>
+                <a:pPr marL="0" indent="0" algn="ctr">
+                  <a:buNone/>
+                </a:pPr>
+                <a14:m>
+                  <m:oMathPara xmlns:m="http://schemas.openxmlformats.org/officeDocument/2006/math">
+                    <m:oMathParaPr>
+                      <m:jc m:val="centerGroup"/>
+                    </m:oMathParaPr>
+                    <m:oMath xmlns:m="http://schemas.openxmlformats.org/officeDocument/2006/math">
+                      <m:sSup>
+                        <m:sSupPr>
+                          <m:ctrlPr>
+                            <a:rPr lang="en-US" b="0" i="1" smtClean="0">
+                              <a:latin typeface="Cambria Math"/>
+                            </a:rPr>
+                          </m:ctrlPr>
+                        </m:sSupPr>
+                        <m:e>
+                          <m:d>
+                            <m:dPr>
+                              <m:begChr m:val="|"/>
+                              <m:endChr m:val="|"/>
+                              <m:ctrlPr>
+                                <a:rPr lang="en-US" b="0" i="1" smtClean="0">
+                                  <a:latin typeface="Cambria Math"/>
+                                </a:rPr>
+                              </m:ctrlPr>
+                            </m:dPr>
+                            <m:e>
+                              <m:d>
+                                <m:dPr>
+                                  <m:begChr m:val="|"/>
+                                  <m:endChr m:val="|"/>
+                                  <m:ctrlPr>
+                                    <a:rPr lang="en-US" b="0" i="1" smtClean="0">
+                                      <a:latin typeface="Cambria Math"/>
+                                    </a:rPr>
+                                  </m:ctrlPr>
+                                </m:dPr>
+                                <m:e>
+                                  <m:sSub>
+                                    <m:sSubPr>
+                                      <m:ctrlPr>
+                                        <a:rPr lang="en-US" b="0" i="1" smtClean="0">
+                                          <a:latin typeface="Cambria Math"/>
+                                        </a:rPr>
+                                      </m:ctrlPr>
+                                    </m:sSubPr>
+                                    <m:e>
+                                      <m:r>
+                                        <a:rPr lang="en-US" b="0" i="1" smtClean="0">
+                                          <a:latin typeface="Cambria Math"/>
+                                        </a:rPr>
+                                        <m:t>𝑥</m:t>
+                                      </m:r>
+                                    </m:e>
+                                    <m:sub>
+                                      <m:r>
+                                        <a:rPr lang="en-US" b="0" i="1" smtClean="0">
+                                          <a:latin typeface="Cambria Math"/>
+                                        </a:rPr>
+                                        <m:t>𝑠</m:t>
+                                      </m:r>
+                                    </m:sub>
+                                  </m:sSub>
+                                  <m:r>
+                                    <a:rPr lang="en-US" b="0" i="1" smtClean="0">
+                                      <a:latin typeface="Cambria Math"/>
+                                    </a:rPr>
+                                    <m:t>−</m:t>
+                                  </m:r>
+                                  <m:sSup>
+                                    <m:sSupPr>
+                                      <m:ctrlPr>
+                                        <a:rPr lang="en-US" b="0" i="1" smtClean="0">
+                                          <a:latin typeface="Cambria Math"/>
+                                        </a:rPr>
+                                      </m:ctrlPr>
+                                    </m:sSupPr>
+                                    <m:e>
+                                      <m:r>
+                                        <a:rPr lang="en-US" b="0" i="1" smtClean="0">
+                                          <a:latin typeface="Cambria Math"/>
+                                        </a:rPr>
+                                        <m:t>𝑥</m:t>
+                                      </m:r>
+                                    </m:e>
+                                    <m:sup>
+                                      <m:r>
+                                        <a:rPr lang="en-US" b="0" i="1" smtClean="0">
+                                          <a:latin typeface="Cambria Math"/>
+                                        </a:rPr>
+                                        <m:t>∗</m:t>
+                                      </m:r>
+                                    </m:sup>
+                                  </m:sSup>
+                                </m:e>
+                              </m:d>
+                            </m:e>
+                          </m:d>
+                        </m:e>
+                        <m:sup>
+                          <m:r>
+                            <a:rPr lang="en-US" b="0" i="1" smtClean="0">
+                              <a:latin typeface="Cambria Math"/>
+                            </a:rPr>
+                            <m:t>2</m:t>
+                          </m:r>
+                        </m:sup>
+                      </m:sSup>
+                    </m:oMath>
+                  </m:oMathPara>
+                </a14:m>
+                <a:endParaRPr lang="en-US" b="0" dirty="0" smtClean="0"/>
+              </a:p>
+              <a:p>
+                <a:pPr marL="0" indent="0" algn="ctr">
+                  <a:buNone/>
+                </a:pPr>
+                <a:endParaRPr lang="en-US" b="0" dirty="0" smtClean="0"/>
+              </a:p>
+              <a:p>
+                <a:pPr marL="0" indent="0">
+                  <a:buNone/>
+                </a:pPr>
+                <a:endParaRPr lang="en-US" dirty="0"/>
+              </a:p>
+            </p:txBody>
+          </p:sp>
+        </mc:Choice>
+        <mc:Fallback>
+          <p:sp>
+            <p:nvSpPr>
+              <p:cNvPr id="3" name="Content Placeholder 2"/>
+              <p:cNvSpPr>
+                <a:spLocks noGrp="1" noRot="1" noChangeAspect="1" noMove="1" noResize="1" noEditPoints="1" noAdjustHandles="1" noChangeArrowheads="1" noChangeShapeType="1" noTextEdit="1"/>
+              </p:cNvSpPr>
+              <p:nvPr>
+                <p:ph idx="1"/>
+              </p:nvPr>
+            </p:nvSpPr>
+            <p:spPr>
+              <a:xfrm>
+                <a:off x="457200" y="1600200"/>
+                <a:ext cx="8229600" cy="5257800"/>
+              </a:xfrm>
+              <a:blipFill rotWithShape="1">
+                <a:blip r:embed="rId2"/>
+                <a:stretch>
+                  <a:fillRect l="-1037" t="-2088"/>
+                </a:stretch>
+              </a:blipFill>
+            </p:spPr>
+            <p:txBody>
+              <a:bodyPr/>
+              <a:lstStyle/>
+              <a:p>
+                <a:r>
+                  <a:rPr lang="en-US">
+                    <a:noFill/>
+                  </a:rPr>
+                  <a:t> </a:t>
+                </a:r>
+              </a:p>
+            </p:txBody>
+          </p:sp>
+        </mc:Fallback>
+      </mc:AlternateContent>
+    </p:spTree>
+    <p:extLst>
+      <p:ext uri="{BB962C8B-B14F-4D97-AF65-F5344CB8AC3E}">
+        <p14:creationId xmlns:p14="http://schemas.microsoft.com/office/powerpoint/2010/main" val="1151229595"/>
       </p:ext>
     </p:extLst>
   </p:cSld>

--- a/big-data/lecture08.pptx
+++ b/big-data/lecture08.pptx
@@ -14,6 +14,12 @@
     <p:sldId id="263" r:id="rId8"/>
     <p:sldId id="264" r:id="rId9"/>
     <p:sldId id="265" r:id="rId10"/>
+    <p:sldId id="266" r:id="rId11"/>
+    <p:sldId id="267" r:id="rId12"/>
+    <p:sldId id="268" r:id="rId13"/>
+    <p:sldId id="270" r:id="rId14"/>
+    <p:sldId id="271" r:id="rId15"/>
+    <p:sldId id="269" r:id="rId16"/>
   </p:sldIdLst>
   <p:sldSz cx="9144000" cy="6858000" type="screen4x3"/>
   <p:notesSz cx="6858000" cy="9144000"/>
@@ -3354,6 +3360,8885 @@
 </p:sld>
 </file>
 
+<file path=ppt/slides/slide10.xml><?xml version="1.0" encoding="utf-8"?>
+<p:sld xmlns:a="http://schemas.openxmlformats.org/drawingml/2006/main" xmlns:r="http://schemas.openxmlformats.org/officeDocument/2006/relationships" xmlns:p="http://schemas.openxmlformats.org/presentationml/2006/main">
+  <p:cSld>
+    <p:spTree>
+      <p:nvGrpSpPr>
+        <p:cNvPr id="1" name=""/>
+        <p:cNvGrpSpPr/>
+        <p:nvPr/>
+      </p:nvGrpSpPr>
+      <p:grpSpPr>
+        <a:xfrm>
+          <a:off x="0" y="0"/>
+          <a:ext cx="0" cy="0"/>
+          <a:chOff x="0" y="0"/>
+          <a:chExt cx="0" cy="0"/>
+        </a:xfrm>
+      </p:grpSpPr>
+      <p:sp>
+        <p:nvSpPr>
+          <p:cNvPr id="2" name="Title 1"/>
+          <p:cNvSpPr>
+            <a:spLocks noGrp="1"/>
+          </p:cNvSpPr>
+          <p:nvPr>
+            <p:ph type="title"/>
+          </p:nvPr>
+        </p:nvSpPr>
+        <p:spPr/>
+        <p:txBody>
+          <a:bodyPr>
+            <a:normAutofit fontScale="90000"/>
+          </a:bodyPr>
+          <a:lstStyle/>
+          <a:p>
+            <a:r>
+              <a:rPr lang="en-US" dirty="0" err="1" smtClean="0">
+                <a:solidFill>
+                  <a:srgbClr val="0070C0"/>
+                </a:solidFill>
+              </a:rPr>
+              <a:t>Nesterov’s</a:t>
+            </a:r>
+            <a:r>
+              <a:rPr lang="en-US" dirty="0" smtClean="0">
+                <a:solidFill>
+                  <a:srgbClr val="0070C0"/>
+                </a:solidFill>
+              </a:rPr>
+              <a:t> Accelerated Gradient Descent</a:t>
+            </a:r>
+            <a:endParaRPr lang="en-US" dirty="0">
+              <a:solidFill>
+                <a:srgbClr val="0070C0"/>
+              </a:solidFill>
+            </a:endParaRPr>
+          </a:p>
+        </p:txBody>
+      </p:sp>
+      <mc:AlternateContent xmlns:mc="http://schemas.openxmlformats.org/markup-compatibility/2006">
+        <mc:Choice xmlns:a14="http://schemas.microsoft.com/office/drawing/2010/main" Requires="a14">
+          <p:sp>
+            <p:nvSpPr>
+              <p:cNvPr id="3" name="Content Placeholder 2"/>
+              <p:cNvSpPr>
+                <a:spLocks noGrp="1"/>
+              </p:cNvSpPr>
+              <p:nvPr>
+                <p:ph idx="1"/>
+              </p:nvPr>
+            </p:nvSpPr>
+            <p:spPr/>
+            <p:txBody>
+              <a:bodyPr>
+                <a:normAutofit fontScale="85000" lnSpcReduction="10000"/>
+              </a:bodyPr>
+              <a:lstStyle/>
+              <a:p>
+                <a:r>
+                  <a:rPr lang="en-US" dirty="0" smtClean="0"/>
+                  <a:t>Params: </a:t>
+                </a:r>
+                <a14:m>
+                  <m:oMath xmlns:m="http://schemas.openxmlformats.org/officeDocument/2006/math">
+                    <m:sSub>
+                      <m:sSubPr>
+                        <m:ctrlPr>
+                          <a:rPr lang="en-US" b="0" i="1" smtClean="0">
+                            <a:latin typeface="Cambria Math"/>
+                          </a:rPr>
+                        </m:ctrlPr>
+                      </m:sSubPr>
+                      <m:e>
+                        <m:r>
+                          <a:rPr lang="en-US" b="0" i="1" smtClean="0">
+                            <a:latin typeface="Cambria Math"/>
+                          </a:rPr>
+                          <m:t>𝜆</m:t>
+                        </m:r>
+                      </m:e>
+                      <m:sub>
+                        <m:r>
+                          <a:rPr lang="en-US" b="0" i="1" smtClean="0">
+                            <a:latin typeface="Cambria Math"/>
+                          </a:rPr>
+                          <m:t>0</m:t>
+                        </m:r>
+                      </m:sub>
+                    </m:sSub>
+                    <m:r>
+                      <a:rPr lang="en-US" b="0" i="1" smtClean="0">
+                        <a:latin typeface="Cambria Math"/>
+                      </a:rPr>
+                      <m:t>=</m:t>
+                    </m:r>
+                    <m:r>
+                      <a:rPr lang="en-US" b="0" i="1" smtClean="0">
+                        <a:latin typeface="Cambria Math"/>
+                      </a:rPr>
+                      <m:t>0</m:t>
+                    </m:r>
+                    <m:r>
+                      <a:rPr lang="en-US" b="0" i="1" smtClean="0">
+                        <a:latin typeface="Cambria Math"/>
+                      </a:rPr>
+                      <m:t>, </m:t>
+                    </m:r>
+                    <m:sSub>
+                      <m:sSubPr>
+                        <m:ctrlPr>
+                          <a:rPr lang="en-US" b="0" i="1" smtClean="0">
+                            <a:latin typeface="Cambria Math"/>
+                          </a:rPr>
+                        </m:ctrlPr>
+                      </m:sSubPr>
+                      <m:e>
+                        <m:r>
+                          <a:rPr lang="en-US" b="0" i="1" smtClean="0">
+                            <a:latin typeface="Cambria Math"/>
+                          </a:rPr>
+                          <m:t>𝜆</m:t>
+                        </m:r>
+                      </m:e>
+                      <m:sub>
+                        <m:r>
+                          <a:rPr lang="en-US" b="0" i="1" smtClean="0">
+                            <a:latin typeface="Cambria Math"/>
+                          </a:rPr>
+                          <m:t>𝑠</m:t>
+                        </m:r>
+                      </m:sub>
+                    </m:sSub>
+                    <m:r>
+                      <a:rPr lang="en-US" b="0" i="1" smtClean="0">
+                        <a:latin typeface="Cambria Math"/>
+                      </a:rPr>
+                      <m:t>=</m:t>
+                    </m:r>
+                    <m:f>
+                      <m:fPr>
+                        <m:ctrlPr>
+                          <a:rPr lang="en-US" b="0" i="1" smtClean="0">
+                            <a:latin typeface="Cambria Math"/>
+                          </a:rPr>
+                        </m:ctrlPr>
+                      </m:fPr>
+                      <m:num>
+                        <m:r>
+                          <a:rPr lang="en-US" b="0" i="1" smtClean="0">
+                            <a:latin typeface="Cambria Math"/>
+                          </a:rPr>
+                          <m:t>1</m:t>
+                        </m:r>
+                        <m:r>
+                          <a:rPr lang="en-US" b="0" i="1" smtClean="0">
+                            <a:latin typeface="Cambria Math"/>
+                          </a:rPr>
+                          <m:t>+</m:t>
+                        </m:r>
+                        <m:rad>
+                          <m:radPr>
+                            <m:degHide m:val="on"/>
+                            <m:ctrlPr>
+                              <a:rPr lang="en-US" b="0" i="1" smtClean="0">
+                                <a:latin typeface="Cambria Math"/>
+                              </a:rPr>
+                            </m:ctrlPr>
+                          </m:radPr>
+                          <m:deg/>
+                          <m:e>
+                            <m:r>
+                              <a:rPr lang="en-US" b="0" i="1" smtClean="0">
+                                <a:latin typeface="Cambria Math"/>
+                              </a:rPr>
+                              <m:t>1</m:t>
+                            </m:r>
+                            <m:r>
+                              <a:rPr lang="en-US" b="0" i="1" smtClean="0">
+                                <a:latin typeface="Cambria Math"/>
+                              </a:rPr>
+                              <m:t>+</m:t>
+                            </m:r>
+                            <m:r>
+                              <a:rPr lang="en-US" b="0" i="1" smtClean="0">
+                                <a:latin typeface="Cambria Math"/>
+                              </a:rPr>
+                              <m:t>4</m:t>
+                            </m:r>
+                            <m:sSubSup>
+                              <m:sSubSupPr>
+                                <m:ctrlPr>
+                                  <a:rPr lang="en-US" b="0" i="1" smtClean="0">
+                                    <a:latin typeface="Cambria Math"/>
+                                  </a:rPr>
+                                </m:ctrlPr>
+                              </m:sSubSupPr>
+                              <m:e>
+                                <m:r>
+                                  <a:rPr lang="en-US" b="0" i="1" smtClean="0">
+                                    <a:latin typeface="Cambria Math"/>
+                                  </a:rPr>
+                                  <m:t>𝜆</m:t>
+                                </m:r>
+                              </m:e>
+                              <m:sub>
+                                <m:r>
+                                  <a:rPr lang="en-US" b="0" i="1" smtClean="0">
+                                    <a:latin typeface="Cambria Math"/>
+                                  </a:rPr>
+                                  <m:t>𝑠</m:t>
+                                </m:r>
+                                <m:r>
+                                  <a:rPr lang="en-US" b="0" i="1" smtClean="0">
+                                    <a:latin typeface="Cambria Math"/>
+                                  </a:rPr>
+                                  <m:t>−</m:t>
+                                </m:r>
+                                <m:r>
+                                  <a:rPr lang="en-US" b="0" i="1" smtClean="0">
+                                    <a:latin typeface="Cambria Math"/>
+                                  </a:rPr>
+                                  <m:t>1</m:t>
+                                </m:r>
+                              </m:sub>
+                              <m:sup>
+                                <m:r>
+                                  <a:rPr lang="en-US" b="0" i="1" smtClean="0">
+                                    <a:latin typeface="Cambria Math"/>
+                                  </a:rPr>
+                                  <m:t>2</m:t>
+                                </m:r>
+                              </m:sup>
+                            </m:sSubSup>
+                            <m:r>
+                              <a:rPr lang="en-US" b="0" i="1" smtClean="0">
+                                <a:latin typeface="Cambria Math"/>
+                              </a:rPr>
+                              <m:t> </m:t>
+                            </m:r>
+                          </m:e>
+                        </m:rad>
+                      </m:num>
+                      <m:den>
+                        <m:r>
+                          <a:rPr lang="en-US" b="0" i="1" smtClean="0">
+                            <a:latin typeface="Cambria Math"/>
+                          </a:rPr>
+                          <m:t>2</m:t>
+                        </m:r>
+                      </m:den>
+                    </m:f>
+                    <m:r>
+                      <a:rPr lang="en-US" b="0" i="1" smtClean="0">
+                        <a:latin typeface="Cambria Math"/>
+                      </a:rPr>
+                      <m:t>, </m:t>
+                    </m:r>
+                    <m:sSub>
+                      <m:sSubPr>
+                        <m:ctrlPr>
+                          <a:rPr lang="en-US" b="0" i="1" smtClean="0">
+                            <a:latin typeface="Cambria Math"/>
+                          </a:rPr>
+                        </m:ctrlPr>
+                      </m:sSubPr>
+                      <m:e>
+                        <m:r>
+                          <a:rPr lang="en-US" b="0" i="1" smtClean="0">
+                            <a:latin typeface="Cambria Math"/>
+                          </a:rPr>
+                          <m:t>𝛾</m:t>
+                        </m:r>
+                      </m:e>
+                      <m:sub>
+                        <m:r>
+                          <a:rPr lang="en-US" b="0" i="1" smtClean="0">
+                            <a:latin typeface="Cambria Math"/>
+                          </a:rPr>
+                          <m:t>𝑠</m:t>
+                        </m:r>
+                      </m:sub>
+                    </m:sSub>
+                    <m:r>
+                      <a:rPr lang="en-US" b="0" i="1" smtClean="0">
+                        <a:latin typeface="Cambria Math"/>
+                      </a:rPr>
+                      <m:t>=</m:t>
+                    </m:r>
+                    <m:f>
+                      <m:fPr>
+                        <m:ctrlPr>
+                          <a:rPr lang="en-US" b="0" i="1" smtClean="0">
+                            <a:latin typeface="Cambria Math"/>
+                          </a:rPr>
+                        </m:ctrlPr>
+                      </m:fPr>
+                      <m:num>
+                        <m:r>
+                          <a:rPr lang="en-US" b="0" i="1" smtClean="0">
+                            <a:latin typeface="Cambria Math"/>
+                          </a:rPr>
+                          <m:t>1</m:t>
+                        </m:r>
+                        <m:r>
+                          <a:rPr lang="en-US" b="0" i="1" smtClean="0">
+                            <a:latin typeface="Cambria Math"/>
+                          </a:rPr>
+                          <m:t>−</m:t>
+                        </m:r>
+                        <m:sSub>
+                          <m:sSubPr>
+                            <m:ctrlPr>
+                              <a:rPr lang="en-US" b="0" i="1" smtClean="0">
+                                <a:latin typeface="Cambria Math"/>
+                              </a:rPr>
+                            </m:ctrlPr>
+                          </m:sSubPr>
+                          <m:e>
+                            <m:r>
+                              <a:rPr lang="en-US" b="0" i="1" smtClean="0">
+                                <a:latin typeface="Cambria Math"/>
+                              </a:rPr>
+                              <m:t>𝜆</m:t>
+                            </m:r>
+                          </m:e>
+                          <m:sub>
+                            <m:r>
+                              <a:rPr lang="en-US" b="0" i="1" smtClean="0">
+                                <a:latin typeface="Cambria Math"/>
+                              </a:rPr>
+                              <m:t>𝑠</m:t>
+                            </m:r>
+                          </m:sub>
+                        </m:sSub>
+                      </m:num>
+                      <m:den>
+                        <m:sSub>
+                          <m:sSubPr>
+                            <m:ctrlPr>
+                              <a:rPr lang="en-US" b="0" i="1" smtClean="0">
+                                <a:latin typeface="Cambria Math"/>
+                              </a:rPr>
+                            </m:ctrlPr>
+                          </m:sSubPr>
+                          <m:e>
+                            <m:r>
+                              <a:rPr lang="en-US" b="0" i="1" smtClean="0">
+                                <a:latin typeface="Cambria Math"/>
+                              </a:rPr>
+                              <m:t>𝜆</m:t>
+                            </m:r>
+                          </m:e>
+                          <m:sub>
+                            <m:r>
+                              <a:rPr lang="en-US" b="0" i="1" smtClean="0">
+                                <a:latin typeface="Cambria Math"/>
+                              </a:rPr>
+                              <m:t>𝑠</m:t>
+                            </m:r>
+                            <m:r>
+                              <a:rPr lang="en-US" b="0" i="1" smtClean="0">
+                                <a:latin typeface="Cambria Math"/>
+                              </a:rPr>
+                              <m:t>+</m:t>
+                            </m:r>
+                            <m:r>
+                              <a:rPr lang="en-US" b="0" i="1" smtClean="0">
+                                <a:latin typeface="Cambria Math"/>
+                              </a:rPr>
+                              <m:t>1</m:t>
+                            </m:r>
+                          </m:sub>
+                        </m:sSub>
+                      </m:den>
+                    </m:f>
+                  </m:oMath>
+                </a14:m>
+                <a:endParaRPr lang="en-US" dirty="0" smtClean="0"/>
+              </a:p>
+              <a:p>
+                <a:r>
+                  <a:rPr lang="en-US" dirty="0" smtClean="0"/>
+                  <a:t>Accelerated Gradient Descent (</a:t>
+                </a:r>
+                <a14:m>
+                  <m:oMath xmlns:m="http://schemas.openxmlformats.org/officeDocument/2006/math">
+                    <m:sSub>
+                      <m:sSubPr>
+                        <m:ctrlPr>
+                          <a:rPr lang="en-US" b="0" i="1" smtClean="0">
+                            <a:latin typeface="Cambria Math"/>
+                          </a:rPr>
+                        </m:ctrlPr>
+                      </m:sSubPr>
+                      <m:e>
+                        <m:r>
+                          <a:rPr lang="en-US" b="0" i="1" smtClean="0">
+                            <a:latin typeface="Cambria Math"/>
+                          </a:rPr>
+                          <m:t>𝑥</m:t>
+                        </m:r>
+                      </m:e>
+                      <m:sub>
+                        <m:r>
+                          <a:rPr lang="en-US" b="0" i="1" smtClean="0">
+                            <a:latin typeface="Cambria Math"/>
+                          </a:rPr>
+                          <m:t>1</m:t>
+                        </m:r>
+                      </m:sub>
+                    </m:sSub>
+                    <m:r>
+                      <a:rPr lang="en-US" b="0" i="1" smtClean="0">
+                        <a:latin typeface="Cambria Math"/>
+                      </a:rPr>
+                      <m:t>=</m:t>
+                    </m:r>
+                    <m:sSub>
+                      <m:sSubPr>
+                        <m:ctrlPr>
+                          <a:rPr lang="en-US" b="0" i="1" smtClean="0">
+                            <a:latin typeface="Cambria Math"/>
+                          </a:rPr>
+                        </m:ctrlPr>
+                      </m:sSubPr>
+                      <m:e>
+                        <m:r>
+                          <a:rPr lang="en-US" b="0" i="1" smtClean="0">
+                            <a:latin typeface="Cambria Math"/>
+                          </a:rPr>
+                          <m:t>𝑦</m:t>
+                        </m:r>
+                      </m:e>
+                      <m:sub>
+                        <m:r>
+                          <a:rPr lang="en-US" b="0" i="1" smtClean="0">
+                            <a:latin typeface="Cambria Math"/>
+                          </a:rPr>
+                          <m:t>1</m:t>
+                        </m:r>
+                      </m:sub>
+                    </m:sSub>
+                  </m:oMath>
+                </a14:m>
+                <a:r>
+                  <a:rPr lang="en-US" dirty="0" smtClean="0"/>
+                  <a:t>):</a:t>
+                </a:r>
+              </a:p>
+              <a:p>
+                <a:pPr lvl="1"/>
+                <a14:m>
+                  <m:oMath xmlns:m="http://schemas.openxmlformats.org/officeDocument/2006/math">
+                    <m:sSub>
+                      <m:sSubPr>
+                        <m:ctrlPr>
+                          <a:rPr lang="en-US" b="0" i="1" smtClean="0">
+                            <a:latin typeface="Cambria Math"/>
+                          </a:rPr>
+                        </m:ctrlPr>
+                      </m:sSubPr>
+                      <m:e>
+                        <m:r>
+                          <a:rPr lang="en-US" b="0" i="1" smtClean="0">
+                            <a:latin typeface="Cambria Math"/>
+                          </a:rPr>
+                          <m:t>𝑦</m:t>
+                        </m:r>
+                      </m:e>
+                      <m:sub>
+                        <m:r>
+                          <a:rPr lang="en-US" b="0" i="1" smtClean="0">
+                            <a:latin typeface="Cambria Math"/>
+                          </a:rPr>
+                          <m:t>𝑠</m:t>
+                        </m:r>
+                        <m:r>
+                          <a:rPr lang="en-US" b="0" i="1" smtClean="0">
+                            <a:latin typeface="Cambria Math"/>
+                          </a:rPr>
+                          <m:t>+</m:t>
+                        </m:r>
+                        <m:r>
+                          <a:rPr lang="en-US" b="0" i="1" smtClean="0">
+                            <a:latin typeface="Cambria Math"/>
+                          </a:rPr>
+                          <m:t>1</m:t>
+                        </m:r>
+                      </m:sub>
+                    </m:sSub>
+                    <m:r>
+                      <a:rPr lang="en-US" b="0" i="1" smtClean="0">
+                        <a:latin typeface="Cambria Math"/>
+                      </a:rPr>
+                      <m:t>=</m:t>
+                    </m:r>
+                    <m:sSub>
+                      <m:sSubPr>
+                        <m:ctrlPr>
+                          <a:rPr lang="en-US" b="0" i="1" smtClean="0">
+                            <a:latin typeface="Cambria Math"/>
+                          </a:rPr>
+                        </m:ctrlPr>
+                      </m:sSubPr>
+                      <m:e>
+                        <m:r>
+                          <a:rPr lang="en-US" b="0" i="1" smtClean="0">
+                            <a:latin typeface="Cambria Math"/>
+                          </a:rPr>
+                          <m:t>𝑥</m:t>
+                        </m:r>
+                      </m:e>
+                      <m:sub>
+                        <m:r>
+                          <a:rPr lang="en-US" b="0" i="1" smtClean="0">
+                            <a:latin typeface="Cambria Math"/>
+                          </a:rPr>
+                          <m:t>𝑠</m:t>
+                        </m:r>
+                      </m:sub>
+                    </m:sSub>
+                    <m:r>
+                      <a:rPr lang="en-US" b="0" i="1" smtClean="0">
+                        <a:latin typeface="Cambria Math"/>
+                      </a:rPr>
+                      <m:t>−</m:t>
+                    </m:r>
+                    <m:f>
+                      <m:fPr>
+                        <m:ctrlPr>
+                          <a:rPr lang="en-US" b="0" i="1" smtClean="0">
+                            <a:latin typeface="Cambria Math"/>
+                          </a:rPr>
+                        </m:ctrlPr>
+                      </m:fPr>
+                      <m:num>
+                        <m:r>
+                          <a:rPr lang="en-US" b="0" i="1" smtClean="0">
+                            <a:latin typeface="Cambria Math"/>
+                          </a:rPr>
+                          <m:t>1</m:t>
+                        </m:r>
+                      </m:num>
+                      <m:den>
+                        <m:r>
+                          <a:rPr lang="en-US" b="0" i="1" smtClean="0">
+                            <a:latin typeface="Cambria Math"/>
+                          </a:rPr>
+                          <m:t>𝛽</m:t>
+                        </m:r>
+                      </m:den>
+                    </m:f>
+                    <m:r>
+                      <a:rPr lang="en-US" b="0" i="0" smtClean="0">
+                        <a:latin typeface="Cambria Math"/>
+                      </a:rPr>
+                      <m:t>∇</m:t>
+                    </m:r>
+                    <m:r>
+                      <a:rPr lang="en-US" b="0" i="1" smtClean="0">
+                        <a:latin typeface="Cambria Math"/>
+                      </a:rPr>
+                      <m:t>𝑓</m:t>
+                    </m:r>
+                    <m:d>
+                      <m:dPr>
+                        <m:ctrlPr>
+                          <a:rPr lang="en-US" b="0" i="1" smtClean="0">
+                            <a:latin typeface="Cambria Math"/>
+                          </a:rPr>
+                        </m:ctrlPr>
+                      </m:dPr>
+                      <m:e>
+                        <m:sSub>
+                          <m:sSubPr>
+                            <m:ctrlPr>
+                              <a:rPr lang="en-US" b="0" i="1" smtClean="0">
+                                <a:latin typeface="Cambria Math"/>
+                              </a:rPr>
+                            </m:ctrlPr>
+                          </m:sSubPr>
+                          <m:e>
+                            <m:r>
+                              <a:rPr lang="en-US" b="0" i="1" smtClean="0">
+                                <a:latin typeface="Cambria Math"/>
+                              </a:rPr>
+                              <m:t>𝑥</m:t>
+                            </m:r>
+                          </m:e>
+                          <m:sub>
+                            <m:r>
+                              <a:rPr lang="en-US" b="0" i="1" smtClean="0">
+                                <a:latin typeface="Cambria Math"/>
+                              </a:rPr>
+                              <m:t>𝑠</m:t>
+                            </m:r>
+                          </m:sub>
+                        </m:sSub>
+                      </m:e>
+                    </m:d>
+                  </m:oMath>
+                </a14:m>
+                <a:endParaRPr lang="en-US" b="0" i="1" dirty="0" smtClean="0">
+                  <a:latin typeface="Cambria Math"/>
+                </a:endParaRPr>
+              </a:p>
+              <a:p>
+                <a:pPr lvl="1"/>
+                <a14:m>
+                  <m:oMath xmlns:m="http://schemas.openxmlformats.org/officeDocument/2006/math">
+                    <m:sSub>
+                      <m:sSubPr>
+                        <m:ctrlPr>
+                          <a:rPr lang="en-US" b="0" i="1" smtClean="0">
+                            <a:latin typeface="Cambria Math"/>
+                          </a:rPr>
+                        </m:ctrlPr>
+                      </m:sSubPr>
+                      <m:e>
+                        <m:r>
+                          <a:rPr lang="en-US" b="0" i="1" smtClean="0">
+                            <a:latin typeface="Cambria Math"/>
+                          </a:rPr>
+                          <m:t>𝑥</m:t>
+                        </m:r>
+                      </m:e>
+                      <m:sub>
+                        <m:r>
+                          <a:rPr lang="en-US" b="0" i="1" smtClean="0">
+                            <a:latin typeface="Cambria Math"/>
+                          </a:rPr>
+                          <m:t>𝑠</m:t>
+                        </m:r>
+                        <m:r>
+                          <a:rPr lang="en-US" b="0" i="1" smtClean="0">
+                            <a:latin typeface="Cambria Math"/>
+                          </a:rPr>
+                          <m:t>+</m:t>
+                        </m:r>
+                        <m:r>
+                          <a:rPr lang="en-US" b="0" i="1" smtClean="0">
+                            <a:latin typeface="Cambria Math"/>
+                          </a:rPr>
+                          <m:t>1</m:t>
+                        </m:r>
+                      </m:sub>
+                    </m:sSub>
+                    <m:r>
+                      <a:rPr lang="en-US" b="0" i="1" smtClean="0">
+                        <a:latin typeface="Cambria Math"/>
+                      </a:rPr>
+                      <m:t>=</m:t>
+                    </m:r>
+                    <m:d>
+                      <m:dPr>
+                        <m:ctrlPr>
+                          <a:rPr lang="en-US" b="0" i="1" smtClean="0">
+                            <a:latin typeface="Cambria Math"/>
+                          </a:rPr>
+                        </m:ctrlPr>
+                      </m:dPr>
+                      <m:e>
+                        <m:r>
+                          <a:rPr lang="en-US" b="0" i="1" smtClean="0">
+                            <a:latin typeface="Cambria Math"/>
+                          </a:rPr>
+                          <m:t>1</m:t>
+                        </m:r>
+                        <m:r>
+                          <a:rPr lang="en-US" b="0" i="1" smtClean="0">
+                            <a:latin typeface="Cambria Math"/>
+                          </a:rPr>
+                          <m:t>−</m:t>
+                        </m:r>
+                        <m:sSub>
+                          <m:sSubPr>
+                            <m:ctrlPr>
+                              <a:rPr lang="en-US" b="0" i="1" smtClean="0">
+                                <a:latin typeface="Cambria Math"/>
+                              </a:rPr>
+                            </m:ctrlPr>
+                          </m:sSubPr>
+                          <m:e>
+                            <m:r>
+                              <a:rPr lang="en-US" b="0" i="1" smtClean="0">
+                                <a:latin typeface="Cambria Math"/>
+                              </a:rPr>
+                              <m:t>𝛾</m:t>
+                            </m:r>
+                          </m:e>
+                          <m:sub>
+                            <m:r>
+                              <a:rPr lang="en-US" b="0" i="1" smtClean="0">
+                                <a:latin typeface="Cambria Math"/>
+                              </a:rPr>
+                              <m:t>𝑠</m:t>
+                            </m:r>
+                          </m:sub>
+                        </m:sSub>
+                      </m:e>
+                    </m:d>
+                    <m:sSub>
+                      <m:sSubPr>
+                        <m:ctrlPr>
+                          <a:rPr lang="en-US" b="0" i="1" smtClean="0">
+                            <a:latin typeface="Cambria Math"/>
+                          </a:rPr>
+                        </m:ctrlPr>
+                      </m:sSubPr>
+                      <m:e>
+                        <m:r>
+                          <a:rPr lang="en-US" b="0" i="1" smtClean="0">
+                            <a:latin typeface="Cambria Math"/>
+                          </a:rPr>
+                          <m:t>𝑦</m:t>
+                        </m:r>
+                      </m:e>
+                      <m:sub>
+                        <m:r>
+                          <a:rPr lang="en-US" b="0" i="1" smtClean="0">
+                            <a:latin typeface="Cambria Math"/>
+                          </a:rPr>
+                          <m:t>𝑠</m:t>
+                        </m:r>
+                        <m:r>
+                          <a:rPr lang="en-US" b="0" i="1" smtClean="0">
+                            <a:latin typeface="Cambria Math"/>
+                          </a:rPr>
+                          <m:t>+</m:t>
+                        </m:r>
+                        <m:r>
+                          <a:rPr lang="en-US" b="0" i="1" smtClean="0">
+                            <a:latin typeface="Cambria Math"/>
+                          </a:rPr>
+                          <m:t>1</m:t>
+                        </m:r>
+                      </m:sub>
+                    </m:sSub>
+                    <m:r>
+                      <a:rPr lang="en-US" b="0" i="1" smtClean="0">
+                        <a:latin typeface="Cambria Math"/>
+                      </a:rPr>
+                      <m:t>+</m:t>
+                    </m:r>
+                    <m:sSub>
+                      <m:sSubPr>
+                        <m:ctrlPr>
+                          <a:rPr lang="en-US" b="0" i="1" smtClean="0">
+                            <a:latin typeface="Cambria Math"/>
+                          </a:rPr>
+                        </m:ctrlPr>
+                      </m:sSubPr>
+                      <m:e>
+                        <m:r>
+                          <a:rPr lang="en-US" b="0" i="1" smtClean="0">
+                            <a:latin typeface="Cambria Math"/>
+                          </a:rPr>
+                          <m:t>𝛾</m:t>
+                        </m:r>
+                      </m:e>
+                      <m:sub>
+                        <m:r>
+                          <a:rPr lang="en-US" b="0" i="1" smtClean="0">
+                            <a:latin typeface="Cambria Math"/>
+                          </a:rPr>
+                          <m:t>𝑠</m:t>
+                        </m:r>
+                      </m:sub>
+                    </m:sSub>
+                    <m:sSub>
+                      <m:sSubPr>
+                        <m:ctrlPr>
+                          <a:rPr lang="en-US" b="0" i="1" smtClean="0">
+                            <a:latin typeface="Cambria Math"/>
+                          </a:rPr>
+                        </m:ctrlPr>
+                      </m:sSubPr>
+                      <m:e>
+                        <m:r>
+                          <a:rPr lang="en-US" b="0" i="1" smtClean="0">
+                            <a:latin typeface="Cambria Math"/>
+                          </a:rPr>
+                          <m:t>𝑦</m:t>
+                        </m:r>
+                      </m:e>
+                      <m:sub>
+                        <m:r>
+                          <a:rPr lang="en-US" b="0" i="1" smtClean="0">
+                            <a:latin typeface="Cambria Math"/>
+                          </a:rPr>
+                          <m:t>𝑠</m:t>
+                        </m:r>
+                      </m:sub>
+                    </m:sSub>
+                    <m:r>
+                      <a:rPr lang="en-US" b="0" i="1" smtClean="0">
+                        <a:latin typeface="Cambria Math"/>
+                      </a:rPr>
+                      <m:t> </m:t>
+                    </m:r>
+                  </m:oMath>
+                </a14:m>
+                <a:endParaRPr lang="en-US" dirty="0" smtClean="0"/>
+              </a:p>
+              <a:p>
+                <a:r>
+                  <a:rPr lang="en-US" dirty="0" smtClean="0"/>
+                  <a:t>Optimal convergence rate </a:t>
+                </a:r>
+                <a14:m>
+                  <m:oMath xmlns:m="http://schemas.openxmlformats.org/officeDocument/2006/math">
+                    <m:r>
+                      <a:rPr lang="en-US" b="0" i="1" smtClean="0">
+                        <a:latin typeface="Cambria Math"/>
+                      </a:rPr>
+                      <m:t>𝑂</m:t>
+                    </m:r>
+                    <m:r>
+                      <a:rPr lang="en-US" b="0" i="1" smtClean="0">
+                        <a:latin typeface="Cambria Math"/>
+                      </a:rPr>
+                      <m:t>(</m:t>
+                    </m:r>
+                    <m:r>
+                      <a:rPr lang="en-US" b="0" i="1" smtClean="0">
+                        <a:latin typeface="Cambria Math"/>
+                      </a:rPr>
+                      <m:t>1</m:t>
+                    </m:r>
+                    <m:r>
+                      <a:rPr lang="en-US" b="0" i="1" smtClean="0">
+                        <a:latin typeface="Cambria Math"/>
+                      </a:rPr>
+                      <m:t>/</m:t>
+                    </m:r>
+                    <m:sSup>
+                      <m:sSupPr>
+                        <m:ctrlPr>
+                          <a:rPr lang="en-US" b="0" i="1" smtClean="0">
+                            <a:latin typeface="Cambria Math"/>
+                          </a:rPr>
+                        </m:ctrlPr>
+                      </m:sSupPr>
+                      <m:e>
+                        <m:r>
+                          <a:rPr lang="en-US" b="0" i="1" smtClean="0">
+                            <a:latin typeface="Cambria Math"/>
+                          </a:rPr>
+                          <m:t>𝑡</m:t>
+                        </m:r>
+                      </m:e>
+                      <m:sup>
+                        <m:r>
+                          <a:rPr lang="en-US" b="0" i="1" smtClean="0">
+                            <a:latin typeface="Cambria Math"/>
+                          </a:rPr>
+                          <m:t>2</m:t>
+                        </m:r>
+                      </m:sup>
+                    </m:sSup>
+                    <m:r>
+                      <a:rPr lang="en-US" b="0" i="1" smtClean="0">
+                        <a:latin typeface="Cambria Math"/>
+                      </a:rPr>
+                      <m:t>)</m:t>
+                    </m:r>
+                  </m:oMath>
+                </a14:m>
+                <a:endParaRPr lang="en-US" dirty="0" smtClean="0"/>
+              </a:p>
+              <a:p>
+                <a:r>
+                  <a:rPr lang="en-US" b="1" dirty="0" err="1" smtClean="0"/>
+                  <a:t>Thm</a:t>
+                </a:r>
+                <a:r>
+                  <a:rPr lang="en-US" b="1" dirty="0" smtClean="0"/>
+                  <a:t>.</a:t>
+                </a:r>
+                <a:r>
+                  <a:rPr lang="en-US" dirty="0" smtClean="0"/>
+                  <a:t> If </a:t>
+                </a:r>
+                <a14:m>
+                  <m:oMath xmlns:m="http://schemas.openxmlformats.org/officeDocument/2006/math">
+                    <m:r>
+                      <a:rPr lang="en-US" b="0" i="1" smtClean="0">
+                        <a:latin typeface="Cambria Math"/>
+                      </a:rPr>
+                      <m:t>𝑓</m:t>
+                    </m:r>
+                  </m:oMath>
+                </a14:m>
+                <a:r>
+                  <a:rPr lang="en-US" dirty="0" smtClean="0"/>
+                  <a:t> is convex and </a:t>
+                </a:r>
+                <a14:m>
+                  <m:oMath xmlns:m="http://schemas.openxmlformats.org/officeDocument/2006/math">
+                    <m:r>
+                      <a:rPr lang="en-US" b="0" i="1" smtClean="0">
+                        <a:latin typeface="Cambria Math"/>
+                      </a:rPr>
+                      <m:t>𝛽</m:t>
+                    </m:r>
+                  </m:oMath>
+                </a14:m>
+                <a:r>
+                  <a:rPr lang="en-US" dirty="0" smtClean="0"/>
+                  <a:t>-smooth then:</a:t>
+                </a:r>
+              </a:p>
+              <a:p>
+                <a:pPr marL="0" indent="0">
+                  <a:buNone/>
+                </a:pPr>
+                <a14:m>
+                  <m:oMathPara xmlns:m="http://schemas.openxmlformats.org/officeDocument/2006/math">
+                    <m:oMathParaPr>
+                      <m:jc m:val="centerGroup"/>
+                    </m:oMathParaPr>
+                    <m:oMath xmlns:m="http://schemas.openxmlformats.org/officeDocument/2006/math">
+                      <m:r>
+                        <a:rPr lang="en-US" b="0" i="1" smtClean="0">
+                          <a:latin typeface="Cambria Math"/>
+                        </a:rPr>
+                        <m:t>𝑓</m:t>
+                      </m:r>
+                      <m:d>
+                        <m:dPr>
+                          <m:ctrlPr>
+                            <a:rPr lang="en-US" b="0" i="1" smtClean="0">
+                              <a:latin typeface="Cambria Math"/>
+                            </a:rPr>
+                          </m:ctrlPr>
+                        </m:dPr>
+                        <m:e>
+                          <m:sSub>
+                            <m:sSubPr>
+                              <m:ctrlPr>
+                                <a:rPr lang="en-US" b="0" i="1" smtClean="0">
+                                  <a:latin typeface="Cambria Math"/>
+                                </a:rPr>
+                              </m:ctrlPr>
+                            </m:sSubPr>
+                            <m:e>
+                              <m:r>
+                                <a:rPr lang="en-US" b="0" i="1" smtClean="0">
+                                  <a:latin typeface="Cambria Math"/>
+                                </a:rPr>
+                                <m:t>𝑦</m:t>
+                              </m:r>
+                            </m:e>
+                            <m:sub>
+                              <m:r>
+                                <a:rPr lang="en-US" b="0" i="1" smtClean="0">
+                                  <a:latin typeface="Cambria Math"/>
+                                </a:rPr>
+                                <m:t>𝑡</m:t>
+                              </m:r>
+                            </m:sub>
+                          </m:sSub>
+                        </m:e>
+                      </m:d>
+                      <m:r>
+                        <a:rPr lang="en-US" b="0" i="1" smtClean="0">
+                          <a:latin typeface="Cambria Math"/>
+                        </a:rPr>
+                        <m:t>−</m:t>
+                      </m:r>
+                      <m:r>
+                        <a:rPr lang="en-US" b="0" i="1" smtClean="0">
+                          <a:latin typeface="Cambria Math"/>
+                        </a:rPr>
+                        <m:t>𝑓</m:t>
+                      </m:r>
+                      <m:d>
+                        <m:dPr>
+                          <m:ctrlPr>
+                            <a:rPr lang="en-US" b="0" i="1" smtClean="0">
+                              <a:latin typeface="Cambria Math"/>
+                            </a:rPr>
+                          </m:ctrlPr>
+                        </m:dPr>
+                        <m:e>
+                          <m:sSup>
+                            <m:sSupPr>
+                              <m:ctrlPr>
+                                <a:rPr lang="en-US" b="0" i="1" smtClean="0">
+                                  <a:latin typeface="Cambria Math"/>
+                                </a:rPr>
+                              </m:ctrlPr>
+                            </m:sSupPr>
+                            <m:e>
+                              <m:r>
+                                <a:rPr lang="en-US" b="0" i="1" smtClean="0">
+                                  <a:latin typeface="Cambria Math"/>
+                                </a:rPr>
+                                <m:t>𝑥</m:t>
+                              </m:r>
+                            </m:e>
+                            <m:sup>
+                              <m:r>
+                                <a:rPr lang="en-US" b="0" i="1" smtClean="0">
+                                  <a:latin typeface="Cambria Math"/>
+                                </a:rPr>
+                                <m:t>∗</m:t>
+                              </m:r>
+                            </m:sup>
+                          </m:sSup>
+                        </m:e>
+                      </m:d>
+                      <m:r>
+                        <a:rPr lang="en-US" b="0" i="1" smtClean="0">
+                          <a:latin typeface="Cambria Math"/>
+                        </a:rPr>
+                        <m:t>≤</m:t>
+                      </m:r>
+                      <m:f>
+                        <m:fPr>
+                          <m:ctrlPr>
+                            <a:rPr lang="en-US" b="0" i="1" smtClean="0">
+                              <a:latin typeface="Cambria Math"/>
+                            </a:rPr>
+                          </m:ctrlPr>
+                        </m:fPr>
+                        <m:num>
+                          <m:r>
+                            <a:rPr lang="en-US" b="0" i="1" smtClean="0">
+                              <a:latin typeface="Cambria Math"/>
+                            </a:rPr>
+                            <m:t>2</m:t>
+                          </m:r>
+                          <m:r>
+                            <a:rPr lang="en-US" b="0" i="1" smtClean="0">
+                              <a:latin typeface="Cambria Math"/>
+                            </a:rPr>
+                            <m:t>𝛽</m:t>
+                          </m:r>
+                          <m:sSup>
+                            <m:sSupPr>
+                              <m:ctrlPr>
+                                <a:rPr lang="en-US" b="0" i="1" smtClean="0">
+                                  <a:latin typeface="Cambria Math"/>
+                                </a:rPr>
+                              </m:ctrlPr>
+                            </m:sSupPr>
+                            <m:e>
+                              <m:d>
+                                <m:dPr>
+                                  <m:begChr m:val="|"/>
+                                  <m:endChr m:val="|"/>
+                                  <m:ctrlPr>
+                                    <a:rPr lang="en-US" b="0" i="1" smtClean="0">
+                                      <a:latin typeface="Cambria Math"/>
+                                    </a:rPr>
+                                  </m:ctrlPr>
+                                </m:dPr>
+                                <m:e>
+                                  <m:d>
+                                    <m:dPr>
+                                      <m:begChr m:val="|"/>
+                                      <m:endChr m:val="|"/>
+                                      <m:ctrlPr>
+                                        <a:rPr lang="en-US" b="0" i="1" smtClean="0">
+                                          <a:latin typeface="Cambria Math"/>
+                                        </a:rPr>
+                                      </m:ctrlPr>
+                                    </m:dPr>
+                                    <m:e>
+                                      <m:sSub>
+                                        <m:sSubPr>
+                                          <m:ctrlPr>
+                                            <a:rPr lang="en-US" b="0" i="1" smtClean="0">
+                                              <a:latin typeface="Cambria Math"/>
+                                            </a:rPr>
+                                          </m:ctrlPr>
+                                        </m:sSubPr>
+                                        <m:e>
+                                          <m:r>
+                                            <a:rPr lang="en-US" b="0" i="1" smtClean="0">
+                                              <a:latin typeface="Cambria Math"/>
+                                            </a:rPr>
+                                            <m:t>𝑥</m:t>
+                                          </m:r>
+                                        </m:e>
+                                        <m:sub>
+                                          <m:r>
+                                            <a:rPr lang="en-US" b="0" i="1" smtClean="0">
+                                              <a:latin typeface="Cambria Math"/>
+                                            </a:rPr>
+                                            <m:t>1</m:t>
+                                          </m:r>
+                                        </m:sub>
+                                      </m:sSub>
+                                      <m:r>
+                                        <a:rPr lang="en-US" b="0" i="1" smtClean="0">
+                                          <a:latin typeface="Cambria Math"/>
+                                        </a:rPr>
+                                        <m:t>−</m:t>
+                                      </m:r>
+                                      <m:sSup>
+                                        <m:sSupPr>
+                                          <m:ctrlPr>
+                                            <a:rPr lang="en-US" b="0" i="1" smtClean="0">
+                                              <a:latin typeface="Cambria Math"/>
+                                            </a:rPr>
+                                          </m:ctrlPr>
+                                        </m:sSupPr>
+                                        <m:e>
+                                          <m:r>
+                                            <a:rPr lang="en-US" b="0" i="1" smtClean="0">
+                                              <a:latin typeface="Cambria Math"/>
+                                            </a:rPr>
+                                            <m:t>𝑥</m:t>
+                                          </m:r>
+                                        </m:e>
+                                        <m:sup>
+                                          <m:r>
+                                            <a:rPr lang="en-US" b="0" i="1" smtClean="0">
+                                              <a:latin typeface="Cambria Math"/>
+                                            </a:rPr>
+                                            <m:t>∗</m:t>
+                                          </m:r>
+                                        </m:sup>
+                                      </m:sSup>
+                                    </m:e>
+                                  </m:d>
+                                </m:e>
+                              </m:d>
+                            </m:e>
+                            <m:sup>
+                              <m:r>
+                                <a:rPr lang="en-US" b="0" i="1" smtClean="0">
+                                  <a:latin typeface="Cambria Math"/>
+                                </a:rPr>
+                                <m:t>2</m:t>
+                              </m:r>
+                            </m:sup>
+                          </m:sSup>
+                        </m:num>
+                        <m:den>
+                          <m:sSup>
+                            <m:sSupPr>
+                              <m:ctrlPr>
+                                <a:rPr lang="en-US" b="0" i="1" smtClean="0">
+                                  <a:latin typeface="Cambria Math"/>
+                                </a:rPr>
+                              </m:ctrlPr>
+                            </m:sSupPr>
+                            <m:e>
+                              <m:r>
+                                <a:rPr lang="en-US" b="0" i="1" smtClean="0">
+                                  <a:latin typeface="Cambria Math"/>
+                                </a:rPr>
+                                <m:t>𝑡</m:t>
+                              </m:r>
+                            </m:e>
+                            <m:sup>
+                              <m:r>
+                                <a:rPr lang="en-US" b="0" i="1" smtClean="0">
+                                  <a:latin typeface="Cambria Math"/>
+                                </a:rPr>
+                                <m:t>2</m:t>
+                              </m:r>
+                            </m:sup>
+                          </m:sSup>
+                        </m:den>
+                      </m:f>
+                    </m:oMath>
+                  </m:oMathPara>
+                </a14:m>
+                <a:endParaRPr lang="en-US" dirty="0"/>
+              </a:p>
+            </p:txBody>
+          </p:sp>
+        </mc:Choice>
+        <mc:Fallback>
+          <p:sp>
+            <p:nvSpPr>
+              <p:cNvPr id="3" name="Content Placeholder 2"/>
+              <p:cNvSpPr>
+                <a:spLocks noGrp="1" noRot="1" noChangeAspect="1" noMove="1" noResize="1" noEditPoints="1" noAdjustHandles="1" noChangeArrowheads="1" noChangeShapeType="1" noTextEdit="1"/>
+              </p:cNvSpPr>
+              <p:nvPr>
+                <p:ph idx="1"/>
+              </p:nvPr>
+            </p:nvSpPr>
+            <p:spPr>
+              <a:blipFill rotWithShape="1">
+                <a:blip r:embed="rId2"/>
+                <a:stretch>
+                  <a:fillRect l="-1185"/>
+                </a:stretch>
+              </a:blipFill>
+            </p:spPr>
+            <p:txBody>
+              <a:bodyPr/>
+              <a:lstStyle/>
+              <a:p>
+                <a:r>
+                  <a:rPr lang="en-US">
+                    <a:noFill/>
+                  </a:rPr>
+                  <a:t> </a:t>
+                </a:r>
+              </a:p>
+            </p:txBody>
+          </p:sp>
+        </mc:Fallback>
+      </mc:AlternateContent>
+    </p:spTree>
+    <p:extLst>
+      <p:ext uri="{BB962C8B-B14F-4D97-AF65-F5344CB8AC3E}">
+        <p14:creationId xmlns:p14="http://schemas.microsoft.com/office/powerpoint/2010/main" val="2975325917"/>
+      </p:ext>
+    </p:extLst>
+  </p:cSld>
+  <p:clrMapOvr>
+    <a:masterClrMapping/>
+  </p:clrMapOvr>
+  <p:timing>
+    <p:tnLst>
+      <p:par>
+        <p:cTn id="1" dur="indefinite" restart="never" nodeType="tmRoot"/>
+      </p:par>
+    </p:tnLst>
+  </p:timing>
+</p:sld>
+</file>
+
+<file path=ppt/slides/slide11.xml><?xml version="1.0" encoding="utf-8"?>
+<p:sld xmlns:a="http://schemas.openxmlformats.org/drawingml/2006/main" xmlns:r="http://schemas.openxmlformats.org/officeDocument/2006/relationships" xmlns:p="http://schemas.openxmlformats.org/presentationml/2006/main">
+  <p:cSld>
+    <p:spTree>
+      <p:nvGrpSpPr>
+        <p:cNvPr id="1" name=""/>
+        <p:cNvGrpSpPr/>
+        <p:nvPr/>
+      </p:nvGrpSpPr>
+      <p:grpSpPr>
+        <a:xfrm>
+          <a:off x="0" y="0"/>
+          <a:ext cx="0" cy="0"/>
+          <a:chOff x="0" y="0"/>
+          <a:chExt cx="0" cy="0"/>
+        </a:xfrm>
+      </p:grpSpPr>
+      <p:sp>
+        <p:nvSpPr>
+          <p:cNvPr id="2" name="Title 1"/>
+          <p:cNvSpPr>
+            <a:spLocks noGrp="1"/>
+          </p:cNvSpPr>
+          <p:nvPr>
+            <p:ph type="title"/>
+          </p:nvPr>
+        </p:nvSpPr>
+        <p:spPr/>
+        <p:txBody>
+          <a:bodyPr>
+            <a:normAutofit fontScale="90000"/>
+          </a:bodyPr>
+          <a:lstStyle/>
+          <a:p>
+            <a:r>
+              <a:rPr lang="en-US" dirty="0" smtClean="0">
+                <a:solidFill>
+                  <a:srgbClr val="0070C0"/>
+                </a:solidFill>
+              </a:rPr>
+              <a:t>Accelerated Gradient Descent: Analysis</a:t>
+            </a:r>
+            <a:endParaRPr lang="en-US" dirty="0"/>
+          </a:p>
+        </p:txBody>
+      </p:sp>
+      <mc:AlternateContent xmlns:mc="http://schemas.openxmlformats.org/markup-compatibility/2006">
+        <mc:Choice xmlns:a14="http://schemas.microsoft.com/office/drawing/2010/main" Requires="a14">
+          <p:sp>
+            <p:nvSpPr>
+              <p:cNvPr id="3" name="Content Placeholder 2"/>
+              <p:cNvSpPr>
+                <a:spLocks noGrp="1"/>
+              </p:cNvSpPr>
+              <p:nvPr>
+                <p:ph idx="1"/>
+              </p:nvPr>
+            </p:nvSpPr>
+            <p:spPr/>
+            <p:txBody>
+              <a:bodyPr>
+                <a:normAutofit fontScale="85000" lnSpcReduction="10000"/>
+              </a:bodyPr>
+              <a:lstStyle/>
+              <a:p>
+                <a14:m>
+                  <m:oMath xmlns:m="http://schemas.openxmlformats.org/officeDocument/2006/math">
+                    <m:r>
+                      <a:rPr lang="en-US" b="0" i="1" smtClean="0">
+                        <a:latin typeface="Cambria Math"/>
+                      </a:rPr>
+                      <m:t>𝑓</m:t>
+                    </m:r>
+                    <m:d>
+                      <m:dPr>
+                        <m:ctrlPr>
+                          <a:rPr lang="en-US" b="0" i="1" smtClean="0">
+                            <a:latin typeface="Cambria Math"/>
+                          </a:rPr>
+                        </m:ctrlPr>
+                      </m:dPr>
+                      <m:e>
+                        <m:r>
+                          <a:rPr lang="en-US" b="0" i="1" smtClean="0">
+                            <a:latin typeface="Cambria Math"/>
+                          </a:rPr>
+                          <m:t>𝑥</m:t>
+                        </m:r>
+                        <m:r>
+                          <a:rPr lang="en-US" b="0" i="1" smtClean="0">
+                            <a:latin typeface="Cambria Math"/>
+                          </a:rPr>
+                          <m:t> −</m:t>
+                        </m:r>
+                        <m:f>
+                          <m:fPr>
+                            <m:ctrlPr>
+                              <a:rPr lang="en-US" b="0" i="1" smtClean="0">
+                                <a:latin typeface="Cambria Math"/>
+                              </a:rPr>
+                            </m:ctrlPr>
+                          </m:fPr>
+                          <m:num>
+                            <m:r>
+                              <a:rPr lang="en-US" b="0" i="1" smtClean="0">
+                                <a:latin typeface="Cambria Math"/>
+                              </a:rPr>
+                              <m:t>1</m:t>
+                            </m:r>
+                          </m:num>
+                          <m:den>
+                            <m:r>
+                              <a:rPr lang="en-US" b="0" i="1" smtClean="0">
+                                <a:latin typeface="Cambria Math"/>
+                              </a:rPr>
+                              <m:t>𝛽</m:t>
+                            </m:r>
+                          </m:den>
+                        </m:f>
+                        <m:r>
+                          <a:rPr lang="en-US" b="0" i="0" smtClean="0">
+                            <a:latin typeface="Cambria Math"/>
+                          </a:rPr>
+                          <m:t>∇</m:t>
+                        </m:r>
+                        <m:r>
+                          <m:rPr>
+                            <m:sty m:val="p"/>
+                          </m:rPr>
+                          <a:rPr lang="en-US" b="0" i="0" smtClean="0">
+                            <a:latin typeface="Cambria Math"/>
+                          </a:rPr>
+                          <m:t>f</m:t>
+                        </m:r>
+                        <m:d>
+                          <m:dPr>
+                            <m:ctrlPr>
+                              <a:rPr lang="en-US" b="0" i="0" smtClean="0">
+                                <a:latin typeface="Cambria Math"/>
+                              </a:rPr>
+                            </m:ctrlPr>
+                          </m:dPr>
+                          <m:e>
+                            <m:r>
+                              <m:rPr>
+                                <m:sty m:val="p"/>
+                              </m:rPr>
+                              <a:rPr lang="en-US" b="0" i="0" smtClean="0">
+                                <a:latin typeface="Cambria Math"/>
+                              </a:rPr>
+                              <m:t>x</m:t>
+                            </m:r>
+                          </m:e>
+                        </m:d>
+                      </m:e>
+                    </m:d>
+                    <m:r>
+                      <a:rPr lang="en-US" b="0" i="1" smtClean="0">
+                        <a:latin typeface="Cambria Math"/>
+                      </a:rPr>
+                      <m:t>−</m:t>
+                    </m:r>
+                    <m:r>
+                      <a:rPr lang="en-US" b="0" i="1" smtClean="0">
+                        <a:latin typeface="Cambria Math"/>
+                      </a:rPr>
+                      <m:t>𝑓</m:t>
+                    </m:r>
+                    <m:d>
+                      <m:dPr>
+                        <m:ctrlPr>
+                          <a:rPr lang="en-US" b="0" i="1" smtClean="0">
+                            <a:latin typeface="Cambria Math"/>
+                          </a:rPr>
+                        </m:ctrlPr>
+                      </m:dPr>
+                      <m:e>
+                        <m:r>
+                          <a:rPr lang="en-US" b="0" i="1" smtClean="0">
+                            <a:latin typeface="Cambria Math"/>
+                          </a:rPr>
+                          <m:t>𝑦</m:t>
+                        </m:r>
+                      </m:e>
+                    </m:d>
+                    <m:r>
+                      <a:rPr lang="en-US" b="0" i="1" smtClean="0">
+                        <a:latin typeface="Cambria Math"/>
+                      </a:rPr>
+                      <m:t>≤</m:t>
+                    </m:r>
+                  </m:oMath>
+                </a14:m>
+                <a:endParaRPr lang="en-US" b="0" dirty="0" smtClean="0"/>
+              </a:p>
+              <a:p>
+                <a:pPr marL="0" indent="0">
+                  <a:buNone/>
+                </a:pPr>
+                <a14:m>
+                  <m:oMathPara xmlns:m="http://schemas.openxmlformats.org/officeDocument/2006/math">
+                    <m:oMathParaPr>
+                      <m:jc m:val="centerGroup"/>
+                    </m:oMathParaPr>
+                    <m:oMath xmlns:m="http://schemas.openxmlformats.org/officeDocument/2006/math">
+                      <m:r>
+                        <a:rPr lang="en-US" b="0" i="1" smtClean="0">
+                          <a:latin typeface="Cambria Math"/>
+                        </a:rPr>
+                        <m:t>≤</m:t>
+                      </m:r>
+                      <m:r>
+                        <a:rPr lang="en-US" b="0" i="1" smtClean="0">
+                          <a:latin typeface="Cambria Math"/>
+                        </a:rPr>
+                        <m:t>𝑓</m:t>
+                      </m:r>
+                      <m:d>
+                        <m:dPr>
+                          <m:ctrlPr>
+                            <a:rPr lang="en-US" b="0" i="1" smtClean="0">
+                              <a:latin typeface="Cambria Math"/>
+                            </a:rPr>
+                          </m:ctrlPr>
+                        </m:dPr>
+                        <m:e>
+                          <m:r>
+                            <a:rPr lang="en-US" b="0" i="1" smtClean="0">
+                              <a:latin typeface="Cambria Math"/>
+                            </a:rPr>
+                            <m:t>𝑥</m:t>
+                          </m:r>
+                          <m:r>
+                            <a:rPr lang="en-US" b="0" i="1" smtClean="0">
+                              <a:latin typeface="Cambria Math"/>
+                            </a:rPr>
+                            <m:t> −</m:t>
+                          </m:r>
+                          <m:f>
+                            <m:fPr>
+                              <m:ctrlPr>
+                                <a:rPr lang="en-US" b="0" i="1" smtClean="0">
+                                  <a:latin typeface="Cambria Math"/>
+                                </a:rPr>
+                              </m:ctrlPr>
+                            </m:fPr>
+                            <m:num>
+                              <m:r>
+                                <a:rPr lang="en-US" b="0" i="1" smtClean="0">
+                                  <a:latin typeface="Cambria Math"/>
+                                </a:rPr>
+                                <m:t>1</m:t>
+                              </m:r>
+                            </m:num>
+                            <m:den>
+                              <m:r>
+                                <a:rPr lang="en-US" b="0" i="1" smtClean="0">
+                                  <a:latin typeface="Cambria Math"/>
+                                </a:rPr>
+                                <m:t>𝛽</m:t>
+                              </m:r>
+                            </m:den>
+                          </m:f>
+                          <m:r>
+                            <a:rPr lang="en-US" b="0" i="0" smtClean="0">
+                              <a:latin typeface="Cambria Math"/>
+                            </a:rPr>
+                            <m:t>𝛻</m:t>
+                          </m:r>
+                          <m:r>
+                            <m:rPr>
+                              <m:sty m:val="p"/>
+                            </m:rPr>
+                            <a:rPr lang="en-US" b="0" i="0" smtClean="0">
+                              <a:latin typeface="Cambria Math"/>
+                            </a:rPr>
+                            <m:t>f</m:t>
+                          </m:r>
+                          <m:d>
+                            <m:dPr>
+                              <m:ctrlPr>
+                                <a:rPr lang="en-US" b="0" i="1" smtClean="0">
+                                  <a:latin typeface="Cambria Math"/>
+                                </a:rPr>
+                              </m:ctrlPr>
+                            </m:dPr>
+                            <m:e>
+                              <m:r>
+                                <m:rPr>
+                                  <m:sty m:val="p"/>
+                                </m:rPr>
+                                <a:rPr lang="en-US" b="0" i="0" smtClean="0">
+                                  <a:latin typeface="Cambria Math"/>
+                                </a:rPr>
+                                <m:t>x</m:t>
+                              </m:r>
+                            </m:e>
+                          </m:d>
+                        </m:e>
+                      </m:d>
+                      <m:r>
+                        <a:rPr lang="en-US" b="0" i="1" smtClean="0">
+                          <a:latin typeface="Cambria Math"/>
+                        </a:rPr>
+                        <m:t>−</m:t>
+                      </m:r>
+                      <m:r>
+                        <a:rPr lang="en-US" b="0" i="1" smtClean="0">
+                          <a:latin typeface="Cambria Math"/>
+                        </a:rPr>
+                        <m:t>𝑓</m:t>
+                      </m:r>
+                      <m:d>
+                        <m:dPr>
+                          <m:ctrlPr>
+                            <a:rPr lang="en-US" b="0" i="1" smtClean="0">
+                              <a:latin typeface="Cambria Math"/>
+                            </a:rPr>
+                          </m:ctrlPr>
+                        </m:dPr>
+                        <m:e>
+                          <m:r>
+                            <a:rPr lang="en-US" b="0" i="1" smtClean="0">
+                              <a:latin typeface="Cambria Math"/>
+                            </a:rPr>
+                            <m:t>𝑥</m:t>
+                          </m:r>
+                        </m:e>
+                      </m:d>
+                      <m:r>
+                        <a:rPr lang="en-US" b="0" i="1" smtClean="0">
+                          <a:latin typeface="Cambria Math"/>
+                        </a:rPr>
+                        <m:t>+</m:t>
+                      </m:r>
+                      <m:r>
+                        <a:rPr lang="en-US" b="0" i="0" smtClean="0">
+                          <a:latin typeface="Cambria Math"/>
+                        </a:rPr>
+                        <m:t>∇</m:t>
+                      </m:r>
+                      <m:r>
+                        <a:rPr lang="en-US" b="0" i="1" smtClean="0">
+                          <a:latin typeface="Cambria Math"/>
+                        </a:rPr>
+                        <m:t>𝑓</m:t>
+                      </m:r>
+                      <m:sSup>
+                        <m:sSupPr>
+                          <m:ctrlPr>
+                            <a:rPr lang="en-US" b="0" i="1" smtClean="0">
+                              <a:latin typeface="Cambria Math"/>
+                            </a:rPr>
+                          </m:ctrlPr>
+                        </m:sSupPr>
+                        <m:e>
+                          <m:d>
+                            <m:dPr>
+                              <m:ctrlPr>
+                                <a:rPr lang="en-US" b="0" i="1" smtClean="0">
+                                  <a:latin typeface="Cambria Math"/>
+                                </a:rPr>
+                              </m:ctrlPr>
+                            </m:dPr>
+                            <m:e>
+                              <m:r>
+                                <a:rPr lang="en-US" b="0" i="1" smtClean="0">
+                                  <a:latin typeface="Cambria Math"/>
+                                </a:rPr>
+                                <m:t>𝑥</m:t>
+                              </m:r>
+                            </m:e>
+                          </m:d>
+                        </m:e>
+                        <m:sup>
+                          <m:r>
+                            <a:rPr lang="en-US" b="0" i="1" smtClean="0">
+                              <a:latin typeface="Cambria Math"/>
+                            </a:rPr>
+                            <m:t>𝑇</m:t>
+                          </m:r>
+                        </m:sup>
+                      </m:sSup>
+                      <m:d>
+                        <m:dPr>
+                          <m:ctrlPr>
+                            <a:rPr lang="en-US" b="0" i="1" smtClean="0">
+                              <a:latin typeface="Cambria Math"/>
+                            </a:rPr>
+                          </m:ctrlPr>
+                        </m:dPr>
+                        <m:e>
+                          <m:r>
+                            <a:rPr lang="en-US" b="0" i="1" smtClean="0">
+                              <a:latin typeface="Cambria Math"/>
+                            </a:rPr>
+                            <m:t>𝑥</m:t>
+                          </m:r>
+                          <m:r>
+                            <a:rPr lang="en-US" b="0" i="1" smtClean="0">
+                              <a:latin typeface="Cambria Math"/>
+                            </a:rPr>
+                            <m:t>−</m:t>
+                          </m:r>
+                          <m:r>
+                            <a:rPr lang="en-US" b="0" i="1" smtClean="0">
+                              <a:latin typeface="Cambria Math"/>
+                            </a:rPr>
+                            <m:t>𝑦</m:t>
+                          </m:r>
+                        </m:e>
+                      </m:d>
+                    </m:oMath>
+                  </m:oMathPara>
+                </a14:m>
+                <a:endParaRPr lang="en-US" b="0" dirty="0" smtClean="0"/>
+              </a:p>
+              <a:p>
+                <a:pPr marL="0" indent="0" algn="ctr">
+                  <a:buNone/>
+                </a:pPr>
+                <a14:m>
+                  <m:oMath xmlns:m="http://schemas.openxmlformats.org/officeDocument/2006/math">
+                    <m:r>
+                      <a:rPr lang="en-US" b="0" i="1" smtClean="0">
+                        <a:latin typeface="Cambria Math"/>
+                      </a:rPr>
+                      <m:t>≤</m:t>
+                    </m:r>
+                    <m:r>
+                      <a:rPr lang="en-US" b="0" i="0" smtClean="0">
+                        <a:latin typeface="Cambria Math"/>
+                      </a:rPr>
+                      <m:t>∇</m:t>
+                    </m:r>
+                    <m:sSup>
+                      <m:sSupPr>
+                        <m:ctrlPr>
+                          <a:rPr lang="en-US" b="0" i="1" smtClean="0">
+                            <a:latin typeface="Cambria Math"/>
+                          </a:rPr>
+                        </m:ctrlPr>
+                      </m:sSupPr>
+                      <m:e>
+                        <m:r>
+                          <a:rPr lang="en-US" b="0" i="1" smtClean="0">
+                            <a:latin typeface="Cambria Math"/>
+                          </a:rPr>
+                          <m:t>𝑓</m:t>
+                        </m:r>
+                        <m:d>
+                          <m:dPr>
+                            <m:ctrlPr>
+                              <a:rPr lang="en-US" b="0" i="1" smtClean="0">
+                                <a:latin typeface="Cambria Math"/>
+                              </a:rPr>
+                            </m:ctrlPr>
+                          </m:dPr>
+                          <m:e>
+                            <m:r>
+                              <a:rPr lang="en-US" b="0" i="1" smtClean="0">
+                                <a:latin typeface="Cambria Math"/>
+                              </a:rPr>
+                              <m:t>𝑥</m:t>
+                            </m:r>
+                          </m:e>
+                        </m:d>
+                      </m:e>
+                      <m:sup>
+                        <m:r>
+                          <a:rPr lang="en-US" b="0" i="1" smtClean="0">
+                            <a:latin typeface="Cambria Math"/>
+                          </a:rPr>
+                          <m:t>𝑇</m:t>
+                        </m:r>
+                      </m:sup>
+                    </m:sSup>
+                    <m:d>
+                      <m:dPr>
+                        <m:ctrlPr>
+                          <a:rPr lang="en-US" b="0" i="1" smtClean="0">
+                            <a:latin typeface="Cambria Math"/>
+                          </a:rPr>
+                        </m:ctrlPr>
+                      </m:dPr>
+                      <m:e>
+                        <m:r>
+                          <a:rPr lang="en-US" b="0" i="1" smtClean="0">
+                            <a:latin typeface="Cambria Math"/>
+                          </a:rPr>
+                          <m:t>𝑥</m:t>
+                        </m:r>
+                        <m:r>
+                          <a:rPr lang="en-US" b="0" i="1" smtClean="0">
+                            <a:latin typeface="Cambria Math"/>
+                          </a:rPr>
+                          <m:t> −</m:t>
+                        </m:r>
+                        <m:f>
+                          <m:fPr>
+                            <m:ctrlPr>
+                              <a:rPr lang="en-US" b="0" i="1" smtClean="0">
+                                <a:latin typeface="Cambria Math"/>
+                              </a:rPr>
+                            </m:ctrlPr>
+                          </m:fPr>
+                          <m:num>
+                            <m:r>
+                              <a:rPr lang="en-US" b="0" i="1" smtClean="0">
+                                <a:latin typeface="Cambria Math"/>
+                              </a:rPr>
+                              <m:t>1</m:t>
+                            </m:r>
+                          </m:num>
+                          <m:den>
+                            <m:r>
+                              <a:rPr lang="en-US" b="0" i="1" smtClean="0">
+                                <a:latin typeface="Cambria Math"/>
+                              </a:rPr>
+                              <m:t>𝛽</m:t>
+                            </m:r>
+                          </m:den>
+                        </m:f>
+                        <m:r>
+                          <a:rPr lang="en-US" b="0" i="0" smtClean="0">
+                            <a:latin typeface="Cambria Math"/>
+                          </a:rPr>
+                          <m:t>𝛻</m:t>
+                        </m:r>
+                        <m:r>
+                          <m:rPr>
+                            <m:sty m:val="p"/>
+                          </m:rPr>
+                          <a:rPr lang="en-US" b="0" i="0" smtClean="0">
+                            <a:latin typeface="Cambria Math"/>
+                          </a:rPr>
+                          <m:t>f</m:t>
+                        </m:r>
+                        <m:d>
+                          <m:dPr>
+                            <m:ctrlPr>
+                              <a:rPr lang="en-US" b="0" i="1" smtClean="0">
+                                <a:latin typeface="Cambria Math"/>
+                              </a:rPr>
+                            </m:ctrlPr>
+                          </m:dPr>
+                          <m:e>
+                            <m:r>
+                              <m:rPr>
+                                <m:sty m:val="p"/>
+                              </m:rPr>
+                              <a:rPr lang="en-US" b="0" i="0" smtClean="0">
+                                <a:latin typeface="Cambria Math"/>
+                              </a:rPr>
+                              <m:t>x</m:t>
+                            </m:r>
+                          </m:e>
+                        </m:d>
+                        <m:r>
+                          <a:rPr lang="en-US" b="0" i="1" smtClean="0">
+                            <a:latin typeface="Cambria Math"/>
+                          </a:rPr>
+                          <m:t>−</m:t>
+                        </m:r>
+                        <m:r>
+                          <a:rPr lang="en-US" b="0" i="1" smtClean="0">
+                            <a:latin typeface="Cambria Math"/>
+                          </a:rPr>
+                          <m:t>𝑥</m:t>
+                        </m:r>
+                      </m:e>
+                    </m:d>
+                    <m:r>
+                      <a:rPr lang="en-US" b="0" i="1" smtClean="0">
+                        <a:latin typeface="Cambria Math"/>
+                      </a:rPr>
+                      <m:t>+</m:t>
+                    </m:r>
+                    <m:f>
+                      <m:fPr>
+                        <m:ctrlPr>
+                          <a:rPr lang="en-US" b="0" i="1" smtClean="0">
+                            <a:latin typeface="Cambria Math"/>
+                          </a:rPr>
+                        </m:ctrlPr>
+                      </m:fPr>
+                      <m:num>
+                        <m:r>
+                          <a:rPr lang="en-US" b="0" i="1" smtClean="0">
+                            <a:latin typeface="Cambria Math"/>
+                          </a:rPr>
+                          <m:t>𝛽</m:t>
+                        </m:r>
+                      </m:num>
+                      <m:den>
+                        <m:r>
+                          <a:rPr lang="en-US" b="0" i="1" smtClean="0">
+                            <a:latin typeface="Cambria Math"/>
+                          </a:rPr>
+                          <m:t>2</m:t>
+                        </m:r>
+                      </m:den>
+                    </m:f>
+                    <m:sSubSup>
+                      <m:sSubSupPr>
+                        <m:ctrlPr>
+                          <a:rPr lang="en-US" b="0" i="1" smtClean="0">
+                            <a:latin typeface="Cambria Math"/>
+                          </a:rPr>
+                        </m:ctrlPr>
+                      </m:sSubSupPr>
+                      <m:e>
+                        <m:d>
+                          <m:dPr>
+                            <m:begChr m:val="|"/>
+                            <m:endChr m:val="|"/>
+                            <m:ctrlPr>
+                              <a:rPr lang="en-US" b="0" i="1" smtClean="0">
+                                <a:latin typeface="Cambria Math"/>
+                              </a:rPr>
+                            </m:ctrlPr>
+                          </m:dPr>
+                          <m:e>
+                            <m:d>
+                              <m:dPr>
+                                <m:begChr m:val="|"/>
+                                <m:endChr m:val="|"/>
+                                <m:ctrlPr>
+                                  <a:rPr lang="en-US" b="0" i="1" smtClean="0">
+                                    <a:latin typeface="Cambria Math"/>
+                                  </a:rPr>
+                                </m:ctrlPr>
+                              </m:dPr>
+                              <m:e>
+                                <m:r>
+                                  <a:rPr lang="en-US" b="0" i="1" smtClean="0">
+                                    <a:latin typeface="Cambria Math"/>
+                                  </a:rPr>
+                                  <m:t>𝑥</m:t>
+                                </m:r>
+                                <m:r>
+                                  <a:rPr lang="en-US" b="0" i="1" smtClean="0">
+                                    <a:latin typeface="Cambria Math"/>
+                                  </a:rPr>
+                                  <m:t> −</m:t>
+                                </m:r>
+                                <m:f>
+                                  <m:fPr>
+                                    <m:ctrlPr>
+                                      <a:rPr lang="en-US" b="0" i="1" smtClean="0">
+                                        <a:latin typeface="Cambria Math"/>
+                                      </a:rPr>
+                                    </m:ctrlPr>
+                                  </m:fPr>
+                                  <m:num>
+                                    <m:r>
+                                      <a:rPr lang="en-US" b="0" i="1" smtClean="0">
+                                        <a:latin typeface="Cambria Math"/>
+                                      </a:rPr>
+                                      <m:t>1</m:t>
+                                    </m:r>
+                                  </m:num>
+                                  <m:den>
+                                    <m:r>
+                                      <a:rPr lang="en-US" b="0" i="1" smtClean="0">
+                                        <a:latin typeface="Cambria Math"/>
+                                      </a:rPr>
+                                      <m:t>𝛽</m:t>
+                                    </m:r>
+                                  </m:den>
+                                </m:f>
+                                <m:r>
+                                  <a:rPr lang="en-US" b="0" i="0" smtClean="0">
+                                    <a:latin typeface="Cambria Math"/>
+                                  </a:rPr>
+                                  <m:t>𝛻</m:t>
+                                </m:r>
+                                <m:r>
+                                  <m:rPr>
+                                    <m:sty m:val="p"/>
+                                  </m:rPr>
+                                  <a:rPr lang="en-US" b="0" i="0" smtClean="0">
+                                    <a:latin typeface="Cambria Math"/>
+                                  </a:rPr>
+                                  <m:t>f</m:t>
+                                </m:r>
+                                <m:d>
+                                  <m:dPr>
+                                    <m:ctrlPr>
+                                      <a:rPr lang="en-US" b="0" i="1" smtClean="0">
+                                        <a:latin typeface="Cambria Math"/>
+                                      </a:rPr>
+                                    </m:ctrlPr>
+                                  </m:dPr>
+                                  <m:e>
+                                    <m:r>
+                                      <m:rPr>
+                                        <m:sty m:val="p"/>
+                                      </m:rPr>
+                                      <a:rPr lang="en-US" b="0" i="0" smtClean="0">
+                                        <a:latin typeface="Cambria Math"/>
+                                      </a:rPr>
+                                      <m:t>x</m:t>
+                                    </m:r>
+                                  </m:e>
+                                </m:d>
+                                <m:r>
+                                  <a:rPr lang="en-US" b="0" i="1" smtClean="0">
+                                    <a:latin typeface="Cambria Math"/>
+                                  </a:rPr>
+                                  <m:t>−</m:t>
+                                </m:r>
+                                <m:r>
+                                  <a:rPr lang="en-US" b="0" i="1" smtClean="0">
+                                    <a:latin typeface="Cambria Math"/>
+                                  </a:rPr>
+                                  <m:t>𝑥</m:t>
+                                </m:r>
+                              </m:e>
+                            </m:d>
+                          </m:e>
+                        </m:d>
+                      </m:e>
+                      <m:sub>
+                        <m:r>
+                          <a:rPr lang="en-US" b="0" i="1" smtClean="0">
+                            <a:latin typeface="Cambria Math"/>
+                          </a:rPr>
+                          <m:t>2</m:t>
+                        </m:r>
+                      </m:sub>
+                      <m:sup>
+                        <m:r>
+                          <a:rPr lang="en-US" b="0" i="1" smtClean="0">
+                            <a:latin typeface="Cambria Math"/>
+                          </a:rPr>
+                          <m:t>2</m:t>
+                        </m:r>
+                      </m:sup>
+                    </m:sSubSup>
+                    <m:r>
+                      <a:rPr lang="en-US" b="0" i="1" smtClean="0">
+                        <a:latin typeface="Cambria Math"/>
+                      </a:rPr>
+                      <m:t>+</m:t>
+                    </m:r>
+                    <m:r>
+                      <a:rPr lang="en-US" b="0" i="0" smtClean="0">
+                        <a:latin typeface="Cambria Math"/>
+                      </a:rPr>
+                      <m:t>𝛻</m:t>
+                    </m:r>
+                    <m:r>
+                      <a:rPr lang="en-US" b="0" i="1" smtClean="0">
+                        <a:latin typeface="Cambria Math"/>
+                      </a:rPr>
+                      <m:t>𝑓</m:t>
+                    </m:r>
+                    <m:sSup>
+                      <m:sSupPr>
+                        <m:ctrlPr>
+                          <a:rPr lang="en-US" b="0" i="1" smtClean="0">
+                            <a:latin typeface="Cambria Math"/>
+                          </a:rPr>
+                        </m:ctrlPr>
+                      </m:sSupPr>
+                      <m:e>
+                        <m:d>
+                          <m:dPr>
+                            <m:ctrlPr>
+                              <a:rPr lang="en-US" b="0" i="1" smtClean="0">
+                                <a:latin typeface="Cambria Math"/>
+                              </a:rPr>
+                            </m:ctrlPr>
+                          </m:dPr>
+                          <m:e>
+                            <m:r>
+                              <a:rPr lang="en-US" b="0" i="1" smtClean="0">
+                                <a:latin typeface="Cambria Math"/>
+                              </a:rPr>
+                              <m:t>𝑥</m:t>
+                            </m:r>
+                          </m:e>
+                        </m:d>
+                      </m:e>
+                      <m:sup>
+                        <m:r>
+                          <a:rPr lang="en-US" b="0" i="1" smtClean="0">
+                            <a:latin typeface="Cambria Math"/>
+                          </a:rPr>
+                          <m:t>𝑇</m:t>
+                        </m:r>
+                      </m:sup>
+                    </m:sSup>
+                    <m:d>
+                      <m:dPr>
+                        <m:ctrlPr>
+                          <a:rPr lang="en-US" b="0" i="1" smtClean="0">
+                            <a:latin typeface="Cambria Math"/>
+                          </a:rPr>
+                        </m:ctrlPr>
+                      </m:dPr>
+                      <m:e>
+                        <m:r>
+                          <a:rPr lang="en-US" b="0" i="1" smtClean="0">
+                            <a:latin typeface="Cambria Math"/>
+                          </a:rPr>
+                          <m:t>𝑥</m:t>
+                        </m:r>
+                        <m:r>
+                          <a:rPr lang="en-US" b="0" i="1" smtClean="0">
+                            <a:latin typeface="Cambria Math"/>
+                          </a:rPr>
+                          <m:t>−</m:t>
+                        </m:r>
+                        <m:r>
+                          <a:rPr lang="en-US" b="0" i="1" smtClean="0">
+                            <a:latin typeface="Cambria Math"/>
+                          </a:rPr>
+                          <m:t>𝑦</m:t>
+                        </m:r>
+                      </m:e>
+                    </m:d>
+                  </m:oMath>
+                </a14:m>
+                <a:r>
+                  <a:rPr lang="en-US" b="0" dirty="0" smtClean="0"/>
+                  <a:t> 	(by Lemma 1)</a:t>
+                </a:r>
+              </a:p>
+              <a:p>
+                <a:pPr marL="0" indent="0">
+                  <a:buNone/>
+                </a:pPr>
+                <a14:m>
+                  <m:oMathPara xmlns:m="http://schemas.openxmlformats.org/officeDocument/2006/math">
+                    <m:oMathParaPr>
+                      <m:jc m:val="centerGroup"/>
+                    </m:oMathParaPr>
+                    <m:oMath xmlns:m="http://schemas.openxmlformats.org/officeDocument/2006/math">
+                      <m:r>
+                        <a:rPr lang="en-US" b="0" i="1" smtClean="0">
+                          <a:latin typeface="Cambria Math"/>
+                        </a:rPr>
+                        <m:t>=−</m:t>
+                      </m:r>
+                      <m:f>
+                        <m:fPr>
+                          <m:ctrlPr>
+                            <a:rPr lang="en-US" b="0" i="1" smtClean="0">
+                              <a:latin typeface="Cambria Math"/>
+                            </a:rPr>
+                          </m:ctrlPr>
+                        </m:fPr>
+                        <m:num>
+                          <m:r>
+                            <a:rPr lang="en-US" b="0" i="1" smtClean="0">
+                              <a:latin typeface="Cambria Math"/>
+                            </a:rPr>
+                            <m:t>1</m:t>
+                          </m:r>
+                        </m:num>
+                        <m:den>
+                          <m:r>
+                            <a:rPr lang="en-US" b="0" i="1" smtClean="0">
+                              <a:latin typeface="Cambria Math"/>
+                            </a:rPr>
+                            <m:t>2</m:t>
+                          </m:r>
+                          <m:r>
+                            <a:rPr lang="en-US" b="0" i="1" smtClean="0">
+                              <a:latin typeface="Cambria Math"/>
+                            </a:rPr>
+                            <m:t>𝛽</m:t>
+                          </m:r>
+                        </m:den>
+                      </m:f>
+                      <m:sSup>
+                        <m:sSupPr>
+                          <m:ctrlPr>
+                            <a:rPr lang="en-US" b="0" i="1" smtClean="0">
+                              <a:latin typeface="Cambria Math"/>
+                            </a:rPr>
+                          </m:ctrlPr>
+                        </m:sSupPr>
+                        <m:e>
+                          <m:d>
+                            <m:dPr>
+                              <m:begChr m:val="|"/>
+                              <m:endChr m:val="|"/>
+                              <m:ctrlPr>
+                                <a:rPr lang="en-US" b="0" i="1" smtClean="0">
+                                  <a:latin typeface="Cambria Math"/>
+                                </a:rPr>
+                              </m:ctrlPr>
+                            </m:dPr>
+                            <m:e>
+                              <m:d>
+                                <m:dPr>
+                                  <m:begChr m:val="|"/>
+                                  <m:endChr m:val="|"/>
+                                  <m:ctrlPr>
+                                    <a:rPr lang="en-US" b="0" i="1" smtClean="0">
+                                      <a:latin typeface="Cambria Math"/>
+                                    </a:rPr>
+                                  </m:ctrlPr>
+                                </m:dPr>
+                                <m:e>
+                                  <m:r>
+                                    <a:rPr lang="en-US" b="0" i="0" smtClean="0">
+                                      <a:latin typeface="Cambria Math"/>
+                                    </a:rPr>
+                                    <m:t>∇</m:t>
+                                  </m:r>
+                                  <m:r>
+                                    <a:rPr lang="en-US" b="0" i="1" smtClean="0">
+                                      <a:latin typeface="Cambria Math"/>
+                                    </a:rPr>
+                                    <m:t>𝑓</m:t>
+                                  </m:r>
+                                  <m:d>
+                                    <m:dPr>
+                                      <m:ctrlPr>
+                                        <a:rPr lang="en-US" b="0" i="1" smtClean="0">
+                                          <a:latin typeface="Cambria Math"/>
+                                        </a:rPr>
+                                      </m:ctrlPr>
+                                    </m:dPr>
+                                    <m:e>
+                                      <m:r>
+                                        <a:rPr lang="en-US" b="0" i="1" smtClean="0">
+                                          <a:latin typeface="Cambria Math"/>
+                                        </a:rPr>
+                                        <m:t>𝑥</m:t>
+                                      </m:r>
+                                    </m:e>
+                                  </m:d>
+                                </m:e>
+                              </m:d>
+                            </m:e>
+                          </m:d>
+                        </m:e>
+                        <m:sup>
+                          <m:r>
+                            <a:rPr lang="en-US" b="0" i="1" smtClean="0">
+                              <a:latin typeface="Cambria Math"/>
+                            </a:rPr>
+                            <m:t>2</m:t>
+                          </m:r>
+                        </m:sup>
+                      </m:sSup>
+                      <m:r>
+                        <a:rPr lang="en-US" b="0" i="1" smtClean="0">
+                          <a:latin typeface="Cambria Math"/>
+                        </a:rPr>
+                        <m:t>+</m:t>
+                      </m:r>
+                      <m:r>
+                        <a:rPr lang="en-US" b="0" i="0" smtClean="0">
+                          <a:latin typeface="Cambria Math"/>
+                        </a:rPr>
+                        <m:t>∇</m:t>
+                      </m:r>
+                      <m:r>
+                        <m:rPr>
+                          <m:sty m:val="p"/>
+                        </m:rPr>
+                        <a:rPr lang="en-US" b="0" i="0" smtClean="0">
+                          <a:latin typeface="Cambria Math"/>
+                        </a:rPr>
+                        <m:t>f</m:t>
+                      </m:r>
+                      <m:sSup>
+                        <m:sSupPr>
+                          <m:ctrlPr>
+                            <a:rPr lang="en-US" b="0" i="0" smtClean="0">
+                              <a:latin typeface="Cambria Math"/>
+                            </a:rPr>
+                          </m:ctrlPr>
+                        </m:sSupPr>
+                        <m:e>
+                          <m:d>
+                            <m:dPr>
+                              <m:ctrlPr>
+                                <a:rPr lang="en-US" b="0" i="0" smtClean="0">
+                                  <a:latin typeface="Cambria Math"/>
+                                </a:rPr>
+                              </m:ctrlPr>
+                            </m:dPr>
+                            <m:e>
+                              <m:r>
+                                <m:rPr>
+                                  <m:sty m:val="p"/>
+                                </m:rPr>
+                                <a:rPr lang="en-US" b="0" i="0" smtClean="0">
+                                  <a:latin typeface="Cambria Math"/>
+                                </a:rPr>
+                                <m:t>x</m:t>
+                              </m:r>
+                            </m:e>
+                          </m:d>
+                        </m:e>
+                        <m:sup>
+                          <m:r>
+                            <m:rPr>
+                              <m:sty m:val="p"/>
+                            </m:rPr>
+                            <a:rPr lang="en-US" b="0" i="0" smtClean="0">
+                              <a:latin typeface="Cambria Math"/>
+                            </a:rPr>
+                            <m:t>T</m:t>
+                          </m:r>
+                        </m:sup>
+                      </m:sSup>
+                      <m:r>
+                        <a:rPr lang="en-US" b="0" i="0" smtClean="0">
+                          <a:latin typeface="Cambria Math"/>
+                        </a:rPr>
+                        <m:t>(</m:t>
+                      </m:r>
+                      <m:r>
+                        <m:rPr>
+                          <m:sty m:val="p"/>
+                        </m:rPr>
+                        <a:rPr lang="en-US" b="0" i="0" smtClean="0">
+                          <a:latin typeface="Cambria Math"/>
+                        </a:rPr>
+                        <m:t>x</m:t>
+                      </m:r>
+                      <m:r>
+                        <a:rPr lang="en-US" b="0" i="0" smtClean="0">
+                          <a:latin typeface="Cambria Math"/>
+                        </a:rPr>
+                        <m:t> −</m:t>
+                      </m:r>
+                      <m:r>
+                        <m:rPr>
+                          <m:sty m:val="p"/>
+                        </m:rPr>
+                        <a:rPr lang="en-US" b="0" i="0" smtClean="0">
+                          <a:latin typeface="Cambria Math"/>
+                        </a:rPr>
+                        <m:t>y</m:t>
+                      </m:r>
+                      <m:r>
+                        <a:rPr lang="en-US" b="0" i="0" smtClean="0">
+                          <a:latin typeface="Cambria Math"/>
+                        </a:rPr>
+                        <m:t>)</m:t>
+                      </m:r>
+                    </m:oMath>
+                  </m:oMathPara>
+                </a14:m>
+                <a:endParaRPr lang="en-US" b="0" dirty="0" smtClean="0"/>
+              </a:p>
+            </p:txBody>
+          </p:sp>
+        </mc:Choice>
+        <mc:Fallback>
+          <p:sp>
+            <p:nvSpPr>
+              <p:cNvPr id="3" name="Content Placeholder 2"/>
+              <p:cNvSpPr>
+                <a:spLocks noGrp="1" noRot="1" noChangeAspect="1" noMove="1" noResize="1" noEditPoints="1" noAdjustHandles="1" noChangeArrowheads="1" noChangeShapeType="1" noTextEdit="1"/>
+              </p:cNvSpPr>
+              <p:nvPr>
+                <p:ph idx="1"/>
+              </p:nvPr>
+            </p:nvSpPr>
+            <p:spPr>
+              <a:blipFill rotWithShape="1">
+                <a:blip r:embed="rId2"/>
+                <a:stretch>
+                  <a:fillRect/>
+                </a:stretch>
+              </a:blipFill>
+            </p:spPr>
+            <p:txBody>
+              <a:bodyPr/>
+              <a:lstStyle/>
+              <a:p>
+                <a:r>
+                  <a:rPr lang="en-US">
+                    <a:noFill/>
+                  </a:rPr>
+                  <a:t> </a:t>
+                </a:r>
+              </a:p>
+            </p:txBody>
+          </p:sp>
+        </mc:Fallback>
+      </mc:AlternateContent>
+    </p:spTree>
+    <p:extLst>
+      <p:ext uri="{BB962C8B-B14F-4D97-AF65-F5344CB8AC3E}">
+        <p14:creationId xmlns:p14="http://schemas.microsoft.com/office/powerpoint/2010/main" val="352350497"/>
+      </p:ext>
+    </p:extLst>
+  </p:cSld>
+  <p:clrMapOvr>
+    <a:masterClrMapping/>
+  </p:clrMapOvr>
+  <p:timing>
+    <p:tnLst>
+      <p:par>
+        <p:cTn id="1" dur="indefinite" restart="never" nodeType="tmRoot"/>
+      </p:par>
+    </p:tnLst>
+  </p:timing>
+</p:sld>
+</file>
+
+<file path=ppt/slides/slide12.xml><?xml version="1.0" encoding="utf-8"?>
+<p:sld xmlns:a="http://schemas.openxmlformats.org/drawingml/2006/main" xmlns:r="http://schemas.openxmlformats.org/officeDocument/2006/relationships" xmlns:p="http://schemas.openxmlformats.org/presentationml/2006/main">
+  <p:cSld>
+    <p:spTree>
+      <p:nvGrpSpPr>
+        <p:cNvPr id="1" name=""/>
+        <p:cNvGrpSpPr/>
+        <p:nvPr/>
+      </p:nvGrpSpPr>
+      <p:grpSpPr>
+        <a:xfrm>
+          <a:off x="0" y="0"/>
+          <a:ext cx="0" cy="0"/>
+          <a:chOff x="0" y="0"/>
+          <a:chExt cx="0" cy="0"/>
+        </a:xfrm>
+      </p:grpSpPr>
+      <p:sp>
+        <p:nvSpPr>
+          <p:cNvPr id="2" name="Title 1"/>
+          <p:cNvSpPr>
+            <a:spLocks noGrp="1"/>
+          </p:cNvSpPr>
+          <p:nvPr>
+            <p:ph type="title"/>
+          </p:nvPr>
+        </p:nvSpPr>
+        <p:spPr/>
+        <p:txBody>
+          <a:bodyPr>
+            <a:normAutofit fontScale="90000"/>
+          </a:bodyPr>
+          <a:lstStyle/>
+          <a:p>
+            <a:r>
+              <a:rPr lang="en-US" dirty="0" smtClean="0">
+                <a:solidFill>
+                  <a:srgbClr val="0070C0"/>
+                </a:solidFill>
+              </a:rPr>
+              <a:t>Accelerated Gradient Descent: Analysis</a:t>
+            </a:r>
+            <a:endParaRPr lang="en-US" dirty="0"/>
+          </a:p>
+        </p:txBody>
+      </p:sp>
+      <mc:AlternateContent xmlns:mc="http://schemas.openxmlformats.org/markup-compatibility/2006">
+        <mc:Choice xmlns:a14="http://schemas.microsoft.com/office/drawing/2010/main" Requires="a14">
+          <p:sp>
+            <p:nvSpPr>
+              <p:cNvPr id="3" name="Content Placeholder 2"/>
+              <p:cNvSpPr>
+                <a:spLocks noGrp="1"/>
+              </p:cNvSpPr>
+              <p:nvPr>
+                <p:ph idx="1"/>
+              </p:nvPr>
+            </p:nvSpPr>
+            <p:spPr>
+              <a:xfrm>
+                <a:off x="457200" y="1600200"/>
+                <a:ext cx="8991600" cy="5181600"/>
+              </a:xfrm>
+            </p:spPr>
+            <p:txBody>
+              <a:bodyPr>
+                <a:normAutofit lnSpcReduction="10000"/>
+              </a:bodyPr>
+              <a:lstStyle/>
+              <a:p>
+                <a14:m>
+                  <m:oMath xmlns:m="http://schemas.openxmlformats.org/officeDocument/2006/math">
+                    <m:r>
+                      <a:rPr lang="en-US" sz="2400" b="0" i="1" smtClean="0">
+                        <a:latin typeface="Cambria Math"/>
+                      </a:rPr>
+                      <m:t>𝑓</m:t>
+                    </m:r>
+                    <m:d>
+                      <m:dPr>
+                        <m:ctrlPr>
+                          <a:rPr lang="en-US" sz="2400" b="0" i="1" smtClean="0">
+                            <a:latin typeface="Cambria Math"/>
+                          </a:rPr>
+                        </m:ctrlPr>
+                      </m:dPr>
+                      <m:e>
+                        <m:r>
+                          <a:rPr lang="en-US" sz="2400" b="0" i="1" smtClean="0">
+                            <a:latin typeface="Cambria Math"/>
+                          </a:rPr>
+                          <m:t>𝑥</m:t>
+                        </m:r>
+                        <m:r>
+                          <a:rPr lang="en-US" sz="2400" b="0" i="1" smtClean="0">
+                            <a:latin typeface="Cambria Math"/>
+                          </a:rPr>
+                          <m:t> −</m:t>
+                        </m:r>
+                        <m:f>
+                          <m:fPr>
+                            <m:ctrlPr>
+                              <a:rPr lang="en-US" sz="2400" b="0" i="1" smtClean="0">
+                                <a:latin typeface="Cambria Math"/>
+                              </a:rPr>
+                            </m:ctrlPr>
+                          </m:fPr>
+                          <m:num>
+                            <m:r>
+                              <a:rPr lang="en-US" sz="2400" b="0" i="1" smtClean="0">
+                                <a:latin typeface="Cambria Math"/>
+                              </a:rPr>
+                              <m:t>1</m:t>
+                            </m:r>
+                          </m:num>
+                          <m:den>
+                            <m:r>
+                              <a:rPr lang="en-US" sz="2400" b="0" i="1" smtClean="0">
+                                <a:latin typeface="Cambria Math"/>
+                              </a:rPr>
+                              <m:t>𝛽</m:t>
+                            </m:r>
+                          </m:den>
+                        </m:f>
+                        <m:r>
+                          <a:rPr lang="en-US" sz="2400" b="0" i="0" smtClean="0">
+                            <a:latin typeface="Cambria Math"/>
+                          </a:rPr>
+                          <m:t>𝛻</m:t>
+                        </m:r>
+                        <m:r>
+                          <m:rPr>
+                            <m:sty m:val="p"/>
+                          </m:rPr>
+                          <a:rPr lang="en-US" sz="2400" b="0" i="0" smtClean="0">
+                            <a:latin typeface="Cambria Math"/>
+                          </a:rPr>
+                          <m:t>f</m:t>
+                        </m:r>
+                        <m:d>
+                          <m:dPr>
+                            <m:ctrlPr>
+                              <a:rPr lang="en-US" sz="2400" b="0" i="1" smtClean="0">
+                                <a:latin typeface="Cambria Math"/>
+                              </a:rPr>
+                            </m:ctrlPr>
+                          </m:dPr>
+                          <m:e>
+                            <m:r>
+                              <m:rPr>
+                                <m:sty m:val="p"/>
+                              </m:rPr>
+                              <a:rPr lang="en-US" sz="2400" b="0" i="0" smtClean="0">
+                                <a:latin typeface="Cambria Math"/>
+                              </a:rPr>
+                              <m:t>x</m:t>
+                            </m:r>
+                          </m:e>
+                        </m:d>
+                      </m:e>
+                    </m:d>
+                    <m:r>
+                      <a:rPr lang="en-US" sz="2400" b="0" i="1" smtClean="0">
+                        <a:latin typeface="Cambria Math"/>
+                      </a:rPr>
+                      <m:t>−</m:t>
+                    </m:r>
+                    <m:r>
+                      <a:rPr lang="en-US" sz="2400" b="0" i="1" smtClean="0">
+                        <a:latin typeface="Cambria Math"/>
+                      </a:rPr>
+                      <m:t>𝑓</m:t>
+                    </m:r>
+                    <m:d>
+                      <m:dPr>
+                        <m:ctrlPr>
+                          <a:rPr lang="en-US" sz="2400" b="0" i="1" smtClean="0">
+                            <a:latin typeface="Cambria Math"/>
+                          </a:rPr>
+                        </m:ctrlPr>
+                      </m:dPr>
+                      <m:e>
+                        <m:r>
+                          <a:rPr lang="en-US" sz="2400" b="0" i="1" smtClean="0">
+                            <a:latin typeface="Cambria Math"/>
+                          </a:rPr>
+                          <m:t>𝑦</m:t>
+                        </m:r>
+                      </m:e>
+                    </m:d>
+                    <m:r>
+                      <a:rPr lang="en-US" sz="2400" b="0" i="1" smtClean="0">
+                        <a:latin typeface="Cambria Math"/>
+                      </a:rPr>
+                      <m:t>≤−</m:t>
+                    </m:r>
+                    <m:f>
+                      <m:fPr>
+                        <m:ctrlPr>
+                          <a:rPr lang="en-US" sz="2400" b="0" i="1" smtClean="0">
+                            <a:latin typeface="Cambria Math"/>
+                          </a:rPr>
+                        </m:ctrlPr>
+                      </m:fPr>
+                      <m:num>
+                        <m:r>
+                          <a:rPr lang="en-US" sz="2400" b="0" i="1" smtClean="0">
+                            <a:latin typeface="Cambria Math"/>
+                          </a:rPr>
+                          <m:t>1</m:t>
+                        </m:r>
+                      </m:num>
+                      <m:den>
+                        <m:r>
+                          <a:rPr lang="en-US" sz="2400" b="0" i="1" smtClean="0">
+                            <a:latin typeface="Cambria Math"/>
+                          </a:rPr>
+                          <m:t>2</m:t>
+                        </m:r>
+                        <m:r>
+                          <a:rPr lang="en-US" sz="2400" b="0" i="1" smtClean="0">
+                            <a:latin typeface="Cambria Math"/>
+                          </a:rPr>
+                          <m:t>𝛽</m:t>
+                        </m:r>
+                      </m:den>
+                    </m:f>
+                    <m:sSup>
+                      <m:sSupPr>
+                        <m:ctrlPr>
+                          <a:rPr lang="en-US" sz="2400" b="0" i="1" smtClean="0">
+                            <a:latin typeface="Cambria Math"/>
+                          </a:rPr>
+                        </m:ctrlPr>
+                      </m:sSupPr>
+                      <m:e>
+                        <m:d>
+                          <m:dPr>
+                            <m:begChr m:val="|"/>
+                            <m:endChr m:val="|"/>
+                            <m:ctrlPr>
+                              <a:rPr lang="en-US" sz="2400" b="0" i="1" smtClean="0">
+                                <a:latin typeface="Cambria Math"/>
+                              </a:rPr>
+                            </m:ctrlPr>
+                          </m:dPr>
+                          <m:e>
+                            <m:d>
+                              <m:dPr>
+                                <m:begChr m:val="|"/>
+                                <m:endChr m:val="|"/>
+                                <m:ctrlPr>
+                                  <a:rPr lang="en-US" sz="2400" b="0" i="1" smtClean="0">
+                                    <a:latin typeface="Cambria Math"/>
+                                  </a:rPr>
+                                </m:ctrlPr>
+                              </m:dPr>
+                              <m:e>
+                                <m:r>
+                                  <a:rPr lang="en-US" sz="2400" b="0" i="0" smtClean="0">
+                                    <a:latin typeface="Cambria Math"/>
+                                  </a:rPr>
+                                  <m:t>𝛻</m:t>
+                                </m:r>
+                                <m:r>
+                                  <a:rPr lang="en-US" sz="2400" b="0" i="1" smtClean="0">
+                                    <a:latin typeface="Cambria Math"/>
+                                  </a:rPr>
+                                  <m:t>𝑓</m:t>
+                                </m:r>
+                                <m:d>
+                                  <m:dPr>
+                                    <m:ctrlPr>
+                                      <a:rPr lang="en-US" sz="2400" b="0" i="1" smtClean="0">
+                                        <a:latin typeface="Cambria Math"/>
+                                      </a:rPr>
+                                    </m:ctrlPr>
+                                  </m:dPr>
+                                  <m:e>
+                                    <m:r>
+                                      <a:rPr lang="en-US" sz="2400" b="0" i="1" smtClean="0">
+                                        <a:latin typeface="Cambria Math"/>
+                                      </a:rPr>
+                                      <m:t>𝑥</m:t>
+                                    </m:r>
+                                  </m:e>
+                                </m:d>
+                              </m:e>
+                            </m:d>
+                          </m:e>
+                        </m:d>
+                      </m:e>
+                      <m:sup>
+                        <m:r>
+                          <a:rPr lang="en-US" sz="2400" b="0" i="1" smtClean="0">
+                            <a:latin typeface="Cambria Math"/>
+                          </a:rPr>
+                          <m:t>2</m:t>
+                        </m:r>
+                      </m:sup>
+                    </m:sSup>
+                    <m:r>
+                      <a:rPr lang="en-US" sz="2400" b="0" i="1" smtClean="0">
+                        <a:latin typeface="Cambria Math"/>
+                      </a:rPr>
+                      <m:t>+</m:t>
+                    </m:r>
+                    <m:r>
+                      <a:rPr lang="en-US" sz="2400" b="0" i="0" smtClean="0">
+                        <a:latin typeface="Cambria Math"/>
+                      </a:rPr>
+                      <m:t>𝛻</m:t>
+                    </m:r>
+                    <m:r>
+                      <m:rPr>
+                        <m:sty m:val="p"/>
+                      </m:rPr>
+                      <a:rPr lang="en-US" sz="2400" b="0" i="0" smtClean="0">
+                        <a:latin typeface="Cambria Math"/>
+                      </a:rPr>
+                      <m:t>f</m:t>
+                    </m:r>
+                    <m:sSup>
+                      <m:sSupPr>
+                        <m:ctrlPr>
+                          <a:rPr lang="en-US" sz="2400" b="0" i="1" smtClean="0">
+                            <a:latin typeface="Cambria Math"/>
+                          </a:rPr>
+                        </m:ctrlPr>
+                      </m:sSupPr>
+                      <m:e>
+                        <m:d>
+                          <m:dPr>
+                            <m:ctrlPr>
+                              <a:rPr lang="en-US" sz="2400" b="0" i="1" smtClean="0">
+                                <a:latin typeface="Cambria Math"/>
+                              </a:rPr>
+                            </m:ctrlPr>
+                          </m:dPr>
+                          <m:e>
+                            <m:r>
+                              <m:rPr>
+                                <m:sty m:val="p"/>
+                              </m:rPr>
+                              <a:rPr lang="en-US" sz="2400" b="0" i="0" smtClean="0">
+                                <a:latin typeface="Cambria Math"/>
+                              </a:rPr>
+                              <m:t>x</m:t>
+                            </m:r>
+                          </m:e>
+                        </m:d>
+                      </m:e>
+                      <m:sup>
+                        <m:r>
+                          <m:rPr>
+                            <m:sty m:val="p"/>
+                          </m:rPr>
+                          <a:rPr lang="en-US" sz="2400" b="0" i="0" smtClean="0">
+                            <a:latin typeface="Cambria Math"/>
+                          </a:rPr>
+                          <m:t>T</m:t>
+                        </m:r>
+                      </m:sup>
+                    </m:sSup>
+                    <m:d>
+                      <m:dPr>
+                        <m:ctrlPr>
+                          <a:rPr lang="en-US" sz="2400" b="0" i="0" smtClean="0">
+                            <a:latin typeface="Cambria Math"/>
+                          </a:rPr>
+                        </m:ctrlPr>
+                      </m:dPr>
+                      <m:e>
+                        <m:r>
+                          <m:rPr>
+                            <m:sty m:val="p"/>
+                          </m:rPr>
+                          <a:rPr lang="en-US" sz="2400" b="0" i="0" smtClean="0">
+                            <a:latin typeface="Cambria Math"/>
+                          </a:rPr>
+                          <m:t>x</m:t>
+                        </m:r>
+                        <m:r>
+                          <a:rPr lang="en-US" sz="2400" b="0" i="0" smtClean="0">
+                            <a:latin typeface="Cambria Math"/>
+                          </a:rPr>
+                          <m:t> −</m:t>
+                        </m:r>
+                        <m:r>
+                          <m:rPr>
+                            <m:sty m:val="p"/>
+                          </m:rPr>
+                          <a:rPr lang="en-US" sz="2400" b="0" i="0" smtClean="0">
+                            <a:latin typeface="Cambria Math"/>
+                          </a:rPr>
+                          <m:t>y</m:t>
+                        </m:r>
+                      </m:e>
+                    </m:d>
+                  </m:oMath>
+                </a14:m>
+                <a:endParaRPr lang="en-US" sz="2400" b="0" dirty="0" smtClean="0"/>
+              </a:p>
+              <a:p>
+                <a:r>
+                  <a:rPr lang="en-US" sz="2400" dirty="0" smtClean="0"/>
+                  <a:t>Apply to </a:t>
+                </a:r>
+                <a14:m>
+                  <m:oMath xmlns:m="http://schemas.openxmlformats.org/officeDocument/2006/math">
+                    <m:r>
+                      <a:rPr lang="en-US" sz="2400" b="0" i="1" smtClean="0">
+                        <a:latin typeface="Cambria Math"/>
+                      </a:rPr>
+                      <m:t>𝑥</m:t>
+                    </m:r>
+                    <m:r>
+                      <a:rPr lang="en-US" sz="2400" b="0" i="1" smtClean="0">
+                        <a:latin typeface="Cambria Math"/>
+                      </a:rPr>
+                      <m:t>=</m:t>
+                    </m:r>
+                    <m:sSub>
+                      <m:sSubPr>
+                        <m:ctrlPr>
+                          <a:rPr lang="en-US" sz="2400" b="0" i="1" smtClean="0">
+                            <a:latin typeface="Cambria Math"/>
+                          </a:rPr>
+                        </m:ctrlPr>
+                      </m:sSubPr>
+                      <m:e>
+                        <m:r>
+                          <a:rPr lang="en-US" sz="2400" b="0" i="1" smtClean="0">
+                            <a:latin typeface="Cambria Math"/>
+                          </a:rPr>
+                          <m:t>𝑥</m:t>
+                        </m:r>
+                      </m:e>
+                      <m:sub>
+                        <m:r>
+                          <a:rPr lang="en-US" sz="2400" b="0" i="1" smtClean="0">
+                            <a:latin typeface="Cambria Math"/>
+                          </a:rPr>
+                          <m:t>𝑠</m:t>
+                        </m:r>
+                      </m:sub>
+                    </m:sSub>
+                    <m:r>
+                      <a:rPr lang="en-US" sz="2400" b="0" i="1" smtClean="0">
+                        <a:latin typeface="Cambria Math"/>
+                      </a:rPr>
+                      <m:t>, </m:t>
+                    </m:r>
+                    <m:r>
+                      <a:rPr lang="en-US" sz="2400" b="0" i="1" smtClean="0">
+                        <a:latin typeface="Cambria Math"/>
+                      </a:rPr>
+                      <m:t>𝑦</m:t>
+                    </m:r>
+                    <m:r>
+                      <a:rPr lang="en-US" sz="2400" b="0" i="1" smtClean="0">
+                        <a:latin typeface="Cambria Math"/>
+                      </a:rPr>
+                      <m:t>=</m:t>
+                    </m:r>
+                    <m:sSub>
+                      <m:sSubPr>
+                        <m:ctrlPr>
+                          <a:rPr lang="en-US" sz="2400" b="0" i="1" smtClean="0">
+                            <a:latin typeface="Cambria Math"/>
+                          </a:rPr>
+                        </m:ctrlPr>
+                      </m:sSubPr>
+                      <m:e>
+                        <m:r>
+                          <a:rPr lang="en-US" sz="2400" b="0" i="1" smtClean="0">
+                            <a:latin typeface="Cambria Math"/>
+                          </a:rPr>
+                          <m:t>𝑦</m:t>
+                        </m:r>
+                      </m:e>
+                      <m:sub>
+                        <m:r>
+                          <a:rPr lang="en-US" sz="2400" b="0" i="1" smtClean="0">
+                            <a:latin typeface="Cambria Math"/>
+                          </a:rPr>
+                          <m:t>𝑠</m:t>
+                        </m:r>
+                      </m:sub>
+                    </m:sSub>
+                  </m:oMath>
+                </a14:m>
+                <a:r>
+                  <a:rPr lang="en-US" sz="2400" dirty="0" smtClean="0"/>
+                  <a:t>:</a:t>
+                </a:r>
+              </a:p>
+              <a:p>
+                <a:pPr marL="0" indent="0">
+                  <a:buNone/>
+                </a:pPr>
+                <a14:m>
+                  <m:oMathPara xmlns:m="http://schemas.openxmlformats.org/officeDocument/2006/math">
+                    <m:oMathParaPr>
+                      <m:jc m:val="centerGroup"/>
+                    </m:oMathParaPr>
+                    <m:oMath xmlns:m="http://schemas.openxmlformats.org/officeDocument/2006/math">
+                      <m:r>
+                        <a:rPr lang="en-US" sz="2400" b="0" i="1" smtClean="0">
+                          <a:latin typeface="Cambria Math"/>
+                        </a:rPr>
+                        <m:t>𝑓</m:t>
+                      </m:r>
+                      <m:d>
+                        <m:dPr>
+                          <m:ctrlPr>
+                            <a:rPr lang="en-US" sz="2400" b="0" i="1" smtClean="0">
+                              <a:latin typeface="Cambria Math"/>
+                            </a:rPr>
+                          </m:ctrlPr>
+                        </m:dPr>
+                        <m:e>
+                          <m:sSub>
+                            <m:sSubPr>
+                              <m:ctrlPr>
+                                <a:rPr lang="en-US" sz="2400" b="0" i="1" smtClean="0">
+                                  <a:latin typeface="Cambria Math"/>
+                                </a:rPr>
+                              </m:ctrlPr>
+                            </m:sSubPr>
+                            <m:e>
+                              <m:r>
+                                <a:rPr lang="en-US" sz="2400" b="0" i="1" smtClean="0">
+                                  <a:latin typeface="Cambria Math"/>
+                                </a:rPr>
+                                <m:t>𝑦</m:t>
+                              </m:r>
+                            </m:e>
+                            <m:sub>
+                              <m:r>
+                                <a:rPr lang="en-US" sz="2400" b="0" i="1" smtClean="0">
+                                  <a:latin typeface="Cambria Math"/>
+                                </a:rPr>
+                                <m:t>𝑠</m:t>
+                              </m:r>
+                              <m:r>
+                                <a:rPr lang="en-US" sz="2400" b="0" i="1" smtClean="0">
+                                  <a:latin typeface="Cambria Math"/>
+                                </a:rPr>
+                                <m:t>+1</m:t>
+                              </m:r>
+                            </m:sub>
+                          </m:sSub>
+                        </m:e>
+                      </m:d>
+                      <m:r>
+                        <a:rPr lang="en-US" sz="2400" b="0" i="1" smtClean="0">
+                          <a:latin typeface="Cambria Math"/>
+                        </a:rPr>
+                        <m:t>−</m:t>
+                      </m:r>
+                      <m:r>
+                        <a:rPr lang="en-US" sz="2400" b="0" i="1" smtClean="0">
+                          <a:latin typeface="Cambria Math"/>
+                        </a:rPr>
+                        <m:t>𝑓</m:t>
+                      </m:r>
+                      <m:d>
+                        <m:dPr>
+                          <m:ctrlPr>
+                            <a:rPr lang="en-US" sz="2400" b="0" i="1" smtClean="0">
+                              <a:latin typeface="Cambria Math"/>
+                            </a:rPr>
+                          </m:ctrlPr>
+                        </m:dPr>
+                        <m:e>
+                          <m:sSub>
+                            <m:sSubPr>
+                              <m:ctrlPr>
+                                <a:rPr lang="en-US" sz="2400" b="0" i="1" smtClean="0">
+                                  <a:latin typeface="Cambria Math"/>
+                                </a:rPr>
+                              </m:ctrlPr>
+                            </m:sSubPr>
+                            <m:e>
+                              <m:r>
+                                <a:rPr lang="en-US" sz="2400" b="0" i="1" smtClean="0">
+                                  <a:latin typeface="Cambria Math"/>
+                                </a:rPr>
+                                <m:t>𝑦</m:t>
+                              </m:r>
+                            </m:e>
+                            <m:sub>
+                              <m:r>
+                                <a:rPr lang="en-US" sz="2400" b="0" i="1" smtClean="0">
+                                  <a:latin typeface="Cambria Math"/>
+                                </a:rPr>
+                                <m:t>𝑠</m:t>
+                              </m:r>
+                            </m:sub>
+                          </m:sSub>
+                        </m:e>
+                      </m:d>
+                      <m:r>
+                        <a:rPr lang="en-US" sz="2400" b="0" i="1" smtClean="0">
+                          <a:latin typeface="Cambria Math"/>
+                        </a:rPr>
+                        <m:t>= </m:t>
+                      </m:r>
+                      <m:r>
+                        <a:rPr lang="en-US" sz="2400" b="0" i="1" smtClean="0">
+                          <a:latin typeface="Cambria Math"/>
+                        </a:rPr>
+                        <m:t>𝑓</m:t>
+                      </m:r>
+                      <m:d>
+                        <m:dPr>
+                          <m:ctrlPr>
+                            <a:rPr lang="en-US" sz="2400" b="0" i="1" smtClean="0">
+                              <a:latin typeface="Cambria Math"/>
+                            </a:rPr>
+                          </m:ctrlPr>
+                        </m:dPr>
+                        <m:e>
+                          <m:sSub>
+                            <m:sSubPr>
+                              <m:ctrlPr>
+                                <a:rPr lang="en-US" sz="2400" b="0" i="1" smtClean="0">
+                                  <a:latin typeface="Cambria Math"/>
+                                </a:rPr>
+                              </m:ctrlPr>
+                            </m:sSubPr>
+                            <m:e>
+                              <m:r>
+                                <a:rPr lang="en-US" sz="2400" b="0" i="1" smtClean="0">
+                                  <a:latin typeface="Cambria Math"/>
+                                </a:rPr>
+                                <m:t>𝑥</m:t>
+                              </m:r>
+                            </m:e>
+                            <m:sub>
+                              <m:r>
+                                <a:rPr lang="en-US" sz="2400" b="0" i="1" smtClean="0">
+                                  <a:latin typeface="Cambria Math"/>
+                                </a:rPr>
+                                <m:t>𝑠</m:t>
+                              </m:r>
+                            </m:sub>
+                          </m:sSub>
+                          <m:r>
+                            <a:rPr lang="en-US" sz="2400" b="0" i="1" smtClean="0">
+                              <a:latin typeface="Cambria Math"/>
+                            </a:rPr>
+                            <m:t> −</m:t>
+                          </m:r>
+                          <m:f>
+                            <m:fPr>
+                              <m:ctrlPr>
+                                <a:rPr lang="en-US" sz="2400" b="0" i="1" smtClean="0">
+                                  <a:latin typeface="Cambria Math"/>
+                                </a:rPr>
+                              </m:ctrlPr>
+                            </m:fPr>
+                            <m:num>
+                              <m:r>
+                                <a:rPr lang="en-US" sz="2400" b="0" i="1" smtClean="0">
+                                  <a:latin typeface="Cambria Math"/>
+                                </a:rPr>
+                                <m:t>1</m:t>
+                              </m:r>
+                            </m:num>
+                            <m:den>
+                              <m:r>
+                                <a:rPr lang="en-US" sz="2400" b="0" i="1" smtClean="0">
+                                  <a:latin typeface="Cambria Math"/>
+                                </a:rPr>
+                                <m:t>𝛽</m:t>
+                              </m:r>
+                            </m:den>
+                          </m:f>
+                          <m:r>
+                            <a:rPr lang="en-US" sz="2400" b="0" i="0" smtClean="0">
+                              <a:latin typeface="Cambria Math"/>
+                            </a:rPr>
+                            <m:t>𝛻</m:t>
+                          </m:r>
+                          <m:r>
+                            <m:rPr>
+                              <m:sty m:val="p"/>
+                            </m:rPr>
+                            <a:rPr lang="en-US" sz="2400" b="0" i="0" smtClean="0">
+                              <a:latin typeface="Cambria Math"/>
+                            </a:rPr>
+                            <m:t>f</m:t>
+                          </m:r>
+                          <m:d>
+                            <m:dPr>
+                              <m:ctrlPr>
+                                <a:rPr lang="en-US" sz="2400" b="0" i="1" smtClean="0">
+                                  <a:latin typeface="Cambria Math"/>
+                                </a:rPr>
+                              </m:ctrlPr>
+                            </m:dPr>
+                            <m:e>
+                              <m:sSub>
+                                <m:sSubPr>
+                                  <m:ctrlPr>
+                                    <a:rPr lang="en-US" sz="2400" b="0" i="0" smtClean="0">
+                                      <a:latin typeface="Cambria Math"/>
+                                    </a:rPr>
+                                  </m:ctrlPr>
+                                </m:sSubPr>
+                                <m:e>
+                                  <m:r>
+                                    <m:rPr>
+                                      <m:sty m:val="p"/>
+                                    </m:rPr>
+                                    <a:rPr lang="en-US" sz="2400" b="0" i="0" smtClean="0">
+                                      <a:latin typeface="Cambria Math"/>
+                                    </a:rPr>
+                                    <m:t>x</m:t>
+                                  </m:r>
+                                </m:e>
+                                <m:sub>
+                                  <m:r>
+                                    <m:rPr>
+                                      <m:sty m:val="p"/>
+                                    </m:rPr>
+                                    <a:rPr lang="en-US" sz="2400" b="0" i="0" smtClean="0">
+                                      <a:latin typeface="Cambria Math"/>
+                                    </a:rPr>
+                                    <m:t>s</m:t>
+                                  </m:r>
+                                </m:sub>
+                              </m:sSub>
+                            </m:e>
+                          </m:d>
+                        </m:e>
+                      </m:d>
+                      <m:r>
+                        <a:rPr lang="en-US" sz="2400" b="0" i="1" smtClean="0">
+                          <a:latin typeface="Cambria Math"/>
+                        </a:rPr>
+                        <m:t> −</m:t>
+                      </m:r>
+                      <m:r>
+                        <a:rPr lang="en-US" sz="2400" b="0" i="1" smtClean="0">
+                          <a:latin typeface="Cambria Math"/>
+                        </a:rPr>
+                        <m:t>𝑓</m:t>
+                      </m:r>
+                      <m:r>
+                        <a:rPr lang="en-US" sz="2400" b="0" i="1" smtClean="0">
+                          <a:latin typeface="Cambria Math"/>
+                        </a:rPr>
+                        <m:t>(</m:t>
+                      </m:r>
+                      <m:sSub>
+                        <m:sSubPr>
+                          <m:ctrlPr>
+                            <a:rPr lang="en-US" sz="2400" b="0" i="1" smtClean="0">
+                              <a:latin typeface="Cambria Math"/>
+                            </a:rPr>
+                          </m:ctrlPr>
+                        </m:sSubPr>
+                        <m:e>
+                          <m:r>
+                            <a:rPr lang="en-US" sz="2400" b="0" i="1" smtClean="0">
+                              <a:latin typeface="Cambria Math"/>
+                            </a:rPr>
+                            <m:t>𝑦</m:t>
+                          </m:r>
+                        </m:e>
+                        <m:sub>
+                          <m:r>
+                            <a:rPr lang="en-US" sz="2400" b="0" i="1" smtClean="0">
+                              <a:latin typeface="Cambria Math"/>
+                            </a:rPr>
+                            <m:t>𝑠</m:t>
+                          </m:r>
+                        </m:sub>
+                      </m:sSub>
+                      <m:r>
+                        <a:rPr lang="en-US" sz="2400" b="0" i="1" smtClean="0">
+                          <a:latin typeface="Cambria Math"/>
+                        </a:rPr>
+                        <m:t>)</m:t>
+                      </m:r>
+                    </m:oMath>
+                  </m:oMathPara>
+                </a14:m>
+                <a:endParaRPr lang="en-US" sz="2400" dirty="0" smtClean="0"/>
+              </a:p>
+              <a:p>
+                <a:pPr marL="0" indent="0">
+                  <a:buNone/>
+                </a:pPr>
+                <a14:m>
+                  <m:oMathPara xmlns:m="http://schemas.openxmlformats.org/officeDocument/2006/math">
+                    <m:oMathParaPr>
+                      <m:jc m:val="centerGroup"/>
+                    </m:oMathParaPr>
+                    <m:oMath xmlns:m="http://schemas.openxmlformats.org/officeDocument/2006/math">
+                      <m:r>
+                        <a:rPr lang="en-US" sz="2400" b="0" i="1" smtClean="0">
+                          <a:latin typeface="Cambria Math"/>
+                        </a:rPr>
+                        <m:t>≤−</m:t>
+                      </m:r>
+                      <m:f>
+                        <m:fPr>
+                          <m:ctrlPr>
+                            <a:rPr lang="en-US" sz="2400" b="0" i="1" smtClean="0">
+                              <a:latin typeface="Cambria Math"/>
+                            </a:rPr>
+                          </m:ctrlPr>
+                        </m:fPr>
+                        <m:num>
+                          <m:r>
+                            <a:rPr lang="en-US" sz="2400" b="0" i="1" smtClean="0">
+                              <a:latin typeface="Cambria Math"/>
+                            </a:rPr>
+                            <m:t>1</m:t>
+                          </m:r>
+                        </m:num>
+                        <m:den>
+                          <m:r>
+                            <a:rPr lang="en-US" sz="2400" b="0" i="1" smtClean="0">
+                              <a:latin typeface="Cambria Math"/>
+                            </a:rPr>
+                            <m:t>2</m:t>
+                          </m:r>
+                          <m:r>
+                            <a:rPr lang="en-US" sz="2400" b="0" i="1" smtClean="0">
+                              <a:latin typeface="Cambria Math"/>
+                            </a:rPr>
+                            <m:t>𝛽</m:t>
+                          </m:r>
+                        </m:den>
+                      </m:f>
+                      <m:sSup>
+                        <m:sSupPr>
+                          <m:ctrlPr>
+                            <a:rPr lang="en-US" sz="2400" b="0" i="1" smtClean="0">
+                              <a:latin typeface="Cambria Math"/>
+                            </a:rPr>
+                          </m:ctrlPr>
+                        </m:sSupPr>
+                        <m:e>
+                          <m:d>
+                            <m:dPr>
+                              <m:begChr m:val="|"/>
+                              <m:endChr m:val="|"/>
+                              <m:ctrlPr>
+                                <a:rPr lang="en-US" sz="2400" b="0" i="0" smtClean="0">
+                                  <a:latin typeface="Cambria Math"/>
+                                </a:rPr>
+                              </m:ctrlPr>
+                            </m:dPr>
+                            <m:e>
+                              <m:d>
+                                <m:dPr>
+                                  <m:begChr m:val="|"/>
+                                  <m:endChr m:val="|"/>
+                                  <m:ctrlPr>
+                                    <a:rPr lang="en-US" sz="2400" b="0" i="0" smtClean="0">
+                                      <a:latin typeface="Cambria Math"/>
+                                    </a:rPr>
+                                  </m:ctrlPr>
+                                </m:dPr>
+                                <m:e>
+                                  <m:r>
+                                    <a:rPr lang="en-US" sz="2400" b="0" i="0" smtClean="0">
+                                      <a:latin typeface="Cambria Math"/>
+                                    </a:rPr>
+                                    <m:t>∇</m:t>
+                                  </m:r>
+                                  <m:r>
+                                    <a:rPr lang="en-US" sz="2400" b="0" i="1" smtClean="0">
+                                      <a:latin typeface="Cambria Math"/>
+                                    </a:rPr>
+                                    <m:t>𝑓</m:t>
+                                  </m:r>
+                                  <m:d>
+                                    <m:dPr>
+                                      <m:ctrlPr>
+                                        <a:rPr lang="en-US" sz="2400" b="0" i="1" smtClean="0">
+                                          <a:latin typeface="Cambria Math"/>
+                                        </a:rPr>
+                                      </m:ctrlPr>
+                                    </m:dPr>
+                                    <m:e>
+                                      <m:sSub>
+                                        <m:sSubPr>
+                                          <m:ctrlPr>
+                                            <a:rPr lang="en-US" sz="2400" b="0" i="1" smtClean="0">
+                                              <a:latin typeface="Cambria Math"/>
+                                            </a:rPr>
+                                          </m:ctrlPr>
+                                        </m:sSubPr>
+                                        <m:e>
+                                          <m:r>
+                                            <a:rPr lang="en-US" sz="2400" b="0" i="1" smtClean="0">
+                                              <a:latin typeface="Cambria Math"/>
+                                            </a:rPr>
+                                            <m:t>𝑥</m:t>
+                                          </m:r>
+                                        </m:e>
+                                        <m:sub>
+                                          <m:r>
+                                            <a:rPr lang="en-US" sz="2400" b="0" i="1" smtClean="0">
+                                              <a:latin typeface="Cambria Math"/>
+                                            </a:rPr>
+                                            <m:t>𝑠</m:t>
+                                          </m:r>
+                                        </m:sub>
+                                      </m:sSub>
+                                    </m:e>
+                                  </m:d>
+                                </m:e>
+                              </m:d>
+                            </m:e>
+                          </m:d>
+                        </m:e>
+                        <m:sup>
+                          <m:r>
+                            <a:rPr lang="en-US" sz="2400" b="0" i="1" smtClean="0">
+                              <a:latin typeface="Cambria Math"/>
+                            </a:rPr>
+                            <m:t>2</m:t>
+                          </m:r>
+                        </m:sup>
+                      </m:sSup>
+                      <m:r>
+                        <a:rPr lang="en-US" sz="2400" b="0" i="1" smtClean="0">
+                          <a:latin typeface="Cambria Math"/>
+                        </a:rPr>
+                        <m:t>+</m:t>
+                      </m:r>
+                      <m:r>
+                        <a:rPr lang="en-US" sz="2400" b="0" i="0" smtClean="0">
+                          <a:latin typeface="Cambria Math"/>
+                        </a:rPr>
+                        <m:t>∇</m:t>
+                      </m:r>
+                      <m:r>
+                        <a:rPr lang="en-US" sz="2400" b="0" i="1" smtClean="0">
+                          <a:latin typeface="Cambria Math"/>
+                        </a:rPr>
+                        <m:t>𝑓</m:t>
+                      </m:r>
+                      <m:d>
+                        <m:dPr>
+                          <m:ctrlPr>
+                            <a:rPr lang="en-US" sz="2400" b="0" i="1" smtClean="0">
+                              <a:latin typeface="Cambria Math"/>
+                            </a:rPr>
+                          </m:ctrlPr>
+                        </m:dPr>
+                        <m:e>
+                          <m:sSub>
+                            <m:sSubPr>
+                              <m:ctrlPr>
+                                <a:rPr lang="en-US" sz="2400" b="0" i="1" smtClean="0">
+                                  <a:latin typeface="Cambria Math"/>
+                                </a:rPr>
+                              </m:ctrlPr>
+                            </m:sSubPr>
+                            <m:e>
+                              <m:r>
+                                <a:rPr lang="en-US" sz="2400" b="0" i="1" smtClean="0">
+                                  <a:latin typeface="Cambria Math"/>
+                                </a:rPr>
+                                <m:t>𝑥</m:t>
+                              </m:r>
+                            </m:e>
+                            <m:sub>
+                              <m:r>
+                                <a:rPr lang="en-US" sz="2400" b="0" i="1" smtClean="0">
+                                  <a:latin typeface="Cambria Math"/>
+                                </a:rPr>
+                                <m:t>𝑠</m:t>
+                              </m:r>
+                            </m:sub>
+                          </m:sSub>
+                        </m:e>
+                      </m:d>
+                      <m:d>
+                        <m:dPr>
+                          <m:ctrlPr>
+                            <a:rPr lang="en-US" sz="2400" b="0" i="1" smtClean="0">
+                              <a:latin typeface="Cambria Math"/>
+                            </a:rPr>
+                          </m:ctrlPr>
+                        </m:dPr>
+                        <m:e>
+                          <m:sSub>
+                            <m:sSubPr>
+                              <m:ctrlPr>
+                                <a:rPr lang="en-US" sz="2400" b="0" i="1" smtClean="0">
+                                  <a:latin typeface="Cambria Math"/>
+                                </a:rPr>
+                              </m:ctrlPr>
+                            </m:sSubPr>
+                            <m:e>
+                              <m:r>
+                                <a:rPr lang="en-US" sz="2400" b="0" i="1" smtClean="0">
+                                  <a:latin typeface="Cambria Math"/>
+                                </a:rPr>
+                                <m:t>𝑥</m:t>
+                              </m:r>
+                            </m:e>
+                            <m:sub>
+                              <m:r>
+                                <a:rPr lang="en-US" sz="2400" b="0" i="1" smtClean="0">
+                                  <a:latin typeface="Cambria Math"/>
+                                </a:rPr>
+                                <m:t>𝑠</m:t>
+                              </m:r>
+                            </m:sub>
+                          </m:sSub>
+                          <m:r>
+                            <a:rPr lang="en-US" sz="2400" b="0" i="1" smtClean="0">
+                              <a:latin typeface="Cambria Math"/>
+                            </a:rPr>
+                            <m:t>−</m:t>
+                          </m:r>
+                          <m:sSub>
+                            <m:sSubPr>
+                              <m:ctrlPr>
+                                <a:rPr lang="en-US" sz="2400" b="0" i="1" smtClean="0">
+                                  <a:latin typeface="Cambria Math"/>
+                                </a:rPr>
+                              </m:ctrlPr>
+                            </m:sSubPr>
+                            <m:e>
+                              <m:r>
+                                <a:rPr lang="en-US" sz="2400" b="0" i="1" smtClean="0">
+                                  <a:latin typeface="Cambria Math"/>
+                                </a:rPr>
+                                <m:t>𝑦</m:t>
+                              </m:r>
+                            </m:e>
+                            <m:sub>
+                              <m:r>
+                                <a:rPr lang="en-US" sz="2400" b="0" i="1" smtClean="0">
+                                  <a:latin typeface="Cambria Math"/>
+                                </a:rPr>
+                                <m:t>𝑠</m:t>
+                              </m:r>
+                            </m:sub>
+                          </m:sSub>
+                        </m:e>
+                      </m:d>
+                    </m:oMath>
+                  </m:oMathPara>
+                </a14:m>
+                <a:endParaRPr lang="en-US" sz="2400" b="0" dirty="0" smtClean="0"/>
+              </a:p>
+              <a:p>
+                <a:pPr marL="0" indent="0">
+                  <a:buNone/>
+                </a:pPr>
+                <a14:m>
+                  <m:oMath xmlns:m="http://schemas.openxmlformats.org/officeDocument/2006/math">
+                    <m:r>
+                      <a:rPr lang="en-US" sz="2400" b="0" i="1" smtClean="0">
+                        <a:latin typeface="Cambria Math"/>
+                      </a:rPr>
+                      <m:t>=−</m:t>
+                    </m:r>
+                    <m:f>
+                      <m:fPr>
+                        <m:ctrlPr>
+                          <a:rPr lang="en-US" sz="2400" b="0" i="1" smtClean="0">
+                            <a:latin typeface="Cambria Math"/>
+                          </a:rPr>
+                        </m:ctrlPr>
+                      </m:fPr>
+                      <m:num>
+                        <m:r>
+                          <a:rPr lang="en-US" sz="2400" b="0" i="1" smtClean="0">
+                            <a:latin typeface="Cambria Math"/>
+                          </a:rPr>
+                          <m:t>𝛽</m:t>
+                        </m:r>
+                      </m:num>
+                      <m:den>
+                        <m:r>
+                          <a:rPr lang="en-US" sz="2400" b="0" i="1" smtClean="0">
+                            <a:latin typeface="Cambria Math"/>
+                          </a:rPr>
+                          <m:t>2</m:t>
+                        </m:r>
+                      </m:den>
+                    </m:f>
+                    <m:sSubSup>
+                      <m:sSubSupPr>
+                        <m:ctrlPr>
+                          <a:rPr lang="en-US" sz="2400" b="0" i="1" smtClean="0">
+                            <a:latin typeface="Cambria Math"/>
+                          </a:rPr>
+                        </m:ctrlPr>
+                      </m:sSubSupPr>
+                      <m:e>
+                        <m:d>
+                          <m:dPr>
+                            <m:begChr m:val="|"/>
+                            <m:endChr m:val="|"/>
+                            <m:ctrlPr>
+                              <a:rPr lang="en-US" sz="2400" b="0" i="1" smtClean="0">
+                                <a:latin typeface="Cambria Math"/>
+                              </a:rPr>
+                            </m:ctrlPr>
+                          </m:dPr>
+                          <m:e>
+                            <m:d>
+                              <m:dPr>
+                                <m:begChr m:val="|"/>
+                                <m:endChr m:val="|"/>
+                                <m:ctrlPr>
+                                  <a:rPr lang="en-US" sz="2400" b="0" i="1" smtClean="0">
+                                    <a:latin typeface="Cambria Math"/>
+                                  </a:rPr>
+                                </m:ctrlPr>
+                              </m:dPr>
+                              <m:e>
+                                <m:sSub>
+                                  <m:sSubPr>
+                                    <m:ctrlPr>
+                                      <a:rPr lang="en-US" sz="2400" b="0" i="1" smtClean="0">
+                                        <a:latin typeface="Cambria Math"/>
+                                      </a:rPr>
+                                    </m:ctrlPr>
+                                  </m:sSubPr>
+                                  <m:e>
+                                    <m:r>
+                                      <a:rPr lang="en-US" sz="2400" b="0" i="1" smtClean="0">
+                                        <a:latin typeface="Cambria Math"/>
+                                      </a:rPr>
+                                      <m:t>𝑦</m:t>
+                                    </m:r>
+                                  </m:e>
+                                  <m:sub>
+                                    <m:r>
+                                      <a:rPr lang="en-US" sz="2400" b="0" i="1" smtClean="0">
+                                        <a:latin typeface="Cambria Math"/>
+                                      </a:rPr>
+                                      <m:t>𝑠</m:t>
+                                    </m:r>
+                                    <m:r>
+                                      <a:rPr lang="en-US" sz="2400" b="0" i="1" smtClean="0">
+                                        <a:latin typeface="Cambria Math"/>
+                                      </a:rPr>
+                                      <m:t>+1 </m:t>
+                                    </m:r>
+                                  </m:sub>
+                                </m:sSub>
+                                <m:r>
+                                  <a:rPr lang="en-US" sz="2400" b="0" i="1" smtClean="0">
+                                    <a:latin typeface="Cambria Math"/>
+                                  </a:rPr>
+                                  <m:t>−</m:t>
+                                </m:r>
+                                <m:sSub>
+                                  <m:sSubPr>
+                                    <m:ctrlPr>
+                                      <a:rPr lang="en-US" sz="2400" b="0" i="1" smtClean="0">
+                                        <a:latin typeface="Cambria Math"/>
+                                      </a:rPr>
+                                    </m:ctrlPr>
+                                  </m:sSubPr>
+                                  <m:e>
+                                    <m:r>
+                                      <a:rPr lang="en-US" sz="2400" b="0" i="1" smtClean="0">
+                                        <a:latin typeface="Cambria Math"/>
+                                      </a:rPr>
+                                      <m:t>𝑥</m:t>
+                                    </m:r>
+                                  </m:e>
+                                  <m:sub>
+                                    <m:r>
+                                      <a:rPr lang="en-US" sz="2400" b="0" i="1" smtClean="0">
+                                        <a:latin typeface="Cambria Math"/>
+                                      </a:rPr>
+                                      <m:t>𝑠</m:t>
+                                    </m:r>
+                                  </m:sub>
+                                </m:sSub>
+                              </m:e>
+                            </m:d>
+                          </m:e>
+                        </m:d>
+                      </m:e>
+                      <m:sub/>
+                      <m:sup>
+                        <m:r>
+                          <a:rPr lang="en-US" sz="2400" b="0" i="1" smtClean="0">
+                            <a:latin typeface="Cambria Math"/>
+                          </a:rPr>
+                          <m:t>2</m:t>
+                        </m:r>
+                      </m:sup>
+                    </m:sSubSup>
+                    <m:r>
+                      <a:rPr lang="en-US" sz="2400" b="0" i="1" smtClean="0">
+                        <a:latin typeface="Cambria Math"/>
+                      </a:rPr>
+                      <m:t>−</m:t>
+                    </m:r>
+                    <m:r>
+                      <a:rPr lang="en-US" sz="2400" b="0" i="1" smtClean="0">
+                        <a:latin typeface="Cambria Math"/>
+                      </a:rPr>
+                      <m:t>𝛽</m:t>
+                    </m:r>
+                    <m:sSup>
+                      <m:sSupPr>
+                        <m:ctrlPr>
+                          <a:rPr lang="en-US" sz="2400" b="0" i="1" smtClean="0">
+                            <a:latin typeface="Cambria Math"/>
+                          </a:rPr>
+                        </m:ctrlPr>
+                      </m:sSupPr>
+                      <m:e>
+                        <m:d>
+                          <m:dPr>
+                            <m:ctrlPr>
+                              <a:rPr lang="en-US" sz="2400" b="0" i="1" smtClean="0">
+                                <a:latin typeface="Cambria Math"/>
+                              </a:rPr>
+                            </m:ctrlPr>
+                          </m:dPr>
+                          <m:e>
+                            <m:sSub>
+                              <m:sSubPr>
+                                <m:ctrlPr>
+                                  <a:rPr lang="en-US" sz="2400" b="0" i="1" smtClean="0">
+                                    <a:latin typeface="Cambria Math"/>
+                                  </a:rPr>
+                                </m:ctrlPr>
+                              </m:sSubPr>
+                              <m:e>
+                                <m:r>
+                                  <a:rPr lang="en-US" sz="2400" b="0" i="1" smtClean="0">
+                                    <a:latin typeface="Cambria Math"/>
+                                  </a:rPr>
+                                  <m:t>𝑦</m:t>
+                                </m:r>
+                              </m:e>
+                              <m:sub>
+                                <m:r>
+                                  <a:rPr lang="en-US" sz="2400" b="0" i="1" smtClean="0">
+                                    <a:latin typeface="Cambria Math"/>
+                                  </a:rPr>
+                                  <m:t>𝑠</m:t>
+                                </m:r>
+                                <m:r>
+                                  <a:rPr lang="en-US" sz="2400" b="0" i="1" smtClean="0">
+                                    <a:latin typeface="Cambria Math"/>
+                                  </a:rPr>
+                                  <m:t>+1 </m:t>
+                                </m:r>
+                              </m:sub>
+                            </m:sSub>
+                            <m:r>
+                              <a:rPr lang="en-US" sz="2400" b="0" i="1" smtClean="0">
+                                <a:latin typeface="Cambria Math"/>
+                              </a:rPr>
+                              <m:t>−</m:t>
+                            </m:r>
+                            <m:sSub>
+                              <m:sSubPr>
+                                <m:ctrlPr>
+                                  <a:rPr lang="en-US" sz="2400" b="0" i="1" smtClean="0">
+                                    <a:latin typeface="Cambria Math"/>
+                                  </a:rPr>
+                                </m:ctrlPr>
+                              </m:sSubPr>
+                              <m:e>
+                                <m:r>
+                                  <a:rPr lang="en-US" sz="2400" b="0" i="1" smtClean="0">
+                                    <a:latin typeface="Cambria Math"/>
+                                  </a:rPr>
+                                  <m:t>𝑥</m:t>
+                                </m:r>
+                              </m:e>
+                              <m:sub>
+                                <m:r>
+                                  <a:rPr lang="en-US" sz="2400" b="0" i="1" smtClean="0">
+                                    <a:latin typeface="Cambria Math"/>
+                                  </a:rPr>
+                                  <m:t>𝑠</m:t>
+                                </m:r>
+                              </m:sub>
+                            </m:sSub>
+                          </m:e>
+                        </m:d>
+                      </m:e>
+                      <m:sup>
+                        <m:r>
+                          <a:rPr lang="en-US" sz="2400" b="0" i="1" smtClean="0">
+                            <a:latin typeface="Cambria Math"/>
+                          </a:rPr>
+                          <m:t>𝑇</m:t>
+                        </m:r>
+                      </m:sup>
+                    </m:sSup>
+                    <m:d>
+                      <m:dPr>
+                        <m:ctrlPr>
+                          <a:rPr lang="en-US" sz="2400" b="0" i="1" smtClean="0">
+                            <a:latin typeface="Cambria Math"/>
+                          </a:rPr>
+                        </m:ctrlPr>
+                      </m:dPr>
+                      <m:e>
+                        <m:sSub>
+                          <m:sSubPr>
+                            <m:ctrlPr>
+                              <a:rPr lang="en-US" sz="2400" b="0" i="1" smtClean="0">
+                                <a:latin typeface="Cambria Math"/>
+                              </a:rPr>
+                            </m:ctrlPr>
+                          </m:sSubPr>
+                          <m:e>
+                            <m:r>
+                              <a:rPr lang="en-US" sz="2400" b="0" i="1" smtClean="0">
+                                <a:latin typeface="Cambria Math"/>
+                              </a:rPr>
+                              <m:t>𝑥</m:t>
+                            </m:r>
+                          </m:e>
+                          <m:sub>
+                            <m:r>
+                              <a:rPr lang="en-US" sz="2400" b="0" i="1" smtClean="0">
+                                <a:latin typeface="Cambria Math"/>
+                              </a:rPr>
+                              <m:t>𝑠</m:t>
+                            </m:r>
+                          </m:sub>
+                        </m:sSub>
+                        <m:r>
+                          <a:rPr lang="en-US" sz="2400" b="0" i="1" smtClean="0">
+                            <a:latin typeface="Cambria Math"/>
+                          </a:rPr>
+                          <m:t>−</m:t>
+                        </m:r>
+                        <m:sSub>
+                          <m:sSubPr>
+                            <m:ctrlPr>
+                              <a:rPr lang="en-US" sz="2400" b="0" i="1" smtClean="0">
+                                <a:latin typeface="Cambria Math"/>
+                              </a:rPr>
+                            </m:ctrlPr>
+                          </m:sSubPr>
+                          <m:e>
+                            <m:r>
+                              <a:rPr lang="en-US" sz="2400" b="0" i="1" smtClean="0">
+                                <a:latin typeface="Cambria Math"/>
+                              </a:rPr>
+                              <m:t>𝑦</m:t>
+                            </m:r>
+                          </m:e>
+                          <m:sub>
+                            <m:r>
+                              <a:rPr lang="en-US" sz="2400" b="0" i="1" smtClean="0">
+                                <a:latin typeface="Cambria Math"/>
+                              </a:rPr>
+                              <m:t>𝑠</m:t>
+                            </m:r>
+                          </m:sub>
+                        </m:sSub>
+                      </m:e>
+                    </m:d>
+                  </m:oMath>
+                </a14:m>
+                <a:r>
+                  <a:rPr lang="en-US" sz="2400" b="0" dirty="0" smtClean="0"/>
+                  <a:t>     </a:t>
+                </a:r>
+                <a:r>
+                  <a:rPr lang="en-US" sz="3500" b="0" dirty="0" smtClean="0"/>
+                  <a:t>(1)</a:t>
+                </a:r>
+              </a:p>
+              <a:p>
+                <a:r>
+                  <a:rPr lang="en-US" sz="2400" dirty="0" smtClean="0"/>
+                  <a:t>Apply to </a:t>
+                </a:r>
+                <a14:m>
+                  <m:oMath xmlns:m="http://schemas.openxmlformats.org/officeDocument/2006/math">
+                    <m:r>
+                      <a:rPr lang="en-US" sz="2400" b="0" i="1" smtClean="0">
+                        <a:latin typeface="Cambria Math"/>
+                      </a:rPr>
+                      <m:t>𝑥</m:t>
+                    </m:r>
+                    <m:r>
+                      <a:rPr lang="en-US" sz="2400" b="0" i="1" smtClean="0">
+                        <a:latin typeface="Cambria Math"/>
+                      </a:rPr>
+                      <m:t>=</m:t>
+                    </m:r>
+                    <m:sSub>
+                      <m:sSubPr>
+                        <m:ctrlPr>
+                          <a:rPr lang="en-US" sz="2400" b="0" i="1" smtClean="0">
+                            <a:latin typeface="Cambria Math"/>
+                          </a:rPr>
+                        </m:ctrlPr>
+                      </m:sSubPr>
+                      <m:e>
+                        <m:r>
+                          <a:rPr lang="en-US" sz="2400" b="0" i="1" smtClean="0">
+                            <a:latin typeface="Cambria Math"/>
+                          </a:rPr>
+                          <m:t>𝑥</m:t>
+                        </m:r>
+                      </m:e>
+                      <m:sub>
+                        <m:r>
+                          <a:rPr lang="en-US" sz="2400" b="0" i="1" smtClean="0">
+                            <a:latin typeface="Cambria Math"/>
+                          </a:rPr>
+                          <m:t>𝑠</m:t>
+                        </m:r>
+                      </m:sub>
+                    </m:sSub>
+                    <m:r>
+                      <a:rPr lang="en-US" sz="2400" b="0" i="1" smtClean="0">
+                        <a:latin typeface="Cambria Math"/>
+                      </a:rPr>
+                      <m:t>, </m:t>
+                    </m:r>
+                    <m:r>
+                      <a:rPr lang="en-US" sz="2400" b="0" i="1" smtClean="0">
+                        <a:latin typeface="Cambria Math"/>
+                      </a:rPr>
+                      <m:t>𝑦</m:t>
+                    </m:r>
+                    <m:r>
+                      <a:rPr lang="en-US" sz="2400" b="0" i="1" smtClean="0">
+                        <a:latin typeface="Cambria Math"/>
+                      </a:rPr>
+                      <m:t>=</m:t>
+                    </m:r>
+                    <m:sSup>
+                      <m:sSupPr>
+                        <m:ctrlPr>
+                          <a:rPr lang="en-US" sz="2400" b="0" i="1" smtClean="0">
+                            <a:latin typeface="Cambria Math"/>
+                          </a:rPr>
+                        </m:ctrlPr>
+                      </m:sSupPr>
+                      <m:e>
+                        <m:r>
+                          <a:rPr lang="en-US" sz="2400" b="0" i="1" smtClean="0">
+                            <a:latin typeface="Cambria Math"/>
+                          </a:rPr>
+                          <m:t>𝑥</m:t>
+                        </m:r>
+                      </m:e>
+                      <m:sup>
+                        <m:r>
+                          <a:rPr lang="en-US" sz="2400" b="0" i="1" smtClean="0">
+                            <a:latin typeface="Cambria Math"/>
+                          </a:rPr>
+                          <m:t>∗</m:t>
+                        </m:r>
+                      </m:sup>
+                    </m:sSup>
+                    <m:r>
+                      <a:rPr lang="en-US" sz="2400" b="0" i="1" smtClean="0">
+                        <a:latin typeface="Cambria Math"/>
+                      </a:rPr>
+                      <m:t>:</m:t>
+                    </m:r>
+                  </m:oMath>
+                </a14:m>
+                <a:endParaRPr lang="en-US" sz="2400" b="0" dirty="0" smtClean="0"/>
+              </a:p>
+              <a:p>
+                <a:pPr marL="0" indent="0">
+                  <a:buNone/>
+                </a:pPr>
+                <a14:m>
+                  <m:oMath xmlns:m="http://schemas.openxmlformats.org/officeDocument/2006/math">
+                    <m:r>
+                      <a:rPr lang="en-US" sz="2400" b="0" i="1" smtClean="0">
+                        <a:latin typeface="Cambria Math"/>
+                      </a:rPr>
+                      <m:t>𝑓</m:t>
+                    </m:r>
+                    <m:d>
+                      <m:dPr>
+                        <m:ctrlPr>
+                          <a:rPr lang="en-US" sz="2400" b="0" i="1" smtClean="0">
+                            <a:latin typeface="Cambria Math"/>
+                          </a:rPr>
+                        </m:ctrlPr>
+                      </m:dPr>
+                      <m:e>
+                        <m:sSub>
+                          <m:sSubPr>
+                            <m:ctrlPr>
+                              <a:rPr lang="en-US" sz="2400" b="0" i="1" smtClean="0">
+                                <a:latin typeface="Cambria Math"/>
+                              </a:rPr>
+                            </m:ctrlPr>
+                          </m:sSubPr>
+                          <m:e>
+                            <m:r>
+                              <a:rPr lang="en-US" sz="2400" b="0" i="1" smtClean="0">
+                                <a:latin typeface="Cambria Math"/>
+                              </a:rPr>
+                              <m:t>𝑦</m:t>
+                            </m:r>
+                          </m:e>
+                          <m:sub>
+                            <m:r>
+                              <a:rPr lang="en-US" sz="2400" b="0" i="1" smtClean="0">
+                                <a:latin typeface="Cambria Math"/>
+                              </a:rPr>
+                              <m:t>𝑠</m:t>
+                            </m:r>
+                            <m:r>
+                              <a:rPr lang="en-US" sz="2400" b="0" i="1" smtClean="0">
+                                <a:latin typeface="Cambria Math"/>
+                              </a:rPr>
+                              <m:t>+1 </m:t>
+                            </m:r>
+                          </m:sub>
+                        </m:sSub>
+                      </m:e>
+                    </m:d>
+                    <m:r>
+                      <a:rPr lang="en-US" sz="2400" b="0" i="1" smtClean="0">
+                        <a:latin typeface="Cambria Math"/>
+                      </a:rPr>
+                      <m:t>−</m:t>
+                    </m:r>
+                    <m:r>
+                      <a:rPr lang="en-US" sz="2400" b="0" i="1" smtClean="0">
+                        <a:latin typeface="Cambria Math"/>
+                      </a:rPr>
+                      <m:t>𝑓</m:t>
+                    </m:r>
+                    <m:d>
+                      <m:dPr>
+                        <m:ctrlPr>
+                          <a:rPr lang="en-US" sz="2400" b="0" i="1" smtClean="0">
+                            <a:latin typeface="Cambria Math"/>
+                          </a:rPr>
+                        </m:ctrlPr>
+                      </m:dPr>
+                      <m:e>
+                        <m:sSup>
+                          <m:sSupPr>
+                            <m:ctrlPr>
+                              <a:rPr lang="en-US" sz="2400" b="0" i="1" smtClean="0">
+                                <a:latin typeface="Cambria Math"/>
+                              </a:rPr>
+                            </m:ctrlPr>
+                          </m:sSupPr>
+                          <m:e>
+                            <m:r>
+                              <a:rPr lang="en-US" sz="2400" b="0" i="1" smtClean="0">
+                                <a:latin typeface="Cambria Math"/>
+                              </a:rPr>
+                              <m:t>𝑥</m:t>
+                            </m:r>
+                          </m:e>
+                          <m:sup>
+                            <m:r>
+                              <a:rPr lang="en-US" sz="2400" b="0" i="1" smtClean="0">
+                                <a:latin typeface="Cambria Math"/>
+                              </a:rPr>
+                              <m:t>∗</m:t>
+                            </m:r>
+                          </m:sup>
+                        </m:sSup>
+                      </m:e>
+                    </m:d>
+                    <m:r>
+                      <a:rPr lang="en-US" sz="2400" b="0" i="1" smtClean="0">
+                        <a:latin typeface="Cambria Math"/>
+                      </a:rPr>
+                      <m:t>≤−</m:t>
+                    </m:r>
+                    <m:f>
+                      <m:fPr>
+                        <m:ctrlPr>
+                          <a:rPr lang="en-US" sz="2400" b="0" i="1" smtClean="0">
+                            <a:latin typeface="Cambria Math"/>
+                          </a:rPr>
+                        </m:ctrlPr>
+                      </m:fPr>
+                      <m:num>
+                        <m:r>
+                          <a:rPr lang="en-US" sz="2400" b="0" i="1" smtClean="0">
+                            <a:latin typeface="Cambria Math"/>
+                          </a:rPr>
+                          <m:t>𝛽</m:t>
+                        </m:r>
+                      </m:num>
+                      <m:den>
+                        <m:r>
+                          <a:rPr lang="en-US" sz="2400" b="0" i="1" smtClean="0">
+                            <a:latin typeface="Cambria Math"/>
+                          </a:rPr>
+                          <m:t>2</m:t>
+                        </m:r>
+                      </m:den>
+                    </m:f>
+                    <m:sSup>
+                      <m:sSupPr>
+                        <m:ctrlPr>
+                          <a:rPr lang="en-US" sz="2400" b="0" i="1" smtClean="0">
+                            <a:latin typeface="Cambria Math"/>
+                          </a:rPr>
+                        </m:ctrlPr>
+                      </m:sSupPr>
+                      <m:e>
+                        <m:d>
+                          <m:dPr>
+                            <m:begChr m:val="|"/>
+                            <m:endChr m:val="|"/>
+                            <m:ctrlPr>
+                              <a:rPr lang="en-US" sz="2400" b="0" i="1" smtClean="0">
+                                <a:latin typeface="Cambria Math"/>
+                              </a:rPr>
+                            </m:ctrlPr>
+                          </m:dPr>
+                          <m:e>
+                            <m:d>
+                              <m:dPr>
+                                <m:begChr m:val="|"/>
+                                <m:endChr m:val="|"/>
+                                <m:ctrlPr>
+                                  <a:rPr lang="en-US" sz="2400" b="0" i="1" smtClean="0">
+                                    <a:latin typeface="Cambria Math"/>
+                                  </a:rPr>
+                                </m:ctrlPr>
+                              </m:dPr>
+                              <m:e>
+                                <m:sSub>
+                                  <m:sSubPr>
+                                    <m:ctrlPr>
+                                      <a:rPr lang="en-US" sz="2400" b="0" i="1" smtClean="0">
+                                        <a:latin typeface="Cambria Math"/>
+                                      </a:rPr>
+                                    </m:ctrlPr>
+                                  </m:sSubPr>
+                                  <m:e>
+                                    <m:r>
+                                      <a:rPr lang="en-US" sz="2400" b="0" i="1" smtClean="0">
+                                        <a:latin typeface="Cambria Math"/>
+                                      </a:rPr>
+                                      <m:t>𝑦</m:t>
+                                    </m:r>
+                                  </m:e>
+                                  <m:sub>
+                                    <m:r>
+                                      <a:rPr lang="en-US" sz="2400" b="0" i="1" smtClean="0">
+                                        <a:latin typeface="Cambria Math"/>
+                                      </a:rPr>
+                                      <m:t>𝑠</m:t>
+                                    </m:r>
+                                    <m:r>
+                                      <a:rPr lang="en-US" sz="2400" b="0" i="1" smtClean="0">
+                                        <a:latin typeface="Cambria Math"/>
+                                      </a:rPr>
+                                      <m:t>+1 </m:t>
+                                    </m:r>
+                                  </m:sub>
+                                </m:sSub>
+                                <m:r>
+                                  <a:rPr lang="en-US" sz="2400" b="0" i="1" smtClean="0">
+                                    <a:latin typeface="Cambria Math"/>
+                                  </a:rPr>
+                                  <m:t>−</m:t>
+                                </m:r>
+                                <m:sSub>
+                                  <m:sSubPr>
+                                    <m:ctrlPr>
+                                      <a:rPr lang="en-US" sz="2400" b="0" i="1" smtClean="0">
+                                        <a:latin typeface="Cambria Math"/>
+                                      </a:rPr>
+                                    </m:ctrlPr>
+                                  </m:sSubPr>
+                                  <m:e>
+                                    <m:r>
+                                      <a:rPr lang="en-US" sz="2400" b="0" i="1" smtClean="0">
+                                        <a:latin typeface="Cambria Math"/>
+                                      </a:rPr>
+                                      <m:t>𝑥</m:t>
+                                    </m:r>
+                                  </m:e>
+                                  <m:sub>
+                                    <m:r>
+                                      <a:rPr lang="en-US" sz="2400" b="0" i="1" smtClean="0">
+                                        <a:latin typeface="Cambria Math"/>
+                                      </a:rPr>
+                                      <m:t>𝑠</m:t>
+                                    </m:r>
+                                  </m:sub>
+                                </m:sSub>
+                              </m:e>
+                            </m:d>
+                          </m:e>
+                        </m:d>
+                      </m:e>
+                      <m:sup>
+                        <m:r>
+                          <a:rPr lang="en-US" sz="2400" b="0" i="1" smtClean="0">
+                            <a:latin typeface="Cambria Math"/>
+                          </a:rPr>
+                          <m:t>2</m:t>
+                        </m:r>
+                      </m:sup>
+                    </m:sSup>
+                    <m:r>
+                      <a:rPr lang="en-US" sz="2400" b="0" i="1" smtClean="0">
+                        <a:latin typeface="Cambria Math"/>
+                      </a:rPr>
+                      <m:t>−</m:t>
+                    </m:r>
+                    <m:f>
+                      <m:fPr>
+                        <m:ctrlPr>
+                          <a:rPr lang="en-US" sz="2400" b="0" i="1" smtClean="0">
+                            <a:latin typeface="Cambria Math"/>
+                          </a:rPr>
+                        </m:ctrlPr>
+                      </m:fPr>
+                      <m:num>
+                        <m:r>
+                          <a:rPr lang="en-US" sz="2400" b="0" i="1" smtClean="0">
+                            <a:latin typeface="Cambria Math"/>
+                          </a:rPr>
+                          <m:t>𝛽</m:t>
+                        </m:r>
+                      </m:num>
+                      <m:den>
+                        <m:r>
+                          <a:rPr lang="en-US" sz="2400" b="0" i="1" smtClean="0">
+                            <a:latin typeface="Cambria Math"/>
+                          </a:rPr>
+                          <m:t>2</m:t>
+                        </m:r>
+                      </m:den>
+                    </m:f>
+                    <m:sSup>
+                      <m:sSupPr>
+                        <m:ctrlPr>
+                          <a:rPr lang="en-US" sz="2400" b="0" i="1" smtClean="0">
+                            <a:latin typeface="Cambria Math"/>
+                          </a:rPr>
+                        </m:ctrlPr>
+                      </m:sSupPr>
+                      <m:e>
+                        <m:d>
+                          <m:dPr>
+                            <m:ctrlPr>
+                              <a:rPr lang="en-US" sz="2400" b="0" i="1" smtClean="0">
+                                <a:latin typeface="Cambria Math"/>
+                              </a:rPr>
+                            </m:ctrlPr>
+                          </m:dPr>
+                          <m:e>
+                            <m:sSub>
+                              <m:sSubPr>
+                                <m:ctrlPr>
+                                  <a:rPr lang="en-US" sz="2400" b="0" i="1" smtClean="0">
+                                    <a:latin typeface="Cambria Math"/>
+                                  </a:rPr>
+                                </m:ctrlPr>
+                              </m:sSubPr>
+                              <m:e>
+                                <m:r>
+                                  <a:rPr lang="en-US" sz="2400" b="0" i="1" smtClean="0">
+                                    <a:latin typeface="Cambria Math"/>
+                                  </a:rPr>
+                                  <m:t>𝑦</m:t>
+                                </m:r>
+                              </m:e>
+                              <m:sub>
+                                <m:r>
+                                  <a:rPr lang="en-US" sz="2400" b="0" i="1" smtClean="0">
+                                    <a:latin typeface="Cambria Math"/>
+                                  </a:rPr>
+                                  <m:t>𝑠</m:t>
+                                </m:r>
+                                <m:r>
+                                  <a:rPr lang="en-US" sz="2400" b="0" i="1" smtClean="0">
+                                    <a:latin typeface="Cambria Math"/>
+                                  </a:rPr>
+                                  <m:t>+1 </m:t>
+                                </m:r>
+                              </m:sub>
+                            </m:sSub>
+                            <m:r>
+                              <a:rPr lang="en-US" sz="2400" b="0" i="1" smtClean="0">
+                                <a:latin typeface="Cambria Math"/>
+                              </a:rPr>
+                              <m:t>−</m:t>
+                            </m:r>
+                            <m:sSub>
+                              <m:sSubPr>
+                                <m:ctrlPr>
+                                  <a:rPr lang="en-US" sz="2400" b="0" i="1" smtClean="0">
+                                    <a:latin typeface="Cambria Math"/>
+                                  </a:rPr>
+                                </m:ctrlPr>
+                              </m:sSubPr>
+                              <m:e>
+                                <m:r>
+                                  <a:rPr lang="en-US" sz="2400" b="0" i="1" smtClean="0">
+                                    <a:latin typeface="Cambria Math"/>
+                                  </a:rPr>
+                                  <m:t>𝑥</m:t>
+                                </m:r>
+                              </m:e>
+                              <m:sub>
+                                <m:r>
+                                  <a:rPr lang="en-US" sz="2400" b="0" i="1" smtClean="0">
+                                    <a:latin typeface="Cambria Math"/>
+                                  </a:rPr>
+                                  <m:t>𝑠</m:t>
+                                </m:r>
+                              </m:sub>
+                            </m:sSub>
+                          </m:e>
+                        </m:d>
+                      </m:e>
+                      <m:sup>
+                        <m:r>
+                          <a:rPr lang="en-US" sz="2400" b="0" i="1" smtClean="0">
+                            <a:latin typeface="Cambria Math"/>
+                          </a:rPr>
+                          <m:t>𝑇</m:t>
+                        </m:r>
+                      </m:sup>
+                    </m:sSup>
+                    <m:r>
+                      <a:rPr lang="en-US" sz="2400" b="0" i="1" smtClean="0">
+                        <a:latin typeface="Cambria Math"/>
+                      </a:rPr>
+                      <m:t>(</m:t>
+                    </m:r>
+                    <m:sSub>
+                      <m:sSubPr>
+                        <m:ctrlPr>
+                          <a:rPr lang="en-US" sz="2400" b="0" i="1" smtClean="0">
+                            <a:latin typeface="Cambria Math"/>
+                          </a:rPr>
+                        </m:ctrlPr>
+                      </m:sSubPr>
+                      <m:e>
+                        <m:r>
+                          <a:rPr lang="en-US" sz="2400" b="0" i="1" smtClean="0">
+                            <a:latin typeface="Cambria Math"/>
+                          </a:rPr>
+                          <m:t>𝑥</m:t>
+                        </m:r>
+                      </m:e>
+                      <m:sub>
+                        <m:r>
+                          <a:rPr lang="en-US" sz="2400" b="0" i="1" smtClean="0">
+                            <a:latin typeface="Cambria Math"/>
+                          </a:rPr>
+                          <m:t>𝑠</m:t>
+                        </m:r>
+                      </m:sub>
+                    </m:sSub>
+                    <m:r>
+                      <a:rPr lang="en-US" sz="2400" b="0" i="1" smtClean="0">
+                        <a:latin typeface="Cambria Math"/>
+                      </a:rPr>
+                      <m:t>−</m:t>
+                    </m:r>
+                    <m:sSup>
+                      <m:sSupPr>
+                        <m:ctrlPr>
+                          <a:rPr lang="en-US" sz="2400" b="0" i="1" smtClean="0">
+                            <a:latin typeface="Cambria Math"/>
+                          </a:rPr>
+                        </m:ctrlPr>
+                      </m:sSupPr>
+                      <m:e>
+                        <m:r>
+                          <a:rPr lang="en-US" sz="2400" b="0" i="1" smtClean="0">
+                            <a:latin typeface="Cambria Math"/>
+                          </a:rPr>
+                          <m:t>𝑥</m:t>
+                        </m:r>
+                      </m:e>
+                      <m:sup>
+                        <m:r>
+                          <a:rPr lang="en-US" sz="2400" b="0" i="1" smtClean="0">
+                            <a:latin typeface="Cambria Math"/>
+                          </a:rPr>
+                          <m:t>∗</m:t>
+                        </m:r>
+                      </m:sup>
+                    </m:sSup>
+                    <m:r>
+                      <a:rPr lang="en-US" sz="2400" b="0" i="1" smtClean="0">
+                        <a:latin typeface="Cambria Math"/>
+                      </a:rPr>
+                      <m:t>)</m:t>
+                    </m:r>
+                  </m:oMath>
+                </a14:m>
+                <a:r>
+                  <a:rPr lang="en-US" sz="2400" dirty="0" smtClean="0"/>
+                  <a:t>  </a:t>
+                </a:r>
+                <a:r>
+                  <a:rPr lang="en-US" sz="3500" dirty="0" smtClean="0"/>
+                  <a:t>(2)</a:t>
+                </a:r>
+              </a:p>
+              <a:p>
+                <a:pPr marL="0" indent="0">
+                  <a:buNone/>
+                </a:pPr>
+                <a:endParaRPr lang="en-US" sz="2600" dirty="0"/>
+              </a:p>
+            </p:txBody>
+          </p:sp>
+        </mc:Choice>
+        <mc:Fallback>
+          <p:sp>
+            <p:nvSpPr>
+              <p:cNvPr id="3" name="Content Placeholder 2"/>
+              <p:cNvSpPr>
+                <a:spLocks noGrp="1" noRot="1" noChangeAspect="1" noMove="1" noResize="1" noEditPoints="1" noAdjustHandles="1" noChangeArrowheads="1" noChangeShapeType="1" noTextEdit="1"/>
+              </p:cNvSpPr>
+              <p:nvPr>
+                <p:ph idx="1"/>
+              </p:nvPr>
+            </p:nvSpPr>
+            <p:spPr>
+              <a:xfrm>
+                <a:off x="457200" y="1600200"/>
+                <a:ext cx="8991600" cy="5181600"/>
+              </a:xfrm>
+              <a:blipFill rotWithShape="1">
+                <a:blip r:embed="rId2"/>
+                <a:stretch>
+                  <a:fillRect l="-1966"/>
+                </a:stretch>
+              </a:blipFill>
+            </p:spPr>
+            <p:txBody>
+              <a:bodyPr/>
+              <a:lstStyle/>
+              <a:p>
+                <a:r>
+                  <a:rPr lang="en-US">
+                    <a:noFill/>
+                  </a:rPr>
+                  <a:t> </a:t>
+                </a:r>
+              </a:p>
+            </p:txBody>
+          </p:sp>
+        </mc:Fallback>
+      </mc:AlternateContent>
+    </p:spTree>
+    <p:extLst>
+      <p:ext uri="{BB962C8B-B14F-4D97-AF65-F5344CB8AC3E}">
+        <p14:creationId xmlns:p14="http://schemas.microsoft.com/office/powerpoint/2010/main" val="2181545024"/>
+      </p:ext>
+    </p:extLst>
+  </p:cSld>
+  <p:clrMapOvr>
+    <a:masterClrMapping/>
+  </p:clrMapOvr>
+  <p:timing>
+    <p:tnLst>
+      <p:par>
+        <p:cTn id="1" dur="indefinite" restart="never" nodeType="tmRoot"/>
+      </p:par>
+    </p:tnLst>
+  </p:timing>
+</p:sld>
+</file>
+
+<file path=ppt/slides/slide13.xml><?xml version="1.0" encoding="utf-8"?>
+<p:sld xmlns:a="http://schemas.openxmlformats.org/drawingml/2006/main" xmlns:r="http://schemas.openxmlformats.org/officeDocument/2006/relationships" xmlns:p="http://schemas.openxmlformats.org/presentationml/2006/main">
+  <p:cSld>
+    <p:spTree>
+      <p:nvGrpSpPr>
+        <p:cNvPr id="1" name=""/>
+        <p:cNvGrpSpPr/>
+        <p:nvPr/>
+      </p:nvGrpSpPr>
+      <p:grpSpPr>
+        <a:xfrm>
+          <a:off x="0" y="0"/>
+          <a:ext cx="0" cy="0"/>
+          <a:chOff x="0" y="0"/>
+          <a:chExt cx="0" cy="0"/>
+        </a:xfrm>
+      </p:grpSpPr>
+      <p:sp>
+        <p:nvSpPr>
+          <p:cNvPr id="2" name="Title 1"/>
+          <p:cNvSpPr>
+            <a:spLocks noGrp="1"/>
+          </p:cNvSpPr>
+          <p:nvPr>
+            <p:ph type="title"/>
+          </p:nvPr>
+        </p:nvSpPr>
+        <p:spPr/>
+        <p:txBody>
+          <a:bodyPr>
+            <a:normAutofit fontScale="90000"/>
+          </a:bodyPr>
+          <a:lstStyle/>
+          <a:p>
+            <a:r>
+              <a:rPr lang="en-US" dirty="0" smtClean="0">
+                <a:solidFill>
+                  <a:srgbClr val="0070C0"/>
+                </a:solidFill>
+              </a:rPr>
+              <a:t>Accelerated Gradient Descent: Analysis</a:t>
+            </a:r>
+            <a:endParaRPr lang="en-US" dirty="0"/>
+          </a:p>
+        </p:txBody>
+      </p:sp>
+      <mc:AlternateContent xmlns:mc="http://schemas.openxmlformats.org/markup-compatibility/2006">
+        <mc:Choice xmlns:a14="http://schemas.microsoft.com/office/drawing/2010/main" Requires="a14">
+          <p:sp>
+            <p:nvSpPr>
+              <p:cNvPr id="3" name="Content Placeholder 2"/>
+              <p:cNvSpPr>
+                <a:spLocks noGrp="1"/>
+              </p:cNvSpPr>
+              <p:nvPr>
+                <p:ph idx="1"/>
+              </p:nvPr>
+            </p:nvSpPr>
+            <p:spPr>
+              <a:xfrm>
+                <a:off x="304800" y="1600200"/>
+                <a:ext cx="8686800" cy="5029200"/>
+              </a:xfrm>
+            </p:spPr>
+            <p:txBody>
+              <a:bodyPr>
+                <a:normAutofit/>
+              </a:bodyPr>
+              <a:lstStyle/>
+              <a:p>
+                <a14:m>
+                  <m:oMath xmlns:m="http://schemas.openxmlformats.org/officeDocument/2006/math">
+                    <m:d>
+                      <m:dPr>
+                        <m:ctrlPr>
+                          <a:rPr lang="en-US" sz="2400" b="0" i="1" smtClean="0">
+                            <a:latin typeface="Cambria Math"/>
+                          </a:rPr>
+                        </m:ctrlPr>
+                      </m:dPr>
+                      <m:e>
+                        <m:r>
+                          <a:rPr lang="en-US" sz="2400" b="0" i="0" smtClean="0">
+                            <a:latin typeface="Cambria Math"/>
+                          </a:rPr>
+                          <m:t>1</m:t>
+                        </m:r>
+                      </m:e>
+                    </m:d>
+                    <m:r>
+                      <a:rPr lang="en-US" sz="2400" b="0" i="0" smtClean="0">
+                        <a:latin typeface="Cambria Math"/>
+                      </a:rPr>
+                      <m:t> </m:t>
+                    </m:r>
+                    <m:r>
+                      <m:rPr>
+                        <m:sty m:val="p"/>
+                      </m:rPr>
+                      <a:rPr lang="en-US" sz="2400" b="0" i="0" smtClean="0">
+                        <a:latin typeface="Cambria Math"/>
+                      </a:rPr>
+                      <m:t>x</m:t>
+                    </m:r>
+                    <m:r>
+                      <a:rPr lang="en-US" sz="2400" b="0" i="0" smtClean="0">
+                        <a:latin typeface="Cambria Math"/>
+                      </a:rPr>
+                      <m:t> </m:t>
+                    </m:r>
+                    <m:d>
+                      <m:dPr>
+                        <m:ctrlPr>
+                          <a:rPr lang="en-US" sz="2400" b="0" i="1" smtClean="0">
+                            <a:latin typeface="Cambria Math"/>
+                          </a:rPr>
+                        </m:ctrlPr>
+                      </m:dPr>
+                      <m:e>
+                        <m:sSub>
+                          <m:sSubPr>
+                            <m:ctrlPr>
+                              <a:rPr lang="en-US" sz="2400" b="0" i="1" smtClean="0">
+                                <a:latin typeface="Cambria Math"/>
+                              </a:rPr>
+                            </m:ctrlPr>
+                          </m:sSubPr>
+                          <m:e>
+                            <m:r>
+                              <a:rPr lang="en-US" sz="2400" b="0" i="1" smtClean="0">
+                                <a:latin typeface="Cambria Math"/>
+                              </a:rPr>
+                              <m:t>𝜆</m:t>
+                            </m:r>
+                          </m:e>
+                          <m:sub>
+                            <m:r>
+                              <a:rPr lang="en-US" sz="2400" b="0" i="1" smtClean="0">
+                                <a:latin typeface="Cambria Math"/>
+                              </a:rPr>
+                              <m:t>𝑠</m:t>
+                            </m:r>
+                          </m:sub>
+                        </m:sSub>
+                        <m:r>
+                          <a:rPr lang="en-US" sz="2400" b="0" i="1" smtClean="0">
+                            <a:latin typeface="Cambria Math"/>
+                          </a:rPr>
+                          <m:t>−1</m:t>
+                        </m:r>
+                      </m:e>
+                    </m:d>
+                    <m:r>
+                      <a:rPr lang="en-US" sz="2400" b="0" i="1" smtClean="0">
+                        <a:latin typeface="Cambria Math"/>
+                      </a:rPr>
+                      <m:t>+</m:t>
+                    </m:r>
+                    <m:d>
+                      <m:dPr>
+                        <m:ctrlPr>
+                          <a:rPr lang="en-US" sz="2400" b="0" i="1" smtClean="0">
+                            <a:latin typeface="Cambria Math"/>
+                          </a:rPr>
+                        </m:ctrlPr>
+                      </m:dPr>
+                      <m:e>
+                        <m:r>
+                          <a:rPr lang="en-US" sz="2400" b="0" i="1" smtClean="0">
+                            <a:latin typeface="Cambria Math"/>
+                          </a:rPr>
+                          <m:t>2</m:t>
+                        </m:r>
+                      </m:e>
+                    </m:d>
+                    <m:r>
+                      <a:rPr lang="en-US" sz="2400" b="0" i="1" smtClean="0">
+                        <a:latin typeface="Cambria Math"/>
+                      </a:rPr>
+                      <m:t>,</m:t>
+                    </m:r>
+                  </m:oMath>
+                </a14:m>
+                <a:r>
+                  <a:rPr lang="en-US" sz="2400" dirty="0" smtClean="0"/>
+                  <a:t> for </a:t>
+                </a:r>
+                <a14:m>
+                  <m:oMath xmlns:m="http://schemas.openxmlformats.org/officeDocument/2006/math">
+                    <m:sSub>
+                      <m:sSubPr>
+                        <m:ctrlPr>
+                          <a:rPr lang="en-US" sz="2400" b="0" i="1" smtClean="0">
+                            <a:latin typeface="Cambria Math"/>
+                          </a:rPr>
+                        </m:ctrlPr>
+                      </m:sSubPr>
+                      <m:e>
+                        <m:r>
+                          <a:rPr lang="en-US" sz="2400" b="0" i="1" smtClean="0">
+                            <a:latin typeface="Cambria Math"/>
+                          </a:rPr>
+                          <m:t>𝛿</m:t>
+                        </m:r>
+                      </m:e>
+                      <m:sub>
+                        <m:r>
+                          <a:rPr lang="en-US" sz="2400" b="0" i="1" smtClean="0">
+                            <a:latin typeface="Cambria Math"/>
+                          </a:rPr>
+                          <m:t>𝑠</m:t>
+                        </m:r>
+                      </m:sub>
+                    </m:sSub>
+                    <m:r>
+                      <a:rPr lang="en-US" sz="2400" b="0" i="1" smtClean="0">
+                        <a:latin typeface="Cambria Math"/>
+                      </a:rPr>
+                      <m:t>=</m:t>
+                    </m:r>
+                    <m:r>
+                      <a:rPr lang="en-US" sz="2400" b="0" i="1" smtClean="0">
+                        <a:latin typeface="Cambria Math"/>
+                      </a:rPr>
+                      <m:t>𝑓</m:t>
+                    </m:r>
+                    <m:d>
+                      <m:dPr>
+                        <m:ctrlPr>
+                          <a:rPr lang="en-US" sz="2400" b="0" i="1" smtClean="0">
+                            <a:latin typeface="Cambria Math"/>
+                          </a:rPr>
+                        </m:ctrlPr>
+                      </m:dPr>
+                      <m:e>
+                        <m:sSub>
+                          <m:sSubPr>
+                            <m:ctrlPr>
+                              <a:rPr lang="en-US" sz="2400" b="0" i="1" smtClean="0">
+                                <a:latin typeface="Cambria Math"/>
+                              </a:rPr>
+                            </m:ctrlPr>
+                          </m:sSubPr>
+                          <m:e>
+                            <m:r>
+                              <a:rPr lang="en-US" sz="2400" b="0" i="1" smtClean="0">
+                                <a:latin typeface="Cambria Math"/>
+                              </a:rPr>
+                              <m:t>𝑦</m:t>
+                            </m:r>
+                          </m:e>
+                          <m:sub>
+                            <m:r>
+                              <a:rPr lang="en-US" sz="2400" b="0" i="1" smtClean="0">
+                                <a:latin typeface="Cambria Math"/>
+                              </a:rPr>
+                              <m:t>𝑠</m:t>
+                            </m:r>
+                          </m:sub>
+                        </m:sSub>
+                      </m:e>
+                    </m:d>
+                    <m:r>
+                      <a:rPr lang="en-US" sz="2400" b="0" i="1" smtClean="0">
+                        <a:latin typeface="Cambria Math"/>
+                      </a:rPr>
+                      <m:t>−</m:t>
+                    </m:r>
+                    <m:r>
+                      <a:rPr lang="en-US" sz="2400" b="0" i="1" smtClean="0">
+                        <a:latin typeface="Cambria Math"/>
+                      </a:rPr>
+                      <m:t>𝑓</m:t>
+                    </m:r>
+                    <m:d>
+                      <m:dPr>
+                        <m:ctrlPr>
+                          <a:rPr lang="en-US" sz="2400" b="0" i="1" smtClean="0">
+                            <a:latin typeface="Cambria Math"/>
+                          </a:rPr>
+                        </m:ctrlPr>
+                      </m:dPr>
+                      <m:e>
+                        <m:sSup>
+                          <m:sSupPr>
+                            <m:ctrlPr>
+                              <a:rPr lang="en-US" sz="2400" b="0" i="1" smtClean="0">
+                                <a:latin typeface="Cambria Math"/>
+                              </a:rPr>
+                            </m:ctrlPr>
+                          </m:sSupPr>
+                          <m:e>
+                            <m:r>
+                              <a:rPr lang="en-US" sz="2400" b="0" i="1" smtClean="0">
+                                <a:latin typeface="Cambria Math"/>
+                              </a:rPr>
+                              <m:t>𝑥</m:t>
+                            </m:r>
+                          </m:e>
+                          <m:sup>
+                            <m:r>
+                              <a:rPr lang="en-US" sz="2400" b="0" i="1" smtClean="0">
+                                <a:latin typeface="Cambria Math"/>
+                              </a:rPr>
+                              <m:t>∗</m:t>
+                            </m:r>
+                          </m:sup>
+                        </m:sSup>
+                      </m:e>
+                    </m:d>
+                    <m:r>
+                      <a:rPr lang="en-US" sz="2400" b="0" i="1" smtClean="0">
+                        <a:latin typeface="Cambria Math"/>
+                      </a:rPr>
+                      <m:t>:</m:t>
+                    </m:r>
+                  </m:oMath>
+                </a14:m>
+                <a:endParaRPr lang="en-US" sz="2400" dirty="0" smtClean="0"/>
+              </a:p>
+              <a:p>
+                <a:pPr marL="0" indent="0">
+                  <a:buNone/>
+                </a:pPr>
+                <a14:m>
+                  <m:oMath xmlns:m="http://schemas.openxmlformats.org/officeDocument/2006/math">
+                    <m:sSub>
+                      <m:sSubPr>
+                        <m:ctrlPr>
+                          <a:rPr lang="en-US" sz="2400" b="0" i="1" smtClean="0">
+                            <a:latin typeface="Cambria Math"/>
+                          </a:rPr>
+                        </m:ctrlPr>
+                      </m:sSubPr>
+                      <m:e>
+                        <m:r>
+                          <a:rPr lang="en-US" sz="2400" b="0" i="1" smtClean="0">
+                            <a:latin typeface="Cambria Math"/>
+                          </a:rPr>
+                          <m:t>𝜆</m:t>
+                        </m:r>
+                      </m:e>
+                      <m:sub>
+                        <m:r>
+                          <a:rPr lang="en-US" sz="2400" b="0" i="1" smtClean="0">
+                            <a:latin typeface="Cambria Math"/>
+                          </a:rPr>
+                          <m:t>𝑠</m:t>
+                        </m:r>
+                      </m:sub>
+                    </m:sSub>
+                    <m:sSub>
+                      <m:sSubPr>
+                        <m:ctrlPr>
+                          <a:rPr lang="en-US" sz="2400" b="0" i="1" smtClean="0">
+                            <a:latin typeface="Cambria Math"/>
+                          </a:rPr>
+                        </m:ctrlPr>
+                      </m:sSubPr>
+                      <m:e>
+                        <m:r>
+                          <a:rPr lang="en-US" sz="2400" b="0" i="1" smtClean="0">
+                            <a:latin typeface="Cambria Math"/>
+                          </a:rPr>
+                          <m:t>𝛿</m:t>
+                        </m:r>
+                      </m:e>
+                      <m:sub>
+                        <m:r>
+                          <a:rPr lang="en-US" sz="2400" b="0" i="1" smtClean="0">
+                            <a:latin typeface="Cambria Math"/>
+                          </a:rPr>
+                          <m:t>𝑠</m:t>
+                        </m:r>
+                        <m:r>
+                          <a:rPr lang="en-US" sz="2400" b="0" i="1" smtClean="0">
+                            <a:latin typeface="Cambria Math"/>
+                          </a:rPr>
+                          <m:t>+1 </m:t>
+                        </m:r>
+                      </m:sub>
+                    </m:sSub>
+                    <m:r>
+                      <a:rPr lang="en-US" sz="2400" b="0" i="1" smtClean="0">
+                        <a:latin typeface="Cambria Math"/>
+                      </a:rPr>
+                      <m:t>−</m:t>
+                    </m:r>
+                    <m:sSub>
+                      <m:sSubPr>
+                        <m:ctrlPr>
+                          <a:rPr lang="en-US" sz="2400" b="0" i="1" smtClean="0">
+                            <a:latin typeface="Cambria Math"/>
+                          </a:rPr>
+                        </m:ctrlPr>
+                      </m:sSubPr>
+                      <m:e>
+                        <m:r>
+                          <a:rPr lang="en-US" sz="2400" b="0" i="1" smtClean="0">
+                            <a:latin typeface="Cambria Math"/>
+                          </a:rPr>
+                          <m:t>(</m:t>
+                        </m:r>
+                        <m:r>
+                          <a:rPr lang="en-US" sz="2400" b="0" i="1" smtClean="0">
+                            <a:latin typeface="Cambria Math"/>
+                          </a:rPr>
+                          <m:t>𝜆</m:t>
+                        </m:r>
+                      </m:e>
+                      <m:sub>
+                        <m:r>
+                          <a:rPr lang="en-US" sz="2400" b="0" i="1" smtClean="0">
+                            <a:latin typeface="Cambria Math"/>
+                          </a:rPr>
+                          <m:t>𝑠</m:t>
+                        </m:r>
+                        <m:r>
+                          <a:rPr lang="en-US" sz="2400" b="0" i="1" smtClean="0">
+                            <a:latin typeface="Cambria Math"/>
+                          </a:rPr>
+                          <m:t> </m:t>
+                        </m:r>
+                      </m:sub>
+                    </m:sSub>
+                    <m:r>
+                      <a:rPr lang="en-US" sz="2400" b="0" i="1" smtClean="0">
+                        <a:latin typeface="Cambria Math"/>
+                      </a:rPr>
+                      <m:t>−1)</m:t>
+                    </m:r>
+                    <m:sSub>
+                      <m:sSubPr>
+                        <m:ctrlPr>
+                          <a:rPr lang="en-US" sz="2400" b="0" i="1" smtClean="0">
+                            <a:latin typeface="Cambria Math"/>
+                          </a:rPr>
+                        </m:ctrlPr>
+                      </m:sSubPr>
+                      <m:e>
+                        <m:r>
+                          <a:rPr lang="en-US" sz="2400" b="0" i="1" smtClean="0">
+                            <a:latin typeface="Cambria Math"/>
+                          </a:rPr>
+                          <m:t>𝛿</m:t>
+                        </m:r>
+                      </m:e>
+                      <m:sub>
+                        <m:r>
+                          <a:rPr lang="en-US" sz="2400" b="0" i="1" smtClean="0">
+                            <a:latin typeface="Cambria Math"/>
+                          </a:rPr>
+                          <m:t>𝑠</m:t>
+                        </m:r>
+                        <m:r>
+                          <a:rPr lang="en-US" sz="2400" b="0" i="1" smtClean="0">
+                            <a:latin typeface="Cambria Math"/>
+                          </a:rPr>
+                          <m:t> </m:t>
+                        </m:r>
+                      </m:sub>
+                    </m:sSub>
+                    <m:r>
+                      <a:rPr lang="en-US" sz="2400" b="0" i="1" smtClean="0">
+                        <a:latin typeface="Cambria Math"/>
+                      </a:rPr>
+                      <m:t>≤</m:t>
+                    </m:r>
+                  </m:oMath>
+                </a14:m>
+                <a:r>
+                  <a:rPr lang="en-US" sz="2400" dirty="0" smtClean="0"/>
+                  <a:t> </a:t>
+                </a:r>
+                <a:endParaRPr lang="en-US" sz="2400" dirty="0" smtClean="0"/>
+              </a:p>
+              <a:p>
+                <a:pPr marL="0" indent="0">
+                  <a:buNone/>
+                </a:pPr>
+                <a14:m>
+                  <m:oMathPara xmlns:m="http://schemas.openxmlformats.org/officeDocument/2006/math">
+                    <m:oMathParaPr>
+                      <m:jc m:val="centerGroup"/>
+                    </m:oMathParaPr>
+                    <m:oMath xmlns:m="http://schemas.openxmlformats.org/officeDocument/2006/math">
+                      <m:r>
+                        <a:rPr lang="en-US" sz="2400" b="0" i="1" dirty="0" smtClean="0">
+                          <a:latin typeface="Cambria Math"/>
+                        </a:rPr>
+                        <m:t>−</m:t>
+                      </m:r>
+                      <m:f>
+                        <m:fPr>
+                          <m:ctrlPr>
+                            <a:rPr lang="en-US" sz="2400" b="0" i="1" dirty="0" smtClean="0">
+                              <a:latin typeface="Cambria Math"/>
+                            </a:rPr>
+                          </m:ctrlPr>
+                        </m:fPr>
+                        <m:num>
+                          <m:r>
+                            <a:rPr lang="en-US" sz="2400" b="0" i="1" dirty="0" smtClean="0">
+                              <a:latin typeface="Cambria Math"/>
+                            </a:rPr>
+                            <m:t>𝛽</m:t>
+                          </m:r>
+                        </m:num>
+                        <m:den>
+                          <m:r>
+                            <a:rPr lang="en-US" sz="2400" b="0" i="1" dirty="0" smtClean="0">
+                              <a:latin typeface="Cambria Math"/>
+                            </a:rPr>
+                            <m:t>2</m:t>
+                          </m:r>
+                        </m:den>
+                      </m:f>
+                      <m:sSub>
+                        <m:sSubPr>
+                          <m:ctrlPr>
+                            <a:rPr lang="en-US" sz="2400" b="0" i="1" dirty="0" smtClean="0">
+                              <a:latin typeface="Cambria Math"/>
+                            </a:rPr>
+                          </m:ctrlPr>
+                        </m:sSubPr>
+                        <m:e>
+                          <m:r>
+                            <a:rPr lang="en-US" sz="2400" b="0" i="1" dirty="0" smtClean="0">
+                              <a:latin typeface="Cambria Math"/>
+                            </a:rPr>
+                            <m:t>𝜆</m:t>
+                          </m:r>
+                        </m:e>
+                        <m:sub>
+                          <m:r>
+                            <a:rPr lang="en-US" sz="2400" b="0" i="1" dirty="0" smtClean="0">
+                              <a:latin typeface="Cambria Math"/>
+                            </a:rPr>
+                            <m:t>𝑠</m:t>
+                          </m:r>
+                        </m:sub>
+                      </m:sSub>
+                      <m:sSup>
+                        <m:sSupPr>
+                          <m:ctrlPr>
+                            <a:rPr lang="en-US" sz="2400" b="0" i="1" dirty="0" smtClean="0">
+                              <a:latin typeface="Cambria Math"/>
+                            </a:rPr>
+                          </m:ctrlPr>
+                        </m:sSupPr>
+                        <m:e>
+                          <m:d>
+                            <m:dPr>
+                              <m:begChr m:val="|"/>
+                              <m:endChr m:val="|"/>
+                              <m:ctrlPr>
+                                <a:rPr lang="en-US" sz="2400" b="0" i="1" dirty="0" smtClean="0">
+                                  <a:latin typeface="Cambria Math"/>
+                                </a:rPr>
+                              </m:ctrlPr>
+                            </m:dPr>
+                            <m:e>
+                              <m:d>
+                                <m:dPr>
+                                  <m:begChr m:val="|"/>
+                                  <m:endChr m:val="|"/>
+                                  <m:ctrlPr>
+                                    <a:rPr lang="en-US" sz="2400" b="0" i="1" dirty="0" smtClean="0">
+                                      <a:latin typeface="Cambria Math"/>
+                                    </a:rPr>
+                                  </m:ctrlPr>
+                                </m:dPr>
+                                <m:e>
+                                  <m:sSub>
+                                    <m:sSubPr>
+                                      <m:ctrlPr>
+                                        <a:rPr lang="en-US" sz="2400" b="0" i="1" dirty="0" smtClean="0">
+                                          <a:latin typeface="Cambria Math"/>
+                                        </a:rPr>
+                                      </m:ctrlPr>
+                                    </m:sSubPr>
+                                    <m:e>
+                                      <m:r>
+                                        <a:rPr lang="en-US" sz="2400" b="0" i="1" dirty="0" smtClean="0">
+                                          <a:latin typeface="Cambria Math"/>
+                                        </a:rPr>
+                                        <m:t>𝑦</m:t>
+                                      </m:r>
+                                    </m:e>
+                                    <m:sub>
+                                      <m:r>
+                                        <a:rPr lang="en-US" sz="2400" b="0" i="1" dirty="0" smtClean="0">
+                                          <a:latin typeface="Cambria Math"/>
+                                        </a:rPr>
+                                        <m:t>𝑠</m:t>
+                                      </m:r>
+                                      <m:r>
+                                        <a:rPr lang="en-US" sz="2400" b="0" i="1" dirty="0" smtClean="0">
+                                          <a:latin typeface="Cambria Math"/>
+                                        </a:rPr>
+                                        <m:t>+1</m:t>
+                                      </m:r>
+                                    </m:sub>
+                                  </m:sSub>
+                                  <m:r>
+                                    <a:rPr lang="en-US" sz="2400" b="0" i="1" dirty="0" smtClean="0">
+                                      <a:latin typeface="Cambria Math"/>
+                                    </a:rPr>
+                                    <m:t>−</m:t>
+                                  </m:r>
+                                  <m:sSub>
+                                    <m:sSubPr>
+                                      <m:ctrlPr>
+                                        <a:rPr lang="en-US" sz="2400" b="0" i="1" dirty="0" smtClean="0">
+                                          <a:latin typeface="Cambria Math"/>
+                                        </a:rPr>
+                                      </m:ctrlPr>
+                                    </m:sSubPr>
+                                    <m:e>
+                                      <m:r>
+                                        <a:rPr lang="en-US" sz="2400" b="0" i="1" dirty="0" smtClean="0">
+                                          <a:latin typeface="Cambria Math"/>
+                                        </a:rPr>
+                                        <m:t>𝑥</m:t>
+                                      </m:r>
+                                    </m:e>
+                                    <m:sub>
+                                      <m:r>
+                                        <a:rPr lang="en-US" sz="2400" b="0" i="1" dirty="0" smtClean="0">
+                                          <a:latin typeface="Cambria Math"/>
+                                        </a:rPr>
+                                        <m:t>𝑠</m:t>
+                                      </m:r>
+                                    </m:sub>
+                                  </m:sSub>
+                                </m:e>
+                              </m:d>
+                            </m:e>
+                          </m:d>
+                        </m:e>
+                        <m:sup>
+                          <m:r>
+                            <a:rPr lang="en-US" sz="2400" b="0" i="1" dirty="0" smtClean="0">
+                              <a:latin typeface="Cambria Math"/>
+                            </a:rPr>
+                            <m:t>2</m:t>
+                          </m:r>
+                        </m:sup>
+                      </m:sSup>
+                      <m:r>
+                        <a:rPr lang="en-US" sz="2400" b="0" i="1" dirty="0" smtClean="0">
+                          <a:latin typeface="Cambria Math"/>
+                        </a:rPr>
+                        <m:t>−</m:t>
+                      </m:r>
+                      <m:r>
+                        <a:rPr lang="en-US" sz="2400" b="0" i="1" dirty="0" smtClean="0">
+                          <a:latin typeface="Cambria Math"/>
+                        </a:rPr>
+                        <m:t>𝛽</m:t>
+                      </m:r>
+                      <m:sSup>
+                        <m:sSupPr>
+                          <m:ctrlPr>
+                            <a:rPr lang="en-US" sz="2400" b="0" i="1" dirty="0" smtClean="0">
+                              <a:latin typeface="Cambria Math"/>
+                            </a:rPr>
+                          </m:ctrlPr>
+                        </m:sSupPr>
+                        <m:e>
+                          <m:d>
+                            <m:dPr>
+                              <m:ctrlPr>
+                                <a:rPr lang="en-US" sz="2400" b="0" i="1" dirty="0" smtClean="0">
+                                  <a:latin typeface="Cambria Math"/>
+                                </a:rPr>
+                              </m:ctrlPr>
+                            </m:dPr>
+                            <m:e>
+                              <m:sSub>
+                                <m:sSubPr>
+                                  <m:ctrlPr>
+                                    <a:rPr lang="en-US" sz="2400" b="0" i="1" dirty="0" smtClean="0">
+                                      <a:latin typeface="Cambria Math"/>
+                                    </a:rPr>
+                                  </m:ctrlPr>
+                                </m:sSubPr>
+                                <m:e>
+                                  <m:r>
+                                    <a:rPr lang="en-US" sz="2400" b="0" i="1" dirty="0" smtClean="0">
+                                      <a:latin typeface="Cambria Math"/>
+                                    </a:rPr>
+                                    <m:t>𝑦</m:t>
+                                  </m:r>
+                                </m:e>
+                                <m:sub>
+                                  <m:r>
+                                    <a:rPr lang="en-US" sz="2400" b="0" i="1" dirty="0" smtClean="0">
+                                      <a:latin typeface="Cambria Math"/>
+                                    </a:rPr>
+                                    <m:t>𝑠</m:t>
+                                  </m:r>
+                                  <m:r>
+                                    <a:rPr lang="en-US" sz="2400" b="0" i="1" dirty="0" smtClean="0">
+                                      <a:latin typeface="Cambria Math"/>
+                                    </a:rPr>
+                                    <m:t>+1</m:t>
+                                  </m:r>
+                                </m:sub>
+                              </m:sSub>
+                              <m:r>
+                                <a:rPr lang="en-US" sz="2400" b="0" i="1" dirty="0" smtClean="0">
+                                  <a:latin typeface="Cambria Math"/>
+                                </a:rPr>
+                                <m:t>−</m:t>
+                              </m:r>
+                              <m:sSub>
+                                <m:sSubPr>
+                                  <m:ctrlPr>
+                                    <a:rPr lang="en-US" sz="2400" b="0" i="1" dirty="0" smtClean="0">
+                                      <a:latin typeface="Cambria Math"/>
+                                    </a:rPr>
+                                  </m:ctrlPr>
+                                </m:sSubPr>
+                                <m:e>
+                                  <m:r>
+                                    <a:rPr lang="en-US" sz="2400" b="0" i="1" dirty="0" smtClean="0">
+                                      <a:latin typeface="Cambria Math"/>
+                                    </a:rPr>
+                                    <m:t>𝑥</m:t>
+                                  </m:r>
+                                </m:e>
+                                <m:sub>
+                                  <m:r>
+                                    <a:rPr lang="en-US" sz="2400" b="0" i="1" dirty="0" smtClean="0">
+                                      <a:latin typeface="Cambria Math"/>
+                                    </a:rPr>
+                                    <m:t>𝑠</m:t>
+                                  </m:r>
+                                </m:sub>
+                              </m:sSub>
+                            </m:e>
+                          </m:d>
+                        </m:e>
+                        <m:sup>
+                          <m:r>
+                            <a:rPr lang="en-US" sz="2400" b="0" i="1" dirty="0" smtClean="0">
+                              <a:latin typeface="Cambria Math"/>
+                            </a:rPr>
+                            <m:t>𝑇</m:t>
+                          </m:r>
+                        </m:sup>
+                      </m:sSup>
+                      <m:r>
+                        <a:rPr lang="en-US" sz="2400" b="0" i="1" dirty="0" smtClean="0">
+                          <a:latin typeface="Cambria Math"/>
+                        </a:rPr>
+                        <m:t>(</m:t>
+                      </m:r>
+                      <m:sSub>
+                        <m:sSubPr>
+                          <m:ctrlPr>
+                            <a:rPr lang="en-US" sz="2400" b="0" i="1" dirty="0" smtClean="0">
+                              <a:latin typeface="Cambria Math"/>
+                            </a:rPr>
+                          </m:ctrlPr>
+                        </m:sSubPr>
+                        <m:e>
+                          <m:r>
+                            <a:rPr lang="en-US" sz="2400" b="0" i="1" dirty="0" smtClean="0">
+                              <a:latin typeface="Cambria Math"/>
+                            </a:rPr>
+                            <m:t>𝜆</m:t>
+                          </m:r>
+                        </m:e>
+                        <m:sub>
+                          <m:r>
+                            <a:rPr lang="en-US" sz="2400" b="0" i="1" dirty="0" smtClean="0">
+                              <a:latin typeface="Cambria Math"/>
+                            </a:rPr>
+                            <m:t>𝑠</m:t>
+                          </m:r>
+                        </m:sub>
+                      </m:sSub>
+                      <m:sSub>
+                        <m:sSubPr>
+                          <m:ctrlPr>
+                            <a:rPr lang="en-US" sz="2400" b="0" i="1" dirty="0" smtClean="0">
+                              <a:latin typeface="Cambria Math"/>
+                            </a:rPr>
+                          </m:ctrlPr>
+                        </m:sSubPr>
+                        <m:e>
+                          <m:r>
+                            <a:rPr lang="en-US" sz="2400" b="0" i="1" dirty="0" smtClean="0">
+                              <a:latin typeface="Cambria Math"/>
+                            </a:rPr>
+                            <m:t>𝑥</m:t>
+                          </m:r>
+                        </m:e>
+                        <m:sub>
+                          <m:r>
+                            <a:rPr lang="en-US" sz="2400" b="0" i="1" dirty="0" smtClean="0">
+                              <a:latin typeface="Cambria Math"/>
+                            </a:rPr>
+                            <m:t>𝑠</m:t>
+                          </m:r>
+                        </m:sub>
+                      </m:sSub>
+                      <m:r>
+                        <a:rPr lang="en-US" sz="2400" b="0" i="1" dirty="0" smtClean="0">
+                          <a:latin typeface="Cambria Math"/>
+                        </a:rPr>
+                        <m:t>−</m:t>
+                      </m:r>
+                      <m:d>
+                        <m:dPr>
+                          <m:ctrlPr>
+                            <a:rPr lang="en-US" sz="2400" b="0" i="1" dirty="0" smtClean="0">
+                              <a:latin typeface="Cambria Math"/>
+                            </a:rPr>
+                          </m:ctrlPr>
+                        </m:dPr>
+                        <m:e>
+                          <m:sSub>
+                            <m:sSubPr>
+                              <m:ctrlPr>
+                                <a:rPr lang="en-US" sz="2400" b="0" i="1" dirty="0" smtClean="0">
+                                  <a:latin typeface="Cambria Math"/>
+                                </a:rPr>
+                              </m:ctrlPr>
+                            </m:sSubPr>
+                            <m:e>
+                              <m:r>
+                                <a:rPr lang="en-US" sz="2400" b="0" i="1" dirty="0" smtClean="0">
+                                  <a:latin typeface="Cambria Math"/>
+                                </a:rPr>
+                                <m:t>𝜆</m:t>
+                              </m:r>
+                            </m:e>
+                            <m:sub>
+                              <m:r>
+                                <a:rPr lang="en-US" sz="2400" b="0" i="1" dirty="0" smtClean="0">
+                                  <a:latin typeface="Cambria Math"/>
+                                </a:rPr>
+                                <m:t>𝑠</m:t>
+                              </m:r>
+                            </m:sub>
+                          </m:sSub>
+                          <m:r>
+                            <a:rPr lang="en-US" sz="2400" b="0" i="1" dirty="0" smtClean="0">
+                              <a:latin typeface="Cambria Math"/>
+                            </a:rPr>
+                            <m:t>−1</m:t>
+                          </m:r>
+                        </m:e>
+                      </m:d>
+                      <m:sSub>
+                        <m:sSubPr>
+                          <m:ctrlPr>
+                            <a:rPr lang="en-US" sz="2400" b="0" i="1" dirty="0" smtClean="0">
+                              <a:latin typeface="Cambria Math"/>
+                            </a:rPr>
+                          </m:ctrlPr>
+                        </m:sSubPr>
+                        <m:e>
+                          <m:r>
+                            <a:rPr lang="en-US" sz="2400" b="0" i="1" dirty="0" smtClean="0">
+                              <a:latin typeface="Cambria Math"/>
+                            </a:rPr>
+                            <m:t>𝑦</m:t>
+                          </m:r>
+                        </m:e>
+                        <m:sub>
+                          <m:r>
+                            <a:rPr lang="en-US" sz="2400" b="0" i="1" dirty="0" smtClean="0">
+                              <a:latin typeface="Cambria Math"/>
+                            </a:rPr>
+                            <m:t>𝑠</m:t>
+                          </m:r>
+                        </m:sub>
+                      </m:sSub>
+                      <m:r>
+                        <a:rPr lang="en-US" sz="2400" b="0" i="1" dirty="0" smtClean="0">
+                          <a:latin typeface="Cambria Math"/>
+                        </a:rPr>
+                        <m:t>−</m:t>
+                      </m:r>
+                      <m:sSup>
+                        <m:sSupPr>
+                          <m:ctrlPr>
+                            <a:rPr lang="en-US" sz="2400" b="0" i="1" dirty="0" smtClean="0">
+                              <a:latin typeface="Cambria Math"/>
+                            </a:rPr>
+                          </m:ctrlPr>
+                        </m:sSupPr>
+                        <m:e>
+                          <m:r>
+                            <a:rPr lang="en-US" sz="2400" b="0" i="1" dirty="0" smtClean="0">
+                              <a:latin typeface="Cambria Math"/>
+                            </a:rPr>
+                            <m:t>𝑥</m:t>
+                          </m:r>
+                        </m:e>
+                        <m:sup>
+                          <m:r>
+                            <a:rPr lang="en-US" sz="2400" b="0" i="1" dirty="0" smtClean="0">
+                              <a:latin typeface="Cambria Math"/>
+                            </a:rPr>
+                            <m:t>∗</m:t>
+                          </m:r>
+                        </m:sup>
+                      </m:sSup>
+                      <m:r>
+                        <a:rPr lang="en-US" sz="2400" b="0" i="1" dirty="0" smtClean="0">
+                          <a:latin typeface="Cambria Math"/>
+                        </a:rPr>
+                        <m:t>)</m:t>
+                      </m:r>
+                    </m:oMath>
+                  </m:oMathPara>
+                </a14:m>
+                <a:endParaRPr lang="en-US" sz="2400" dirty="0" smtClean="0"/>
+              </a:p>
+              <a:p>
+                <a:endParaRPr lang="en-US" sz="2400" dirty="0" smtClean="0"/>
+              </a:p>
+              <a:p>
+                <a:r>
+                  <a:rPr lang="en-US" sz="2400" dirty="0" smtClean="0"/>
+                  <a:t>(x) </a:t>
+                </a:r>
+                <a14:m>
+                  <m:oMath xmlns:m="http://schemas.openxmlformats.org/officeDocument/2006/math">
+                    <m:sSub>
+                      <m:sSubPr>
+                        <m:ctrlPr>
+                          <a:rPr lang="en-US" sz="2400" b="0" i="1" dirty="0" smtClean="0">
+                            <a:latin typeface="Cambria Math"/>
+                          </a:rPr>
+                        </m:ctrlPr>
+                      </m:sSubPr>
+                      <m:e>
+                        <m:r>
+                          <a:rPr lang="en-US" sz="2400" b="0" i="1" dirty="0" smtClean="0">
+                            <a:latin typeface="Cambria Math"/>
+                          </a:rPr>
+                          <m:t>𝜆</m:t>
+                        </m:r>
+                      </m:e>
+                      <m:sub>
+                        <m:r>
+                          <a:rPr lang="en-US" sz="2400" b="0" i="1" dirty="0" smtClean="0">
+                            <a:latin typeface="Cambria Math"/>
+                          </a:rPr>
+                          <m:t>𝑠</m:t>
+                        </m:r>
+                      </m:sub>
+                    </m:sSub>
+                  </m:oMath>
+                </a14:m>
+                <a:r>
+                  <a:rPr lang="en-US" sz="2400" dirty="0" smtClean="0"/>
+                  <a:t> and use </a:t>
+                </a:r>
+                <a14:m>
+                  <m:oMath xmlns:m="http://schemas.openxmlformats.org/officeDocument/2006/math">
+                    <m:sSubSup>
+                      <m:sSubSupPr>
+                        <m:ctrlPr>
+                          <a:rPr lang="en-US" sz="2400" b="0" i="1" smtClean="0">
+                            <a:latin typeface="Cambria Math"/>
+                          </a:rPr>
+                        </m:ctrlPr>
+                      </m:sSubSupPr>
+                      <m:e>
+                        <m:r>
+                          <a:rPr lang="en-US" sz="2400" b="0" i="1" smtClean="0">
+                            <a:latin typeface="Cambria Math"/>
+                          </a:rPr>
+                          <m:t>𝜆</m:t>
+                        </m:r>
+                      </m:e>
+                      <m:sub>
+                        <m:r>
+                          <a:rPr lang="en-US" sz="2400" b="0" i="1" smtClean="0">
+                            <a:latin typeface="Cambria Math"/>
+                          </a:rPr>
+                          <m:t>𝑠</m:t>
+                        </m:r>
+                        <m:r>
+                          <a:rPr lang="en-US" sz="2400" b="0" i="1" smtClean="0">
+                            <a:latin typeface="Cambria Math"/>
+                          </a:rPr>
+                          <m:t>−1</m:t>
+                        </m:r>
+                      </m:sub>
+                      <m:sup>
+                        <m:r>
+                          <a:rPr lang="en-US" sz="2400" b="0" i="1" smtClean="0">
+                            <a:latin typeface="Cambria Math"/>
+                          </a:rPr>
+                          <m:t>2</m:t>
+                        </m:r>
+                      </m:sup>
+                    </m:sSubSup>
+                    <m:r>
+                      <a:rPr lang="en-US" sz="2400" b="0" i="1" smtClean="0">
+                        <a:latin typeface="Cambria Math"/>
+                      </a:rPr>
+                      <m:t>=</m:t>
+                    </m:r>
+                    <m:sSubSup>
+                      <m:sSubSupPr>
+                        <m:ctrlPr>
+                          <a:rPr lang="en-US" sz="2400" b="0" i="1" smtClean="0">
+                            <a:latin typeface="Cambria Math"/>
+                          </a:rPr>
+                        </m:ctrlPr>
+                      </m:sSubSupPr>
+                      <m:e>
+                        <m:r>
+                          <a:rPr lang="en-US" sz="2400" b="0" i="1" smtClean="0">
+                            <a:latin typeface="Cambria Math"/>
+                          </a:rPr>
+                          <m:t>𝜆</m:t>
+                        </m:r>
+                      </m:e>
+                      <m:sub>
+                        <m:r>
+                          <a:rPr lang="en-US" sz="2400" b="0" i="1" smtClean="0">
+                            <a:latin typeface="Cambria Math"/>
+                          </a:rPr>
+                          <m:t>𝑠</m:t>
+                        </m:r>
+                      </m:sub>
+                      <m:sup>
+                        <m:r>
+                          <a:rPr lang="en-US" sz="2400" b="0" i="1" smtClean="0">
+                            <a:latin typeface="Cambria Math"/>
+                          </a:rPr>
+                          <m:t>2</m:t>
+                        </m:r>
+                      </m:sup>
+                    </m:sSubSup>
+                    <m:r>
+                      <a:rPr lang="en-US" sz="2400" b="0" i="1" smtClean="0">
+                        <a:latin typeface="Cambria Math"/>
+                      </a:rPr>
+                      <m:t>−</m:t>
+                    </m:r>
+                    <m:sSub>
+                      <m:sSubPr>
+                        <m:ctrlPr>
+                          <a:rPr lang="en-US" sz="2400" b="0" i="1" smtClean="0">
+                            <a:latin typeface="Cambria Math"/>
+                          </a:rPr>
+                        </m:ctrlPr>
+                      </m:sSubPr>
+                      <m:e>
+                        <m:r>
+                          <a:rPr lang="en-US" sz="2400" b="0" i="1" smtClean="0">
+                            <a:latin typeface="Cambria Math"/>
+                          </a:rPr>
+                          <m:t>𝜆</m:t>
+                        </m:r>
+                      </m:e>
+                      <m:sub>
+                        <m:r>
+                          <a:rPr lang="en-US" sz="2400" b="0" i="1" smtClean="0">
+                            <a:latin typeface="Cambria Math"/>
+                          </a:rPr>
+                          <m:t>𝑠</m:t>
+                        </m:r>
+                      </m:sub>
+                    </m:sSub>
+                  </m:oMath>
+                </a14:m>
+                <a:r>
+                  <a:rPr lang="en-US" sz="2400" dirty="0" smtClean="0"/>
+                  <a:t>:</a:t>
+                </a:r>
+              </a:p>
+              <a:p>
+                <a:pPr marL="0" indent="0">
+                  <a:buNone/>
+                </a:pPr>
+                <a14:m>
+                  <m:oMathPara xmlns:m="http://schemas.openxmlformats.org/officeDocument/2006/math">
+                    <m:oMathParaPr>
+                      <m:jc m:val="centerGroup"/>
+                    </m:oMathParaPr>
+                    <m:oMath xmlns:m="http://schemas.openxmlformats.org/officeDocument/2006/math">
+                      <m:sSubSup>
+                        <m:sSubSupPr>
+                          <m:ctrlPr>
+                            <a:rPr lang="en-US" sz="2400" b="0" i="1" smtClean="0">
+                              <a:latin typeface="Cambria Math"/>
+                            </a:rPr>
+                          </m:ctrlPr>
+                        </m:sSubSupPr>
+                        <m:e>
+                          <m:r>
+                            <a:rPr lang="en-US" sz="2400" b="0" i="1" smtClean="0">
+                              <a:latin typeface="Cambria Math"/>
+                            </a:rPr>
+                            <m:t>𝜆</m:t>
+                          </m:r>
+                        </m:e>
+                        <m:sub>
+                          <m:r>
+                            <a:rPr lang="en-US" sz="2400" b="0" i="1" smtClean="0">
+                              <a:latin typeface="Cambria Math"/>
+                            </a:rPr>
+                            <m:t>𝑠</m:t>
+                          </m:r>
+                        </m:sub>
+                        <m:sup>
+                          <m:r>
+                            <a:rPr lang="en-US" sz="2400" b="0" i="1" smtClean="0">
+                              <a:latin typeface="Cambria Math"/>
+                            </a:rPr>
+                            <m:t>2</m:t>
+                          </m:r>
+                        </m:sup>
+                      </m:sSubSup>
+                      <m:sSub>
+                        <m:sSubPr>
+                          <m:ctrlPr>
+                            <a:rPr lang="en-US" sz="2400" b="0" i="1" smtClean="0">
+                              <a:latin typeface="Cambria Math"/>
+                            </a:rPr>
+                          </m:ctrlPr>
+                        </m:sSubPr>
+                        <m:e>
+                          <m:r>
+                            <a:rPr lang="en-US" sz="2400" b="0" i="1" smtClean="0">
+                              <a:latin typeface="Cambria Math"/>
+                            </a:rPr>
+                            <m:t>𝛿</m:t>
+                          </m:r>
+                        </m:e>
+                        <m:sub>
+                          <m:r>
+                            <a:rPr lang="en-US" sz="2400" b="0" i="1" smtClean="0">
+                              <a:latin typeface="Cambria Math"/>
+                            </a:rPr>
+                            <m:t>𝑠</m:t>
+                          </m:r>
+                          <m:r>
+                            <a:rPr lang="en-US" sz="2400" b="0" i="1" smtClean="0">
+                              <a:latin typeface="Cambria Math"/>
+                            </a:rPr>
+                            <m:t>+1</m:t>
+                          </m:r>
+                        </m:sub>
+                      </m:sSub>
+                      <m:r>
+                        <a:rPr lang="en-US" sz="2400" b="0" i="1" smtClean="0">
+                          <a:latin typeface="Cambria Math"/>
+                        </a:rPr>
+                        <m:t>−</m:t>
+                      </m:r>
+                      <m:sSubSup>
+                        <m:sSubSupPr>
+                          <m:ctrlPr>
+                            <a:rPr lang="en-US" sz="2400" b="0" i="1" smtClean="0">
+                              <a:latin typeface="Cambria Math"/>
+                            </a:rPr>
+                          </m:ctrlPr>
+                        </m:sSubSupPr>
+                        <m:e>
+                          <m:r>
+                            <a:rPr lang="en-US" sz="2400" b="0" i="1" smtClean="0">
+                              <a:latin typeface="Cambria Math"/>
+                            </a:rPr>
+                            <m:t>𝜆</m:t>
+                          </m:r>
+                        </m:e>
+                        <m:sub>
+                          <m:r>
+                            <a:rPr lang="en-US" sz="2400" b="0" i="1" smtClean="0">
+                              <a:latin typeface="Cambria Math"/>
+                            </a:rPr>
+                            <m:t>𝑠</m:t>
+                          </m:r>
+                          <m:r>
+                            <a:rPr lang="en-US" sz="2400" b="0" i="1" smtClean="0">
+                              <a:latin typeface="Cambria Math"/>
+                            </a:rPr>
+                            <m:t>−1</m:t>
+                          </m:r>
+                        </m:sub>
+                        <m:sup>
+                          <m:r>
+                            <a:rPr lang="en-US" sz="2400" b="0" i="1" smtClean="0">
+                              <a:latin typeface="Cambria Math"/>
+                            </a:rPr>
+                            <m:t>2</m:t>
+                          </m:r>
+                        </m:sup>
+                      </m:sSubSup>
+                      <m:sSub>
+                        <m:sSubPr>
+                          <m:ctrlPr>
+                            <a:rPr lang="en-US" sz="2400" b="0" i="1" smtClean="0">
+                              <a:latin typeface="Cambria Math"/>
+                            </a:rPr>
+                          </m:ctrlPr>
+                        </m:sSubPr>
+                        <m:e>
+                          <m:r>
+                            <a:rPr lang="en-US" sz="2400" b="0" i="1" smtClean="0">
+                              <a:latin typeface="Cambria Math"/>
+                            </a:rPr>
+                            <m:t>𝛿</m:t>
+                          </m:r>
+                        </m:e>
+                        <m:sub>
+                          <m:r>
+                            <a:rPr lang="en-US" sz="2400" b="0" i="1" smtClean="0">
+                              <a:latin typeface="Cambria Math"/>
+                            </a:rPr>
+                            <m:t>𝑠</m:t>
+                          </m:r>
+                        </m:sub>
+                      </m:sSub>
+                    </m:oMath>
+                  </m:oMathPara>
+                </a14:m>
+                <a:endParaRPr lang="en-US" sz="2400" b="0" i="1" dirty="0" smtClean="0">
+                  <a:latin typeface="Cambria Math"/>
+                </a:endParaRPr>
+              </a:p>
+              <a:p>
+                <a:pPr marL="0" indent="0">
+                  <a:buNone/>
+                </a:pPr>
+                <a14:m>
+                  <m:oMathPara xmlns:m="http://schemas.openxmlformats.org/officeDocument/2006/math">
+                    <m:oMathParaPr>
+                      <m:jc m:val="centerGroup"/>
+                    </m:oMathParaPr>
+                    <m:oMath xmlns:m="http://schemas.openxmlformats.org/officeDocument/2006/math">
+                      <m:r>
+                        <a:rPr lang="en-US" sz="2200" b="0" i="1" smtClean="0">
+                          <a:latin typeface="Cambria Math"/>
+                        </a:rPr>
+                        <m:t>≤−</m:t>
+                      </m:r>
+                      <m:f>
+                        <m:fPr>
+                          <m:ctrlPr>
+                            <a:rPr lang="en-US" sz="2200" b="0" i="1" smtClean="0">
+                              <a:latin typeface="Cambria Math"/>
+                            </a:rPr>
+                          </m:ctrlPr>
+                        </m:fPr>
+                        <m:num>
+                          <m:r>
+                            <a:rPr lang="en-US" sz="2200" b="0" i="1" smtClean="0">
+                              <a:latin typeface="Cambria Math"/>
+                            </a:rPr>
+                            <m:t>𝛽</m:t>
+                          </m:r>
+                        </m:num>
+                        <m:den>
+                          <m:r>
+                            <a:rPr lang="en-US" sz="2200" b="0" i="1" smtClean="0">
+                              <a:latin typeface="Cambria Math"/>
+                            </a:rPr>
+                            <m:t>2</m:t>
+                          </m:r>
+                        </m:den>
+                      </m:f>
+                      <m:r>
+                        <a:rPr lang="en-US" sz="2200" b="0" i="1" smtClean="0">
+                          <a:latin typeface="Cambria Math"/>
+                        </a:rPr>
+                        <m:t>(</m:t>
+                      </m:r>
+                      <m:sSup>
+                        <m:sSupPr>
+                          <m:ctrlPr>
+                            <a:rPr lang="en-US" sz="2200" b="0" i="1" smtClean="0">
+                              <a:latin typeface="Cambria Math"/>
+                            </a:rPr>
+                          </m:ctrlPr>
+                        </m:sSupPr>
+                        <m:e>
+                          <m:d>
+                            <m:dPr>
+                              <m:begChr m:val="|"/>
+                              <m:endChr m:val="|"/>
+                              <m:ctrlPr>
+                                <a:rPr lang="en-US" sz="2200" b="0" i="1" smtClean="0">
+                                  <a:latin typeface="Cambria Math"/>
+                                </a:rPr>
+                              </m:ctrlPr>
+                            </m:dPr>
+                            <m:e>
+                              <m:d>
+                                <m:dPr>
+                                  <m:begChr m:val="|"/>
+                                  <m:endChr m:val="|"/>
+                                  <m:ctrlPr>
+                                    <a:rPr lang="en-US" sz="2200" b="0" i="1" smtClean="0">
+                                      <a:latin typeface="Cambria Math"/>
+                                    </a:rPr>
+                                  </m:ctrlPr>
+                                </m:dPr>
+                                <m:e>
+                                  <m:sSub>
+                                    <m:sSubPr>
+                                      <m:ctrlPr>
+                                        <a:rPr lang="en-US" sz="2200" b="0" i="1" smtClean="0">
+                                          <a:latin typeface="Cambria Math"/>
+                                        </a:rPr>
+                                      </m:ctrlPr>
+                                    </m:sSubPr>
+                                    <m:e>
+                                      <m:r>
+                                        <a:rPr lang="en-US" sz="2200" b="0" i="1" smtClean="0">
+                                          <a:latin typeface="Cambria Math"/>
+                                        </a:rPr>
+                                        <m:t>𝜆</m:t>
+                                      </m:r>
+                                    </m:e>
+                                    <m:sub>
+                                      <m:r>
+                                        <a:rPr lang="en-US" sz="2200" b="0" i="1" smtClean="0">
+                                          <a:latin typeface="Cambria Math"/>
+                                        </a:rPr>
+                                        <m:t>𝑠</m:t>
+                                      </m:r>
+                                    </m:sub>
+                                  </m:sSub>
+                                  <m:d>
+                                    <m:dPr>
+                                      <m:ctrlPr>
+                                        <a:rPr lang="en-US" sz="2200" b="0" i="1" smtClean="0">
+                                          <a:latin typeface="Cambria Math"/>
+                                        </a:rPr>
+                                      </m:ctrlPr>
+                                    </m:dPr>
+                                    <m:e>
+                                      <m:sSub>
+                                        <m:sSubPr>
+                                          <m:ctrlPr>
+                                            <a:rPr lang="en-US" sz="2200" b="0" i="1" smtClean="0">
+                                              <a:latin typeface="Cambria Math"/>
+                                            </a:rPr>
+                                          </m:ctrlPr>
+                                        </m:sSubPr>
+                                        <m:e>
+                                          <m:r>
+                                            <a:rPr lang="en-US" sz="2200" b="0" i="1" smtClean="0">
+                                              <a:latin typeface="Cambria Math"/>
+                                            </a:rPr>
+                                            <m:t>𝑦</m:t>
+                                          </m:r>
+                                        </m:e>
+                                        <m:sub>
+                                          <m:r>
+                                            <a:rPr lang="en-US" sz="2200" b="0" i="1" smtClean="0">
+                                              <a:latin typeface="Cambria Math"/>
+                                            </a:rPr>
+                                            <m:t>𝑠</m:t>
+                                          </m:r>
+                                          <m:r>
+                                            <a:rPr lang="en-US" sz="2200" b="0" i="1" smtClean="0">
+                                              <a:latin typeface="Cambria Math"/>
+                                            </a:rPr>
+                                            <m:t>+1</m:t>
+                                          </m:r>
+                                        </m:sub>
+                                      </m:sSub>
+                                      <m:r>
+                                        <a:rPr lang="en-US" sz="2200" b="0" i="1" smtClean="0">
+                                          <a:latin typeface="Cambria Math"/>
+                                        </a:rPr>
+                                        <m:t>−</m:t>
+                                      </m:r>
+                                      <m:sSub>
+                                        <m:sSubPr>
+                                          <m:ctrlPr>
+                                            <a:rPr lang="en-US" sz="2200" b="0" i="1" smtClean="0">
+                                              <a:latin typeface="Cambria Math"/>
+                                            </a:rPr>
+                                          </m:ctrlPr>
+                                        </m:sSubPr>
+                                        <m:e>
+                                          <m:r>
+                                            <a:rPr lang="en-US" sz="2200" b="0" i="1" smtClean="0">
+                                              <a:latin typeface="Cambria Math"/>
+                                            </a:rPr>
+                                            <m:t>𝑥</m:t>
+                                          </m:r>
+                                        </m:e>
+                                        <m:sub>
+                                          <m:r>
+                                            <a:rPr lang="en-US" sz="2200" b="0" i="1" smtClean="0">
+                                              <a:latin typeface="Cambria Math"/>
+                                            </a:rPr>
+                                            <m:t>𝑠</m:t>
+                                          </m:r>
+                                        </m:sub>
+                                      </m:sSub>
+                                    </m:e>
+                                  </m:d>
+                                </m:e>
+                              </m:d>
+                            </m:e>
+                          </m:d>
+                        </m:e>
+                        <m:sup>
+                          <m:r>
+                            <a:rPr lang="en-US" sz="2200" b="0" i="1" smtClean="0">
+                              <a:latin typeface="Cambria Math"/>
+                            </a:rPr>
+                            <m:t>2</m:t>
+                          </m:r>
+                        </m:sup>
+                      </m:sSup>
+                      <m:r>
+                        <a:rPr lang="en-US" sz="2200" b="0" i="1" smtClean="0">
+                          <a:latin typeface="Cambria Math"/>
+                        </a:rPr>
+                        <m:t>+2</m:t>
+                      </m:r>
+                      <m:sSub>
+                        <m:sSubPr>
+                          <m:ctrlPr>
+                            <a:rPr lang="en-US" sz="2200" b="0" i="1" smtClean="0">
+                              <a:latin typeface="Cambria Math"/>
+                            </a:rPr>
+                          </m:ctrlPr>
+                        </m:sSubPr>
+                        <m:e>
+                          <m:r>
+                            <a:rPr lang="en-US" sz="2200" b="0" i="1" smtClean="0">
+                              <a:latin typeface="Cambria Math"/>
+                            </a:rPr>
+                            <m:t>𝜆</m:t>
+                          </m:r>
+                        </m:e>
+                        <m:sub>
+                          <m:r>
+                            <a:rPr lang="en-US" sz="2200" b="0" i="1" smtClean="0">
+                              <a:latin typeface="Cambria Math"/>
+                            </a:rPr>
+                            <m:t>𝑠</m:t>
+                          </m:r>
+                        </m:sub>
+                      </m:sSub>
+                      <m:sSup>
+                        <m:sSupPr>
+                          <m:ctrlPr>
+                            <a:rPr lang="en-US" sz="2200" b="0" i="1" smtClean="0">
+                              <a:latin typeface="Cambria Math"/>
+                            </a:rPr>
+                          </m:ctrlPr>
+                        </m:sSupPr>
+                        <m:e>
+                          <m:d>
+                            <m:dPr>
+                              <m:ctrlPr>
+                                <a:rPr lang="en-US" sz="2200" b="0" i="1" smtClean="0">
+                                  <a:latin typeface="Cambria Math"/>
+                                </a:rPr>
+                              </m:ctrlPr>
+                            </m:dPr>
+                            <m:e>
+                              <m:sSub>
+                                <m:sSubPr>
+                                  <m:ctrlPr>
+                                    <a:rPr lang="en-US" sz="2200" b="0" i="1" smtClean="0">
+                                      <a:latin typeface="Cambria Math"/>
+                                    </a:rPr>
+                                  </m:ctrlPr>
+                                </m:sSubPr>
+                                <m:e>
+                                  <m:r>
+                                    <a:rPr lang="en-US" sz="2200" b="0" i="1" smtClean="0">
+                                      <a:latin typeface="Cambria Math"/>
+                                    </a:rPr>
+                                    <m:t>𝑦</m:t>
+                                  </m:r>
+                                </m:e>
+                                <m:sub>
+                                  <m:r>
+                                    <a:rPr lang="en-US" sz="2200" b="0" i="1" smtClean="0">
+                                      <a:latin typeface="Cambria Math"/>
+                                    </a:rPr>
+                                    <m:t>𝑠</m:t>
+                                  </m:r>
+                                  <m:r>
+                                    <a:rPr lang="en-US" sz="2200" b="0" i="1" smtClean="0">
+                                      <a:latin typeface="Cambria Math"/>
+                                    </a:rPr>
+                                    <m:t>+1</m:t>
+                                  </m:r>
+                                </m:sub>
+                              </m:sSub>
+                              <m:r>
+                                <a:rPr lang="en-US" sz="2200" b="0" i="1" smtClean="0">
+                                  <a:latin typeface="Cambria Math"/>
+                                </a:rPr>
+                                <m:t>−</m:t>
+                              </m:r>
+                              <m:sSub>
+                                <m:sSubPr>
+                                  <m:ctrlPr>
+                                    <a:rPr lang="en-US" sz="2200" b="0" i="1" smtClean="0">
+                                      <a:latin typeface="Cambria Math"/>
+                                    </a:rPr>
+                                  </m:ctrlPr>
+                                </m:sSubPr>
+                                <m:e>
+                                  <m:r>
+                                    <a:rPr lang="en-US" sz="2200" b="0" i="1" smtClean="0">
+                                      <a:latin typeface="Cambria Math"/>
+                                    </a:rPr>
+                                    <m:t>𝑥</m:t>
+                                  </m:r>
+                                </m:e>
+                                <m:sub>
+                                  <m:r>
+                                    <a:rPr lang="en-US" sz="2200" b="0" i="1" smtClean="0">
+                                      <a:latin typeface="Cambria Math"/>
+                                    </a:rPr>
+                                    <m:t>𝑠</m:t>
+                                  </m:r>
+                                </m:sub>
+                              </m:sSub>
+                            </m:e>
+                          </m:d>
+                        </m:e>
+                        <m:sup>
+                          <m:r>
+                            <a:rPr lang="en-US" sz="2200" b="0" i="1" smtClean="0">
+                              <a:latin typeface="Cambria Math"/>
+                            </a:rPr>
+                            <m:t>𝑇</m:t>
+                          </m:r>
+                        </m:sup>
+                      </m:sSup>
+                      <m:r>
+                        <a:rPr lang="en-US" sz="2200" b="0" i="1" dirty="0" smtClean="0">
+                          <a:latin typeface="Cambria Math"/>
+                        </a:rPr>
+                        <m:t>(</m:t>
+                      </m:r>
+                      <m:sSub>
+                        <m:sSubPr>
+                          <m:ctrlPr>
+                            <a:rPr lang="en-US" sz="2200" b="0" i="1" dirty="0" smtClean="0">
+                              <a:latin typeface="Cambria Math"/>
+                            </a:rPr>
+                          </m:ctrlPr>
+                        </m:sSubPr>
+                        <m:e>
+                          <m:r>
+                            <a:rPr lang="en-US" sz="2200" b="0" i="1" dirty="0" smtClean="0">
+                              <a:latin typeface="Cambria Math"/>
+                            </a:rPr>
+                            <m:t>𝜆</m:t>
+                          </m:r>
+                        </m:e>
+                        <m:sub>
+                          <m:r>
+                            <a:rPr lang="en-US" sz="2200" b="0" i="1" dirty="0" smtClean="0">
+                              <a:latin typeface="Cambria Math"/>
+                            </a:rPr>
+                            <m:t>𝑠</m:t>
+                          </m:r>
+                        </m:sub>
+                      </m:sSub>
+                      <m:sSub>
+                        <m:sSubPr>
+                          <m:ctrlPr>
+                            <a:rPr lang="en-US" sz="2200" b="0" i="1" dirty="0" smtClean="0">
+                              <a:latin typeface="Cambria Math"/>
+                            </a:rPr>
+                          </m:ctrlPr>
+                        </m:sSubPr>
+                        <m:e>
+                          <m:r>
+                            <a:rPr lang="en-US" sz="2200" b="0" i="1" dirty="0" smtClean="0">
+                              <a:latin typeface="Cambria Math"/>
+                            </a:rPr>
+                            <m:t>𝑥</m:t>
+                          </m:r>
+                        </m:e>
+                        <m:sub>
+                          <m:r>
+                            <a:rPr lang="en-US" sz="2200" b="0" i="1" dirty="0" smtClean="0">
+                              <a:latin typeface="Cambria Math"/>
+                            </a:rPr>
+                            <m:t>𝑠</m:t>
+                          </m:r>
+                        </m:sub>
+                      </m:sSub>
+                      <m:r>
+                        <a:rPr lang="en-US" sz="2200" b="0" i="1" dirty="0" smtClean="0">
+                          <a:latin typeface="Cambria Math"/>
+                        </a:rPr>
+                        <m:t>−</m:t>
+                      </m:r>
+                      <m:d>
+                        <m:dPr>
+                          <m:ctrlPr>
+                            <a:rPr lang="en-US" sz="2200" b="0" i="1" dirty="0" smtClean="0">
+                              <a:latin typeface="Cambria Math"/>
+                            </a:rPr>
+                          </m:ctrlPr>
+                        </m:dPr>
+                        <m:e>
+                          <m:sSub>
+                            <m:sSubPr>
+                              <m:ctrlPr>
+                                <a:rPr lang="en-US" sz="2200" b="0" i="1" dirty="0" smtClean="0">
+                                  <a:latin typeface="Cambria Math"/>
+                                </a:rPr>
+                              </m:ctrlPr>
+                            </m:sSubPr>
+                            <m:e>
+                              <m:r>
+                                <a:rPr lang="en-US" sz="2200" b="0" i="1" dirty="0" smtClean="0">
+                                  <a:latin typeface="Cambria Math"/>
+                                </a:rPr>
+                                <m:t>𝜆</m:t>
+                              </m:r>
+                            </m:e>
+                            <m:sub>
+                              <m:r>
+                                <a:rPr lang="en-US" sz="2200" b="0" i="1" dirty="0" smtClean="0">
+                                  <a:latin typeface="Cambria Math"/>
+                                </a:rPr>
+                                <m:t>𝑠</m:t>
+                              </m:r>
+                            </m:sub>
+                          </m:sSub>
+                          <m:r>
+                            <a:rPr lang="en-US" sz="2200" b="0" i="1" dirty="0" smtClean="0">
+                              <a:latin typeface="Cambria Math"/>
+                            </a:rPr>
+                            <m:t>−1</m:t>
+                          </m:r>
+                        </m:e>
+                      </m:d>
+                      <m:sSub>
+                        <m:sSubPr>
+                          <m:ctrlPr>
+                            <a:rPr lang="en-US" sz="2200" b="0" i="1" dirty="0" smtClean="0">
+                              <a:latin typeface="Cambria Math"/>
+                            </a:rPr>
+                          </m:ctrlPr>
+                        </m:sSubPr>
+                        <m:e>
+                          <m:r>
+                            <a:rPr lang="en-US" sz="2200" b="0" i="1" dirty="0" smtClean="0">
+                              <a:latin typeface="Cambria Math"/>
+                            </a:rPr>
+                            <m:t>𝑦</m:t>
+                          </m:r>
+                        </m:e>
+                        <m:sub>
+                          <m:r>
+                            <a:rPr lang="en-US" sz="2200" b="0" i="1" dirty="0" smtClean="0">
+                              <a:latin typeface="Cambria Math"/>
+                            </a:rPr>
+                            <m:t>𝑠</m:t>
+                          </m:r>
+                        </m:sub>
+                      </m:sSub>
+                      <m:r>
+                        <a:rPr lang="en-US" sz="2200" b="0" i="1" dirty="0" smtClean="0">
+                          <a:latin typeface="Cambria Math"/>
+                        </a:rPr>
+                        <m:t>−</m:t>
+                      </m:r>
+                      <m:sSup>
+                        <m:sSupPr>
+                          <m:ctrlPr>
+                            <a:rPr lang="en-US" sz="2200" b="0" i="1" dirty="0" smtClean="0">
+                              <a:latin typeface="Cambria Math"/>
+                            </a:rPr>
+                          </m:ctrlPr>
+                        </m:sSupPr>
+                        <m:e>
+                          <m:r>
+                            <a:rPr lang="en-US" sz="2200" b="0" i="1" dirty="0" smtClean="0">
+                              <a:latin typeface="Cambria Math"/>
+                            </a:rPr>
+                            <m:t>𝑥</m:t>
+                          </m:r>
+                        </m:e>
+                        <m:sup>
+                          <m:r>
+                            <a:rPr lang="en-US" sz="2200" b="0" i="1" dirty="0" smtClean="0">
+                              <a:latin typeface="Cambria Math"/>
+                            </a:rPr>
+                            <m:t>∗</m:t>
+                          </m:r>
+                        </m:sup>
+                      </m:sSup>
+                      <m:r>
+                        <a:rPr lang="en-US" sz="2200" b="0" i="1" dirty="0" smtClean="0">
+                          <a:latin typeface="Cambria Math"/>
+                        </a:rPr>
+                        <m:t>)</m:t>
+                      </m:r>
+                      <m:r>
+                        <a:rPr lang="en-US" sz="2200" b="0" i="1" smtClean="0">
+                          <a:latin typeface="Cambria Math"/>
+                        </a:rPr>
+                        <m:t>)</m:t>
+                      </m:r>
+                    </m:oMath>
+                  </m:oMathPara>
+                </a14:m>
+                <a:endParaRPr lang="en-US" sz="2200" dirty="0" smtClean="0"/>
+              </a:p>
+              <a:p>
+                <a:r>
+                  <a:rPr lang="en-US" sz="2200" dirty="0" smtClean="0"/>
+                  <a:t>It holds that:</a:t>
+                </a:r>
+              </a:p>
+              <a:p>
+                <a:pPr marL="0" indent="0">
+                  <a:buNone/>
+                </a:pPr>
+                <a14:m>
+                  <m:oMathPara xmlns:m="http://schemas.openxmlformats.org/officeDocument/2006/math">
+                    <m:oMathParaPr>
+                      <m:jc m:val="centerGroup"/>
+                    </m:oMathParaPr>
+                    <m:oMath xmlns:m="http://schemas.openxmlformats.org/officeDocument/2006/math">
+                      <m:sSup>
+                        <m:sSupPr>
+                          <m:ctrlPr>
+                            <a:rPr lang="en-US" sz="2200" b="0" i="1" smtClean="0">
+                              <a:latin typeface="Cambria Math"/>
+                            </a:rPr>
+                          </m:ctrlPr>
+                        </m:sSupPr>
+                        <m:e>
+                          <m:d>
+                            <m:dPr>
+                              <m:begChr m:val="|"/>
+                              <m:endChr m:val="|"/>
+                              <m:ctrlPr>
+                                <a:rPr lang="en-US" sz="2200" b="0" i="1" smtClean="0">
+                                  <a:latin typeface="Cambria Math"/>
+                                </a:rPr>
+                              </m:ctrlPr>
+                            </m:dPr>
+                            <m:e>
+                              <m:d>
+                                <m:dPr>
+                                  <m:begChr m:val="|"/>
+                                  <m:endChr m:val="|"/>
+                                  <m:ctrlPr>
+                                    <a:rPr lang="en-US" sz="2200" b="0" i="1" smtClean="0">
+                                      <a:latin typeface="Cambria Math"/>
+                                    </a:rPr>
+                                  </m:ctrlPr>
+                                </m:dPr>
+                                <m:e>
+                                  <m:sSub>
+                                    <m:sSubPr>
+                                      <m:ctrlPr>
+                                        <a:rPr lang="en-US" sz="2200" b="0" i="1" smtClean="0">
+                                          <a:latin typeface="Cambria Math"/>
+                                        </a:rPr>
+                                      </m:ctrlPr>
+                                    </m:sSubPr>
+                                    <m:e>
+                                      <m:r>
+                                        <a:rPr lang="en-US" sz="2200" b="0" i="1" smtClean="0">
+                                          <a:latin typeface="Cambria Math"/>
+                                        </a:rPr>
+                                        <m:t>𝜆</m:t>
+                                      </m:r>
+                                    </m:e>
+                                    <m:sub>
+                                      <m:r>
+                                        <a:rPr lang="en-US" sz="2200" b="0" i="1" smtClean="0">
+                                          <a:latin typeface="Cambria Math"/>
+                                        </a:rPr>
+                                        <m:t>𝑠</m:t>
+                                      </m:r>
+                                    </m:sub>
+                                  </m:sSub>
+                                  <m:d>
+                                    <m:dPr>
+                                      <m:ctrlPr>
+                                        <a:rPr lang="en-US" sz="2200" b="0" i="1" smtClean="0">
+                                          <a:latin typeface="Cambria Math"/>
+                                        </a:rPr>
+                                      </m:ctrlPr>
+                                    </m:dPr>
+                                    <m:e>
+                                      <m:sSub>
+                                        <m:sSubPr>
+                                          <m:ctrlPr>
+                                            <a:rPr lang="en-US" sz="2200" b="0" i="1" smtClean="0">
+                                              <a:latin typeface="Cambria Math"/>
+                                            </a:rPr>
+                                          </m:ctrlPr>
+                                        </m:sSubPr>
+                                        <m:e>
+                                          <m:r>
+                                            <a:rPr lang="en-US" sz="2200" b="0" i="1" smtClean="0">
+                                              <a:latin typeface="Cambria Math"/>
+                                            </a:rPr>
+                                            <m:t>𝑦</m:t>
+                                          </m:r>
+                                        </m:e>
+                                        <m:sub>
+                                          <m:r>
+                                            <a:rPr lang="en-US" sz="2200" b="0" i="1" smtClean="0">
+                                              <a:latin typeface="Cambria Math"/>
+                                            </a:rPr>
+                                            <m:t>𝑠</m:t>
+                                          </m:r>
+                                          <m:r>
+                                            <a:rPr lang="en-US" sz="2200" b="0" i="1" smtClean="0">
+                                              <a:latin typeface="Cambria Math"/>
+                                            </a:rPr>
+                                            <m:t>+1</m:t>
+                                          </m:r>
+                                        </m:sub>
+                                      </m:sSub>
+                                      <m:r>
+                                        <a:rPr lang="en-US" sz="2200" b="0" i="1" smtClean="0">
+                                          <a:latin typeface="Cambria Math"/>
+                                        </a:rPr>
+                                        <m:t>−</m:t>
+                                      </m:r>
+                                      <m:sSub>
+                                        <m:sSubPr>
+                                          <m:ctrlPr>
+                                            <a:rPr lang="en-US" sz="2200" b="0" i="1" smtClean="0">
+                                              <a:latin typeface="Cambria Math"/>
+                                            </a:rPr>
+                                          </m:ctrlPr>
+                                        </m:sSubPr>
+                                        <m:e>
+                                          <m:r>
+                                            <a:rPr lang="en-US" sz="2200" b="0" i="1" smtClean="0">
+                                              <a:latin typeface="Cambria Math"/>
+                                            </a:rPr>
+                                            <m:t>𝑥</m:t>
+                                          </m:r>
+                                        </m:e>
+                                        <m:sub>
+                                          <m:r>
+                                            <a:rPr lang="en-US" sz="2200" b="0" i="1" smtClean="0">
+                                              <a:latin typeface="Cambria Math"/>
+                                            </a:rPr>
+                                            <m:t>𝑠</m:t>
+                                          </m:r>
+                                        </m:sub>
+                                      </m:sSub>
+                                    </m:e>
+                                  </m:d>
+                                </m:e>
+                              </m:d>
+                            </m:e>
+                          </m:d>
+                        </m:e>
+                        <m:sup>
+                          <m:r>
+                            <a:rPr lang="en-US" sz="2200" b="0" i="1" smtClean="0">
+                              <a:latin typeface="Cambria Math"/>
+                            </a:rPr>
+                            <m:t>2</m:t>
+                          </m:r>
+                        </m:sup>
+                      </m:sSup>
+                      <m:r>
+                        <a:rPr lang="en-US" sz="2200" b="0" i="1" smtClean="0">
+                          <a:latin typeface="Cambria Math"/>
+                        </a:rPr>
+                        <m:t>+2</m:t>
+                      </m:r>
+                      <m:sSub>
+                        <m:sSubPr>
+                          <m:ctrlPr>
+                            <a:rPr lang="en-US" sz="2200" b="0" i="1" smtClean="0">
+                              <a:latin typeface="Cambria Math"/>
+                            </a:rPr>
+                          </m:ctrlPr>
+                        </m:sSubPr>
+                        <m:e>
+                          <m:r>
+                            <a:rPr lang="en-US" sz="2200" b="0" i="1" smtClean="0">
+                              <a:latin typeface="Cambria Math"/>
+                            </a:rPr>
+                            <m:t>𝜆</m:t>
+                          </m:r>
+                        </m:e>
+                        <m:sub>
+                          <m:r>
+                            <a:rPr lang="en-US" sz="2200" b="0" i="1" smtClean="0">
+                              <a:latin typeface="Cambria Math"/>
+                            </a:rPr>
+                            <m:t>𝑠</m:t>
+                          </m:r>
+                        </m:sub>
+                      </m:sSub>
+                      <m:sSup>
+                        <m:sSupPr>
+                          <m:ctrlPr>
+                            <a:rPr lang="en-US" sz="2200" b="0" i="1" smtClean="0">
+                              <a:latin typeface="Cambria Math"/>
+                            </a:rPr>
+                          </m:ctrlPr>
+                        </m:sSupPr>
+                        <m:e>
+                          <m:d>
+                            <m:dPr>
+                              <m:ctrlPr>
+                                <a:rPr lang="en-US" sz="2200" b="0" i="1" smtClean="0">
+                                  <a:latin typeface="Cambria Math"/>
+                                </a:rPr>
+                              </m:ctrlPr>
+                            </m:dPr>
+                            <m:e>
+                              <m:sSub>
+                                <m:sSubPr>
+                                  <m:ctrlPr>
+                                    <a:rPr lang="en-US" sz="2200" b="0" i="1" smtClean="0">
+                                      <a:latin typeface="Cambria Math"/>
+                                    </a:rPr>
+                                  </m:ctrlPr>
+                                </m:sSubPr>
+                                <m:e>
+                                  <m:r>
+                                    <a:rPr lang="en-US" sz="2200" b="0" i="1" smtClean="0">
+                                      <a:latin typeface="Cambria Math"/>
+                                    </a:rPr>
+                                    <m:t>𝑦</m:t>
+                                  </m:r>
+                                </m:e>
+                                <m:sub>
+                                  <m:r>
+                                    <a:rPr lang="en-US" sz="2200" b="0" i="1" smtClean="0">
+                                      <a:latin typeface="Cambria Math"/>
+                                    </a:rPr>
+                                    <m:t>𝑠</m:t>
+                                  </m:r>
+                                  <m:r>
+                                    <a:rPr lang="en-US" sz="2200" b="0" i="1" smtClean="0">
+                                      <a:latin typeface="Cambria Math"/>
+                                    </a:rPr>
+                                    <m:t>+1</m:t>
+                                  </m:r>
+                                </m:sub>
+                              </m:sSub>
+                              <m:r>
+                                <a:rPr lang="en-US" sz="2200" b="0" i="1" smtClean="0">
+                                  <a:latin typeface="Cambria Math"/>
+                                </a:rPr>
+                                <m:t>−</m:t>
+                              </m:r>
+                              <m:sSub>
+                                <m:sSubPr>
+                                  <m:ctrlPr>
+                                    <a:rPr lang="en-US" sz="2200" b="0" i="1" smtClean="0">
+                                      <a:latin typeface="Cambria Math"/>
+                                    </a:rPr>
+                                  </m:ctrlPr>
+                                </m:sSubPr>
+                                <m:e>
+                                  <m:r>
+                                    <a:rPr lang="en-US" sz="2200" b="0" i="1" smtClean="0">
+                                      <a:latin typeface="Cambria Math"/>
+                                    </a:rPr>
+                                    <m:t>𝑥</m:t>
+                                  </m:r>
+                                </m:e>
+                                <m:sub>
+                                  <m:r>
+                                    <a:rPr lang="en-US" sz="2200" b="0" i="1" smtClean="0">
+                                      <a:latin typeface="Cambria Math"/>
+                                    </a:rPr>
+                                    <m:t>𝑠</m:t>
+                                  </m:r>
+                                </m:sub>
+                              </m:sSub>
+                            </m:e>
+                          </m:d>
+                        </m:e>
+                        <m:sup>
+                          <m:r>
+                            <a:rPr lang="en-US" sz="2200" b="0" i="1" smtClean="0">
+                              <a:latin typeface="Cambria Math"/>
+                            </a:rPr>
+                            <m:t>𝑇</m:t>
+                          </m:r>
+                        </m:sup>
+                      </m:sSup>
+                      <m:r>
+                        <a:rPr lang="en-US" sz="2200" b="0" i="1" smtClean="0">
+                          <a:latin typeface="Cambria Math"/>
+                        </a:rPr>
+                        <m:t>(</m:t>
+                      </m:r>
+                      <m:sSub>
+                        <m:sSubPr>
+                          <m:ctrlPr>
+                            <a:rPr lang="en-US" sz="2200" b="0" i="1" dirty="0" smtClean="0">
+                              <a:latin typeface="Cambria Math"/>
+                            </a:rPr>
+                          </m:ctrlPr>
+                        </m:sSubPr>
+                        <m:e>
+                          <m:r>
+                            <a:rPr lang="en-US" sz="2200" b="0" i="1" dirty="0" smtClean="0">
+                              <a:latin typeface="Cambria Math"/>
+                            </a:rPr>
+                            <m:t>𝜆</m:t>
+                          </m:r>
+                        </m:e>
+                        <m:sub>
+                          <m:r>
+                            <a:rPr lang="en-US" sz="2200" b="0" i="1" dirty="0" smtClean="0">
+                              <a:latin typeface="Cambria Math"/>
+                            </a:rPr>
+                            <m:t>𝑠</m:t>
+                          </m:r>
+                        </m:sub>
+                      </m:sSub>
+                      <m:sSub>
+                        <m:sSubPr>
+                          <m:ctrlPr>
+                            <a:rPr lang="en-US" sz="2200" b="0" i="1" dirty="0" smtClean="0">
+                              <a:latin typeface="Cambria Math"/>
+                            </a:rPr>
+                          </m:ctrlPr>
+                        </m:sSubPr>
+                        <m:e>
+                          <m:r>
+                            <a:rPr lang="en-US" sz="2200" b="0" i="1" dirty="0" smtClean="0">
+                              <a:latin typeface="Cambria Math"/>
+                            </a:rPr>
+                            <m:t>𝑥</m:t>
+                          </m:r>
+                        </m:e>
+                        <m:sub>
+                          <m:r>
+                            <a:rPr lang="en-US" sz="2200" b="0" i="1" dirty="0" smtClean="0">
+                              <a:latin typeface="Cambria Math"/>
+                            </a:rPr>
+                            <m:t>𝑠</m:t>
+                          </m:r>
+                        </m:sub>
+                      </m:sSub>
+                      <m:r>
+                        <a:rPr lang="en-US" sz="2200" b="0" i="1" dirty="0" smtClean="0">
+                          <a:latin typeface="Cambria Math"/>
+                        </a:rPr>
+                        <m:t>−</m:t>
+                      </m:r>
+                      <m:d>
+                        <m:dPr>
+                          <m:ctrlPr>
+                            <a:rPr lang="en-US" sz="2200" b="0" i="1" dirty="0" smtClean="0">
+                              <a:latin typeface="Cambria Math"/>
+                            </a:rPr>
+                          </m:ctrlPr>
+                        </m:dPr>
+                        <m:e>
+                          <m:sSub>
+                            <m:sSubPr>
+                              <m:ctrlPr>
+                                <a:rPr lang="en-US" sz="2200" b="0" i="1" dirty="0" smtClean="0">
+                                  <a:latin typeface="Cambria Math"/>
+                                </a:rPr>
+                              </m:ctrlPr>
+                            </m:sSubPr>
+                            <m:e>
+                              <m:r>
+                                <a:rPr lang="en-US" sz="2200" b="0" i="1" dirty="0" smtClean="0">
+                                  <a:latin typeface="Cambria Math"/>
+                                </a:rPr>
+                                <m:t>𝜆</m:t>
+                              </m:r>
+                            </m:e>
+                            <m:sub>
+                              <m:r>
+                                <a:rPr lang="en-US" sz="2200" b="0" i="1" dirty="0" smtClean="0">
+                                  <a:latin typeface="Cambria Math"/>
+                                </a:rPr>
+                                <m:t>𝑠</m:t>
+                              </m:r>
+                            </m:sub>
+                          </m:sSub>
+                          <m:r>
+                            <a:rPr lang="en-US" sz="2200" b="0" i="1" dirty="0" smtClean="0">
+                              <a:latin typeface="Cambria Math"/>
+                            </a:rPr>
+                            <m:t>−1</m:t>
+                          </m:r>
+                        </m:e>
+                      </m:d>
+                      <m:sSub>
+                        <m:sSubPr>
+                          <m:ctrlPr>
+                            <a:rPr lang="en-US" sz="2200" b="0" i="1" dirty="0" smtClean="0">
+                              <a:latin typeface="Cambria Math"/>
+                            </a:rPr>
+                          </m:ctrlPr>
+                        </m:sSubPr>
+                        <m:e>
+                          <m:r>
+                            <a:rPr lang="en-US" sz="2200" b="0" i="1" dirty="0" smtClean="0">
+                              <a:latin typeface="Cambria Math"/>
+                            </a:rPr>
+                            <m:t>𝑦</m:t>
+                          </m:r>
+                        </m:e>
+                        <m:sub>
+                          <m:r>
+                            <a:rPr lang="en-US" sz="2200" b="0" i="1" dirty="0" smtClean="0">
+                              <a:latin typeface="Cambria Math"/>
+                            </a:rPr>
+                            <m:t>𝑠</m:t>
+                          </m:r>
+                        </m:sub>
+                      </m:sSub>
+                      <m:r>
+                        <a:rPr lang="en-US" sz="2200" b="0" i="1" dirty="0" smtClean="0">
+                          <a:latin typeface="Cambria Math"/>
+                        </a:rPr>
+                        <m:t>−</m:t>
+                      </m:r>
+                      <m:sSup>
+                        <m:sSupPr>
+                          <m:ctrlPr>
+                            <a:rPr lang="en-US" sz="2200" b="0" i="1" dirty="0" smtClean="0">
+                              <a:latin typeface="Cambria Math"/>
+                            </a:rPr>
+                          </m:ctrlPr>
+                        </m:sSupPr>
+                        <m:e>
+                          <m:r>
+                            <a:rPr lang="en-US" sz="2200" b="0" i="1" dirty="0" smtClean="0">
+                              <a:latin typeface="Cambria Math"/>
+                            </a:rPr>
+                            <m:t>𝑥</m:t>
+                          </m:r>
+                        </m:e>
+                        <m:sup>
+                          <m:r>
+                            <a:rPr lang="en-US" sz="2200" b="0" i="1" dirty="0" smtClean="0">
+                              <a:latin typeface="Cambria Math"/>
+                            </a:rPr>
+                            <m:t>∗</m:t>
+                          </m:r>
+                        </m:sup>
+                      </m:sSup>
+                      <m:r>
+                        <a:rPr lang="en-US" sz="2200" b="0" i="1" dirty="0" smtClean="0">
+                          <a:latin typeface="Cambria Math"/>
+                        </a:rPr>
+                        <m:t>)</m:t>
+                      </m:r>
+                      <m:r>
+                        <a:rPr lang="en-US" sz="2200" b="0" i="1" smtClean="0">
+                          <a:latin typeface="Cambria Math"/>
+                        </a:rPr>
+                        <m:t>)=</m:t>
+                      </m:r>
+                    </m:oMath>
+                  </m:oMathPara>
+                </a14:m>
+                <a:endParaRPr lang="en-US" sz="2200" b="0" dirty="0" smtClean="0"/>
+              </a:p>
+              <a:p>
+                <a:pPr marL="0" indent="0">
+                  <a:buNone/>
+                </a:pPr>
+                <a14:m>
+                  <m:oMathPara xmlns:m="http://schemas.openxmlformats.org/officeDocument/2006/math">
+                    <m:oMathParaPr>
+                      <m:jc m:val="centerGroup"/>
+                    </m:oMathParaPr>
+                    <m:oMath xmlns:m="http://schemas.openxmlformats.org/officeDocument/2006/math">
+                      <m:sSup>
+                        <m:sSupPr>
+                          <m:ctrlPr>
+                            <a:rPr lang="en-US" sz="2200" b="0" i="1" dirty="0" smtClean="0">
+                              <a:latin typeface="Cambria Math"/>
+                            </a:rPr>
+                          </m:ctrlPr>
+                        </m:sSupPr>
+                        <m:e>
+                          <m:sSup>
+                            <m:sSupPr>
+                              <m:ctrlPr>
+                                <a:rPr lang="en-US" sz="2200" b="0" i="1" dirty="0" smtClean="0">
+                                  <a:latin typeface="Cambria Math"/>
+                                </a:rPr>
+                              </m:ctrlPr>
+                            </m:sSupPr>
+                            <m:e>
+                              <m:d>
+                                <m:dPr>
+                                  <m:begChr m:val="|"/>
+                                  <m:endChr m:val="|"/>
+                                  <m:ctrlPr>
+                                    <a:rPr lang="en-US" sz="2200" b="0" i="1" dirty="0" smtClean="0">
+                                      <a:latin typeface="Cambria Math"/>
+                                    </a:rPr>
+                                  </m:ctrlPr>
+                                </m:dPr>
+                                <m:e>
+                                  <m:d>
+                                    <m:dPr>
+                                      <m:begChr m:val="|"/>
+                                      <m:endChr m:val="|"/>
+                                      <m:ctrlPr>
+                                        <a:rPr lang="en-US" sz="2200" b="0" i="1" dirty="0" smtClean="0">
+                                          <a:latin typeface="Cambria Math"/>
+                                        </a:rPr>
+                                      </m:ctrlPr>
+                                    </m:dPr>
+                                    <m:e>
+                                      <m:sSub>
+                                        <m:sSubPr>
+                                          <m:ctrlPr>
+                                            <a:rPr lang="en-US" sz="2200" b="0" i="1" dirty="0" smtClean="0">
+                                              <a:latin typeface="Cambria Math"/>
+                                            </a:rPr>
+                                          </m:ctrlPr>
+                                        </m:sSubPr>
+                                        <m:e>
+                                          <m:r>
+                                            <a:rPr lang="en-US" sz="2200" b="0" i="1" dirty="0" smtClean="0">
+                                              <a:latin typeface="Cambria Math"/>
+                                            </a:rPr>
+                                            <m:t>𝜆</m:t>
+                                          </m:r>
+                                        </m:e>
+                                        <m:sub>
+                                          <m:r>
+                                            <a:rPr lang="en-US" sz="2200" b="0" i="1" dirty="0" smtClean="0">
+                                              <a:latin typeface="Cambria Math"/>
+                                            </a:rPr>
+                                            <m:t>𝑠</m:t>
+                                          </m:r>
+                                        </m:sub>
+                                      </m:sSub>
+                                      <m:sSub>
+                                        <m:sSubPr>
+                                          <m:ctrlPr>
+                                            <a:rPr lang="en-US" sz="2200" b="0" i="1" dirty="0" smtClean="0">
+                                              <a:latin typeface="Cambria Math"/>
+                                            </a:rPr>
+                                          </m:ctrlPr>
+                                        </m:sSubPr>
+                                        <m:e>
+                                          <m:r>
+                                            <a:rPr lang="en-US" sz="2200" b="0" i="1" dirty="0" smtClean="0">
+                                              <a:latin typeface="Cambria Math"/>
+                                            </a:rPr>
+                                            <m:t>𝑦</m:t>
+                                          </m:r>
+                                        </m:e>
+                                        <m:sub>
+                                          <m:r>
+                                            <a:rPr lang="en-US" sz="2200" b="0" i="1" dirty="0" smtClean="0">
+                                              <a:latin typeface="Cambria Math"/>
+                                            </a:rPr>
+                                            <m:t>𝑠</m:t>
+                                          </m:r>
+                                          <m:r>
+                                            <a:rPr lang="en-US" sz="2200" b="0" i="1" dirty="0" smtClean="0">
+                                              <a:latin typeface="Cambria Math"/>
+                                            </a:rPr>
+                                            <m:t>+1</m:t>
+                                          </m:r>
+                                        </m:sub>
+                                      </m:sSub>
+                                      <m:r>
+                                        <a:rPr lang="en-US" sz="2200" b="0" i="1" dirty="0" smtClean="0">
+                                          <a:latin typeface="Cambria Math"/>
+                                        </a:rPr>
+                                        <m:t>−</m:t>
+                                      </m:r>
+                                      <m:d>
+                                        <m:dPr>
+                                          <m:ctrlPr>
+                                            <a:rPr lang="en-US" sz="2200" b="0" i="1" dirty="0" smtClean="0">
+                                              <a:latin typeface="Cambria Math"/>
+                                            </a:rPr>
+                                          </m:ctrlPr>
+                                        </m:dPr>
+                                        <m:e>
+                                          <m:sSub>
+                                            <m:sSubPr>
+                                              <m:ctrlPr>
+                                                <a:rPr lang="en-US" sz="2200" b="0" i="1" dirty="0" smtClean="0">
+                                                  <a:latin typeface="Cambria Math"/>
+                                                </a:rPr>
+                                              </m:ctrlPr>
+                                            </m:sSubPr>
+                                            <m:e>
+                                              <m:r>
+                                                <a:rPr lang="en-US" sz="2200" b="0" i="1" dirty="0" smtClean="0">
+                                                  <a:latin typeface="Cambria Math"/>
+                                                </a:rPr>
+                                                <m:t>𝜆</m:t>
+                                              </m:r>
+                                            </m:e>
+                                            <m:sub>
+                                              <m:r>
+                                                <a:rPr lang="en-US" sz="2200" b="0" i="1" dirty="0" smtClean="0">
+                                                  <a:latin typeface="Cambria Math"/>
+                                                </a:rPr>
+                                                <m:t>𝑠</m:t>
+                                              </m:r>
+                                            </m:sub>
+                                          </m:sSub>
+                                          <m:r>
+                                            <a:rPr lang="en-US" sz="2200" b="0" i="1" dirty="0" smtClean="0">
+                                              <a:latin typeface="Cambria Math"/>
+                                            </a:rPr>
+                                            <m:t>−1</m:t>
+                                          </m:r>
+                                        </m:e>
+                                      </m:d>
+                                      <m:sSub>
+                                        <m:sSubPr>
+                                          <m:ctrlPr>
+                                            <a:rPr lang="en-US" sz="2200" b="0" i="1" dirty="0" smtClean="0">
+                                              <a:latin typeface="Cambria Math"/>
+                                            </a:rPr>
+                                          </m:ctrlPr>
+                                        </m:sSubPr>
+                                        <m:e>
+                                          <m:r>
+                                            <a:rPr lang="en-US" sz="2200" b="0" i="1" dirty="0" smtClean="0">
+                                              <a:latin typeface="Cambria Math"/>
+                                            </a:rPr>
+                                            <m:t>𝑦</m:t>
+                                          </m:r>
+                                        </m:e>
+                                        <m:sub>
+                                          <m:r>
+                                            <a:rPr lang="en-US" sz="2200" b="0" i="1" dirty="0" smtClean="0">
+                                              <a:latin typeface="Cambria Math"/>
+                                            </a:rPr>
+                                            <m:t>𝑠</m:t>
+                                          </m:r>
+                                        </m:sub>
+                                      </m:sSub>
+                                      <m:r>
+                                        <a:rPr lang="en-US" sz="2200" b="0" i="1" dirty="0" smtClean="0">
+                                          <a:latin typeface="Cambria Math"/>
+                                        </a:rPr>
+                                        <m:t>−</m:t>
+                                      </m:r>
+                                      <m:sSup>
+                                        <m:sSupPr>
+                                          <m:ctrlPr>
+                                            <a:rPr lang="en-US" sz="2200" b="0" i="1" dirty="0" smtClean="0">
+                                              <a:latin typeface="Cambria Math"/>
+                                            </a:rPr>
+                                          </m:ctrlPr>
+                                        </m:sSupPr>
+                                        <m:e>
+                                          <m:r>
+                                            <a:rPr lang="en-US" sz="2200" b="0" i="1" dirty="0" smtClean="0">
+                                              <a:latin typeface="Cambria Math"/>
+                                            </a:rPr>
+                                            <m:t>𝑥</m:t>
+                                          </m:r>
+                                        </m:e>
+                                        <m:sup>
+                                          <m:r>
+                                            <a:rPr lang="en-US" sz="2200" b="0" i="1" dirty="0" smtClean="0">
+                                              <a:latin typeface="Cambria Math"/>
+                                            </a:rPr>
+                                            <m:t>∗</m:t>
+                                          </m:r>
+                                        </m:sup>
+                                      </m:sSup>
+                                    </m:e>
+                                  </m:d>
+                                </m:e>
+                              </m:d>
+                            </m:e>
+                            <m:sup>
+                              <m:r>
+                                <a:rPr lang="en-US" sz="2200" b="0" i="1" dirty="0" smtClean="0">
+                                  <a:latin typeface="Cambria Math"/>
+                                </a:rPr>
+                                <m:t>2</m:t>
+                              </m:r>
+                            </m:sup>
+                          </m:sSup>
+                          <m:r>
+                            <a:rPr lang="en-US" sz="2200" b="0" i="1" dirty="0" smtClean="0">
+                              <a:latin typeface="Cambria Math"/>
+                            </a:rPr>
+                            <m:t>−</m:t>
+                          </m:r>
+                          <m:d>
+                            <m:dPr>
+                              <m:begChr m:val="|"/>
+                              <m:endChr m:val="|"/>
+                              <m:ctrlPr>
+                                <a:rPr lang="en-US" sz="2200" b="0" i="1" dirty="0" smtClean="0">
+                                  <a:latin typeface="Cambria Math"/>
+                                </a:rPr>
+                              </m:ctrlPr>
+                            </m:dPr>
+                            <m:e>
+                              <m:d>
+                                <m:dPr>
+                                  <m:begChr m:val="|"/>
+                                  <m:endChr m:val="|"/>
+                                  <m:ctrlPr>
+                                    <a:rPr lang="en-US" sz="2200" b="0" i="1" dirty="0" smtClean="0">
+                                      <a:latin typeface="Cambria Math"/>
+                                    </a:rPr>
+                                  </m:ctrlPr>
+                                </m:dPr>
+                                <m:e>
+                                  <m:sSub>
+                                    <m:sSubPr>
+                                      <m:ctrlPr>
+                                        <a:rPr lang="en-US" sz="2200" b="0" i="1" dirty="0" smtClean="0">
+                                          <a:latin typeface="Cambria Math"/>
+                                        </a:rPr>
+                                      </m:ctrlPr>
+                                    </m:sSubPr>
+                                    <m:e>
+                                      <m:r>
+                                        <a:rPr lang="en-US" sz="2200" b="0" i="1" dirty="0" smtClean="0">
+                                          <a:latin typeface="Cambria Math"/>
+                                        </a:rPr>
+                                        <m:t>𝜆</m:t>
+                                      </m:r>
+                                    </m:e>
+                                    <m:sub>
+                                      <m:r>
+                                        <a:rPr lang="en-US" sz="2200" b="0" i="1" dirty="0" smtClean="0">
+                                          <a:latin typeface="Cambria Math"/>
+                                        </a:rPr>
+                                        <m:t>𝑠</m:t>
+                                      </m:r>
+                                    </m:sub>
+                                  </m:sSub>
+                                  <m:sSub>
+                                    <m:sSubPr>
+                                      <m:ctrlPr>
+                                        <a:rPr lang="en-US" sz="2200" b="0" i="1" dirty="0" smtClean="0">
+                                          <a:latin typeface="Cambria Math"/>
+                                        </a:rPr>
+                                      </m:ctrlPr>
+                                    </m:sSubPr>
+                                    <m:e>
+                                      <m:r>
+                                        <a:rPr lang="en-US" sz="2200" b="0" i="1" dirty="0" smtClean="0">
+                                          <a:latin typeface="Cambria Math"/>
+                                        </a:rPr>
+                                        <m:t>𝑥</m:t>
+                                      </m:r>
+                                    </m:e>
+                                    <m:sub>
+                                      <m:r>
+                                        <a:rPr lang="en-US" sz="2200" b="0" i="1" dirty="0" smtClean="0">
+                                          <a:latin typeface="Cambria Math"/>
+                                        </a:rPr>
+                                        <m:t>𝑠</m:t>
+                                      </m:r>
+                                    </m:sub>
+                                  </m:sSub>
+                                  <m:r>
+                                    <a:rPr lang="en-US" sz="2200" b="0" i="1" dirty="0" smtClean="0">
+                                      <a:latin typeface="Cambria Math"/>
+                                    </a:rPr>
+                                    <m:t>−</m:t>
+                                  </m:r>
+                                  <m:d>
+                                    <m:dPr>
+                                      <m:ctrlPr>
+                                        <a:rPr lang="en-US" sz="2200" b="0" i="1" dirty="0" smtClean="0">
+                                          <a:latin typeface="Cambria Math"/>
+                                        </a:rPr>
+                                      </m:ctrlPr>
+                                    </m:dPr>
+                                    <m:e>
+                                      <m:sSub>
+                                        <m:sSubPr>
+                                          <m:ctrlPr>
+                                            <a:rPr lang="en-US" sz="2200" b="0" i="1" dirty="0" smtClean="0">
+                                              <a:latin typeface="Cambria Math"/>
+                                            </a:rPr>
+                                          </m:ctrlPr>
+                                        </m:sSubPr>
+                                        <m:e>
+                                          <m:r>
+                                            <a:rPr lang="en-US" sz="2200" b="0" i="1" dirty="0" smtClean="0">
+                                              <a:latin typeface="Cambria Math"/>
+                                            </a:rPr>
+                                            <m:t>𝜆</m:t>
+                                          </m:r>
+                                        </m:e>
+                                        <m:sub>
+                                          <m:r>
+                                            <a:rPr lang="en-US" sz="2200" b="0" i="1" dirty="0" smtClean="0">
+                                              <a:latin typeface="Cambria Math"/>
+                                            </a:rPr>
+                                            <m:t>𝑠</m:t>
+                                          </m:r>
+                                        </m:sub>
+                                      </m:sSub>
+                                      <m:r>
+                                        <a:rPr lang="en-US" sz="2200" b="0" i="1" dirty="0" smtClean="0">
+                                          <a:latin typeface="Cambria Math"/>
+                                        </a:rPr>
+                                        <m:t>−1</m:t>
+                                      </m:r>
+                                    </m:e>
+                                  </m:d>
+                                  <m:sSub>
+                                    <m:sSubPr>
+                                      <m:ctrlPr>
+                                        <a:rPr lang="en-US" sz="2200" b="0" i="1" dirty="0" smtClean="0">
+                                          <a:latin typeface="Cambria Math"/>
+                                        </a:rPr>
+                                      </m:ctrlPr>
+                                    </m:sSubPr>
+                                    <m:e>
+                                      <m:r>
+                                        <a:rPr lang="en-US" sz="2200" b="0" i="1" dirty="0" smtClean="0">
+                                          <a:latin typeface="Cambria Math"/>
+                                        </a:rPr>
+                                        <m:t>𝑦</m:t>
+                                      </m:r>
+                                    </m:e>
+                                    <m:sub>
+                                      <m:r>
+                                        <a:rPr lang="en-US" sz="2200" b="0" i="1" dirty="0" smtClean="0">
+                                          <a:latin typeface="Cambria Math"/>
+                                        </a:rPr>
+                                        <m:t>𝑠</m:t>
+                                      </m:r>
+                                    </m:sub>
+                                  </m:sSub>
+                                  <m:r>
+                                    <a:rPr lang="en-US" sz="2200" b="0" i="1" dirty="0" smtClean="0">
+                                      <a:latin typeface="Cambria Math"/>
+                                    </a:rPr>
+                                    <m:t>−</m:t>
+                                  </m:r>
+                                  <m:sSup>
+                                    <m:sSupPr>
+                                      <m:ctrlPr>
+                                        <a:rPr lang="en-US" sz="2200" b="0" i="1" dirty="0" smtClean="0">
+                                          <a:latin typeface="Cambria Math"/>
+                                        </a:rPr>
+                                      </m:ctrlPr>
+                                    </m:sSupPr>
+                                    <m:e>
+                                      <m:r>
+                                        <a:rPr lang="en-US" sz="2200" b="0" i="1" dirty="0" smtClean="0">
+                                          <a:latin typeface="Cambria Math"/>
+                                        </a:rPr>
+                                        <m:t>𝑥</m:t>
+                                      </m:r>
+                                    </m:e>
+                                    <m:sup>
+                                      <m:r>
+                                        <a:rPr lang="en-US" sz="2200" b="0" i="1" dirty="0" smtClean="0">
+                                          <a:latin typeface="Cambria Math"/>
+                                        </a:rPr>
+                                        <m:t>∗</m:t>
+                                      </m:r>
+                                    </m:sup>
+                                  </m:sSup>
+                                </m:e>
+                              </m:d>
+                            </m:e>
+                          </m:d>
+                        </m:e>
+                        <m:sup>
+                          <m:r>
+                            <a:rPr lang="en-US" sz="2200" b="0" i="1" dirty="0" smtClean="0">
+                              <a:latin typeface="Cambria Math"/>
+                            </a:rPr>
+                            <m:t>2</m:t>
+                          </m:r>
+                        </m:sup>
+                      </m:sSup>
+                    </m:oMath>
+                  </m:oMathPara>
+                </a14:m>
+                <a:endParaRPr lang="en-US" sz="2200" dirty="0" smtClean="0"/>
+              </a:p>
+            </p:txBody>
+          </p:sp>
+        </mc:Choice>
+        <mc:Fallback>
+          <p:sp>
+            <p:nvSpPr>
+              <p:cNvPr id="3" name="Content Placeholder 2"/>
+              <p:cNvSpPr>
+                <a:spLocks noGrp="1" noRot="1" noChangeAspect="1" noMove="1" noResize="1" noEditPoints="1" noAdjustHandles="1" noChangeArrowheads="1" noChangeShapeType="1" noTextEdit="1"/>
+              </p:cNvSpPr>
+              <p:nvPr>
+                <p:ph idx="1"/>
+              </p:nvPr>
+            </p:nvSpPr>
+            <p:spPr>
+              <a:xfrm>
+                <a:off x="304800" y="1600200"/>
+                <a:ext cx="8686800" cy="5029200"/>
+              </a:xfrm>
+              <a:blipFill rotWithShape="1">
+                <a:blip r:embed="rId2"/>
+                <a:stretch>
+                  <a:fillRect l="-912" t="-970"/>
+                </a:stretch>
+              </a:blipFill>
+            </p:spPr>
+            <p:txBody>
+              <a:bodyPr/>
+              <a:lstStyle/>
+              <a:p>
+                <a:r>
+                  <a:rPr lang="en-US">
+                    <a:noFill/>
+                  </a:rPr>
+                  <a:t> </a:t>
+                </a:r>
+              </a:p>
+            </p:txBody>
+          </p:sp>
+        </mc:Fallback>
+      </mc:AlternateContent>
+    </p:spTree>
+    <p:extLst>
+      <p:ext uri="{BB962C8B-B14F-4D97-AF65-F5344CB8AC3E}">
+        <p14:creationId xmlns:p14="http://schemas.microsoft.com/office/powerpoint/2010/main" val="1568641485"/>
+      </p:ext>
+    </p:extLst>
+  </p:cSld>
+  <p:clrMapOvr>
+    <a:masterClrMapping/>
+  </p:clrMapOvr>
+  <p:timing>
+    <p:tnLst>
+      <p:par>
+        <p:cTn id="1" dur="indefinite" restart="never" nodeType="tmRoot"/>
+      </p:par>
+    </p:tnLst>
+  </p:timing>
+</p:sld>
+</file>
+
+<file path=ppt/slides/slide14.xml><?xml version="1.0" encoding="utf-8"?>
+<p:sld xmlns:a="http://schemas.openxmlformats.org/drawingml/2006/main" xmlns:r="http://schemas.openxmlformats.org/officeDocument/2006/relationships" xmlns:p="http://schemas.openxmlformats.org/presentationml/2006/main">
+  <p:cSld>
+    <p:spTree>
+      <p:nvGrpSpPr>
+        <p:cNvPr id="1" name=""/>
+        <p:cNvGrpSpPr/>
+        <p:nvPr/>
+      </p:nvGrpSpPr>
+      <p:grpSpPr>
+        <a:xfrm>
+          <a:off x="0" y="0"/>
+          <a:ext cx="0" cy="0"/>
+          <a:chOff x="0" y="0"/>
+          <a:chExt cx="0" cy="0"/>
+        </a:xfrm>
+      </p:grpSpPr>
+      <p:sp>
+        <p:nvSpPr>
+          <p:cNvPr id="2" name="Title 1"/>
+          <p:cNvSpPr>
+            <a:spLocks noGrp="1"/>
+          </p:cNvSpPr>
+          <p:nvPr>
+            <p:ph type="title"/>
+          </p:nvPr>
+        </p:nvSpPr>
+        <p:spPr/>
+        <p:txBody>
+          <a:bodyPr>
+            <a:normAutofit fontScale="90000"/>
+          </a:bodyPr>
+          <a:lstStyle/>
+          <a:p>
+            <a:r>
+              <a:rPr lang="en-US" dirty="0" smtClean="0">
+                <a:solidFill>
+                  <a:srgbClr val="0070C0"/>
+                </a:solidFill>
+              </a:rPr>
+              <a:t>Accelerated Gradient Descent: Analysis</a:t>
+            </a:r>
+            <a:endParaRPr lang="en-US" dirty="0"/>
+          </a:p>
+        </p:txBody>
+      </p:sp>
+      <mc:AlternateContent xmlns:mc="http://schemas.openxmlformats.org/markup-compatibility/2006">
+        <mc:Choice xmlns:a14="http://schemas.microsoft.com/office/drawing/2010/main" Requires="a14">
+          <p:sp>
+            <p:nvSpPr>
+              <p:cNvPr id="3" name="Content Placeholder 2"/>
+              <p:cNvSpPr>
+                <a:spLocks noGrp="1"/>
+              </p:cNvSpPr>
+              <p:nvPr>
+                <p:ph idx="1"/>
+              </p:nvPr>
+            </p:nvSpPr>
+            <p:spPr>
+              <a:xfrm>
+                <a:off x="457200" y="1600200"/>
+                <a:ext cx="8229600" cy="5029200"/>
+              </a:xfrm>
+            </p:spPr>
+            <p:txBody>
+              <a:bodyPr>
+                <a:normAutofit fontScale="92500" lnSpcReduction="20000"/>
+              </a:bodyPr>
+              <a:lstStyle/>
+              <a:p>
+                <a:r>
+                  <a:rPr lang="en-US" dirty="0" smtClean="0"/>
+                  <a:t>By definition of AGD:</a:t>
+                </a:r>
+              </a:p>
+              <a:p>
+                <a:pPr marL="0" indent="0" algn="ctr">
+                  <a:buNone/>
+                </a:pPr>
+                <a14:m>
+                  <m:oMathPara xmlns:m="http://schemas.openxmlformats.org/officeDocument/2006/math">
+                    <m:oMathParaPr>
+                      <m:jc m:val="centerGroup"/>
+                    </m:oMathParaPr>
+                    <m:oMath xmlns:m="http://schemas.openxmlformats.org/officeDocument/2006/math">
+                      <m:sSub>
+                        <m:sSubPr>
+                          <m:ctrlPr>
+                            <a:rPr lang="en-US" sz="2800" b="0" i="1" smtClean="0">
+                              <a:latin typeface="Cambria Math"/>
+                            </a:rPr>
+                          </m:ctrlPr>
+                        </m:sSubPr>
+                        <m:e>
+                          <m:r>
+                            <a:rPr lang="en-US" sz="2800" b="0" i="1" smtClean="0">
+                              <a:latin typeface="Cambria Math"/>
+                            </a:rPr>
+                            <m:t>𝑥</m:t>
+                          </m:r>
+                        </m:e>
+                        <m:sub>
+                          <m:r>
+                            <a:rPr lang="en-US" sz="2800" b="0" i="1" smtClean="0">
+                              <a:latin typeface="Cambria Math"/>
+                            </a:rPr>
+                            <m:t>𝑠</m:t>
+                          </m:r>
+                          <m:r>
+                            <a:rPr lang="en-US" sz="2800" b="0" i="1" smtClean="0">
+                              <a:latin typeface="Cambria Math"/>
+                            </a:rPr>
+                            <m:t>+1</m:t>
+                          </m:r>
+                        </m:sub>
+                      </m:sSub>
+                      <m:r>
+                        <a:rPr lang="en-US" sz="2800" b="0" i="1" smtClean="0">
+                          <a:latin typeface="Cambria Math"/>
+                        </a:rPr>
+                        <m:t>=</m:t>
+                      </m:r>
+                      <m:sSub>
+                        <m:sSubPr>
+                          <m:ctrlPr>
+                            <a:rPr lang="en-US" sz="2800" b="0" i="1" smtClean="0">
+                              <a:latin typeface="Cambria Math"/>
+                            </a:rPr>
+                          </m:ctrlPr>
+                        </m:sSubPr>
+                        <m:e>
+                          <m:r>
+                            <a:rPr lang="en-US" sz="2800" b="0" i="1" smtClean="0">
+                              <a:latin typeface="Cambria Math"/>
+                            </a:rPr>
+                            <m:t>𝑦</m:t>
+                          </m:r>
+                        </m:e>
+                        <m:sub>
+                          <m:r>
+                            <a:rPr lang="en-US" sz="2800" b="0" i="1" smtClean="0">
+                              <a:latin typeface="Cambria Math"/>
+                            </a:rPr>
+                            <m:t>𝑠</m:t>
+                          </m:r>
+                          <m:r>
+                            <a:rPr lang="en-US" sz="2800" b="0" i="1" smtClean="0">
+                              <a:latin typeface="Cambria Math"/>
+                            </a:rPr>
+                            <m:t>+1</m:t>
+                          </m:r>
+                        </m:sub>
+                      </m:sSub>
+                      <m:r>
+                        <a:rPr lang="en-US" sz="2800" b="0" i="1" smtClean="0">
+                          <a:latin typeface="Cambria Math"/>
+                        </a:rPr>
+                        <m:t>+</m:t>
+                      </m:r>
+                      <m:sSub>
+                        <m:sSubPr>
+                          <m:ctrlPr>
+                            <a:rPr lang="en-US" sz="2800" b="0" i="1" smtClean="0">
+                              <a:latin typeface="Cambria Math"/>
+                            </a:rPr>
+                          </m:ctrlPr>
+                        </m:sSubPr>
+                        <m:e>
+                          <m:r>
+                            <a:rPr lang="en-US" sz="2800" b="0" i="1" smtClean="0">
+                              <a:latin typeface="Cambria Math"/>
+                            </a:rPr>
+                            <m:t>𝛾</m:t>
+                          </m:r>
+                        </m:e>
+                        <m:sub>
+                          <m:r>
+                            <a:rPr lang="en-US" sz="2800" b="0" i="1" smtClean="0">
+                              <a:latin typeface="Cambria Math"/>
+                            </a:rPr>
+                            <m:t>𝑠</m:t>
+                          </m:r>
+                        </m:sub>
+                      </m:sSub>
+                      <m:d>
+                        <m:dPr>
+                          <m:ctrlPr>
+                            <a:rPr lang="en-US" sz="2800" b="0" i="1" smtClean="0">
+                              <a:latin typeface="Cambria Math"/>
+                            </a:rPr>
+                          </m:ctrlPr>
+                        </m:dPr>
+                        <m:e>
+                          <m:sSub>
+                            <m:sSubPr>
+                              <m:ctrlPr>
+                                <a:rPr lang="en-US" sz="2800" b="0" i="1" smtClean="0">
+                                  <a:latin typeface="Cambria Math"/>
+                                </a:rPr>
+                              </m:ctrlPr>
+                            </m:sSubPr>
+                            <m:e>
+                              <m:r>
+                                <a:rPr lang="en-US" sz="2800" b="0" i="1" smtClean="0">
+                                  <a:latin typeface="Cambria Math"/>
+                                </a:rPr>
+                                <m:t>𝑦</m:t>
+                              </m:r>
+                            </m:e>
+                            <m:sub>
+                              <m:r>
+                                <a:rPr lang="en-US" sz="2800" b="0" i="1" smtClean="0">
+                                  <a:latin typeface="Cambria Math"/>
+                                </a:rPr>
+                                <m:t>𝑠</m:t>
+                              </m:r>
+                            </m:sub>
+                          </m:sSub>
+                          <m:r>
+                            <a:rPr lang="en-US" sz="2800" b="0" i="1" smtClean="0">
+                              <a:latin typeface="Cambria Math"/>
+                            </a:rPr>
+                            <m:t>−</m:t>
+                          </m:r>
+                          <m:sSub>
+                            <m:sSubPr>
+                              <m:ctrlPr>
+                                <a:rPr lang="en-US" sz="2800" b="0" i="1" smtClean="0">
+                                  <a:latin typeface="Cambria Math"/>
+                                </a:rPr>
+                              </m:ctrlPr>
+                            </m:sSubPr>
+                            <m:e>
+                              <m:r>
+                                <a:rPr lang="en-US" sz="2800" b="0" i="1" smtClean="0">
+                                  <a:latin typeface="Cambria Math"/>
+                                </a:rPr>
+                                <m:t>𝑦</m:t>
+                              </m:r>
+                            </m:e>
+                            <m:sub>
+                              <m:r>
+                                <a:rPr lang="en-US" sz="2800" b="0" i="1" smtClean="0">
+                                  <a:latin typeface="Cambria Math"/>
+                                </a:rPr>
+                                <m:t>𝑠</m:t>
+                              </m:r>
+                              <m:r>
+                                <a:rPr lang="en-US" sz="2800" b="0" i="1" smtClean="0">
+                                  <a:latin typeface="Cambria Math"/>
+                                </a:rPr>
+                                <m:t>+1</m:t>
+                              </m:r>
+                            </m:sub>
+                          </m:sSub>
+                        </m:e>
+                      </m:d>
+                      <m:r>
+                        <a:rPr lang="en-US" sz="2800" b="0" i="1" smtClean="0">
+                          <a:latin typeface="Cambria Math"/>
+                        </a:rPr>
+                        <m:t>⇔</m:t>
+                      </m:r>
+                    </m:oMath>
+                  </m:oMathPara>
+                </a14:m>
+                <a:endParaRPr lang="en-US" sz="2800" b="0" dirty="0" smtClean="0"/>
+              </a:p>
+              <a:p>
+                <a:pPr marL="0" indent="0" algn="ctr">
+                  <a:buNone/>
+                </a:pPr>
+                <a14:m>
+                  <m:oMath xmlns:m="http://schemas.openxmlformats.org/officeDocument/2006/math">
+                    <m:sSub>
+                      <m:sSubPr>
+                        <m:ctrlPr>
+                          <a:rPr lang="en-US" sz="2800" b="0" i="1" smtClean="0">
+                            <a:latin typeface="Cambria Math"/>
+                          </a:rPr>
+                        </m:ctrlPr>
+                      </m:sSubPr>
+                      <m:e>
+                        <m:r>
+                          <a:rPr lang="en-US" sz="2800" b="0" i="1" smtClean="0">
+                            <a:latin typeface="Cambria Math"/>
+                          </a:rPr>
+                          <m:t>𝜆</m:t>
+                        </m:r>
+                      </m:e>
+                      <m:sub>
+                        <m:r>
+                          <a:rPr lang="en-US" sz="2800" b="0" i="1" smtClean="0">
+                            <a:latin typeface="Cambria Math"/>
+                          </a:rPr>
+                          <m:t>𝑠</m:t>
+                        </m:r>
+                        <m:r>
+                          <a:rPr lang="en-US" sz="2800" b="0" i="1" smtClean="0">
+                            <a:latin typeface="Cambria Math"/>
+                          </a:rPr>
+                          <m:t>+1</m:t>
+                        </m:r>
+                      </m:sub>
+                    </m:sSub>
+                    <m:sSub>
+                      <m:sSubPr>
+                        <m:ctrlPr>
+                          <a:rPr lang="en-US" sz="2800" b="0" i="1" smtClean="0">
+                            <a:latin typeface="Cambria Math"/>
+                          </a:rPr>
+                        </m:ctrlPr>
+                      </m:sSubPr>
+                      <m:e>
+                        <m:r>
+                          <a:rPr lang="en-US" sz="2800" b="0" i="1" smtClean="0">
+                            <a:latin typeface="Cambria Math"/>
+                          </a:rPr>
+                          <m:t>𝑥</m:t>
+                        </m:r>
+                      </m:e>
+                      <m:sub>
+                        <m:r>
+                          <a:rPr lang="en-US" sz="2800" b="0" i="1" smtClean="0">
+                            <a:latin typeface="Cambria Math"/>
+                          </a:rPr>
+                          <m:t>𝑠</m:t>
+                        </m:r>
+                        <m:r>
+                          <a:rPr lang="en-US" sz="2800" b="0" i="1" smtClean="0">
+                            <a:latin typeface="Cambria Math"/>
+                          </a:rPr>
+                          <m:t>+1</m:t>
+                        </m:r>
+                      </m:sub>
+                    </m:sSub>
+                    <m:r>
+                      <a:rPr lang="en-US" sz="2800" b="0" i="1" smtClean="0">
+                        <a:latin typeface="Cambria Math"/>
+                      </a:rPr>
+                      <m:t>=</m:t>
+                    </m:r>
+                    <m:sSub>
+                      <m:sSubPr>
+                        <m:ctrlPr>
+                          <a:rPr lang="en-US" sz="2800" b="0" i="1" smtClean="0">
+                            <a:latin typeface="Cambria Math"/>
+                          </a:rPr>
+                        </m:ctrlPr>
+                      </m:sSubPr>
+                      <m:e>
+                        <m:r>
+                          <a:rPr lang="en-US" sz="2800" b="0" i="1" smtClean="0">
+                            <a:latin typeface="Cambria Math"/>
+                          </a:rPr>
+                          <m:t>𝜆</m:t>
+                        </m:r>
+                      </m:e>
+                      <m:sub>
+                        <m:r>
+                          <a:rPr lang="en-US" sz="2800" b="0" i="1" smtClean="0">
+                            <a:latin typeface="Cambria Math"/>
+                          </a:rPr>
+                          <m:t>𝑠</m:t>
+                        </m:r>
+                        <m:r>
+                          <a:rPr lang="en-US" sz="2800" b="0" i="1" smtClean="0">
+                            <a:latin typeface="Cambria Math"/>
+                          </a:rPr>
+                          <m:t>+1</m:t>
+                        </m:r>
+                      </m:sub>
+                    </m:sSub>
+                    <m:sSub>
+                      <m:sSubPr>
+                        <m:ctrlPr>
+                          <a:rPr lang="en-US" sz="2800" b="0" i="1" smtClean="0">
+                            <a:latin typeface="Cambria Math"/>
+                          </a:rPr>
+                        </m:ctrlPr>
+                      </m:sSubPr>
+                      <m:e>
+                        <m:r>
+                          <a:rPr lang="en-US" sz="2800" b="0" i="1" smtClean="0">
+                            <a:latin typeface="Cambria Math"/>
+                          </a:rPr>
+                          <m:t>𝑦</m:t>
+                        </m:r>
+                      </m:e>
+                      <m:sub>
+                        <m:r>
+                          <a:rPr lang="en-US" sz="2800" b="0" i="1" smtClean="0">
+                            <a:latin typeface="Cambria Math"/>
+                          </a:rPr>
+                          <m:t>𝑠</m:t>
+                        </m:r>
+                        <m:r>
+                          <a:rPr lang="en-US" sz="2800" b="0" i="1" smtClean="0">
+                            <a:latin typeface="Cambria Math"/>
+                          </a:rPr>
+                          <m:t>+1</m:t>
+                        </m:r>
+                      </m:sub>
+                    </m:sSub>
+                    <m:r>
+                      <a:rPr lang="en-US" sz="2800" b="0" i="1" smtClean="0">
+                        <a:latin typeface="Cambria Math"/>
+                      </a:rPr>
+                      <m:t>+</m:t>
+                    </m:r>
+                    <m:d>
+                      <m:dPr>
+                        <m:ctrlPr>
+                          <a:rPr lang="en-US" sz="2800" b="0" i="1" smtClean="0">
+                            <a:latin typeface="Cambria Math"/>
+                          </a:rPr>
+                        </m:ctrlPr>
+                      </m:dPr>
+                      <m:e>
+                        <m:r>
+                          <a:rPr lang="en-US" sz="2800" b="0" i="1" smtClean="0">
+                            <a:latin typeface="Cambria Math"/>
+                          </a:rPr>
+                          <m:t>1 −</m:t>
+                        </m:r>
+                        <m:sSub>
+                          <m:sSubPr>
+                            <m:ctrlPr>
+                              <a:rPr lang="en-US" sz="2800" b="0" i="1" smtClean="0">
+                                <a:latin typeface="Cambria Math"/>
+                              </a:rPr>
+                            </m:ctrlPr>
+                          </m:sSubPr>
+                          <m:e>
+                            <m:r>
+                              <a:rPr lang="en-US" sz="2800" b="0" i="1" smtClean="0">
+                                <a:latin typeface="Cambria Math"/>
+                              </a:rPr>
+                              <m:t>𝜆</m:t>
+                            </m:r>
+                          </m:e>
+                          <m:sub>
+                            <m:r>
+                              <a:rPr lang="en-US" sz="2800" b="0" i="1" smtClean="0">
+                                <a:latin typeface="Cambria Math"/>
+                              </a:rPr>
+                              <m:t>𝑠</m:t>
+                            </m:r>
+                          </m:sub>
+                        </m:sSub>
+                      </m:e>
+                    </m:d>
+                    <m:d>
+                      <m:dPr>
+                        <m:ctrlPr>
+                          <a:rPr lang="en-US" sz="2800" b="0" i="1" smtClean="0">
+                            <a:latin typeface="Cambria Math"/>
+                          </a:rPr>
+                        </m:ctrlPr>
+                      </m:dPr>
+                      <m:e>
+                        <m:sSub>
+                          <m:sSubPr>
+                            <m:ctrlPr>
+                              <a:rPr lang="en-US" sz="2800" b="0" i="1" smtClean="0">
+                                <a:latin typeface="Cambria Math"/>
+                              </a:rPr>
+                            </m:ctrlPr>
+                          </m:sSubPr>
+                          <m:e>
+                            <m:r>
+                              <a:rPr lang="en-US" sz="2800" b="0" i="1" smtClean="0">
+                                <a:latin typeface="Cambria Math"/>
+                              </a:rPr>
+                              <m:t>𝑦</m:t>
+                            </m:r>
+                          </m:e>
+                          <m:sub>
+                            <m:r>
+                              <a:rPr lang="en-US" sz="2800" b="0" i="1" smtClean="0">
+                                <a:latin typeface="Cambria Math"/>
+                              </a:rPr>
+                              <m:t>𝑠</m:t>
+                            </m:r>
+                          </m:sub>
+                        </m:sSub>
+                        <m:r>
+                          <a:rPr lang="en-US" sz="2800" b="0" i="1" smtClean="0">
+                            <a:latin typeface="Cambria Math"/>
+                          </a:rPr>
+                          <m:t>−</m:t>
+                        </m:r>
+                        <m:sSub>
+                          <m:sSubPr>
+                            <m:ctrlPr>
+                              <a:rPr lang="en-US" sz="2800" b="0" i="1" smtClean="0">
+                                <a:latin typeface="Cambria Math"/>
+                              </a:rPr>
+                            </m:ctrlPr>
+                          </m:sSubPr>
+                          <m:e>
+                            <m:r>
+                              <a:rPr lang="en-US" sz="2800" b="0" i="1" smtClean="0">
+                                <a:latin typeface="Cambria Math"/>
+                              </a:rPr>
+                              <m:t>𝑦</m:t>
+                            </m:r>
+                          </m:e>
+                          <m:sub>
+                            <m:r>
+                              <a:rPr lang="en-US" sz="2800" b="0" i="1" smtClean="0">
+                                <a:latin typeface="Cambria Math"/>
+                              </a:rPr>
+                              <m:t>𝑠</m:t>
+                            </m:r>
+                            <m:r>
+                              <a:rPr lang="en-US" sz="2800" b="0" i="1" smtClean="0">
+                                <a:latin typeface="Cambria Math"/>
+                              </a:rPr>
+                              <m:t>+1</m:t>
+                            </m:r>
+                          </m:sub>
+                        </m:sSub>
+                      </m:e>
+                    </m:d>
+                    <m:r>
+                      <a:rPr lang="en-US" sz="2800" b="0" i="1" smtClean="0">
+                        <a:latin typeface="Cambria Math"/>
+                      </a:rPr>
+                      <m:t>⇔</m:t>
+                    </m:r>
+                  </m:oMath>
+                </a14:m>
+                <a:r>
+                  <a:rPr lang="en-US" sz="2800" dirty="0" smtClean="0"/>
+                  <a:t> </a:t>
+                </a:r>
+              </a:p>
+              <a:p>
+                <a:pPr marL="0" indent="0" algn="ctr">
+                  <a:buNone/>
+                </a:pPr>
+                <a14:m>
+                  <m:oMathPara xmlns:m="http://schemas.openxmlformats.org/officeDocument/2006/math">
+                    <m:oMathParaPr>
+                      <m:jc m:val="centerGroup"/>
+                    </m:oMathParaPr>
+                    <m:oMath xmlns:m="http://schemas.openxmlformats.org/officeDocument/2006/math">
+                      <m:sSub>
+                        <m:sSubPr>
+                          <m:ctrlPr>
+                            <a:rPr lang="en-US" sz="2800" b="0" i="1" smtClean="0">
+                              <a:latin typeface="Cambria Math"/>
+                            </a:rPr>
+                          </m:ctrlPr>
+                        </m:sSubPr>
+                        <m:e>
+                          <m:r>
+                            <a:rPr lang="en-US" sz="2800" b="0" i="1" smtClean="0">
+                              <a:latin typeface="Cambria Math"/>
+                            </a:rPr>
+                            <m:t>𝜆</m:t>
+                          </m:r>
+                        </m:e>
+                        <m:sub>
+                          <m:r>
+                            <a:rPr lang="en-US" sz="2800" b="0" i="1" smtClean="0">
+                              <a:latin typeface="Cambria Math"/>
+                            </a:rPr>
+                            <m:t>𝑠</m:t>
+                          </m:r>
+                          <m:r>
+                            <a:rPr lang="en-US" sz="2800" b="0" i="1" smtClean="0">
+                              <a:latin typeface="Cambria Math"/>
+                            </a:rPr>
+                            <m:t>+1</m:t>
+                          </m:r>
+                        </m:sub>
+                      </m:sSub>
+                      <m:sSub>
+                        <m:sSubPr>
+                          <m:ctrlPr>
+                            <a:rPr lang="en-US" sz="2800" b="0" i="1" smtClean="0">
+                              <a:latin typeface="Cambria Math"/>
+                            </a:rPr>
+                          </m:ctrlPr>
+                        </m:sSubPr>
+                        <m:e>
+                          <m:r>
+                            <a:rPr lang="en-US" sz="2800" b="0" i="1" smtClean="0">
+                              <a:latin typeface="Cambria Math"/>
+                            </a:rPr>
+                            <m:t>𝑥</m:t>
+                          </m:r>
+                        </m:e>
+                        <m:sub>
+                          <m:r>
+                            <a:rPr lang="en-US" sz="2800" b="0" i="1" smtClean="0">
+                              <a:latin typeface="Cambria Math"/>
+                            </a:rPr>
+                            <m:t>𝑠</m:t>
+                          </m:r>
+                          <m:r>
+                            <a:rPr lang="en-US" sz="2800" b="0" i="1" smtClean="0">
+                              <a:latin typeface="Cambria Math"/>
+                            </a:rPr>
+                            <m:t>+1</m:t>
+                          </m:r>
+                        </m:sub>
+                      </m:sSub>
+                      <m:r>
+                        <a:rPr lang="en-US" sz="2800" b="0" i="1" smtClean="0">
+                          <a:latin typeface="Cambria Math"/>
+                        </a:rPr>
+                        <m:t>−</m:t>
+                      </m:r>
+                      <m:d>
+                        <m:dPr>
+                          <m:ctrlPr>
+                            <a:rPr lang="en-US" sz="2800" b="0" i="1" smtClean="0">
+                              <a:latin typeface="Cambria Math"/>
+                            </a:rPr>
+                          </m:ctrlPr>
+                        </m:dPr>
+                        <m:e>
+                          <m:sSub>
+                            <m:sSubPr>
+                              <m:ctrlPr>
+                                <a:rPr lang="en-US" sz="2800" b="0" i="1" smtClean="0">
+                                  <a:latin typeface="Cambria Math"/>
+                                </a:rPr>
+                              </m:ctrlPr>
+                            </m:sSubPr>
+                            <m:e>
+                              <m:r>
+                                <a:rPr lang="en-US" sz="2800" b="0" i="1" smtClean="0">
+                                  <a:latin typeface="Cambria Math"/>
+                                </a:rPr>
+                                <m:t>𝜆</m:t>
+                              </m:r>
+                            </m:e>
+                            <m:sub>
+                              <m:r>
+                                <a:rPr lang="en-US" sz="2800" b="0" i="1" smtClean="0">
+                                  <a:latin typeface="Cambria Math"/>
+                                </a:rPr>
+                                <m:t>𝑠</m:t>
+                              </m:r>
+                              <m:r>
+                                <a:rPr lang="en-US" sz="2800" b="0" i="1" smtClean="0">
+                                  <a:latin typeface="Cambria Math"/>
+                                </a:rPr>
+                                <m:t>+1</m:t>
+                              </m:r>
+                            </m:sub>
+                          </m:sSub>
+                          <m:r>
+                            <a:rPr lang="en-US" sz="2800" b="0" i="1" smtClean="0">
+                              <a:latin typeface="Cambria Math"/>
+                            </a:rPr>
+                            <m:t>−1</m:t>
+                          </m:r>
+                        </m:e>
+                      </m:d>
+                      <m:sSub>
+                        <m:sSubPr>
+                          <m:ctrlPr>
+                            <a:rPr lang="en-US" sz="2800" b="0" i="1" smtClean="0">
+                              <a:latin typeface="Cambria Math"/>
+                            </a:rPr>
+                          </m:ctrlPr>
+                        </m:sSubPr>
+                        <m:e>
+                          <m:r>
+                            <a:rPr lang="en-US" sz="2800" b="0" i="1" smtClean="0">
+                              <a:latin typeface="Cambria Math"/>
+                            </a:rPr>
+                            <m:t>𝑦</m:t>
+                          </m:r>
+                        </m:e>
+                        <m:sub>
+                          <m:r>
+                            <a:rPr lang="en-US" sz="2800" b="0" i="1" smtClean="0">
+                              <a:latin typeface="Cambria Math"/>
+                            </a:rPr>
+                            <m:t>𝑠</m:t>
+                          </m:r>
+                          <m:r>
+                            <a:rPr lang="en-US" sz="2800" b="0" i="1" smtClean="0">
+                              <a:latin typeface="Cambria Math"/>
+                            </a:rPr>
+                            <m:t>+1</m:t>
+                          </m:r>
+                        </m:sub>
+                      </m:sSub>
+                      <m:r>
+                        <a:rPr lang="en-US" sz="2800" b="0" i="1" smtClean="0">
+                          <a:latin typeface="Cambria Math"/>
+                        </a:rPr>
+                        <m:t>=</m:t>
+                      </m:r>
+                      <m:sSub>
+                        <m:sSubPr>
+                          <m:ctrlPr>
+                            <a:rPr lang="en-US" sz="2800" b="0" i="1" smtClean="0">
+                              <a:latin typeface="Cambria Math"/>
+                            </a:rPr>
+                          </m:ctrlPr>
+                        </m:sSubPr>
+                        <m:e>
+                          <m:r>
+                            <a:rPr lang="en-US" sz="2800" b="0" i="1" smtClean="0">
+                              <a:latin typeface="Cambria Math"/>
+                            </a:rPr>
+                            <m:t>𝜆</m:t>
+                          </m:r>
+                        </m:e>
+                        <m:sub>
+                          <m:r>
+                            <a:rPr lang="en-US" sz="2800" b="0" i="1" smtClean="0">
+                              <a:latin typeface="Cambria Math"/>
+                            </a:rPr>
+                            <m:t>𝑠</m:t>
+                          </m:r>
+                        </m:sub>
+                      </m:sSub>
+                      <m:sSub>
+                        <m:sSubPr>
+                          <m:ctrlPr>
+                            <a:rPr lang="en-US" sz="2800" b="0" i="1" smtClean="0">
+                              <a:latin typeface="Cambria Math"/>
+                            </a:rPr>
+                          </m:ctrlPr>
+                        </m:sSubPr>
+                        <m:e>
+                          <m:r>
+                            <a:rPr lang="en-US" sz="2800" b="0" i="1" smtClean="0">
+                              <a:latin typeface="Cambria Math"/>
+                            </a:rPr>
+                            <m:t>𝑦</m:t>
+                          </m:r>
+                        </m:e>
+                        <m:sub>
+                          <m:r>
+                            <a:rPr lang="en-US" sz="2800" b="0" i="1" smtClean="0">
+                              <a:latin typeface="Cambria Math"/>
+                            </a:rPr>
+                            <m:t>𝑠</m:t>
+                          </m:r>
+                          <m:r>
+                            <a:rPr lang="en-US" sz="2800" b="0" i="1" smtClean="0">
+                              <a:latin typeface="Cambria Math"/>
+                            </a:rPr>
+                            <m:t>+1</m:t>
+                          </m:r>
+                        </m:sub>
+                      </m:sSub>
+                      <m:r>
+                        <a:rPr lang="en-US" sz="2800" b="0" i="1" smtClean="0">
+                          <a:latin typeface="Cambria Math"/>
+                        </a:rPr>
+                        <m:t>−</m:t>
+                      </m:r>
+                      <m:d>
+                        <m:dPr>
+                          <m:ctrlPr>
+                            <a:rPr lang="en-US" sz="2800" b="0" i="1" smtClean="0">
+                              <a:latin typeface="Cambria Math"/>
+                            </a:rPr>
+                          </m:ctrlPr>
+                        </m:dPr>
+                        <m:e>
+                          <m:sSub>
+                            <m:sSubPr>
+                              <m:ctrlPr>
+                                <a:rPr lang="en-US" sz="2800" b="0" i="1" smtClean="0">
+                                  <a:latin typeface="Cambria Math"/>
+                                </a:rPr>
+                              </m:ctrlPr>
+                            </m:sSubPr>
+                            <m:e>
+                              <m:r>
+                                <a:rPr lang="en-US" sz="2800" b="0" i="1" smtClean="0">
+                                  <a:latin typeface="Cambria Math"/>
+                                </a:rPr>
+                                <m:t>𝜆</m:t>
+                              </m:r>
+                            </m:e>
+                            <m:sub>
+                              <m:r>
+                                <a:rPr lang="en-US" sz="2800" b="0" i="1" smtClean="0">
+                                  <a:latin typeface="Cambria Math"/>
+                                </a:rPr>
+                                <m:t>𝑠</m:t>
+                              </m:r>
+                            </m:sub>
+                          </m:sSub>
+                          <m:r>
+                            <a:rPr lang="en-US" sz="2800" b="0" i="1" smtClean="0">
+                              <a:latin typeface="Cambria Math"/>
+                            </a:rPr>
+                            <m:t>−1</m:t>
+                          </m:r>
+                        </m:e>
+                      </m:d>
+                      <m:sSub>
+                        <m:sSubPr>
+                          <m:ctrlPr>
+                            <a:rPr lang="en-US" sz="2800" b="0" i="1" smtClean="0">
+                              <a:latin typeface="Cambria Math"/>
+                            </a:rPr>
+                          </m:ctrlPr>
+                        </m:sSubPr>
+                        <m:e>
+                          <m:r>
+                            <a:rPr lang="en-US" sz="2800" b="0" i="1" smtClean="0">
+                              <a:latin typeface="Cambria Math"/>
+                            </a:rPr>
+                            <m:t>𝑦</m:t>
+                          </m:r>
+                        </m:e>
+                        <m:sub>
+                          <m:r>
+                            <a:rPr lang="en-US" sz="2800" b="0" i="1" smtClean="0">
+                              <a:latin typeface="Cambria Math"/>
+                            </a:rPr>
+                            <m:t>𝑠</m:t>
+                          </m:r>
+                        </m:sub>
+                      </m:sSub>
+                    </m:oMath>
+                  </m:oMathPara>
+                </a14:m>
+                <a:endParaRPr lang="en-US" sz="2800" dirty="0" smtClean="0"/>
+              </a:p>
+              <a:p>
+                <a:r>
+                  <a:rPr lang="en-US" sz="2800" dirty="0" smtClean="0"/>
+                  <a:t>Putting last three facts together for </a:t>
+                </a:r>
+                <a14:m>
+                  <m:oMath xmlns:m="http://schemas.openxmlformats.org/officeDocument/2006/math">
+                    <m:sSub>
+                      <m:sSubPr>
+                        <m:ctrlPr>
+                          <a:rPr lang="en-US" sz="2800" b="0" i="1" smtClean="0">
+                            <a:latin typeface="Cambria Math"/>
+                          </a:rPr>
+                        </m:ctrlPr>
+                      </m:sSubPr>
+                      <m:e>
+                        <m:r>
+                          <a:rPr lang="en-US" sz="2800" b="0" i="1" smtClean="0">
+                            <a:latin typeface="Cambria Math"/>
+                          </a:rPr>
+                          <m:t>𝑢</m:t>
+                        </m:r>
+                      </m:e>
+                      <m:sub>
+                        <m:r>
+                          <a:rPr lang="en-US" sz="2800" b="0" i="1" smtClean="0">
+                            <a:latin typeface="Cambria Math"/>
+                          </a:rPr>
+                          <m:t>𝑠</m:t>
+                        </m:r>
+                      </m:sub>
+                    </m:sSub>
+                    <m:r>
+                      <a:rPr lang="en-US" sz="2800" b="0" i="1" smtClean="0">
+                        <a:latin typeface="Cambria Math"/>
+                      </a:rPr>
+                      <m:t>=</m:t>
+                    </m:r>
+                    <m:sSub>
+                      <m:sSubPr>
+                        <m:ctrlPr>
+                          <a:rPr lang="en-US" sz="2800" b="0" i="1" dirty="0" smtClean="0">
+                            <a:latin typeface="Cambria Math"/>
+                          </a:rPr>
+                        </m:ctrlPr>
+                      </m:sSubPr>
+                      <m:e>
+                        <m:r>
+                          <a:rPr lang="en-US" sz="2800" b="0" i="1" dirty="0" smtClean="0">
+                            <a:latin typeface="Cambria Math"/>
+                          </a:rPr>
+                          <m:t>𝜆</m:t>
+                        </m:r>
+                      </m:e>
+                      <m:sub>
+                        <m:r>
+                          <a:rPr lang="en-US" sz="2800" b="0" i="1" dirty="0" smtClean="0">
+                            <a:latin typeface="Cambria Math"/>
+                          </a:rPr>
+                          <m:t>𝑠</m:t>
+                        </m:r>
+                      </m:sub>
+                    </m:sSub>
+                    <m:sSub>
+                      <m:sSubPr>
+                        <m:ctrlPr>
+                          <a:rPr lang="en-US" sz="2800" b="0" i="1" dirty="0" smtClean="0">
+                            <a:latin typeface="Cambria Math"/>
+                          </a:rPr>
+                        </m:ctrlPr>
+                      </m:sSubPr>
+                      <m:e>
+                        <m:r>
+                          <a:rPr lang="en-US" sz="2800" b="0" i="1" dirty="0" smtClean="0">
+                            <a:latin typeface="Cambria Math"/>
+                          </a:rPr>
+                          <m:t>𝑥</m:t>
+                        </m:r>
+                      </m:e>
+                      <m:sub>
+                        <m:r>
+                          <a:rPr lang="en-US" sz="2800" b="0" i="1" dirty="0" smtClean="0">
+                            <a:latin typeface="Cambria Math"/>
+                          </a:rPr>
+                          <m:t>𝑠</m:t>
+                        </m:r>
+                      </m:sub>
+                    </m:sSub>
+                    <m:r>
+                      <a:rPr lang="en-US" sz="2800" b="0" i="1" dirty="0" smtClean="0">
+                        <a:latin typeface="Cambria Math"/>
+                      </a:rPr>
+                      <m:t>−</m:t>
+                    </m:r>
+                    <m:d>
+                      <m:dPr>
+                        <m:ctrlPr>
+                          <a:rPr lang="en-US" sz="2800" b="0" i="1" dirty="0" smtClean="0">
+                            <a:latin typeface="Cambria Math"/>
+                          </a:rPr>
+                        </m:ctrlPr>
+                      </m:dPr>
+                      <m:e>
+                        <m:sSub>
+                          <m:sSubPr>
+                            <m:ctrlPr>
+                              <a:rPr lang="en-US" sz="2800" b="0" i="1" dirty="0" smtClean="0">
+                                <a:latin typeface="Cambria Math"/>
+                              </a:rPr>
+                            </m:ctrlPr>
+                          </m:sSubPr>
+                          <m:e>
+                            <m:r>
+                              <a:rPr lang="en-US" sz="2800" b="0" i="1" dirty="0" smtClean="0">
+                                <a:latin typeface="Cambria Math"/>
+                              </a:rPr>
+                              <m:t>𝜆</m:t>
+                            </m:r>
+                          </m:e>
+                          <m:sub>
+                            <m:r>
+                              <a:rPr lang="en-US" sz="2800" b="0" i="1" dirty="0" smtClean="0">
+                                <a:latin typeface="Cambria Math"/>
+                              </a:rPr>
+                              <m:t>𝑠</m:t>
+                            </m:r>
+                          </m:sub>
+                        </m:sSub>
+                        <m:r>
+                          <a:rPr lang="en-US" sz="2800" b="0" i="1" dirty="0" smtClean="0">
+                            <a:latin typeface="Cambria Math"/>
+                          </a:rPr>
+                          <m:t>−1</m:t>
+                        </m:r>
+                      </m:e>
+                    </m:d>
+                    <m:sSub>
+                      <m:sSubPr>
+                        <m:ctrlPr>
+                          <a:rPr lang="en-US" sz="2800" b="0" i="1" dirty="0" smtClean="0">
+                            <a:latin typeface="Cambria Math"/>
+                          </a:rPr>
+                        </m:ctrlPr>
+                      </m:sSubPr>
+                      <m:e>
+                        <m:r>
+                          <a:rPr lang="en-US" sz="2800" b="0" i="1" dirty="0" smtClean="0">
+                            <a:latin typeface="Cambria Math"/>
+                          </a:rPr>
+                          <m:t>𝑦</m:t>
+                        </m:r>
+                      </m:e>
+                      <m:sub>
+                        <m:r>
+                          <a:rPr lang="en-US" sz="2800" b="0" i="1" dirty="0" smtClean="0">
+                            <a:latin typeface="Cambria Math"/>
+                          </a:rPr>
+                          <m:t>𝑠</m:t>
+                        </m:r>
+                      </m:sub>
+                    </m:sSub>
+                    <m:r>
+                      <a:rPr lang="en-US" sz="2800" b="0" i="1" dirty="0" smtClean="0">
+                        <a:latin typeface="Cambria Math"/>
+                      </a:rPr>
+                      <m:t>−</m:t>
+                    </m:r>
+                    <m:sSup>
+                      <m:sSupPr>
+                        <m:ctrlPr>
+                          <a:rPr lang="en-US" sz="2800" b="0" i="1" dirty="0" smtClean="0">
+                            <a:latin typeface="Cambria Math"/>
+                          </a:rPr>
+                        </m:ctrlPr>
+                      </m:sSupPr>
+                      <m:e>
+                        <m:r>
+                          <a:rPr lang="en-US" sz="2800" b="0" i="1" dirty="0" smtClean="0">
+                            <a:latin typeface="Cambria Math"/>
+                          </a:rPr>
+                          <m:t>𝑥</m:t>
+                        </m:r>
+                      </m:e>
+                      <m:sup>
+                        <m:r>
+                          <a:rPr lang="en-US" sz="2800" b="0" i="1" dirty="0" smtClean="0">
+                            <a:latin typeface="Cambria Math"/>
+                          </a:rPr>
+                          <m:t>∗</m:t>
+                        </m:r>
+                      </m:sup>
+                    </m:sSup>
+                  </m:oMath>
+                </a14:m>
+                <a:r>
+                  <a:rPr lang="en-US" sz="2800" dirty="0" smtClean="0"/>
+                  <a:t> we have:</a:t>
+                </a:r>
+              </a:p>
+              <a:p>
+                <a:pPr marL="0" indent="0">
+                  <a:buNone/>
+                </a:pPr>
+                <a14:m>
+                  <m:oMathPara xmlns:m="http://schemas.openxmlformats.org/officeDocument/2006/math">
+                    <m:oMathParaPr>
+                      <m:jc m:val="centerGroup"/>
+                    </m:oMathParaPr>
+                    <m:oMath xmlns:m="http://schemas.openxmlformats.org/officeDocument/2006/math">
+                      <m:sSubSup>
+                        <m:sSubSupPr>
+                          <m:ctrlPr>
+                            <a:rPr lang="en-US" sz="2800" b="0" i="1" smtClean="0">
+                              <a:latin typeface="Cambria Math"/>
+                            </a:rPr>
+                          </m:ctrlPr>
+                        </m:sSubSupPr>
+                        <m:e>
+                          <m:r>
+                            <a:rPr lang="en-US" sz="2800" b="0" i="1" smtClean="0">
+                              <a:latin typeface="Cambria Math"/>
+                            </a:rPr>
+                            <m:t>𝜆</m:t>
+                          </m:r>
+                        </m:e>
+                        <m:sub>
+                          <m:r>
+                            <a:rPr lang="en-US" sz="2800" b="0" i="1" smtClean="0">
+                              <a:latin typeface="Cambria Math"/>
+                            </a:rPr>
+                            <m:t>𝑠</m:t>
+                          </m:r>
+                        </m:sub>
+                        <m:sup>
+                          <m:r>
+                            <a:rPr lang="en-US" sz="2800" b="0" i="1" smtClean="0">
+                              <a:latin typeface="Cambria Math"/>
+                            </a:rPr>
+                            <m:t>2</m:t>
+                          </m:r>
+                        </m:sup>
+                      </m:sSubSup>
+                      <m:sSub>
+                        <m:sSubPr>
+                          <m:ctrlPr>
+                            <a:rPr lang="en-US" sz="2800" b="0" i="1" smtClean="0">
+                              <a:latin typeface="Cambria Math"/>
+                            </a:rPr>
+                          </m:ctrlPr>
+                        </m:sSubPr>
+                        <m:e>
+                          <m:r>
+                            <a:rPr lang="en-US" sz="2800" b="0" i="1" smtClean="0">
+                              <a:latin typeface="Cambria Math"/>
+                            </a:rPr>
+                            <m:t>𝛿</m:t>
+                          </m:r>
+                        </m:e>
+                        <m:sub>
+                          <m:r>
+                            <a:rPr lang="en-US" sz="2800" b="0" i="1" smtClean="0">
+                              <a:latin typeface="Cambria Math"/>
+                            </a:rPr>
+                            <m:t>𝑠</m:t>
+                          </m:r>
+                          <m:r>
+                            <a:rPr lang="en-US" sz="2800" b="0" i="1" smtClean="0">
+                              <a:latin typeface="Cambria Math"/>
+                            </a:rPr>
+                            <m:t>+1</m:t>
+                          </m:r>
+                        </m:sub>
+                      </m:sSub>
+                      <m:r>
+                        <a:rPr lang="en-US" sz="2800" b="0" i="1" smtClean="0">
+                          <a:latin typeface="Cambria Math"/>
+                        </a:rPr>
+                        <m:t>−</m:t>
+                      </m:r>
+                      <m:sSubSup>
+                        <m:sSubSupPr>
+                          <m:ctrlPr>
+                            <a:rPr lang="en-US" sz="2800" b="0" i="1" smtClean="0">
+                              <a:latin typeface="Cambria Math"/>
+                            </a:rPr>
+                          </m:ctrlPr>
+                        </m:sSubSupPr>
+                        <m:e>
+                          <m:r>
+                            <a:rPr lang="en-US" sz="2800" b="0" i="1" smtClean="0">
+                              <a:latin typeface="Cambria Math"/>
+                            </a:rPr>
+                            <m:t>𝜆</m:t>
+                          </m:r>
+                        </m:e>
+                        <m:sub>
+                          <m:r>
+                            <a:rPr lang="en-US" sz="2800" b="0" i="1" smtClean="0">
+                              <a:latin typeface="Cambria Math"/>
+                            </a:rPr>
+                            <m:t>𝑠</m:t>
+                          </m:r>
+                          <m:r>
+                            <a:rPr lang="en-US" sz="2800" b="0" i="1" smtClean="0">
+                              <a:latin typeface="Cambria Math"/>
+                            </a:rPr>
+                            <m:t>−1</m:t>
+                          </m:r>
+                        </m:sub>
+                        <m:sup>
+                          <m:r>
+                            <a:rPr lang="en-US" sz="2800" b="0" i="1" smtClean="0">
+                              <a:latin typeface="Cambria Math"/>
+                            </a:rPr>
+                            <m:t>2</m:t>
+                          </m:r>
+                        </m:sup>
+                      </m:sSubSup>
+                      <m:sSub>
+                        <m:sSubPr>
+                          <m:ctrlPr>
+                            <a:rPr lang="en-US" sz="2800" b="0" i="1" smtClean="0">
+                              <a:latin typeface="Cambria Math"/>
+                            </a:rPr>
+                          </m:ctrlPr>
+                        </m:sSubPr>
+                        <m:e>
+                          <m:r>
+                            <a:rPr lang="en-US" sz="2800" b="0" i="1" smtClean="0">
+                              <a:latin typeface="Cambria Math"/>
+                            </a:rPr>
+                            <m:t>𝛿</m:t>
+                          </m:r>
+                        </m:e>
+                        <m:sub>
+                          <m:r>
+                            <a:rPr lang="en-US" sz="2800" b="0" i="1" smtClean="0">
+                              <a:latin typeface="Cambria Math"/>
+                            </a:rPr>
+                            <m:t>𝑠</m:t>
+                          </m:r>
+                        </m:sub>
+                      </m:sSub>
+                      <m:r>
+                        <a:rPr lang="en-US" sz="2800" b="0" i="1" smtClean="0">
+                          <a:latin typeface="Cambria Math"/>
+                        </a:rPr>
+                        <m:t>≤</m:t>
+                      </m:r>
+                      <m:f>
+                        <m:fPr>
+                          <m:ctrlPr>
+                            <a:rPr lang="en-US" sz="2800" b="0" i="1" smtClean="0">
+                              <a:latin typeface="Cambria Math"/>
+                            </a:rPr>
+                          </m:ctrlPr>
+                        </m:fPr>
+                        <m:num>
+                          <m:r>
+                            <a:rPr lang="en-US" sz="2800" b="0" i="1" smtClean="0">
+                              <a:latin typeface="Cambria Math"/>
+                            </a:rPr>
+                            <m:t>𝛽</m:t>
+                          </m:r>
+                        </m:num>
+                        <m:den>
+                          <m:r>
+                            <a:rPr lang="en-US" sz="2800" b="0" i="1" smtClean="0">
+                              <a:latin typeface="Cambria Math"/>
+                            </a:rPr>
+                            <m:t>2</m:t>
+                          </m:r>
+                        </m:den>
+                      </m:f>
+                      <m:d>
+                        <m:dPr>
+                          <m:ctrlPr>
+                            <a:rPr lang="en-US" sz="2800" b="0" i="1" smtClean="0">
+                              <a:latin typeface="Cambria Math"/>
+                            </a:rPr>
+                          </m:ctrlPr>
+                        </m:dPr>
+                        <m:e>
+                          <m:sSup>
+                            <m:sSupPr>
+                              <m:ctrlPr>
+                                <a:rPr lang="en-US" sz="2800" b="0" i="1" smtClean="0">
+                                  <a:latin typeface="Cambria Math"/>
+                                </a:rPr>
+                              </m:ctrlPr>
+                            </m:sSupPr>
+                            <m:e>
+                              <m:d>
+                                <m:dPr>
+                                  <m:begChr m:val="|"/>
+                                  <m:endChr m:val="|"/>
+                                  <m:ctrlPr>
+                                    <a:rPr lang="en-US" sz="2800" b="0" i="1" smtClean="0">
+                                      <a:latin typeface="Cambria Math"/>
+                                    </a:rPr>
+                                  </m:ctrlPr>
+                                </m:dPr>
+                                <m:e>
+                                  <m:d>
+                                    <m:dPr>
+                                      <m:begChr m:val="|"/>
+                                      <m:endChr m:val="|"/>
+                                      <m:ctrlPr>
+                                        <a:rPr lang="en-US" sz="2800" b="0" i="1" smtClean="0">
+                                          <a:latin typeface="Cambria Math"/>
+                                        </a:rPr>
+                                      </m:ctrlPr>
+                                    </m:dPr>
+                                    <m:e>
+                                      <m:sSub>
+                                        <m:sSubPr>
+                                          <m:ctrlPr>
+                                            <a:rPr lang="en-US" sz="2800" b="0" i="1" smtClean="0">
+                                              <a:latin typeface="Cambria Math"/>
+                                            </a:rPr>
+                                          </m:ctrlPr>
+                                        </m:sSubPr>
+                                        <m:e>
+                                          <m:r>
+                                            <a:rPr lang="en-US" sz="2800" b="0" i="1" smtClean="0">
+                                              <a:latin typeface="Cambria Math"/>
+                                            </a:rPr>
+                                            <m:t>𝑢</m:t>
+                                          </m:r>
+                                        </m:e>
+                                        <m:sub>
+                                          <m:r>
+                                            <a:rPr lang="en-US" sz="2800" b="0" i="1" smtClean="0">
+                                              <a:latin typeface="Cambria Math"/>
+                                            </a:rPr>
+                                            <m:t>𝑠</m:t>
+                                          </m:r>
+                                        </m:sub>
+                                      </m:sSub>
+                                    </m:e>
+                                  </m:d>
+                                </m:e>
+                              </m:d>
+                            </m:e>
+                            <m:sup>
+                              <m:r>
+                                <a:rPr lang="en-US" sz="2800" b="0" i="1" smtClean="0">
+                                  <a:latin typeface="Cambria Math"/>
+                                </a:rPr>
+                                <m:t>2</m:t>
+                              </m:r>
+                            </m:sup>
+                          </m:sSup>
+                          <m:r>
+                            <a:rPr lang="en-US" sz="2800" b="0" i="1" smtClean="0">
+                              <a:latin typeface="Cambria Math"/>
+                            </a:rPr>
+                            <m:t>−</m:t>
+                          </m:r>
+                          <m:sSup>
+                            <m:sSupPr>
+                              <m:ctrlPr>
+                                <a:rPr lang="en-US" sz="2800" b="0" i="1" smtClean="0">
+                                  <a:latin typeface="Cambria Math"/>
+                                </a:rPr>
+                              </m:ctrlPr>
+                            </m:sSupPr>
+                            <m:e>
+                              <m:d>
+                                <m:dPr>
+                                  <m:begChr m:val="|"/>
+                                  <m:endChr m:val="|"/>
+                                  <m:ctrlPr>
+                                    <a:rPr lang="en-US" sz="2800" b="0" i="1" smtClean="0">
+                                      <a:latin typeface="Cambria Math"/>
+                                    </a:rPr>
+                                  </m:ctrlPr>
+                                </m:dPr>
+                                <m:e>
+                                  <m:d>
+                                    <m:dPr>
+                                      <m:begChr m:val="|"/>
+                                      <m:endChr m:val="|"/>
+                                      <m:ctrlPr>
+                                        <a:rPr lang="en-US" sz="2800" b="0" i="1" smtClean="0">
+                                          <a:latin typeface="Cambria Math"/>
+                                        </a:rPr>
+                                      </m:ctrlPr>
+                                    </m:dPr>
+                                    <m:e>
+                                      <m:sSub>
+                                        <m:sSubPr>
+                                          <m:ctrlPr>
+                                            <a:rPr lang="en-US" sz="2800" b="0" i="1" smtClean="0">
+                                              <a:latin typeface="Cambria Math"/>
+                                            </a:rPr>
+                                          </m:ctrlPr>
+                                        </m:sSubPr>
+                                        <m:e>
+                                          <m:r>
+                                            <a:rPr lang="en-US" sz="2800" b="0" i="1" smtClean="0">
+                                              <a:latin typeface="Cambria Math"/>
+                                            </a:rPr>
+                                            <m:t>𝑢</m:t>
+                                          </m:r>
+                                        </m:e>
+                                        <m:sub>
+                                          <m:r>
+                                            <a:rPr lang="en-US" sz="2800" b="0" i="1" smtClean="0">
+                                              <a:latin typeface="Cambria Math"/>
+                                            </a:rPr>
+                                            <m:t>𝑠</m:t>
+                                          </m:r>
+                                          <m:r>
+                                            <a:rPr lang="en-US" sz="2800" b="0" i="1" smtClean="0">
+                                              <a:latin typeface="Cambria Math"/>
+                                            </a:rPr>
+                                            <m:t>+1</m:t>
+                                          </m:r>
+                                        </m:sub>
+                                      </m:sSub>
+                                    </m:e>
+                                  </m:d>
+                                </m:e>
+                              </m:d>
+                            </m:e>
+                            <m:sup>
+                              <m:r>
+                                <a:rPr lang="en-US" sz="2800" b="0" i="1" smtClean="0">
+                                  <a:latin typeface="Cambria Math"/>
+                                </a:rPr>
+                                <m:t>2</m:t>
+                              </m:r>
+                            </m:sup>
+                          </m:sSup>
+                        </m:e>
+                      </m:d>
+                    </m:oMath>
+                  </m:oMathPara>
+                </a14:m>
+                <a:endParaRPr lang="en-US" sz="2800" b="0" i="1" dirty="0" smtClean="0">
+                  <a:latin typeface="Cambria Math"/>
+                </a:endParaRPr>
+              </a:p>
+              <a:p>
+                <a:r>
+                  <a:rPr lang="en-US" sz="2800" dirty="0" smtClean="0">
+                    <a:latin typeface="Cambria Math"/>
+                  </a:rPr>
+                  <a:t>Adding up over </a:t>
+                </a:r>
+                <a14:m>
+                  <m:oMath xmlns:m="http://schemas.openxmlformats.org/officeDocument/2006/math">
+                    <m:r>
+                      <a:rPr lang="en-US" sz="2800" b="0" i="1" smtClean="0">
+                        <a:latin typeface="Cambria Math"/>
+                      </a:rPr>
+                      <m:t>𝑠</m:t>
+                    </m:r>
+                    <m:r>
+                      <a:rPr lang="en-US" sz="2800" b="0" i="1" smtClean="0">
+                        <a:latin typeface="Cambria Math"/>
+                      </a:rPr>
+                      <m:t>=1</m:t>
+                    </m:r>
+                  </m:oMath>
+                </a14:m>
+                <a:r>
+                  <a:rPr lang="en-US" sz="2800" b="0" dirty="0" smtClean="0">
+                    <a:latin typeface="Cambria Math"/>
+                  </a:rPr>
+                  <a:t> to </a:t>
+                </a:r>
+                <a14:m>
+                  <m:oMath xmlns:m="http://schemas.openxmlformats.org/officeDocument/2006/math">
+                    <m:r>
+                      <a:rPr lang="en-US" sz="2800" b="0" i="1" smtClean="0">
+                        <a:latin typeface="Cambria Math"/>
+                      </a:rPr>
+                      <m:t>𝑠</m:t>
+                    </m:r>
+                    <m:r>
+                      <a:rPr lang="en-US" sz="2800" b="0" i="1" smtClean="0">
+                        <a:latin typeface="Cambria Math"/>
+                      </a:rPr>
+                      <m:t>=</m:t>
+                    </m:r>
+                    <m:r>
+                      <a:rPr lang="en-US" sz="2800" b="0" i="1" smtClean="0">
+                        <a:latin typeface="Cambria Math"/>
+                      </a:rPr>
+                      <m:t>𝑡</m:t>
+                    </m:r>
+                    <m:r>
+                      <a:rPr lang="en-US" sz="2800" b="0" i="1" smtClean="0">
+                        <a:latin typeface="Cambria Math"/>
+                      </a:rPr>
+                      <m:t>−1</m:t>
+                    </m:r>
+                  </m:oMath>
+                </a14:m>
+                <a:r>
+                  <a:rPr lang="en-US" sz="2800" b="0" dirty="0" smtClean="0">
+                    <a:latin typeface="Cambria Math"/>
+                  </a:rPr>
+                  <a:t>:</a:t>
+                </a:r>
+              </a:p>
+              <a:p>
+                <a:pPr marL="0" indent="0">
+                  <a:buNone/>
+                </a:pPr>
+                <a14:m>
+                  <m:oMathPara xmlns:m="http://schemas.openxmlformats.org/officeDocument/2006/math">
+                    <m:oMathParaPr>
+                      <m:jc m:val="centerGroup"/>
+                    </m:oMathParaPr>
+                    <m:oMath xmlns:m="http://schemas.openxmlformats.org/officeDocument/2006/math">
+                      <m:sSub>
+                        <m:sSubPr>
+                          <m:ctrlPr>
+                            <a:rPr lang="en-US" sz="2800" b="0" i="1" smtClean="0">
+                              <a:latin typeface="Cambria Math"/>
+                            </a:rPr>
+                          </m:ctrlPr>
+                        </m:sSubPr>
+                        <m:e>
+                          <m:r>
+                            <a:rPr lang="en-US" sz="2800" b="0" i="1" smtClean="0">
+                              <a:latin typeface="Cambria Math"/>
+                            </a:rPr>
+                            <m:t>𝛿</m:t>
+                          </m:r>
+                        </m:e>
+                        <m:sub>
+                          <m:r>
+                            <a:rPr lang="en-US" sz="2800" b="0" i="1" smtClean="0">
+                              <a:latin typeface="Cambria Math"/>
+                            </a:rPr>
+                            <m:t>𝑡</m:t>
+                          </m:r>
+                        </m:sub>
+                      </m:sSub>
+                      <m:r>
+                        <a:rPr lang="en-US" sz="2800" b="0" i="1" smtClean="0">
+                          <a:latin typeface="Cambria Math"/>
+                        </a:rPr>
+                        <m:t>≤</m:t>
+                      </m:r>
+                      <m:f>
+                        <m:fPr>
+                          <m:ctrlPr>
+                            <a:rPr lang="en-US" sz="2800" b="0" i="1" smtClean="0">
+                              <a:latin typeface="Cambria Math"/>
+                            </a:rPr>
+                          </m:ctrlPr>
+                        </m:fPr>
+                        <m:num>
+                          <m:r>
+                            <a:rPr lang="en-US" sz="2800" b="0" i="1" smtClean="0">
+                              <a:latin typeface="Cambria Math"/>
+                            </a:rPr>
+                            <m:t>𝛽</m:t>
+                          </m:r>
+                        </m:num>
+                        <m:den>
+                          <m:r>
+                            <a:rPr lang="en-US" sz="2800" b="0" i="1" smtClean="0">
+                              <a:latin typeface="Cambria Math"/>
+                            </a:rPr>
+                            <m:t>2</m:t>
+                          </m:r>
+                          <m:sSubSup>
+                            <m:sSubSupPr>
+                              <m:ctrlPr>
+                                <a:rPr lang="en-US" sz="2800" b="0" i="1" smtClean="0">
+                                  <a:latin typeface="Cambria Math"/>
+                                </a:rPr>
+                              </m:ctrlPr>
+                            </m:sSubSupPr>
+                            <m:e>
+                              <m:r>
+                                <a:rPr lang="en-US" sz="2800" b="0" i="1" smtClean="0">
+                                  <a:latin typeface="Cambria Math"/>
+                                </a:rPr>
+                                <m:t>𝜆</m:t>
+                              </m:r>
+                            </m:e>
+                            <m:sub>
+                              <m:r>
+                                <a:rPr lang="en-US" sz="2800" b="0" i="1" smtClean="0">
+                                  <a:latin typeface="Cambria Math"/>
+                                </a:rPr>
+                                <m:t>𝑡</m:t>
+                              </m:r>
+                              <m:r>
+                                <a:rPr lang="en-US" sz="2800" b="0" i="1" smtClean="0">
+                                  <a:latin typeface="Cambria Math"/>
+                                </a:rPr>
+                                <m:t>−1</m:t>
+                              </m:r>
+                            </m:sub>
+                            <m:sup>
+                              <m:r>
+                                <a:rPr lang="en-US" sz="2800" b="0" i="1" smtClean="0">
+                                  <a:latin typeface="Cambria Math"/>
+                                </a:rPr>
+                                <m:t>2</m:t>
+                              </m:r>
+                            </m:sup>
+                          </m:sSubSup>
+                        </m:den>
+                      </m:f>
+                      <m:sSup>
+                        <m:sSupPr>
+                          <m:ctrlPr>
+                            <a:rPr lang="en-US" sz="2800" b="0" i="1" smtClean="0">
+                              <a:latin typeface="Cambria Math"/>
+                            </a:rPr>
+                          </m:ctrlPr>
+                        </m:sSupPr>
+                        <m:e>
+                          <m:d>
+                            <m:dPr>
+                              <m:begChr m:val="|"/>
+                              <m:endChr m:val="|"/>
+                              <m:ctrlPr>
+                                <a:rPr lang="en-US" sz="2800" b="0" i="1" smtClean="0">
+                                  <a:latin typeface="Cambria Math"/>
+                                </a:rPr>
+                              </m:ctrlPr>
+                            </m:dPr>
+                            <m:e>
+                              <m:d>
+                                <m:dPr>
+                                  <m:begChr m:val="|"/>
+                                  <m:endChr m:val="|"/>
+                                  <m:ctrlPr>
+                                    <a:rPr lang="en-US" sz="2800" b="0" i="1" smtClean="0">
+                                      <a:latin typeface="Cambria Math"/>
+                                    </a:rPr>
+                                  </m:ctrlPr>
+                                </m:dPr>
+                                <m:e>
+                                  <m:sSub>
+                                    <m:sSubPr>
+                                      <m:ctrlPr>
+                                        <a:rPr lang="en-US" sz="2800" b="0" i="1" smtClean="0">
+                                          <a:latin typeface="Cambria Math"/>
+                                        </a:rPr>
+                                      </m:ctrlPr>
+                                    </m:sSubPr>
+                                    <m:e>
+                                      <m:r>
+                                        <a:rPr lang="en-US" sz="2800" b="0" i="1" smtClean="0">
+                                          <a:latin typeface="Cambria Math"/>
+                                        </a:rPr>
+                                        <m:t>𝑢</m:t>
+                                      </m:r>
+                                    </m:e>
+                                    <m:sub>
+                                      <m:r>
+                                        <a:rPr lang="en-US" sz="2800" b="0" i="1" smtClean="0">
+                                          <a:latin typeface="Cambria Math"/>
+                                        </a:rPr>
+                                        <m:t>1</m:t>
+                                      </m:r>
+                                    </m:sub>
+                                  </m:sSub>
+                                </m:e>
+                              </m:d>
+                            </m:e>
+                          </m:d>
+                        </m:e>
+                        <m:sup>
+                          <m:r>
+                            <a:rPr lang="en-US" sz="2800" b="0" i="1" smtClean="0">
+                              <a:latin typeface="Cambria Math"/>
+                            </a:rPr>
+                            <m:t>2</m:t>
+                          </m:r>
+                        </m:sup>
+                      </m:sSup>
+                    </m:oMath>
+                  </m:oMathPara>
+                </a14:m>
+                <a:endParaRPr lang="en-US" sz="2800" b="0" dirty="0" smtClean="0">
+                  <a:latin typeface="Cambria Math"/>
+                </a:endParaRPr>
+              </a:p>
+              <a:p>
+                <a:r>
+                  <a:rPr lang="en-US" sz="2800" b="0" dirty="0" smtClean="0">
+                    <a:latin typeface="Cambria Math"/>
+                  </a:rPr>
+                  <a:t>By induction </a:t>
+                </a:r>
+                <a14:m>
+                  <m:oMath xmlns:m="http://schemas.openxmlformats.org/officeDocument/2006/math">
+                    <m:sSub>
+                      <m:sSubPr>
+                        <m:ctrlPr>
+                          <a:rPr lang="en-US" sz="2800" b="0" i="1" smtClean="0">
+                            <a:latin typeface="Cambria Math"/>
+                          </a:rPr>
+                        </m:ctrlPr>
+                      </m:sSubPr>
+                      <m:e>
+                        <m:r>
+                          <a:rPr lang="en-US" sz="2800" b="0" i="1" smtClean="0">
+                            <a:latin typeface="Cambria Math"/>
+                          </a:rPr>
+                          <m:t>𝜆</m:t>
+                        </m:r>
+                      </m:e>
+                      <m:sub>
+                        <m:r>
+                          <a:rPr lang="en-US" sz="2800" b="0" i="1" smtClean="0">
+                            <a:latin typeface="Cambria Math"/>
+                          </a:rPr>
+                          <m:t>𝑡</m:t>
+                        </m:r>
+                        <m:r>
+                          <a:rPr lang="en-US" sz="2800" b="0" i="1" smtClean="0">
+                            <a:latin typeface="Cambria Math"/>
+                          </a:rPr>
+                          <m:t>−1</m:t>
+                        </m:r>
+                      </m:sub>
+                    </m:sSub>
+                    <m:r>
+                      <a:rPr lang="en-US" sz="2800" b="0" i="1" smtClean="0">
+                        <a:latin typeface="Cambria Math"/>
+                      </a:rPr>
+                      <m:t>≥</m:t>
+                    </m:r>
+                    <m:f>
+                      <m:fPr>
+                        <m:ctrlPr>
+                          <a:rPr lang="en-US" sz="2800" b="0" i="1" smtClean="0">
+                            <a:latin typeface="Cambria Math"/>
+                          </a:rPr>
+                        </m:ctrlPr>
+                      </m:fPr>
+                      <m:num>
+                        <m:r>
+                          <a:rPr lang="en-US" sz="2800" b="0" i="1" smtClean="0">
+                            <a:latin typeface="Cambria Math"/>
+                          </a:rPr>
+                          <m:t>𝑡</m:t>
+                        </m:r>
+                      </m:num>
+                      <m:den>
+                        <m:r>
+                          <a:rPr lang="en-US" sz="2800" b="0" i="1" smtClean="0">
+                            <a:latin typeface="Cambria Math"/>
+                          </a:rPr>
+                          <m:t>2</m:t>
+                        </m:r>
+                      </m:den>
+                    </m:f>
+                    <m:r>
+                      <a:rPr lang="en-US" sz="2800" b="0" i="1" smtClean="0">
+                        <a:latin typeface="Cambria Math"/>
+                      </a:rPr>
+                      <m:t>.</m:t>
+                    </m:r>
+                  </m:oMath>
+                </a14:m>
+                <a:r>
+                  <a:rPr lang="en-US" sz="2800" b="0" dirty="0" smtClean="0">
+                    <a:latin typeface="Cambria Math"/>
+                  </a:rPr>
+                  <a:t>      Q.E.D.</a:t>
+                </a:r>
+                <a:endParaRPr lang="en-US" sz="2800" b="0" dirty="0" smtClean="0">
+                  <a:latin typeface="Cambria Math"/>
+                </a:endParaRPr>
+              </a:p>
+              <a:p>
+                <a:pPr marL="0" indent="0">
+                  <a:buNone/>
+                </a:pPr>
+                <a:endParaRPr lang="en-US" sz="2800" dirty="0"/>
+              </a:p>
+            </p:txBody>
+          </p:sp>
+        </mc:Choice>
+        <mc:Fallback>
+          <p:sp>
+            <p:nvSpPr>
+              <p:cNvPr id="3" name="Content Placeholder 2"/>
+              <p:cNvSpPr>
+                <a:spLocks noGrp="1" noRot="1" noChangeAspect="1" noMove="1" noResize="1" noEditPoints="1" noAdjustHandles="1" noChangeArrowheads="1" noChangeShapeType="1" noTextEdit="1"/>
+              </p:cNvSpPr>
+              <p:nvPr>
+                <p:ph idx="1"/>
+              </p:nvPr>
+            </p:nvSpPr>
+            <p:spPr>
+              <a:xfrm>
+                <a:off x="457200" y="1600200"/>
+                <a:ext cx="8229600" cy="5029200"/>
+              </a:xfrm>
+              <a:blipFill rotWithShape="1">
+                <a:blip r:embed="rId2"/>
+                <a:stretch>
+                  <a:fillRect l="-1481" t="-3152"/>
+                </a:stretch>
+              </a:blipFill>
+            </p:spPr>
+            <p:txBody>
+              <a:bodyPr/>
+              <a:lstStyle/>
+              <a:p>
+                <a:r>
+                  <a:rPr lang="en-US">
+                    <a:noFill/>
+                  </a:rPr>
+                  <a:t> </a:t>
+                </a:r>
+              </a:p>
+            </p:txBody>
+          </p:sp>
+        </mc:Fallback>
+      </mc:AlternateContent>
+    </p:spTree>
+    <p:extLst>
+      <p:ext uri="{BB962C8B-B14F-4D97-AF65-F5344CB8AC3E}">
+        <p14:creationId xmlns:p14="http://schemas.microsoft.com/office/powerpoint/2010/main" val="1166918166"/>
+      </p:ext>
+    </p:extLst>
+  </p:cSld>
+  <p:clrMapOvr>
+    <a:masterClrMapping/>
+  </p:clrMapOvr>
+  <p:timing>
+    <p:tnLst>
+      <p:par>
+        <p:cTn id="1" dur="indefinite" restart="never" nodeType="tmRoot"/>
+      </p:par>
+    </p:tnLst>
+  </p:timing>
+</p:sld>
+</file>
+
+<file path=ppt/slides/slide15.xml><?xml version="1.0" encoding="utf-8"?>
+<p:sld xmlns:a="http://schemas.openxmlformats.org/drawingml/2006/main" xmlns:r="http://schemas.openxmlformats.org/officeDocument/2006/relationships" xmlns:p="http://schemas.openxmlformats.org/presentationml/2006/main">
+  <p:cSld>
+    <p:spTree>
+      <p:nvGrpSpPr>
+        <p:cNvPr id="1" name=""/>
+        <p:cNvGrpSpPr/>
+        <p:nvPr/>
+      </p:nvGrpSpPr>
+      <p:grpSpPr>
+        <a:xfrm>
+          <a:off x="0" y="0"/>
+          <a:ext cx="0" cy="0"/>
+          <a:chOff x="0" y="0"/>
+          <a:chExt cx="0" cy="0"/>
+        </a:xfrm>
+      </p:grpSpPr>
+      <p:sp>
+        <p:nvSpPr>
+          <p:cNvPr id="2" name="Title 1"/>
+          <p:cNvSpPr>
+            <a:spLocks noGrp="1"/>
+          </p:cNvSpPr>
+          <p:nvPr>
+            <p:ph type="title"/>
+          </p:nvPr>
+        </p:nvSpPr>
+        <p:spPr/>
+        <p:txBody>
+          <a:bodyPr/>
+          <a:lstStyle/>
+          <a:p>
+            <a:endParaRPr lang="en-US"/>
+          </a:p>
+        </p:txBody>
+      </p:sp>
+      <p:sp>
+        <p:nvSpPr>
+          <p:cNvPr id="3" name="Content Placeholder 2"/>
+          <p:cNvSpPr>
+            <a:spLocks noGrp="1"/>
+          </p:cNvSpPr>
+          <p:nvPr>
+            <p:ph idx="1"/>
+          </p:nvPr>
+        </p:nvSpPr>
+        <p:spPr/>
+        <p:txBody>
+          <a:bodyPr/>
+          <a:lstStyle/>
+          <a:p>
+            <a:endParaRPr lang="en-US"/>
+          </a:p>
+        </p:txBody>
+      </p:sp>
+    </p:spTree>
+    <p:extLst>
+      <p:ext uri="{BB962C8B-B14F-4D97-AF65-F5344CB8AC3E}">
+        <p14:creationId xmlns:p14="http://schemas.microsoft.com/office/powerpoint/2010/main" val="3108850632"/>
+      </p:ext>
+    </p:extLst>
+  </p:cSld>
+  <p:clrMapOvr>
+    <a:masterClrMapping/>
+  </p:clrMapOvr>
+  <p:timing>
+    <p:tnLst>
+      <p:par>
+        <p:cTn id="1" dur="indefinite" restart="never" nodeType="tmRoot"/>
+      </p:par>
+    </p:tnLst>
+  </p:timing>
+</p:sld>
+</file>
+
 <file path=ppt/slides/slide2.xml><?xml version="1.0" encoding="utf-8"?>
 <p:sld xmlns:a="http://schemas.openxmlformats.org/drawingml/2006/main" xmlns:r="http://schemas.openxmlformats.org/officeDocument/2006/relationships" xmlns:p="http://schemas.openxmlformats.org/presentationml/2006/main">
   <p:cSld>
@@ -3585,7 +12470,13 @@
                       <a:rPr lang="en-US" b="0" i="1" dirty="0" smtClean="0">
                         <a:latin typeface="Cambria Math"/>
                       </a:rPr>
-                      <m:t>=0</m:t>
+                      <m:t>=</m:t>
+                    </m:r>
+                    <m:r>
+                      <a:rPr lang="en-US" b="0" i="1" dirty="0" smtClean="0">
+                        <a:latin typeface="Cambria Math"/>
+                      </a:rPr>
+                      <m:t>0</m:t>
                     </m:r>
                   </m:oMath>
                 </a14:m>
@@ -4333,7 +13224,13 @@
                           <a:rPr lang="en-US" b="0" i="1" smtClean="0">
                             <a:latin typeface="Cambria Math"/>
                           </a:rPr>
-                          <m:t>−1</m:t>
+                          <m:t>−</m:t>
+                        </m:r>
+                        <m:r>
+                          <a:rPr lang="en-US" b="0" i="1" smtClean="0">
+                            <a:latin typeface="Cambria Math"/>
+                          </a:rPr>
+                          <m:t>1</m:t>
                         </m:r>
                       </m:sup>
                     </m:sSup>
@@ -10455,13 +19352,7 @@
                           <a:rPr lang="en-US" b="0" i="1" smtClean="0">
                             <a:latin typeface="Cambria Math"/>
                           </a:rPr>
-                          <m:t>+</m:t>
-                        </m:r>
-                        <m:r>
-                          <a:rPr lang="en-US" b="0" i="1" smtClean="0">
-                            <a:latin typeface="Cambria Math"/>
-                          </a:rPr>
-                          <m:t>1</m:t>
+                          <m:t>+1</m:t>
                         </m:r>
                       </m:sub>
                     </m:sSub>
@@ -10506,13 +19397,7 @@
                       <a:rPr lang="en-US" b="0" i="1" smtClean="0">
                         <a:latin typeface="Cambria Math"/>
                       </a:rPr>
-                      <m:t>1</m:t>
-                    </m:r>
-                    <m:r>
-                      <a:rPr lang="en-US" b="0" i="1" smtClean="0">
-                        <a:latin typeface="Cambria Math"/>
-                      </a:rPr>
-                      <m:t>/</m:t>
+                      <m:t>1/</m:t>
                     </m:r>
                     <m:r>
                       <a:rPr lang="en-US" b="0" i="1" smtClean="0">
@@ -10831,13 +19716,7 @@
                           <a:rPr lang="en-US" b="0" i="1" smtClean="0">
                             <a:latin typeface="Cambria Math"/>
                           </a:rPr>
-                          <m:t>+</m:t>
-                        </m:r>
-                        <m:r>
-                          <a:rPr lang="en-US" b="0" i="1" smtClean="0">
-                            <a:latin typeface="Cambria Math"/>
-                          </a:rPr>
-                          <m:t>3</m:t>
+                          <m:t>+3</m:t>
                         </m:r>
                       </m:den>
                     </m:f>
@@ -10897,13 +19776,7 @@
                                 <a:rPr lang="en-US" b="0" i="1" smtClean="0">
                                   <a:latin typeface="Cambria Math"/>
                                 </a:rPr>
-                                <m:t>+</m:t>
-                              </m:r>
-                              <m:r>
-                                <a:rPr lang="en-US" b="0" i="1" smtClean="0">
-                                  <a:latin typeface="Cambria Math"/>
-                                </a:rPr>
-                                <m:t>1</m:t>
+                                <m:t>+1</m:t>
                               </m:r>
                             </m:sub>
                           </m:sSub>
@@ -11066,19 +19939,7 @@
                                 <a:rPr lang="en-US" b="0" i="1" smtClean="0">
                                   <a:latin typeface="Cambria Math"/>
                                 </a:rPr>
-                                <m:t>+</m:t>
-                              </m:r>
-                              <m:r>
-                                <a:rPr lang="en-US" b="0" i="1" smtClean="0">
-                                  <a:latin typeface="Cambria Math"/>
-                                </a:rPr>
-                                <m:t>1</m:t>
-                              </m:r>
-                              <m:r>
-                                <a:rPr lang="en-US" b="0" i="1" smtClean="0">
-                                  <a:latin typeface="Cambria Math"/>
-                                </a:rPr>
-                                <m:t> </m:t>
+                                <m:t>+1 </m:t>
                               </m:r>
                             </m:sub>
                           </m:sSub>
@@ -11204,13 +20065,7 @@
                                         <a:rPr lang="en-US" b="0" i="1" smtClean="0">
                                           <a:latin typeface="Cambria Math"/>
                                         </a:rPr>
-                                        <m:t>+</m:t>
-                                      </m:r>
-                                      <m:r>
-                                        <a:rPr lang="en-US" b="0" i="1" smtClean="0">
-                                          <a:latin typeface="Cambria Math"/>
-                                        </a:rPr>
-                                        <m:t>1</m:t>
+                                        <m:t>+1</m:t>
                                       </m:r>
                                     </m:sub>
                                   </m:sSub>
@@ -11555,13 +20410,7 @@
                           <a:rPr lang="en-US" b="0" i="1" smtClean="0">
                             <a:latin typeface="Cambria Math"/>
                           </a:rPr>
-                          <m:t>+</m:t>
-                        </m:r>
-                        <m:r>
-                          <a:rPr lang="en-US" b="0" i="1" smtClean="0">
-                            <a:latin typeface="Cambria Math"/>
-                          </a:rPr>
-                          <m:t>1</m:t>
+                          <m:t>+1</m:t>
                         </m:r>
                       </m:sub>
                     </m:sSub>
@@ -12207,13 +21056,7 @@
                           <a:rPr lang="en-US" b="0" i="1" smtClean="0">
                             <a:latin typeface="Cambria Math"/>
                           </a:rPr>
-                          <m:t>+</m:t>
-                        </m:r>
-                        <m:r>
-                          <a:rPr lang="en-US" b="0" i="1" smtClean="0">
-                            <a:latin typeface="Cambria Math"/>
-                          </a:rPr>
-                          <m:t>1</m:t>
+                          <m:t>+1</m:t>
                         </m:r>
                       </m:sub>
                     </m:sSub>
